--- a/output/presentation/Project_presentation_v2.pptx
+++ b/output/presentation/Project_presentation_v2.pptx
@@ -11,10 +11,13 @@
     <p:sldId id="262" r:id="rId5"/>
     <p:sldId id="263" r:id="rId6"/>
     <p:sldId id="265" r:id="rId7"/>
-    <p:sldId id="259" r:id="rId8"/>
-    <p:sldId id="264" r:id="rId9"/>
-    <p:sldId id="260" r:id="rId10"/>
-    <p:sldId id="261" r:id="rId11"/>
+    <p:sldId id="266" r:id="rId8"/>
+    <p:sldId id="259" r:id="rId9"/>
+    <p:sldId id="267" r:id="rId10"/>
+    <p:sldId id="264" r:id="rId11"/>
+    <p:sldId id="260" r:id="rId12"/>
+    <p:sldId id="269" r:id="rId13"/>
+    <p:sldId id="261" r:id="rId14"/>
   </p:sldIdLst>
   <p:sldSz cx="12192000" cy="6858000"/>
   <p:notesSz cx="6858000" cy="9144000"/>
@@ -113,18 +116,1349 @@
       </a:defRPr>
     </a:lvl9pPr>
   </p:defaultTextStyle>
+  <p:extLst>
+    <p:ext uri="{EFAFB233-063F-42B5-8137-9DF3F51BA10A}">
+      <p15:sldGuideLst xmlns:p15="http://schemas.microsoft.com/office/powerpoint/2012/main"/>
+    </p:ext>
+  </p:extLst>
 </p:presentation>
 </file>
 
 <file path=ppt/revisionInfo.xml><?xml version="1.0" encoding="utf-8"?>
 <p1510:revInfo xmlns:a="http://schemas.openxmlformats.org/drawingml/2006/main" xmlns:r="http://schemas.openxmlformats.org/officeDocument/2006/relationships" xmlns:p1510="http://schemas.microsoft.com/office/powerpoint/2015/10/main">
   <p1510:revLst>
-    <p1510:client id="{2ED746A6-FDEE-B246-8A76-D182F5DF8FCA}" v="25" dt="2023-03-24T01:02:30.738"/>
+    <p1510:client id="{2ED746A6-FDEE-B246-8A76-D182F5DF8FCA}" v="306" dt="2023-03-24T15:55:36.603"/>
   </p1510:revLst>
 </p1510:revInfo>
 </file>
 
+<file path=ppt/changesInfos/changesInfo1.xml><?xml version="1.0" encoding="utf-8"?>
+<pc:chgInfo xmlns:a="http://schemas.openxmlformats.org/drawingml/2006/main" xmlns:r="http://schemas.openxmlformats.org/officeDocument/2006/relationships" xmlns:ac="http://schemas.microsoft.com/office/drawing/2013/main/command" xmlns:pc="http://schemas.microsoft.com/office/powerpoint/2013/main/command">
+  <pc:docChgLst>
+    <pc:chgData name="Hugo Perdomo" userId="0589d851aa69abb1" providerId="LiveId" clId="{2ED746A6-FDEE-B246-8A76-D182F5DF8FCA}"/>
+    <pc:docChg chg="undo custSel addSld delSld modSld sldOrd">
+      <pc:chgData name="Hugo Perdomo" userId="0589d851aa69abb1" providerId="LiveId" clId="{2ED746A6-FDEE-B246-8A76-D182F5DF8FCA}" dt="2023-03-24T15:56:56.146" v="1666" actId="2696"/>
+      <pc:docMkLst>
+        <pc:docMk/>
+      </pc:docMkLst>
+      <pc:sldChg chg="addSp delSp modSp mod">
+        <pc:chgData name="Hugo Perdomo" userId="0589d851aa69abb1" providerId="LiveId" clId="{2ED746A6-FDEE-B246-8A76-D182F5DF8FCA}" dt="2023-03-24T15:46:46.218" v="1610" actId="1076"/>
+        <pc:sldMkLst>
+          <pc:docMk/>
+          <pc:sldMk cId="2568439162" sldId="260"/>
+        </pc:sldMkLst>
+        <pc:spChg chg="mod">
+          <ac:chgData name="Hugo Perdomo" userId="0589d851aa69abb1" providerId="LiveId" clId="{2ED746A6-FDEE-B246-8A76-D182F5DF8FCA}" dt="2023-03-24T14:40:23.961" v="270" actId="20577"/>
+          <ac:spMkLst>
+            <pc:docMk/>
+            <pc:sldMk cId="2568439162" sldId="260"/>
+            <ac:spMk id="2" creationId="{B40E3042-C55D-55CE-FD1D-2FAB100D1806}"/>
+          </ac:spMkLst>
+        </pc:spChg>
+        <pc:spChg chg="del">
+          <ac:chgData name="Hugo Perdomo" userId="0589d851aa69abb1" providerId="LiveId" clId="{2ED746A6-FDEE-B246-8A76-D182F5DF8FCA}" dt="2023-03-24T15:12:27.248" v="1180" actId="478"/>
+          <ac:spMkLst>
+            <pc:docMk/>
+            <pc:sldMk cId="2568439162" sldId="260"/>
+            <ac:spMk id="7" creationId="{F17519F6-BD6E-63AC-613C-B2DEA18C6246}"/>
+          </ac:spMkLst>
+        </pc:spChg>
+        <pc:spChg chg="add mod">
+          <ac:chgData name="Hugo Perdomo" userId="0589d851aa69abb1" providerId="LiveId" clId="{2ED746A6-FDEE-B246-8A76-D182F5DF8FCA}" dt="2023-03-24T15:45:50.847" v="1557" actId="1076"/>
+          <ac:spMkLst>
+            <pc:docMk/>
+            <pc:sldMk cId="2568439162" sldId="260"/>
+            <ac:spMk id="9" creationId="{DA4AD159-39A4-29E8-29D0-1632736770EA}"/>
+          </ac:spMkLst>
+        </pc:spChg>
+        <pc:spChg chg="add del mod">
+          <ac:chgData name="Hugo Perdomo" userId="0589d851aa69abb1" providerId="LiveId" clId="{2ED746A6-FDEE-B246-8A76-D182F5DF8FCA}" dt="2023-03-24T15:45:51.966" v="1559"/>
+          <ac:spMkLst>
+            <pc:docMk/>
+            <pc:sldMk cId="2568439162" sldId="260"/>
+            <ac:spMk id="10" creationId="{F651DF1B-A21A-5BA2-4AB7-F651AE4A8F0E}"/>
+          </ac:spMkLst>
+        </pc:spChg>
+        <pc:spChg chg="add mod">
+          <ac:chgData name="Hugo Perdomo" userId="0589d851aa69abb1" providerId="LiveId" clId="{2ED746A6-FDEE-B246-8A76-D182F5DF8FCA}" dt="2023-03-24T15:46:41.012" v="1608" actId="1076"/>
+          <ac:spMkLst>
+            <pc:docMk/>
+            <pc:sldMk cId="2568439162" sldId="260"/>
+            <ac:spMk id="11" creationId="{614BF7B4-8C92-B0DA-BC30-B4D12E3D2E1B}"/>
+          </ac:spMkLst>
+        </pc:spChg>
+        <pc:graphicFrameChg chg="add del mod modGraphic">
+          <ac:chgData name="Hugo Perdomo" userId="0589d851aa69abb1" providerId="LiveId" clId="{2ED746A6-FDEE-B246-8A76-D182F5DF8FCA}" dt="2023-03-24T15:42:14.979" v="1524" actId="478"/>
+          <ac:graphicFrameMkLst>
+            <pc:docMk/>
+            <pc:sldMk cId="2568439162" sldId="260"/>
+            <ac:graphicFrameMk id="5" creationId="{EAFB23F7-8ADB-7CE0-ED8A-F08286CC00D5}"/>
+          </ac:graphicFrameMkLst>
+        </pc:graphicFrameChg>
+        <pc:picChg chg="add del mod">
+          <ac:chgData name="Hugo Perdomo" userId="0589d851aa69abb1" providerId="LiveId" clId="{2ED746A6-FDEE-B246-8A76-D182F5DF8FCA}" dt="2023-03-24T15:21:09.145" v="1351" actId="478"/>
+          <ac:picMkLst>
+            <pc:docMk/>
+            <pc:sldMk cId="2568439162" sldId="260"/>
+            <ac:picMk id="3" creationId="{684DDA2D-285B-9736-2248-9E76433B91FF}"/>
+          </ac:picMkLst>
+        </pc:picChg>
+        <pc:picChg chg="add del mod modCrop">
+          <ac:chgData name="Hugo Perdomo" userId="0589d851aa69abb1" providerId="LiveId" clId="{2ED746A6-FDEE-B246-8A76-D182F5DF8FCA}" dt="2023-03-24T15:41:48.228" v="1519" actId="478"/>
+          <ac:picMkLst>
+            <pc:docMk/>
+            <pc:sldMk cId="2568439162" sldId="260"/>
+            <ac:picMk id="4" creationId="{260786F5-4EEA-8D4D-9529-D5A611B6FF3F}"/>
+          </ac:picMkLst>
+        </pc:picChg>
+        <pc:picChg chg="add mod">
+          <ac:chgData name="Hugo Perdomo" userId="0589d851aa69abb1" providerId="LiveId" clId="{2ED746A6-FDEE-B246-8A76-D182F5DF8FCA}" dt="2023-03-24T15:46:46.218" v="1610" actId="1076"/>
+          <ac:picMkLst>
+            <pc:docMk/>
+            <pc:sldMk cId="2568439162" sldId="260"/>
+            <ac:picMk id="6" creationId="{388174FA-31A4-DB8F-5EDF-F35E7F5E8877}"/>
+          </ac:picMkLst>
+        </pc:picChg>
+        <pc:picChg chg="add mod">
+          <ac:chgData name="Hugo Perdomo" userId="0589d851aa69abb1" providerId="LiveId" clId="{2ED746A6-FDEE-B246-8A76-D182F5DF8FCA}" dt="2023-03-24T15:46:16.230" v="1571" actId="1076"/>
+          <ac:picMkLst>
+            <pc:docMk/>
+            <pc:sldMk cId="2568439162" sldId="260"/>
+            <ac:picMk id="8" creationId="{B4045E95-F4C2-B051-B854-55F7EAA54C37}"/>
+          </ac:picMkLst>
+        </pc:picChg>
+      </pc:sldChg>
+      <pc:sldChg chg="modSp mod ord">
+        <pc:chgData name="Hugo Perdomo" userId="0589d851aa69abb1" providerId="LiveId" clId="{2ED746A6-FDEE-B246-8A76-D182F5DF8FCA}" dt="2023-03-24T15:56:43.423" v="1665" actId="27636"/>
+        <pc:sldMkLst>
+          <pc:docMk/>
+          <pc:sldMk cId="2075841855" sldId="264"/>
+        </pc:sldMkLst>
+        <pc:spChg chg="mod">
+          <ac:chgData name="Hugo Perdomo" userId="0589d851aa69abb1" providerId="LiveId" clId="{2ED746A6-FDEE-B246-8A76-D182F5DF8FCA}" dt="2023-03-24T14:05:10.915" v="7" actId="20577"/>
+          <ac:spMkLst>
+            <pc:docMk/>
+            <pc:sldMk cId="2075841855" sldId="264"/>
+            <ac:spMk id="2" creationId="{6BFB177E-629C-D5C0-80FC-FDA5B640DE3B}"/>
+          </ac:spMkLst>
+        </pc:spChg>
+        <pc:spChg chg="mod">
+          <ac:chgData name="Hugo Perdomo" userId="0589d851aa69abb1" providerId="LiveId" clId="{2ED746A6-FDEE-B246-8A76-D182F5DF8FCA}" dt="2023-03-24T15:56:43.423" v="1665" actId="27636"/>
+          <ac:spMkLst>
+            <pc:docMk/>
+            <pc:sldMk cId="2075841855" sldId="264"/>
+            <ac:spMk id="3" creationId="{36A9321C-1E6D-A631-D399-E67D3E392753}"/>
+          </ac:spMkLst>
+        </pc:spChg>
+      </pc:sldChg>
+      <pc:sldChg chg="addSp delSp modSp mod">
+        <pc:chgData name="Hugo Perdomo" userId="0589d851aa69abb1" providerId="LiveId" clId="{2ED746A6-FDEE-B246-8A76-D182F5DF8FCA}" dt="2023-03-24T15:06:16.638" v="1120" actId="6549"/>
+        <pc:sldMkLst>
+          <pc:docMk/>
+          <pc:sldMk cId="1685521557" sldId="265"/>
+        </pc:sldMkLst>
+        <pc:spChg chg="mod">
+          <ac:chgData name="Hugo Perdomo" userId="0589d851aa69abb1" providerId="LiveId" clId="{2ED746A6-FDEE-B246-8A76-D182F5DF8FCA}" dt="2023-03-24T14:47:50.070" v="315" actId="20577"/>
+          <ac:spMkLst>
+            <pc:docMk/>
+            <pc:sldMk cId="1685521557" sldId="265"/>
+            <ac:spMk id="2" creationId="{DBFEB5A4-60BC-126F-FC25-8E8AA7B5A35E}"/>
+          </ac:spMkLst>
+        </pc:spChg>
+        <pc:spChg chg="add del mod">
+          <ac:chgData name="Hugo Perdomo" userId="0589d851aa69abb1" providerId="LiveId" clId="{2ED746A6-FDEE-B246-8A76-D182F5DF8FCA}" dt="2023-03-24T14:47:55.570" v="319"/>
+          <ac:spMkLst>
+            <pc:docMk/>
+            <pc:sldMk cId="1685521557" sldId="265"/>
+            <ac:spMk id="3" creationId="{D156DC4F-EF6D-A1B3-B479-AF90E0392667}"/>
+          </ac:spMkLst>
+        </pc:spChg>
+        <pc:spChg chg="del">
+          <ac:chgData name="Hugo Perdomo" userId="0589d851aa69abb1" providerId="LiveId" clId="{2ED746A6-FDEE-B246-8A76-D182F5DF8FCA}" dt="2023-03-24T14:47:58.092" v="320" actId="478"/>
+          <ac:spMkLst>
+            <pc:docMk/>
+            <pc:sldMk cId="1685521557" sldId="265"/>
+            <ac:spMk id="6" creationId="{82D6548D-E887-AC8B-86BB-E3F01B083BCB}"/>
+          </ac:spMkLst>
+        </pc:spChg>
+        <pc:spChg chg="add del mod">
+          <ac:chgData name="Hugo Perdomo" userId="0589d851aa69abb1" providerId="LiveId" clId="{2ED746A6-FDEE-B246-8A76-D182F5DF8FCA}" dt="2023-03-24T14:50:36.897" v="330"/>
+          <ac:spMkLst>
+            <pc:docMk/>
+            <pc:sldMk cId="1685521557" sldId="265"/>
+            <ac:spMk id="7" creationId="{103E6C54-EC40-26CA-15F9-8AB9115F7751}"/>
+          </ac:spMkLst>
+        </pc:spChg>
+        <pc:spChg chg="add del mod">
+          <ac:chgData name="Hugo Perdomo" userId="0589d851aa69abb1" providerId="LiveId" clId="{2ED746A6-FDEE-B246-8A76-D182F5DF8FCA}" dt="2023-03-24T14:50:35.581" v="328"/>
+          <ac:spMkLst>
+            <pc:docMk/>
+            <pc:sldMk cId="1685521557" sldId="265"/>
+            <ac:spMk id="8" creationId="{92CDAA58-641B-C54F-D834-168F969A8E03}"/>
+          </ac:spMkLst>
+        </pc:spChg>
+        <pc:spChg chg="add mod">
+          <ac:chgData name="Hugo Perdomo" userId="0589d851aa69abb1" providerId="LiveId" clId="{2ED746A6-FDEE-B246-8A76-D182F5DF8FCA}" dt="2023-03-24T15:06:16.638" v="1120" actId="6549"/>
+          <ac:spMkLst>
+            <pc:docMk/>
+            <pc:sldMk cId="1685521557" sldId="265"/>
+            <ac:spMk id="9" creationId="{061C3636-FD7A-5B40-4C59-BE2732C9D3B9}"/>
+          </ac:spMkLst>
+        </pc:spChg>
+        <pc:spChg chg="add del mod">
+          <ac:chgData name="Hugo Perdomo" userId="0589d851aa69abb1" providerId="LiveId" clId="{2ED746A6-FDEE-B246-8A76-D182F5DF8FCA}" dt="2023-03-24T15:00:58.781" v="828"/>
+          <ac:spMkLst>
+            <pc:docMk/>
+            <pc:sldMk cId="1685521557" sldId="265"/>
+            <ac:spMk id="10" creationId="{AB2061CF-A24F-57B6-2F18-F2A758E46AB6}"/>
+          </ac:spMkLst>
+        </pc:spChg>
+        <pc:graphicFrameChg chg="add mod modGraphic">
+          <ac:chgData name="Hugo Perdomo" userId="0589d851aa69abb1" providerId="LiveId" clId="{2ED746A6-FDEE-B246-8A76-D182F5DF8FCA}" dt="2023-03-24T15:06:06.150" v="1117" actId="14100"/>
+          <ac:graphicFrameMkLst>
+            <pc:docMk/>
+            <pc:sldMk cId="1685521557" sldId="265"/>
+            <ac:graphicFrameMk id="11" creationId="{6A7D8086-F4E9-7F64-EF0D-6F4065F94CD5}"/>
+          </ac:graphicFrameMkLst>
+        </pc:graphicFrameChg>
+        <pc:picChg chg="del">
+          <ac:chgData name="Hugo Perdomo" userId="0589d851aa69abb1" providerId="LiveId" clId="{2ED746A6-FDEE-B246-8A76-D182F5DF8FCA}" dt="2023-03-24T14:47:53.059" v="316" actId="478"/>
+          <ac:picMkLst>
+            <pc:docMk/>
+            <pc:sldMk cId="1685521557" sldId="265"/>
+            <ac:picMk id="4" creationId="{7420FBD2-70BA-8D4E-666E-74A75E703FA0}"/>
+          </ac:picMkLst>
+        </pc:picChg>
+        <pc:picChg chg="del">
+          <ac:chgData name="Hugo Perdomo" userId="0589d851aa69abb1" providerId="LiveId" clId="{2ED746A6-FDEE-B246-8A76-D182F5DF8FCA}" dt="2023-03-24T14:47:54.877" v="317" actId="478"/>
+          <ac:picMkLst>
+            <pc:docMk/>
+            <pc:sldMk cId="1685521557" sldId="265"/>
+            <ac:picMk id="5" creationId="{61AA2CF0-24F7-CB4F-FF59-8B8C7ACF4DF7}"/>
+          </ac:picMkLst>
+        </pc:picChg>
+        <pc:picChg chg="add del mod">
+          <ac:chgData name="Hugo Perdomo" userId="0589d851aa69abb1" providerId="LiveId" clId="{2ED746A6-FDEE-B246-8A76-D182F5DF8FCA}" dt="2023-03-24T14:58:20.715" v="825" actId="478"/>
+          <ac:picMkLst>
+            <pc:docMk/>
+            <pc:sldMk cId="1685521557" sldId="265"/>
+            <ac:picMk id="1026" creationId="{D328C5EE-EEE4-FC8C-D3CB-2814230A3A39}"/>
+          </ac:picMkLst>
+        </pc:picChg>
+      </pc:sldChg>
+      <pc:sldChg chg="add">
+        <pc:chgData name="Hugo Perdomo" userId="0589d851aa69abb1" providerId="LiveId" clId="{2ED746A6-FDEE-B246-8A76-D182F5DF8FCA}" dt="2023-03-24T14:47:31.859" v="271" actId="2890"/>
+        <pc:sldMkLst>
+          <pc:docMk/>
+          <pc:sldMk cId="3254901381" sldId="266"/>
+        </pc:sldMkLst>
+      </pc:sldChg>
+      <pc:sldChg chg="addSp delSp modSp add mod">
+        <pc:chgData name="Hugo Perdomo" userId="0589d851aa69abb1" providerId="LiveId" clId="{2ED746A6-FDEE-B246-8A76-D182F5DF8FCA}" dt="2023-03-24T15:10:53.802" v="1179" actId="1076"/>
+        <pc:sldMkLst>
+          <pc:docMk/>
+          <pc:sldMk cId="3890426640" sldId="267"/>
+        </pc:sldMkLst>
+        <pc:spChg chg="mod">
+          <ac:chgData name="Hugo Perdomo" userId="0589d851aa69abb1" providerId="LiveId" clId="{2ED746A6-FDEE-B246-8A76-D182F5DF8FCA}" dt="2023-03-24T15:09:24.924" v="1161" actId="20577"/>
+          <ac:spMkLst>
+            <pc:docMk/>
+            <pc:sldMk cId="3890426640" sldId="267"/>
+            <ac:spMk id="2" creationId="{8668BC95-6813-3131-1352-B4217A016F6E}"/>
+          </ac:spMkLst>
+        </pc:spChg>
+        <pc:picChg chg="add del mod">
+          <ac:chgData name="Hugo Perdomo" userId="0589d851aa69abb1" providerId="LiveId" clId="{2ED746A6-FDEE-B246-8A76-D182F5DF8FCA}" dt="2023-03-24T15:10:19.106" v="1173" actId="478"/>
+          <ac:picMkLst>
+            <pc:docMk/>
+            <pc:sldMk cId="3890426640" sldId="267"/>
+            <ac:picMk id="3" creationId="{46C288E7-9D4F-85FB-89CA-E9DA5668F6D8}"/>
+          </ac:picMkLst>
+        </pc:picChg>
+        <pc:picChg chg="add mod">
+          <ac:chgData name="Hugo Perdomo" userId="0589d851aa69abb1" providerId="LiveId" clId="{2ED746A6-FDEE-B246-8A76-D182F5DF8FCA}" dt="2023-03-24T15:10:28.049" v="1176" actId="14100"/>
+          <ac:picMkLst>
+            <pc:docMk/>
+            <pc:sldMk cId="3890426640" sldId="267"/>
+            <ac:picMk id="4" creationId="{03879BEF-D3CD-E23B-D3D5-B3BCBC925ACA}"/>
+          </ac:picMkLst>
+        </pc:picChg>
+        <pc:picChg chg="add mod">
+          <ac:chgData name="Hugo Perdomo" userId="0589d851aa69abb1" providerId="LiveId" clId="{2ED746A6-FDEE-B246-8A76-D182F5DF8FCA}" dt="2023-03-24T15:10:53.802" v="1179" actId="1076"/>
+          <ac:picMkLst>
+            <pc:docMk/>
+            <pc:sldMk cId="3890426640" sldId="267"/>
+            <ac:picMk id="5" creationId="{C571D6ED-78EA-02C3-89FA-C26815E676C0}"/>
+          </ac:picMkLst>
+        </pc:picChg>
+        <pc:picChg chg="del">
+          <ac:chgData name="Hugo Perdomo" userId="0589d851aa69abb1" providerId="LiveId" clId="{2ED746A6-FDEE-B246-8A76-D182F5DF8FCA}" dt="2023-03-24T15:09:29.707" v="1162" actId="478"/>
+          <ac:picMkLst>
+            <pc:docMk/>
+            <pc:sldMk cId="3890426640" sldId="267"/>
+            <ac:picMk id="12" creationId="{6FAA26B2-0603-FFB7-DB50-4842AA21453F}"/>
+          </ac:picMkLst>
+        </pc:picChg>
+        <pc:picChg chg="del mod">
+          <ac:chgData name="Hugo Perdomo" userId="0589d851aa69abb1" providerId="LiveId" clId="{2ED746A6-FDEE-B246-8A76-D182F5DF8FCA}" dt="2023-03-24T15:09:41.035" v="1171" actId="478"/>
+          <ac:picMkLst>
+            <pc:docMk/>
+            <pc:sldMk cId="3890426640" sldId="267"/>
+            <ac:picMk id="13" creationId="{58D227FE-6464-0C37-3102-BB5C35E33C54}"/>
+          </ac:picMkLst>
+        </pc:picChg>
+      </pc:sldChg>
+      <pc:sldChg chg="modSp add del mod ord">
+        <pc:chgData name="Hugo Perdomo" userId="0589d851aa69abb1" providerId="LiveId" clId="{2ED746A6-FDEE-B246-8A76-D182F5DF8FCA}" dt="2023-03-24T15:56:56.146" v="1666" actId="2696"/>
+        <pc:sldMkLst>
+          <pc:docMk/>
+          <pc:sldMk cId="2058808882" sldId="268"/>
+        </pc:sldMkLst>
+        <pc:spChg chg="mod">
+          <ac:chgData name="Hugo Perdomo" userId="0589d851aa69abb1" providerId="LiveId" clId="{2ED746A6-FDEE-B246-8A76-D182F5DF8FCA}" dt="2023-03-24T15:20:24.583" v="1350" actId="313"/>
+          <ac:spMkLst>
+            <pc:docMk/>
+            <pc:sldMk cId="2058808882" sldId="268"/>
+            <ac:spMk id="2" creationId="{6BFB177E-629C-D5C0-80FC-FDA5B640DE3B}"/>
+          </ac:spMkLst>
+        </pc:spChg>
+        <pc:spChg chg="mod">
+          <ac:chgData name="Hugo Perdomo" userId="0589d851aa69abb1" providerId="LiveId" clId="{2ED746A6-FDEE-B246-8A76-D182F5DF8FCA}" dt="2023-03-24T15:56:04.359" v="1633" actId="21"/>
+          <ac:spMkLst>
+            <pc:docMk/>
+            <pc:sldMk cId="2058808882" sldId="268"/>
+            <ac:spMk id="3" creationId="{36A9321C-1E6D-A631-D399-E67D3E392753}"/>
+          </ac:spMkLst>
+        </pc:spChg>
+      </pc:sldChg>
+      <pc:sldChg chg="addSp delSp modSp add mod setBg">
+        <pc:chgData name="Hugo Perdomo" userId="0589d851aa69abb1" providerId="LiveId" clId="{2ED746A6-FDEE-B246-8A76-D182F5DF8FCA}" dt="2023-03-24T15:55:41.603" v="1632" actId="12385"/>
+        <pc:sldMkLst>
+          <pc:docMk/>
+          <pc:sldMk cId="3787429484" sldId="269"/>
+        </pc:sldMkLst>
+        <pc:spChg chg="mod">
+          <ac:chgData name="Hugo Perdomo" userId="0589d851aa69abb1" providerId="LiveId" clId="{2ED746A6-FDEE-B246-8A76-D182F5DF8FCA}" dt="2023-03-24T15:36:57.487" v="1452" actId="26606"/>
+          <ac:spMkLst>
+            <pc:docMk/>
+            <pc:sldMk cId="3787429484" sldId="269"/>
+            <ac:spMk id="2" creationId="{B40E3042-C55D-55CE-FD1D-2FAB100D1806}"/>
+          </ac:spMkLst>
+        </pc:spChg>
+        <pc:spChg chg="add del">
+          <ac:chgData name="Hugo Perdomo" userId="0589d851aa69abb1" providerId="LiveId" clId="{2ED746A6-FDEE-B246-8A76-D182F5DF8FCA}" dt="2023-03-24T15:36:57.487" v="1452" actId="26606"/>
+          <ac:spMkLst>
+            <pc:docMk/>
+            <pc:sldMk cId="3787429484" sldId="269"/>
+            <ac:spMk id="11" creationId="{8D06CE56-3881-4ADA-8CEF-D18B02C242A3}"/>
+          </ac:spMkLst>
+        </pc:spChg>
+        <pc:spChg chg="add del">
+          <ac:chgData name="Hugo Perdomo" userId="0589d851aa69abb1" providerId="LiveId" clId="{2ED746A6-FDEE-B246-8A76-D182F5DF8FCA}" dt="2023-03-24T15:36:57.487" v="1452" actId="26606"/>
+          <ac:spMkLst>
+            <pc:docMk/>
+            <pc:sldMk cId="3787429484" sldId="269"/>
+            <ac:spMk id="13" creationId="{79F3C543-62EC-4433-9C93-A2CD8764E9B4}"/>
+          </ac:spMkLst>
+        </pc:spChg>
+        <pc:spChg chg="add del">
+          <ac:chgData name="Hugo Perdomo" userId="0589d851aa69abb1" providerId="LiveId" clId="{2ED746A6-FDEE-B246-8A76-D182F5DF8FCA}" dt="2023-03-24T15:36:57.487" v="1452" actId="26606"/>
+          <ac:spMkLst>
+            <pc:docMk/>
+            <pc:sldMk cId="3787429484" sldId="269"/>
+            <ac:spMk id="15" creationId="{5DCB5928-DC7D-4612-9922-441966E15627}"/>
+          </ac:spMkLst>
+        </pc:spChg>
+        <pc:spChg chg="add del">
+          <ac:chgData name="Hugo Perdomo" userId="0589d851aa69abb1" providerId="LiveId" clId="{2ED746A6-FDEE-B246-8A76-D182F5DF8FCA}" dt="2023-03-24T15:36:57.487" v="1452" actId="26606"/>
+          <ac:spMkLst>
+            <pc:docMk/>
+            <pc:sldMk cId="3787429484" sldId="269"/>
+            <ac:spMk id="17" creationId="{682C1161-1736-45EC-99B7-33F3CAE9D517}"/>
+          </ac:spMkLst>
+        </pc:spChg>
+        <pc:spChg chg="add del">
+          <ac:chgData name="Hugo Perdomo" userId="0589d851aa69abb1" providerId="LiveId" clId="{2ED746A6-FDEE-B246-8A76-D182F5DF8FCA}" dt="2023-03-24T15:36:57.487" v="1452" actId="26606"/>
+          <ac:spMkLst>
+            <pc:docMk/>
+            <pc:sldMk cId="3787429484" sldId="269"/>
+            <ac:spMk id="19" creationId="{84D4DDB8-B68F-45B0-9F62-C4279996F672}"/>
+          </ac:spMkLst>
+        </pc:spChg>
+        <pc:spChg chg="add del">
+          <ac:chgData name="Hugo Perdomo" userId="0589d851aa69abb1" providerId="LiveId" clId="{2ED746A6-FDEE-B246-8A76-D182F5DF8FCA}" dt="2023-03-24T15:36:57.487" v="1452" actId="26606"/>
+          <ac:spMkLst>
+            <pc:docMk/>
+            <pc:sldMk cId="3787429484" sldId="269"/>
+            <ac:spMk id="21" creationId="{AF2F604E-43BE-4DC3-B983-E071523364F8}"/>
+          </ac:spMkLst>
+        </pc:spChg>
+        <pc:spChg chg="add del">
+          <ac:chgData name="Hugo Perdomo" userId="0589d851aa69abb1" providerId="LiveId" clId="{2ED746A6-FDEE-B246-8A76-D182F5DF8FCA}" dt="2023-03-24T15:36:57.487" v="1452" actId="26606"/>
+          <ac:spMkLst>
+            <pc:docMk/>
+            <pc:sldMk cId="3787429484" sldId="269"/>
+            <ac:spMk id="23" creationId="{08C9B587-E65E-4B52-B37C-ABEBB6E87928}"/>
+          </ac:spMkLst>
+        </pc:spChg>
+        <pc:graphicFrameChg chg="add del mod modGraphic">
+          <ac:chgData name="Hugo Perdomo" userId="0589d851aa69abb1" providerId="LiveId" clId="{2ED746A6-FDEE-B246-8A76-D182F5DF8FCA}" dt="2023-03-24T15:36:40.176" v="1449" actId="478"/>
+          <ac:graphicFrameMkLst>
+            <pc:docMk/>
+            <pc:sldMk cId="3787429484" sldId="269"/>
+            <ac:graphicFrameMk id="3" creationId="{67537ACB-2A12-81D5-9DB0-922207EC9333}"/>
+          </ac:graphicFrameMkLst>
+        </pc:graphicFrameChg>
+        <pc:graphicFrameChg chg="add del mod">
+          <ac:chgData name="Hugo Perdomo" userId="0589d851aa69abb1" providerId="LiveId" clId="{2ED746A6-FDEE-B246-8A76-D182F5DF8FCA}" dt="2023-03-24T15:25:57.882" v="1431" actId="478"/>
+          <ac:graphicFrameMkLst>
+            <pc:docMk/>
+            <pc:sldMk cId="3787429484" sldId="269"/>
+            <ac:graphicFrameMk id="5" creationId="{DC23AF32-C7ED-BEA7-BF22-B6EA72D96B06}"/>
+          </ac:graphicFrameMkLst>
+        </pc:graphicFrameChg>
+        <pc:graphicFrameChg chg="add mod modGraphic">
+          <ac:chgData name="Hugo Perdomo" userId="0589d851aa69abb1" providerId="LiveId" clId="{2ED746A6-FDEE-B246-8A76-D182F5DF8FCA}" dt="2023-03-24T15:55:41.603" v="1632" actId="12385"/>
+          <ac:graphicFrameMkLst>
+            <pc:docMk/>
+            <pc:sldMk cId="3787429484" sldId="269"/>
+            <ac:graphicFrameMk id="6" creationId="{DA39F437-C67F-A73D-4459-B17B5FDDF6DD}"/>
+          </ac:graphicFrameMkLst>
+        </pc:graphicFrameChg>
+        <pc:picChg chg="del">
+          <ac:chgData name="Hugo Perdomo" userId="0589d851aa69abb1" providerId="LiveId" clId="{2ED746A6-FDEE-B246-8A76-D182F5DF8FCA}" dt="2023-03-24T15:22:09.656" v="1356" actId="478"/>
+          <ac:picMkLst>
+            <pc:docMk/>
+            <pc:sldMk cId="3787429484" sldId="269"/>
+            <ac:picMk id="4" creationId="{260786F5-4EEA-8D4D-9529-D5A611B6FF3F}"/>
+          </ac:picMkLst>
+        </pc:picChg>
+      </pc:sldChg>
+    </pc:docChg>
+  </pc:docChgLst>
+</pc:chgInfo>
+</file>
+
 <file path=ppt/diagrams/colors1.xml><?xml version="1.0" encoding="utf-8"?>
+<dgm:colorsDef xmlns:dgm="http://schemas.openxmlformats.org/drawingml/2006/diagram" xmlns:a="http://schemas.openxmlformats.org/drawingml/2006/main" uniqueId="urn:microsoft.com/office/officeart/2005/8/colors/colorful1">
+  <dgm:title val=""/>
+  <dgm:desc val=""/>
+  <dgm:catLst>
+    <dgm:cat type="colorful" pri="10100"/>
+  </dgm:catLst>
+  <dgm:styleLbl name="node0">
+    <dgm:fillClrLst meth="repeat">
+      <a:schemeClr val="accent1"/>
+    </dgm:fillClrLst>
+    <dgm:linClrLst meth="repeat">
+      <a:schemeClr val="lt1"/>
+    </dgm:linClrLst>
+    <dgm:effectClrLst/>
+    <dgm:txLinClrLst/>
+    <dgm:txFillClrLst/>
+    <dgm:txEffectClrLst/>
+  </dgm:styleLbl>
+  <dgm:styleLbl name="node1">
+    <dgm:fillClrLst meth="repeat">
+      <a:schemeClr val="accent2"/>
+      <a:schemeClr val="accent3"/>
+      <a:schemeClr val="accent4"/>
+      <a:schemeClr val="accent5"/>
+      <a:schemeClr val="accent6"/>
+    </dgm:fillClrLst>
+    <dgm:linClrLst meth="repeat">
+      <a:schemeClr val="lt1"/>
+    </dgm:linClrLst>
+    <dgm:effectClrLst/>
+    <dgm:txLinClrLst/>
+    <dgm:txFillClrLst/>
+    <dgm:txEffectClrLst/>
+  </dgm:styleLbl>
+  <dgm:styleLbl name="alignNode1">
+    <dgm:fillClrLst meth="repeat">
+      <a:schemeClr val="accent2"/>
+      <a:schemeClr val="accent3"/>
+      <a:schemeClr val="accent4"/>
+      <a:schemeClr val="accent5"/>
+      <a:schemeClr val="accent6"/>
+    </dgm:fillClrLst>
+    <dgm:linClrLst meth="repeat">
+      <a:schemeClr val="accent2"/>
+      <a:schemeClr val="accent3"/>
+      <a:schemeClr val="accent4"/>
+      <a:schemeClr val="accent5"/>
+      <a:schemeClr val="accent6"/>
+    </dgm:linClrLst>
+    <dgm:effectClrLst/>
+    <dgm:txLinClrLst/>
+    <dgm:txFillClrLst/>
+    <dgm:txEffectClrLst/>
+  </dgm:styleLbl>
+  <dgm:styleLbl name="lnNode1">
+    <dgm:fillClrLst meth="repeat">
+      <a:schemeClr val="accent2"/>
+      <a:schemeClr val="accent3"/>
+      <a:schemeClr val="accent4"/>
+      <a:schemeClr val="accent5"/>
+      <a:schemeClr val="accent6"/>
+    </dgm:fillClrLst>
+    <dgm:linClrLst meth="repeat">
+      <a:schemeClr val="lt1"/>
+    </dgm:linClrLst>
+    <dgm:effectClrLst/>
+    <dgm:txLinClrLst/>
+    <dgm:txFillClrLst/>
+    <dgm:txEffectClrLst/>
+  </dgm:styleLbl>
+  <dgm:styleLbl name="vennNode1">
+    <dgm:fillClrLst meth="repeat">
+      <a:schemeClr val="accent2">
+        <a:alpha val="50000"/>
+      </a:schemeClr>
+      <a:schemeClr val="accent3">
+        <a:alpha val="50000"/>
+      </a:schemeClr>
+      <a:schemeClr val="accent4">
+        <a:alpha val="50000"/>
+      </a:schemeClr>
+      <a:schemeClr val="accent5">
+        <a:alpha val="50000"/>
+      </a:schemeClr>
+      <a:schemeClr val="accent6">
+        <a:alpha val="50000"/>
+      </a:schemeClr>
+    </dgm:fillClrLst>
+    <dgm:linClrLst meth="repeat">
+      <a:schemeClr val="lt1"/>
+    </dgm:linClrLst>
+    <dgm:effectClrLst/>
+    <dgm:txLinClrLst/>
+    <dgm:txFillClrLst/>
+    <dgm:txEffectClrLst/>
+  </dgm:styleLbl>
+  <dgm:styleLbl name="node2">
+    <dgm:fillClrLst>
+      <a:schemeClr val="accent2"/>
+    </dgm:fillClrLst>
+    <dgm:linClrLst meth="repeat">
+      <a:schemeClr val="lt1"/>
+    </dgm:linClrLst>
+    <dgm:effectClrLst/>
+    <dgm:txLinClrLst/>
+    <dgm:txFillClrLst/>
+    <dgm:txEffectClrLst/>
+  </dgm:styleLbl>
+  <dgm:styleLbl name="node3">
+    <dgm:fillClrLst>
+      <a:schemeClr val="accent3"/>
+    </dgm:fillClrLst>
+    <dgm:linClrLst meth="repeat">
+      <a:schemeClr val="lt1"/>
+    </dgm:linClrLst>
+    <dgm:effectClrLst/>
+    <dgm:txLinClrLst/>
+    <dgm:txFillClrLst/>
+    <dgm:txEffectClrLst/>
+  </dgm:styleLbl>
+  <dgm:styleLbl name="node4">
+    <dgm:fillClrLst>
+      <a:schemeClr val="accent4"/>
+    </dgm:fillClrLst>
+    <dgm:linClrLst meth="repeat">
+      <a:schemeClr val="lt1"/>
+    </dgm:linClrLst>
+    <dgm:effectClrLst/>
+    <dgm:txLinClrLst/>
+    <dgm:txFillClrLst/>
+    <dgm:txEffectClrLst/>
+  </dgm:styleLbl>
+  <dgm:styleLbl name="fgImgPlace1">
+    <dgm:fillClrLst meth="repeat">
+      <a:schemeClr val="accent2">
+        <a:tint val="50000"/>
+      </a:schemeClr>
+      <a:schemeClr val="accent3">
+        <a:tint val="50000"/>
+      </a:schemeClr>
+      <a:schemeClr val="accent4">
+        <a:tint val="50000"/>
+      </a:schemeClr>
+      <a:schemeClr val="accent5">
+        <a:tint val="50000"/>
+      </a:schemeClr>
+      <a:schemeClr val="accent6">
+        <a:tint val="50000"/>
+      </a:schemeClr>
+    </dgm:fillClrLst>
+    <dgm:linClrLst meth="repeat">
+      <a:schemeClr val="lt1"/>
+    </dgm:linClrLst>
+    <dgm:effectClrLst/>
+    <dgm:txLinClrLst/>
+    <dgm:txFillClrLst meth="repeat">
+      <a:schemeClr val="lt1"/>
+    </dgm:txFillClrLst>
+    <dgm:txEffectClrLst/>
+  </dgm:styleLbl>
+  <dgm:styleLbl name="alignImgPlace1">
+    <dgm:fillClrLst>
+      <a:schemeClr val="accent1">
+        <a:tint val="50000"/>
+      </a:schemeClr>
+      <a:schemeClr val="accent2">
+        <a:tint val="20000"/>
+      </a:schemeClr>
+    </dgm:fillClrLst>
+    <dgm:linClrLst meth="repeat">
+      <a:schemeClr val="lt1"/>
+    </dgm:linClrLst>
+    <dgm:effectClrLst/>
+    <dgm:txLinClrLst/>
+    <dgm:txFillClrLst meth="repeat">
+      <a:schemeClr val="lt1"/>
+    </dgm:txFillClrLst>
+    <dgm:txEffectClrLst/>
+  </dgm:styleLbl>
+  <dgm:styleLbl name="bgImgPlace1">
+    <dgm:fillClrLst>
+      <a:schemeClr val="accent1">
+        <a:tint val="50000"/>
+      </a:schemeClr>
+      <a:schemeClr val="accent2">
+        <a:tint val="20000"/>
+      </a:schemeClr>
+    </dgm:fillClrLst>
+    <dgm:linClrLst meth="repeat">
+      <a:schemeClr val="lt1"/>
+    </dgm:linClrLst>
+    <dgm:effectClrLst/>
+    <dgm:txLinClrLst/>
+    <dgm:txFillClrLst meth="repeat">
+      <a:schemeClr val="lt1"/>
+    </dgm:txFillClrLst>
+    <dgm:txEffectClrLst/>
+  </dgm:styleLbl>
+  <dgm:styleLbl name="sibTrans2D1">
+    <dgm:fillClrLst meth="repeat">
+      <a:schemeClr val="accent2"/>
+      <a:schemeClr val="accent3"/>
+      <a:schemeClr val="accent4"/>
+      <a:schemeClr val="accent5"/>
+      <a:schemeClr val="accent6"/>
+    </dgm:fillClrLst>
+    <dgm:linClrLst meth="cycle">
+      <a:schemeClr val="lt1"/>
+    </dgm:linClrLst>
+    <dgm:effectClrLst/>
+    <dgm:txLinClrLst/>
+    <dgm:txFillClrLst/>
+    <dgm:txEffectClrLst/>
+  </dgm:styleLbl>
+  <dgm:styleLbl name="fgSibTrans2D1">
+    <dgm:fillClrLst meth="repeat">
+      <a:schemeClr val="accent2"/>
+      <a:schemeClr val="accent3"/>
+      <a:schemeClr val="accent4"/>
+      <a:schemeClr val="accent5"/>
+      <a:schemeClr val="accent6"/>
+    </dgm:fillClrLst>
+    <dgm:linClrLst meth="cycle">
+      <a:schemeClr val="lt1"/>
+    </dgm:linClrLst>
+    <dgm:effectClrLst/>
+    <dgm:txLinClrLst/>
+    <dgm:txFillClrLst meth="repeat">
+      <a:schemeClr val="lt1"/>
+    </dgm:txFillClrLst>
+    <dgm:txEffectClrLst/>
+  </dgm:styleLbl>
+  <dgm:styleLbl name="bgSibTrans2D1">
+    <dgm:fillClrLst meth="repeat">
+      <a:schemeClr val="accent2"/>
+      <a:schemeClr val="accent3"/>
+      <a:schemeClr val="accent4"/>
+      <a:schemeClr val="accent5"/>
+      <a:schemeClr val="accent6"/>
+    </dgm:fillClrLst>
+    <dgm:linClrLst meth="cycle">
+      <a:schemeClr val="lt1"/>
+    </dgm:linClrLst>
+    <dgm:effectClrLst/>
+    <dgm:txLinClrLst/>
+    <dgm:txFillClrLst meth="repeat">
+      <a:schemeClr val="lt1"/>
+    </dgm:txFillClrLst>
+    <dgm:txEffectClrLst/>
+  </dgm:styleLbl>
+  <dgm:styleLbl name="sibTrans1D1">
+    <dgm:fillClrLst meth="repeat">
+      <a:schemeClr val="accent2"/>
+      <a:schemeClr val="accent3"/>
+      <a:schemeClr val="accent4"/>
+      <a:schemeClr val="accent5"/>
+      <a:schemeClr val="accent6"/>
+    </dgm:fillClrLst>
+    <dgm:linClrLst meth="repeat">
+      <a:schemeClr val="accent2"/>
+      <a:schemeClr val="accent3"/>
+      <a:schemeClr val="accent4"/>
+      <a:schemeClr val="accent5"/>
+      <a:schemeClr val="accent6"/>
+    </dgm:linClrLst>
+    <dgm:effectClrLst/>
+    <dgm:txLinClrLst/>
+    <dgm:txFillClrLst meth="repeat">
+      <a:schemeClr val="tx1"/>
+    </dgm:txFillClrLst>
+    <dgm:txEffectClrLst/>
+  </dgm:styleLbl>
+  <dgm:styleLbl name="callout">
+    <dgm:fillClrLst meth="repeat">
+      <a:schemeClr val="accent2"/>
+    </dgm:fillClrLst>
+    <dgm:linClrLst meth="repeat">
+      <a:schemeClr val="accent2">
+        <a:tint val="50000"/>
+      </a:schemeClr>
+    </dgm:linClrLst>
+    <dgm:effectClrLst/>
+    <dgm:txLinClrLst/>
+    <dgm:txFillClrLst meth="repeat">
+      <a:schemeClr val="tx1"/>
+    </dgm:txFillClrLst>
+    <dgm:txEffectClrLst/>
+  </dgm:styleLbl>
+  <dgm:styleLbl name="asst0">
+    <dgm:fillClrLst meth="repeat">
+      <a:schemeClr val="accent1"/>
+    </dgm:fillClrLst>
+    <dgm:linClrLst meth="repeat">
+      <a:schemeClr val="lt1"/>
+    </dgm:linClrLst>
+    <dgm:effectClrLst/>
+    <dgm:txLinClrLst/>
+    <dgm:txFillClrLst/>
+    <dgm:txEffectClrLst/>
+  </dgm:styleLbl>
+  <dgm:styleLbl name="asst1">
+    <dgm:fillClrLst meth="repeat">
+      <a:schemeClr val="accent2"/>
+    </dgm:fillClrLst>
+    <dgm:linClrLst meth="repeat">
+      <a:schemeClr val="lt1"/>
+    </dgm:linClrLst>
+    <dgm:effectClrLst/>
+    <dgm:txLinClrLst/>
+    <dgm:txFillClrLst/>
+    <dgm:txEffectClrLst/>
+  </dgm:styleLbl>
+  <dgm:styleLbl name="asst2">
+    <dgm:fillClrLst>
+      <a:schemeClr val="accent3"/>
+    </dgm:fillClrLst>
+    <dgm:linClrLst meth="repeat">
+      <a:schemeClr val="lt1"/>
+    </dgm:linClrLst>
+    <dgm:effectClrLst/>
+    <dgm:txLinClrLst/>
+    <dgm:txFillClrLst/>
+    <dgm:txEffectClrLst/>
+  </dgm:styleLbl>
+  <dgm:styleLbl name="asst3">
+    <dgm:fillClrLst>
+      <a:schemeClr val="accent4"/>
+    </dgm:fillClrLst>
+    <dgm:linClrLst meth="repeat">
+      <a:schemeClr val="lt1"/>
+    </dgm:linClrLst>
+    <dgm:effectClrLst/>
+    <dgm:txLinClrLst/>
+    <dgm:txFillClrLst/>
+    <dgm:txEffectClrLst/>
+  </dgm:styleLbl>
+  <dgm:styleLbl name="asst4">
+    <dgm:fillClrLst>
+      <a:schemeClr val="accent5"/>
+    </dgm:fillClrLst>
+    <dgm:linClrLst meth="repeat">
+      <a:schemeClr val="lt1"/>
+    </dgm:linClrLst>
+    <dgm:effectClrLst/>
+    <dgm:txLinClrLst/>
+    <dgm:txFillClrLst/>
+    <dgm:txEffectClrLst/>
+  </dgm:styleLbl>
+  <dgm:styleLbl name="parChTrans2D1">
+    <dgm:fillClrLst meth="repeat">
+      <a:schemeClr val="accent2"/>
+    </dgm:fillClrLst>
+    <dgm:linClrLst meth="repeat">
+      <a:schemeClr val="lt1"/>
+    </dgm:linClrLst>
+    <dgm:effectClrLst/>
+    <dgm:txLinClrLst/>
+    <dgm:txFillClrLst meth="repeat">
+      <a:schemeClr val="lt1"/>
+    </dgm:txFillClrLst>
+    <dgm:txEffectClrLst/>
+  </dgm:styleLbl>
+  <dgm:styleLbl name="parChTrans2D2">
+    <dgm:fillClrLst meth="repeat">
+      <a:schemeClr val="accent3"/>
+    </dgm:fillClrLst>
+    <dgm:linClrLst meth="repeat">
+      <a:schemeClr val="lt1"/>
+    </dgm:linClrLst>
+    <dgm:effectClrLst/>
+    <dgm:txLinClrLst/>
+    <dgm:txFillClrLst/>
+    <dgm:txEffectClrLst/>
+  </dgm:styleLbl>
+  <dgm:styleLbl name="parChTrans2D3">
+    <dgm:fillClrLst meth="repeat">
+      <a:schemeClr val="accent4"/>
+    </dgm:fillClrLst>
+    <dgm:linClrLst meth="repeat">
+      <a:schemeClr val="lt1"/>
+    </dgm:linClrLst>
+    <dgm:effectClrLst/>
+    <dgm:txLinClrLst/>
+    <dgm:txFillClrLst/>
+    <dgm:txEffectClrLst/>
+  </dgm:styleLbl>
+  <dgm:styleLbl name="parChTrans2D4">
+    <dgm:fillClrLst meth="repeat">
+      <a:schemeClr val="accent5"/>
+    </dgm:fillClrLst>
+    <dgm:linClrLst meth="repeat">
+      <a:schemeClr val="lt1"/>
+    </dgm:linClrLst>
+    <dgm:effectClrLst/>
+    <dgm:txLinClrLst/>
+    <dgm:txFillClrLst meth="repeat">
+      <a:schemeClr val="lt1"/>
+    </dgm:txFillClrLst>
+    <dgm:txEffectClrLst/>
+  </dgm:styleLbl>
+  <dgm:styleLbl name="parChTrans1D1">
+    <dgm:fillClrLst meth="repeat">
+      <a:schemeClr val="accent2"/>
+    </dgm:fillClrLst>
+    <dgm:linClrLst meth="repeat">
+      <a:schemeClr val="accent1"/>
+    </dgm:linClrLst>
+    <dgm:effectClrLst/>
+    <dgm:txLinClrLst/>
+    <dgm:txFillClrLst meth="repeat">
+      <a:schemeClr val="tx1"/>
+    </dgm:txFillClrLst>
+    <dgm:txEffectClrLst/>
+  </dgm:styleLbl>
+  <dgm:styleLbl name="parChTrans1D2">
+    <dgm:fillClrLst meth="repeat">
+      <a:schemeClr val="accent3">
+        <a:tint val="90000"/>
+      </a:schemeClr>
+    </dgm:fillClrLst>
+    <dgm:linClrLst meth="repeat">
+      <a:schemeClr val="accent2"/>
+    </dgm:linClrLst>
+    <dgm:effectClrLst/>
+    <dgm:txLinClrLst/>
+    <dgm:txFillClrLst meth="repeat">
+      <a:schemeClr val="tx1"/>
+    </dgm:txFillClrLst>
+    <dgm:txEffectClrLst/>
+  </dgm:styleLbl>
+  <dgm:styleLbl name="parChTrans1D3">
+    <dgm:fillClrLst meth="repeat">
+      <a:schemeClr val="accent4">
+        <a:tint val="70000"/>
+      </a:schemeClr>
+    </dgm:fillClrLst>
+    <dgm:linClrLst meth="repeat">
+      <a:schemeClr val="accent3"/>
+    </dgm:linClrLst>
+    <dgm:effectClrLst/>
+    <dgm:txLinClrLst/>
+    <dgm:txFillClrLst meth="repeat">
+      <a:schemeClr val="tx1"/>
+    </dgm:txFillClrLst>
+    <dgm:txEffectClrLst/>
+  </dgm:styleLbl>
+  <dgm:styleLbl name="parChTrans1D4">
+    <dgm:fillClrLst meth="repeat">
+      <a:schemeClr val="accent5">
+        <a:tint val="50000"/>
+      </a:schemeClr>
+    </dgm:fillClrLst>
+    <dgm:linClrLst meth="repeat">
+      <a:schemeClr val="accent4"/>
+    </dgm:linClrLst>
+    <dgm:effectClrLst/>
+    <dgm:txLinClrLst/>
+    <dgm:txFillClrLst meth="repeat">
+      <a:schemeClr val="tx1"/>
+    </dgm:txFillClrLst>
+    <dgm:txEffectClrLst/>
+  </dgm:styleLbl>
+  <dgm:styleLbl name="fgAcc1">
+    <dgm:fillClrLst meth="repeat">
+      <a:schemeClr val="lt1">
+        <a:alpha val="90000"/>
+      </a:schemeClr>
+    </dgm:fillClrLst>
+    <dgm:linClrLst meth="repeat">
+      <a:schemeClr val="accent2"/>
+      <a:schemeClr val="accent3"/>
+      <a:schemeClr val="accent4"/>
+      <a:schemeClr val="accent5"/>
+      <a:schemeClr val="accent6"/>
+    </dgm:linClrLst>
+    <dgm:effectClrLst/>
+    <dgm:txLinClrLst/>
+    <dgm:txFillClrLst meth="repeat">
+      <a:schemeClr val="dk1"/>
+    </dgm:txFillClrLst>
+    <dgm:txEffectClrLst/>
+  </dgm:styleLbl>
+  <dgm:styleLbl name="conFgAcc1">
+    <dgm:fillClrLst meth="repeat">
+      <a:schemeClr val="lt1">
+        <a:alpha val="90000"/>
+      </a:schemeClr>
+    </dgm:fillClrLst>
+    <dgm:linClrLst meth="repeat">
+      <a:schemeClr val="accent2"/>
+      <a:schemeClr val="accent3"/>
+      <a:schemeClr val="accent4"/>
+      <a:schemeClr val="accent5"/>
+      <a:schemeClr val="accent6"/>
+    </dgm:linClrLst>
+    <dgm:effectClrLst/>
+    <dgm:txLinClrLst/>
+    <dgm:txFillClrLst meth="repeat">
+      <a:schemeClr val="dk1"/>
+    </dgm:txFillClrLst>
+    <dgm:txEffectClrLst/>
+  </dgm:styleLbl>
+  <dgm:styleLbl name="alignAcc1">
+    <dgm:fillClrLst meth="repeat">
+      <a:schemeClr val="lt1">
+        <a:alpha val="90000"/>
+      </a:schemeClr>
+    </dgm:fillClrLst>
+    <dgm:linClrLst meth="repeat">
+      <a:schemeClr val="accent2"/>
+      <a:schemeClr val="accent3"/>
+      <a:schemeClr val="accent4"/>
+      <a:schemeClr val="accent5"/>
+      <a:schemeClr val="accent6"/>
+    </dgm:linClrLst>
+    <dgm:effectClrLst/>
+    <dgm:txLinClrLst/>
+    <dgm:txFillClrLst meth="repeat">
+      <a:schemeClr val="dk1"/>
+    </dgm:txFillClrLst>
+    <dgm:txEffectClrLst/>
+  </dgm:styleLbl>
+  <dgm:styleLbl name="trAlignAcc1">
+    <dgm:fillClrLst meth="repeat">
+      <a:schemeClr val="lt1">
+        <a:alpha val="40000"/>
+      </a:schemeClr>
+    </dgm:fillClrLst>
+    <dgm:linClrLst meth="repeat">
+      <a:schemeClr val="accent1"/>
+    </dgm:linClrLst>
+    <dgm:effectClrLst/>
+    <dgm:txLinClrLst/>
+    <dgm:txFillClrLst meth="repeat">
+      <a:schemeClr val="dk1"/>
+    </dgm:txFillClrLst>
+    <dgm:txEffectClrLst/>
+  </dgm:styleLbl>
+  <dgm:styleLbl name="bgAcc1">
+    <dgm:fillClrLst meth="repeat">
+      <a:schemeClr val="lt1">
+        <a:alpha val="90000"/>
+      </a:schemeClr>
+    </dgm:fillClrLst>
+    <dgm:linClrLst meth="repeat">
+      <a:schemeClr val="accent2"/>
+      <a:schemeClr val="accent3"/>
+      <a:schemeClr val="accent4"/>
+      <a:schemeClr val="accent5"/>
+      <a:schemeClr val="accent6"/>
+    </dgm:linClrLst>
+    <dgm:effectClrLst/>
+    <dgm:txLinClrLst/>
+    <dgm:txFillClrLst meth="repeat">
+      <a:schemeClr val="dk1"/>
+    </dgm:txFillClrLst>
+    <dgm:txEffectClrLst/>
+  </dgm:styleLbl>
+  <dgm:styleLbl name="solidFgAcc1">
+    <dgm:fillClrLst meth="repeat">
+      <a:schemeClr val="lt1"/>
+    </dgm:fillClrLst>
+    <dgm:linClrLst meth="repeat">
+      <a:schemeClr val="accent2"/>
+      <a:schemeClr val="accent3"/>
+      <a:schemeClr val="accent4"/>
+      <a:schemeClr val="accent5"/>
+      <a:schemeClr val="accent6"/>
+    </dgm:linClrLst>
+    <dgm:effectClrLst/>
+    <dgm:txLinClrLst/>
+    <dgm:txFillClrLst meth="repeat">
+      <a:schemeClr val="dk1"/>
+    </dgm:txFillClrLst>
+    <dgm:txEffectClrLst/>
+  </dgm:styleLbl>
+  <dgm:styleLbl name="solidAlignAcc1">
+    <dgm:fillClrLst meth="repeat">
+      <a:schemeClr val="lt1"/>
+    </dgm:fillClrLst>
+    <dgm:linClrLst meth="repeat">
+      <a:schemeClr val="accent2"/>
+      <a:schemeClr val="accent3"/>
+      <a:schemeClr val="accent4"/>
+      <a:schemeClr val="accent5"/>
+      <a:schemeClr val="accent6"/>
+    </dgm:linClrLst>
+    <dgm:effectClrLst/>
+    <dgm:txLinClrLst/>
+    <dgm:txFillClrLst meth="repeat">
+      <a:schemeClr val="dk1"/>
+    </dgm:txFillClrLst>
+    <dgm:txEffectClrLst/>
+  </dgm:styleLbl>
+  <dgm:styleLbl name="solidBgAcc1">
+    <dgm:fillClrLst meth="repeat">
+      <a:schemeClr val="lt1"/>
+    </dgm:fillClrLst>
+    <dgm:linClrLst meth="repeat">
+      <a:schemeClr val="accent2"/>
+      <a:schemeClr val="accent3"/>
+      <a:schemeClr val="accent4"/>
+      <a:schemeClr val="accent5"/>
+      <a:schemeClr val="accent6"/>
+    </dgm:linClrLst>
+    <dgm:effectClrLst/>
+    <dgm:txLinClrLst/>
+    <dgm:txFillClrLst meth="repeat">
+      <a:schemeClr val="dk1"/>
+    </dgm:txFillClrLst>
+    <dgm:txEffectClrLst/>
+  </dgm:styleLbl>
+  <dgm:styleLbl name="fgAccFollowNode1">
+    <dgm:fillClrLst meth="repeat">
+      <a:schemeClr val="accent2">
+        <a:tint val="40000"/>
+        <a:alpha val="90000"/>
+      </a:schemeClr>
+      <a:schemeClr val="accent3">
+        <a:tint val="40000"/>
+        <a:alpha val="90000"/>
+      </a:schemeClr>
+      <a:schemeClr val="accent4">
+        <a:tint val="40000"/>
+        <a:alpha val="90000"/>
+      </a:schemeClr>
+      <a:schemeClr val="accent5">
+        <a:tint val="40000"/>
+        <a:alpha val="90000"/>
+      </a:schemeClr>
+      <a:schemeClr val="accent6">
+        <a:tint val="40000"/>
+        <a:alpha val="90000"/>
+      </a:schemeClr>
+    </dgm:fillClrLst>
+    <dgm:linClrLst meth="repeat">
+      <a:schemeClr val="accent2">
+        <a:tint val="40000"/>
+        <a:alpha val="90000"/>
+      </a:schemeClr>
+      <a:schemeClr val="accent3">
+        <a:tint val="40000"/>
+        <a:alpha val="90000"/>
+      </a:schemeClr>
+      <a:schemeClr val="accent4">
+        <a:tint val="40000"/>
+        <a:alpha val="90000"/>
+      </a:schemeClr>
+      <a:schemeClr val="accent5">
+        <a:tint val="40000"/>
+        <a:alpha val="90000"/>
+      </a:schemeClr>
+      <a:schemeClr val="accent6">
+        <a:tint val="40000"/>
+        <a:alpha val="90000"/>
+      </a:schemeClr>
+    </dgm:linClrLst>
+    <dgm:effectClrLst/>
+    <dgm:txLinClrLst/>
+    <dgm:txFillClrLst meth="repeat">
+      <a:schemeClr val="dk1"/>
+    </dgm:txFillClrLst>
+    <dgm:txEffectClrLst/>
+  </dgm:styleLbl>
+  <dgm:styleLbl name="alignAccFollowNode1">
+    <dgm:fillClrLst meth="repeat">
+      <a:schemeClr val="accent2">
+        <a:tint val="40000"/>
+        <a:alpha val="90000"/>
+      </a:schemeClr>
+      <a:schemeClr val="accent3">
+        <a:tint val="40000"/>
+        <a:alpha val="90000"/>
+      </a:schemeClr>
+      <a:schemeClr val="accent4">
+        <a:tint val="40000"/>
+        <a:alpha val="90000"/>
+      </a:schemeClr>
+      <a:schemeClr val="accent5">
+        <a:tint val="40000"/>
+        <a:alpha val="90000"/>
+      </a:schemeClr>
+      <a:schemeClr val="accent6">
+        <a:tint val="40000"/>
+        <a:alpha val="90000"/>
+      </a:schemeClr>
+    </dgm:fillClrLst>
+    <dgm:linClrLst meth="repeat">
+      <a:schemeClr val="accent2">
+        <a:tint val="40000"/>
+        <a:alpha val="90000"/>
+      </a:schemeClr>
+      <a:schemeClr val="accent3">
+        <a:tint val="40000"/>
+        <a:alpha val="90000"/>
+      </a:schemeClr>
+      <a:schemeClr val="accent4">
+        <a:tint val="40000"/>
+        <a:alpha val="90000"/>
+      </a:schemeClr>
+      <a:schemeClr val="accent5">
+        <a:tint val="40000"/>
+        <a:alpha val="90000"/>
+      </a:schemeClr>
+      <a:schemeClr val="accent6">
+        <a:tint val="40000"/>
+        <a:alpha val="90000"/>
+      </a:schemeClr>
+    </dgm:linClrLst>
+    <dgm:effectClrLst/>
+    <dgm:txLinClrLst/>
+    <dgm:txFillClrLst meth="repeat">
+      <a:schemeClr val="dk1"/>
+    </dgm:txFillClrLst>
+    <dgm:txEffectClrLst/>
+  </dgm:styleLbl>
+  <dgm:styleLbl name="bgAccFollowNode1">
+    <dgm:fillClrLst meth="repeat">
+      <a:schemeClr val="accent2">
+        <a:tint val="40000"/>
+        <a:alpha val="90000"/>
+      </a:schemeClr>
+      <a:schemeClr val="accent3">
+        <a:tint val="40000"/>
+        <a:alpha val="90000"/>
+      </a:schemeClr>
+      <a:schemeClr val="accent4">
+        <a:tint val="40000"/>
+        <a:alpha val="90000"/>
+      </a:schemeClr>
+      <a:schemeClr val="accent5">
+        <a:tint val="40000"/>
+        <a:alpha val="90000"/>
+      </a:schemeClr>
+      <a:schemeClr val="accent6">
+        <a:tint val="40000"/>
+        <a:alpha val="90000"/>
+      </a:schemeClr>
+    </dgm:fillClrLst>
+    <dgm:linClrLst meth="repeat">
+      <a:schemeClr val="accent2">
+        <a:tint val="40000"/>
+        <a:alpha val="90000"/>
+      </a:schemeClr>
+      <a:schemeClr val="accent3">
+        <a:tint val="40000"/>
+        <a:alpha val="90000"/>
+      </a:schemeClr>
+      <a:schemeClr val="accent4">
+        <a:tint val="40000"/>
+        <a:alpha val="90000"/>
+      </a:schemeClr>
+      <a:schemeClr val="accent5">
+        <a:tint val="40000"/>
+        <a:alpha val="90000"/>
+      </a:schemeClr>
+      <a:schemeClr val="accent6">
+        <a:tint val="40000"/>
+        <a:alpha val="90000"/>
+      </a:schemeClr>
+    </dgm:linClrLst>
+    <dgm:effectClrLst/>
+    <dgm:txLinClrLst/>
+    <dgm:txFillClrLst meth="repeat">
+      <a:schemeClr val="dk1"/>
+    </dgm:txFillClrLst>
+    <dgm:txEffectClrLst/>
+  </dgm:styleLbl>
+  <dgm:styleLbl name="fgAcc0">
+    <dgm:fillClrLst meth="repeat">
+      <a:schemeClr val="lt1">
+        <a:alpha val="90000"/>
+      </a:schemeClr>
+    </dgm:fillClrLst>
+    <dgm:linClrLst>
+      <a:schemeClr val="accent1"/>
+    </dgm:linClrLst>
+    <dgm:effectClrLst/>
+    <dgm:txLinClrLst/>
+    <dgm:txFillClrLst meth="repeat">
+      <a:schemeClr val="dk1"/>
+    </dgm:txFillClrLst>
+    <dgm:txEffectClrLst/>
+  </dgm:styleLbl>
+  <dgm:styleLbl name="fgAcc2">
+    <dgm:fillClrLst meth="repeat">
+      <a:schemeClr val="lt1">
+        <a:alpha val="90000"/>
+      </a:schemeClr>
+    </dgm:fillClrLst>
+    <dgm:linClrLst>
+      <a:schemeClr val="accent2"/>
+    </dgm:linClrLst>
+    <dgm:effectClrLst/>
+    <dgm:txLinClrLst/>
+    <dgm:txFillClrLst meth="repeat">
+      <a:schemeClr val="dk1"/>
+    </dgm:txFillClrLst>
+    <dgm:txEffectClrLst/>
+  </dgm:styleLbl>
+  <dgm:styleLbl name="fgAcc3">
+    <dgm:fillClrLst meth="repeat">
+      <a:schemeClr val="lt1">
+        <a:alpha val="90000"/>
+      </a:schemeClr>
+    </dgm:fillClrLst>
+    <dgm:linClrLst>
+      <a:schemeClr val="accent3"/>
+    </dgm:linClrLst>
+    <dgm:effectClrLst/>
+    <dgm:txLinClrLst/>
+    <dgm:txFillClrLst meth="repeat">
+      <a:schemeClr val="dk1"/>
+    </dgm:txFillClrLst>
+    <dgm:txEffectClrLst/>
+  </dgm:styleLbl>
+  <dgm:styleLbl name="fgAcc4">
+    <dgm:fillClrLst meth="repeat">
+      <a:schemeClr val="lt1">
+        <a:alpha val="90000"/>
+      </a:schemeClr>
+    </dgm:fillClrLst>
+    <dgm:linClrLst>
+      <a:schemeClr val="accent4"/>
+    </dgm:linClrLst>
+    <dgm:effectClrLst/>
+    <dgm:txLinClrLst/>
+    <dgm:txFillClrLst meth="repeat">
+      <a:schemeClr val="dk1"/>
+    </dgm:txFillClrLst>
+    <dgm:txEffectClrLst/>
+  </dgm:styleLbl>
+  <dgm:styleLbl name="bgShp">
+    <dgm:fillClrLst meth="repeat">
+      <a:schemeClr val="accent2">
+        <a:tint val="40000"/>
+      </a:schemeClr>
+    </dgm:fillClrLst>
+    <dgm:linClrLst meth="repeat">
+      <a:schemeClr val="dk1"/>
+    </dgm:linClrLst>
+    <dgm:effectClrLst/>
+    <dgm:txLinClrLst/>
+    <dgm:txFillClrLst meth="repeat">
+      <a:schemeClr val="dk1"/>
+    </dgm:txFillClrLst>
+    <dgm:txEffectClrLst/>
+  </dgm:styleLbl>
+  <dgm:styleLbl name="dkBgShp">
+    <dgm:fillClrLst meth="repeat">
+      <a:schemeClr val="accent2">
+        <a:shade val="90000"/>
+      </a:schemeClr>
+    </dgm:fillClrLst>
+    <dgm:linClrLst meth="repeat">
+      <a:schemeClr val="dk1"/>
+    </dgm:linClrLst>
+    <dgm:effectClrLst/>
+    <dgm:txLinClrLst/>
+    <dgm:txFillClrLst meth="repeat">
+      <a:schemeClr val="lt1"/>
+    </dgm:txFillClrLst>
+    <dgm:txEffectClrLst/>
+  </dgm:styleLbl>
+  <dgm:styleLbl name="trBgShp">
+    <dgm:fillClrLst meth="repeat">
+      <a:schemeClr val="accent1">
+        <a:tint val="50000"/>
+        <a:alpha val="40000"/>
+      </a:schemeClr>
+    </dgm:fillClrLst>
+    <dgm:linClrLst meth="repeat">
+      <a:schemeClr val="accent2"/>
+    </dgm:linClrLst>
+    <dgm:effectClrLst/>
+    <dgm:txLinClrLst/>
+    <dgm:txFillClrLst meth="repeat">
+      <a:schemeClr val="lt1"/>
+    </dgm:txFillClrLst>
+    <dgm:txEffectClrLst/>
+  </dgm:styleLbl>
+  <dgm:styleLbl name="fgShp">
+    <dgm:fillClrLst meth="repeat">
+      <a:schemeClr val="accent2">
+        <a:tint val="40000"/>
+      </a:schemeClr>
+    </dgm:fillClrLst>
+    <dgm:linClrLst meth="repeat">
+      <a:schemeClr val="lt1"/>
+    </dgm:linClrLst>
+    <dgm:effectClrLst/>
+    <dgm:txLinClrLst/>
+    <dgm:txFillClrLst meth="repeat">
+      <a:schemeClr val="dk1"/>
+    </dgm:txFillClrLst>
+    <dgm:txEffectClrLst/>
+  </dgm:styleLbl>
+  <dgm:styleLbl name="revTx">
+    <dgm:fillClrLst meth="repeat">
+      <a:schemeClr val="lt1">
+        <a:alpha val="0"/>
+      </a:schemeClr>
+    </dgm:fillClrLst>
+    <dgm:linClrLst meth="repeat">
+      <a:schemeClr val="dk1">
+        <a:alpha val="0"/>
+      </a:schemeClr>
+    </dgm:linClrLst>
+    <dgm:effectClrLst/>
+    <dgm:txLinClrLst/>
+    <dgm:txFillClrLst meth="repeat">
+      <a:schemeClr val="tx1"/>
+    </dgm:txFillClrLst>
+    <dgm:txEffectClrLst/>
+  </dgm:styleLbl>
+</dgm:colorsDef>
+</file>
+
+<file path=ppt/diagrams/colors2.xml><?xml version="1.0" encoding="utf-8"?>
 <dgm:colorsDef xmlns:dgm="http://schemas.openxmlformats.org/drawingml/2006/diagram" xmlns:a="http://schemas.openxmlformats.org/drawingml/2006/main" uniqueId="urn:microsoft.com/office/officeart/2005/8/colors/colorful1">
   <dgm:title val=""/>
   <dgm:desc val=""/>
@@ -1388,6 +2722,247 @@
   <dgm:extLst>
     <a:ext uri="http://schemas.microsoft.com/office/drawing/2008/diagram">
       <dsp:dataModelExt xmlns:dsp="http://schemas.microsoft.com/office/drawing/2008/diagram" relId="rId6" minVer="http://schemas.openxmlformats.org/drawingml/2006/diagram"/>
+    </a:ext>
+  </dgm:extLst>
+</dgm:dataModel>
+</file>
+
+<file path=ppt/diagrams/data2.xml><?xml version="1.0" encoding="utf-8"?>
+<dgm:dataModel xmlns:dgm="http://schemas.openxmlformats.org/drawingml/2006/diagram" xmlns:a="http://schemas.openxmlformats.org/drawingml/2006/main">
+  <dgm:ptLst>
+    <dgm:pt modelId="{97E76B99-7D80-E444-84F3-2E533F293E20}" type="doc">
+      <dgm:prSet loTypeId="urn:microsoft.com/office/officeart/2005/8/layout/StepDownProcess" loCatId="" qsTypeId="urn:microsoft.com/office/officeart/2005/8/quickstyle/simple1" qsCatId="simple" csTypeId="urn:microsoft.com/office/officeart/2005/8/colors/colorful1" csCatId="colorful" phldr="1"/>
+      <dgm:spPr/>
+    </dgm:pt>
+    <dgm:pt modelId="{8A0074B7-55A7-DF47-915D-76A3E82FFDD0}">
+      <dgm:prSet phldrT="[Text]"/>
+      <dgm:spPr/>
+      <dgm:t>
+        <a:bodyPr/>
+        <a:lstStyle/>
+        <a:p>
+          <a:r>
+            <a:rPr lang="en-US" dirty="0"/>
+            <a:t>Get Airports Coordinates</a:t>
+          </a:r>
+        </a:p>
+      </dgm:t>
+    </dgm:pt>
+    <dgm:pt modelId="{A08475CA-C725-E343-9E8B-8DF8E52157D0}" type="parTrans" cxnId="{40652BEA-FB02-5447-B9C5-5D2309A23F2F}">
+      <dgm:prSet/>
+      <dgm:spPr/>
+      <dgm:t>
+        <a:bodyPr/>
+        <a:lstStyle/>
+        <a:p>
+          <a:endParaRPr lang="en-US"/>
+        </a:p>
+      </dgm:t>
+    </dgm:pt>
+    <dgm:pt modelId="{8DF190D3-2405-2042-867D-9867923F3A09}" type="sibTrans" cxnId="{40652BEA-FB02-5447-B9C5-5D2309A23F2F}">
+      <dgm:prSet/>
+      <dgm:spPr/>
+      <dgm:t>
+        <a:bodyPr/>
+        <a:lstStyle/>
+        <a:p>
+          <a:endParaRPr lang="en-US"/>
+        </a:p>
+      </dgm:t>
+    </dgm:pt>
+    <dgm:pt modelId="{A2F92251-E90B-1D46-B5A3-6A52DE03140B}">
+      <dgm:prSet phldrT="[Text]"/>
+      <dgm:spPr/>
+      <dgm:t>
+        <a:bodyPr/>
+        <a:lstStyle/>
+        <a:p>
+          <a:r>
+            <a:rPr lang="en-US" dirty="0"/>
+            <a:t>Bring Historic Information Using </a:t>
+          </a:r>
+          <a:r>
+            <a:rPr lang="en-US" dirty="0" err="1"/>
+            <a:t>Meteostat</a:t>
+          </a:r>
+          <a:endParaRPr lang="en-US" dirty="0"/>
+        </a:p>
+      </dgm:t>
+    </dgm:pt>
+    <dgm:pt modelId="{59A51C4F-F3B3-7B4D-A277-28EA20ABC476}" type="parTrans" cxnId="{0344AA52-E7FF-024B-9B85-6539DAA57675}">
+      <dgm:prSet/>
+      <dgm:spPr/>
+      <dgm:t>
+        <a:bodyPr/>
+        <a:lstStyle/>
+        <a:p>
+          <a:endParaRPr lang="en-US"/>
+        </a:p>
+      </dgm:t>
+    </dgm:pt>
+    <dgm:pt modelId="{DBBEA14D-75B6-2640-AE93-E7F00DFAC503}" type="sibTrans" cxnId="{0344AA52-E7FF-024B-9B85-6539DAA57675}">
+      <dgm:prSet/>
+      <dgm:spPr/>
+      <dgm:t>
+        <a:bodyPr/>
+        <a:lstStyle/>
+        <a:p>
+          <a:endParaRPr lang="en-US"/>
+        </a:p>
+      </dgm:t>
+    </dgm:pt>
+    <dgm:pt modelId="{3D5387F8-1FC1-2440-88DD-7F6384183EC8}">
+      <dgm:prSet phldrT="[Text]"/>
+      <dgm:spPr/>
+      <dgm:t>
+        <a:bodyPr/>
+        <a:lstStyle/>
+        <a:p>
+          <a:r>
+            <a:rPr lang="en-US" dirty="0"/>
+            <a:t>Merge Information / Feature Engineering</a:t>
+          </a:r>
+        </a:p>
+      </dgm:t>
+    </dgm:pt>
+    <dgm:pt modelId="{27485B10-0A8F-134E-87C8-952F9578223F}" type="parTrans" cxnId="{2B01D10D-0B45-D14C-9ABE-D5F936FD1286}">
+      <dgm:prSet/>
+      <dgm:spPr/>
+      <dgm:t>
+        <a:bodyPr/>
+        <a:lstStyle/>
+        <a:p>
+          <a:endParaRPr lang="en-US"/>
+        </a:p>
+      </dgm:t>
+    </dgm:pt>
+    <dgm:pt modelId="{02F56705-9669-3B4D-B4D4-29011467CBFC}" type="sibTrans" cxnId="{2B01D10D-0B45-D14C-9ABE-D5F936FD1286}">
+      <dgm:prSet/>
+      <dgm:spPr/>
+      <dgm:t>
+        <a:bodyPr/>
+        <a:lstStyle/>
+        <a:p>
+          <a:endParaRPr lang="en-US"/>
+        </a:p>
+      </dgm:t>
+    </dgm:pt>
+    <dgm:pt modelId="{BA7E255F-3B63-F741-B471-C24B4DF64E9A}" type="pres">
+      <dgm:prSet presAssocID="{97E76B99-7D80-E444-84F3-2E533F293E20}" presName="rootnode" presStyleCnt="0">
+        <dgm:presLayoutVars>
+          <dgm:chMax/>
+          <dgm:chPref/>
+          <dgm:dir/>
+          <dgm:animLvl val="lvl"/>
+        </dgm:presLayoutVars>
+      </dgm:prSet>
+      <dgm:spPr/>
+    </dgm:pt>
+    <dgm:pt modelId="{00287417-0DA4-8F43-91C0-11864C3FB8F7}" type="pres">
+      <dgm:prSet presAssocID="{8A0074B7-55A7-DF47-915D-76A3E82FFDD0}" presName="composite" presStyleCnt="0"/>
+      <dgm:spPr/>
+    </dgm:pt>
+    <dgm:pt modelId="{1777F61D-F67A-B14A-A4F0-C32D121BAA8E}" type="pres">
+      <dgm:prSet presAssocID="{8A0074B7-55A7-DF47-915D-76A3E82FFDD0}" presName="bentUpArrow1" presStyleLbl="alignImgPlace1" presStyleIdx="0" presStyleCnt="2"/>
+      <dgm:spPr/>
+    </dgm:pt>
+    <dgm:pt modelId="{A22154E9-2067-0246-A806-02FC87AEF78C}" type="pres">
+      <dgm:prSet presAssocID="{8A0074B7-55A7-DF47-915D-76A3E82FFDD0}" presName="ParentText" presStyleLbl="node1" presStyleIdx="0" presStyleCnt="3">
+        <dgm:presLayoutVars>
+          <dgm:chMax val="1"/>
+          <dgm:chPref val="1"/>
+          <dgm:bulletEnabled val="1"/>
+        </dgm:presLayoutVars>
+      </dgm:prSet>
+      <dgm:spPr/>
+    </dgm:pt>
+    <dgm:pt modelId="{0CBDC474-3AB6-0248-A361-72B1086AF3BA}" type="pres">
+      <dgm:prSet presAssocID="{8A0074B7-55A7-DF47-915D-76A3E82FFDD0}" presName="ChildText" presStyleLbl="revTx" presStyleIdx="0" presStyleCnt="2">
+        <dgm:presLayoutVars>
+          <dgm:chMax val="0"/>
+          <dgm:chPref val="0"/>
+          <dgm:bulletEnabled val="1"/>
+        </dgm:presLayoutVars>
+      </dgm:prSet>
+      <dgm:spPr/>
+    </dgm:pt>
+    <dgm:pt modelId="{A022021D-DDA5-FA42-8852-5D00D352AA65}" type="pres">
+      <dgm:prSet presAssocID="{8DF190D3-2405-2042-867D-9867923F3A09}" presName="sibTrans" presStyleCnt="0"/>
+      <dgm:spPr/>
+    </dgm:pt>
+    <dgm:pt modelId="{1058A2CF-9428-5B42-9AAE-93A552F9AAAB}" type="pres">
+      <dgm:prSet presAssocID="{A2F92251-E90B-1D46-B5A3-6A52DE03140B}" presName="composite" presStyleCnt="0"/>
+      <dgm:spPr/>
+    </dgm:pt>
+    <dgm:pt modelId="{2262766F-624D-7C44-BEF3-60BD7E81C504}" type="pres">
+      <dgm:prSet presAssocID="{A2F92251-E90B-1D46-B5A3-6A52DE03140B}" presName="bentUpArrow1" presStyleLbl="alignImgPlace1" presStyleIdx="1" presStyleCnt="2"/>
+      <dgm:spPr/>
+    </dgm:pt>
+    <dgm:pt modelId="{1B27D270-6DF2-5044-AA9C-0DE14436AECB}" type="pres">
+      <dgm:prSet presAssocID="{A2F92251-E90B-1D46-B5A3-6A52DE03140B}" presName="ParentText" presStyleLbl="node1" presStyleIdx="1" presStyleCnt="3">
+        <dgm:presLayoutVars>
+          <dgm:chMax val="1"/>
+          <dgm:chPref val="1"/>
+          <dgm:bulletEnabled val="1"/>
+        </dgm:presLayoutVars>
+      </dgm:prSet>
+      <dgm:spPr/>
+    </dgm:pt>
+    <dgm:pt modelId="{EECFCCD3-1A30-C746-8732-2DAAA2292525}" type="pres">
+      <dgm:prSet presAssocID="{A2F92251-E90B-1D46-B5A3-6A52DE03140B}" presName="ChildText" presStyleLbl="revTx" presStyleIdx="1" presStyleCnt="2">
+        <dgm:presLayoutVars>
+          <dgm:chMax val="0"/>
+          <dgm:chPref val="0"/>
+          <dgm:bulletEnabled val="1"/>
+        </dgm:presLayoutVars>
+      </dgm:prSet>
+      <dgm:spPr/>
+    </dgm:pt>
+    <dgm:pt modelId="{C4051242-F115-8C4E-9F42-FF09AD399434}" type="pres">
+      <dgm:prSet presAssocID="{DBBEA14D-75B6-2640-AE93-E7F00DFAC503}" presName="sibTrans" presStyleCnt="0"/>
+      <dgm:spPr/>
+    </dgm:pt>
+    <dgm:pt modelId="{BC5D3671-D4DE-BF44-B850-B5773D564F21}" type="pres">
+      <dgm:prSet presAssocID="{3D5387F8-1FC1-2440-88DD-7F6384183EC8}" presName="composite" presStyleCnt="0"/>
+      <dgm:spPr/>
+    </dgm:pt>
+    <dgm:pt modelId="{5B56A609-0BB5-1041-A89D-4C427A16E735}" type="pres">
+      <dgm:prSet presAssocID="{3D5387F8-1FC1-2440-88DD-7F6384183EC8}" presName="ParentText" presStyleLbl="node1" presStyleIdx="2" presStyleCnt="3">
+        <dgm:presLayoutVars>
+          <dgm:chMax val="1"/>
+          <dgm:chPref val="1"/>
+          <dgm:bulletEnabled val="1"/>
+        </dgm:presLayoutVars>
+      </dgm:prSet>
+      <dgm:spPr/>
+    </dgm:pt>
+  </dgm:ptLst>
+  <dgm:cxnLst>
+    <dgm:cxn modelId="{2B01D10D-0B45-D14C-9ABE-D5F936FD1286}" srcId="{97E76B99-7D80-E444-84F3-2E533F293E20}" destId="{3D5387F8-1FC1-2440-88DD-7F6384183EC8}" srcOrd="2" destOrd="0" parTransId="{27485B10-0A8F-134E-87C8-952F9578223F}" sibTransId="{02F56705-9669-3B4D-B4D4-29011467CBFC}"/>
+    <dgm:cxn modelId="{4A481D2C-0D6D-2742-93E4-D2F0AA672319}" type="presOf" srcId="{A2F92251-E90B-1D46-B5A3-6A52DE03140B}" destId="{1B27D270-6DF2-5044-AA9C-0DE14436AECB}" srcOrd="0" destOrd="0" presId="urn:microsoft.com/office/officeart/2005/8/layout/StepDownProcess"/>
+    <dgm:cxn modelId="{0344AA52-E7FF-024B-9B85-6539DAA57675}" srcId="{97E76B99-7D80-E444-84F3-2E533F293E20}" destId="{A2F92251-E90B-1D46-B5A3-6A52DE03140B}" srcOrd="1" destOrd="0" parTransId="{59A51C4F-F3B3-7B4D-A277-28EA20ABC476}" sibTransId="{DBBEA14D-75B6-2640-AE93-E7F00DFAC503}"/>
+    <dgm:cxn modelId="{4C7DBBCD-5629-244A-B30F-ADCD19711FAB}" type="presOf" srcId="{8A0074B7-55A7-DF47-915D-76A3E82FFDD0}" destId="{A22154E9-2067-0246-A806-02FC87AEF78C}" srcOrd="0" destOrd="0" presId="urn:microsoft.com/office/officeart/2005/8/layout/StepDownProcess"/>
+    <dgm:cxn modelId="{40652BEA-FB02-5447-B9C5-5D2309A23F2F}" srcId="{97E76B99-7D80-E444-84F3-2E533F293E20}" destId="{8A0074B7-55A7-DF47-915D-76A3E82FFDD0}" srcOrd="0" destOrd="0" parTransId="{A08475CA-C725-E343-9E8B-8DF8E52157D0}" sibTransId="{8DF190D3-2405-2042-867D-9867923F3A09}"/>
+    <dgm:cxn modelId="{60E479EB-AA40-DD45-877E-E18CF4915D96}" type="presOf" srcId="{3D5387F8-1FC1-2440-88DD-7F6384183EC8}" destId="{5B56A609-0BB5-1041-A89D-4C427A16E735}" srcOrd="0" destOrd="0" presId="urn:microsoft.com/office/officeart/2005/8/layout/StepDownProcess"/>
+    <dgm:cxn modelId="{D456BFFC-3E02-634C-BD6A-B3E2126F9B8C}" type="presOf" srcId="{97E76B99-7D80-E444-84F3-2E533F293E20}" destId="{BA7E255F-3B63-F741-B471-C24B4DF64E9A}" srcOrd="0" destOrd="0" presId="urn:microsoft.com/office/officeart/2005/8/layout/StepDownProcess"/>
+    <dgm:cxn modelId="{45E927CD-816E-D54C-8DA9-AC876031884C}" type="presParOf" srcId="{BA7E255F-3B63-F741-B471-C24B4DF64E9A}" destId="{00287417-0DA4-8F43-91C0-11864C3FB8F7}" srcOrd="0" destOrd="0" presId="urn:microsoft.com/office/officeart/2005/8/layout/StepDownProcess"/>
+    <dgm:cxn modelId="{D86C687A-9F2A-284D-9F36-C14A4E26DCE5}" type="presParOf" srcId="{00287417-0DA4-8F43-91C0-11864C3FB8F7}" destId="{1777F61D-F67A-B14A-A4F0-C32D121BAA8E}" srcOrd="0" destOrd="0" presId="urn:microsoft.com/office/officeart/2005/8/layout/StepDownProcess"/>
+    <dgm:cxn modelId="{273CC59A-0950-0343-A9B9-E5C80ABB7317}" type="presParOf" srcId="{00287417-0DA4-8F43-91C0-11864C3FB8F7}" destId="{A22154E9-2067-0246-A806-02FC87AEF78C}" srcOrd="1" destOrd="0" presId="urn:microsoft.com/office/officeart/2005/8/layout/StepDownProcess"/>
+    <dgm:cxn modelId="{7F76ECF9-6599-894F-90C8-2B9938A424F4}" type="presParOf" srcId="{00287417-0DA4-8F43-91C0-11864C3FB8F7}" destId="{0CBDC474-3AB6-0248-A361-72B1086AF3BA}" srcOrd="2" destOrd="0" presId="urn:microsoft.com/office/officeart/2005/8/layout/StepDownProcess"/>
+    <dgm:cxn modelId="{64A5E09C-87DA-F440-A363-94F80814A90B}" type="presParOf" srcId="{BA7E255F-3B63-F741-B471-C24B4DF64E9A}" destId="{A022021D-DDA5-FA42-8852-5D00D352AA65}" srcOrd="1" destOrd="0" presId="urn:microsoft.com/office/officeart/2005/8/layout/StepDownProcess"/>
+    <dgm:cxn modelId="{677D80D6-5439-6642-9278-C3042B88ED70}" type="presParOf" srcId="{BA7E255F-3B63-F741-B471-C24B4DF64E9A}" destId="{1058A2CF-9428-5B42-9AAE-93A552F9AAAB}" srcOrd="2" destOrd="0" presId="urn:microsoft.com/office/officeart/2005/8/layout/StepDownProcess"/>
+    <dgm:cxn modelId="{0E2F013C-A3B2-5C4A-907F-5D7DC590A50D}" type="presParOf" srcId="{1058A2CF-9428-5B42-9AAE-93A552F9AAAB}" destId="{2262766F-624D-7C44-BEF3-60BD7E81C504}" srcOrd="0" destOrd="0" presId="urn:microsoft.com/office/officeart/2005/8/layout/StepDownProcess"/>
+    <dgm:cxn modelId="{C833B309-FDBB-D64D-B7CA-AEEE51B69EC6}" type="presParOf" srcId="{1058A2CF-9428-5B42-9AAE-93A552F9AAAB}" destId="{1B27D270-6DF2-5044-AA9C-0DE14436AECB}" srcOrd="1" destOrd="0" presId="urn:microsoft.com/office/officeart/2005/8/layout/StepDownProcess"/>
+    <dgm:cxn modelId="{76CBD461-530C-DF45-B971-FDDC9699A960}" type="presParOf" srcId="{1058A2CF-9428-5B42-9AAE-93A552F9AAAB}" destId="{EECFCCD3-1A30-C746-8732-2DAAA2292525}" srcOrd="2" destOrd="0" presId="urn:microsoft.com/office/officeart/2005/8/layout/StepDownProcess"/>
+    <dgm:cxn modelId="{0B24C34F-7716-2A47-A42E-8412F61C6F46}" type="presParOf" srcId="{BA7E255F-3B63-F741-B471-C24B4DF64E9A}" destId="{C4051242-F115-8C4E-9F42-FF09AD399434}" srcOrd="3" destOrd="0" presId="urn:microsoft.com/office/officeart/2005/8/layout/StepDownProcess"/>
+    <dgm:cxn modelId="{6ADE33D2-3B6A-4342-8FDF-C914340BCEF7}" type="presParOf" srcId="{BA7E255F-3B63-F741-B471-C24B4DF64E9A}" destId="{BC5D3671-D4DE-BF44-B850-B5773D564F21}" srcOrd="4" destOrd="0" presId="urn:microsoft.com/office/officeart/2005/8/layout/StepDownProcess"/>
+    <dgm:cxn modelId="{414D3FE4-2409-D34F-93AB-7780D55DB985}" type="presParOf" srcId="{BC5D3671-D4DE-BF44-B850-B5773D564F21}" destId="{5B56A609-0BB5-1041-A89D-4C427A16E735}" srcOrd="0" destOrd="0" presId="urn:microsoft.com/office/officeart/2005/8/layout/StepDownProcess"/>
+  </dgm:cxnLst>
+  <dgm:bg/>
+  <dgm:whole/>
+  <dgm:extLst>
+    <a:ext uri="http://schemas.microsoft.com/office/drawing/2008/diagram">
+      <dsp:dataModelExt xmlns:dsp="http://schemas.microsoft.com/office/drawing/2008/diagram" relId="rId7" minVer="http://schemas.openxmlformats.org/drawingml/2006/diagram"/>
     </a:ext>
   </dgm:extLst>
 </dgm:dataModel>
@@ -1873,6 +3448,433 @@
 </dsp:drawing>
 </file>
 
+<file path=ppt/diagrams/drawing2.xml><?xml version="1.0" encoding="utf-8"?>
+<dsp:drawing xmlns:dgm="http://schemas.openxmlformats.org/drawingml/2006/diagram" xmlns:dsp="http://schemas.microsoft.com/office/drawing/2008/diagram" xmlns:a="http://schemas.openxmlformats.org/drawingml/2006/main">
+  <dsp:spTree>
+    <dsp:nvGrpSpPr>
+      <dsp:cNvPr id="0" name=""/>
+      <dsp:cNvGrpSpPr/>
+    </dsp:nvGrpSpPr>
+    <dsp:grpSpPr/>
+    <dsp:sp modelId="{1777F61D-F67A-B14A-A4F0-C32D121BAA8E}">
+      <dsp:nvSpPr>
+        <dsp:cNvPr id="0" name=""/>
+        <dsp:cNvSpPr/>
+      </dsp:nvSpPr>
+      <dsp:spPr>
+        <a:xfrm rot="5400000">
+          <a:off x="241989" y="1364869"/>
+          <a:ext cx="905144" cy="1030475"/>
+        </a:xfrm>
+        <a:prstGeom prst="bentUpArrow">
+          <a:avLst>
+            <a:gd name="adj1" fmla="val 32840"/>
+            <a:gd name="adj2" fmla="val 25000"/>
+            <a:gd name="adj3" fmla="val 35780"/>
+          </a:avLst>
+        </a:prstGeom>
+        <a:solidFill>
+          <a:schemeClr val="accent1">
+            <a:tint val="50000"/>
+            <a:hueOff val="0"/>
+            <a:satOff val="0"/>
+            <a:lumOff val="0"/>
+            <a:alphaOff val="0"/>
+          </a:schemeClr>
+        </a:solidFill>
+        <a:ln w="12700" cap="flat" cmpd="sng" algn="ctr">
+          <a:solidFill>
+            <a:schemeClr val="lt1">
+              <a:hueOff val="0"/>
+              <a:satOff val="0"/>
+              <a:lumOff val="0"/>
+              <a:alphaOff val="0"/>
+            </a:schemeClr>
+          </a:solidFill>
+          <a:prstDash val="solid"/>
+          <a:miter lim="800000"/>
+        </a:ln>
+        <a:effectLst/>
+      </dsp:spPr>
+      <dsp:style>
+        <a:lnRef idx="2">
+          <a:scrgbClr r="0" g="0" b="0"/>
+        </a:lnRef>
+        <a:fillRef idx="1">
+          <a:scrgbClr r="0" g="0" b="0"/>
+        </a:fillRef>
+        <a:effectRef idx="0">
+          <a:scrgbClr r="0" g="0" b="0"/>
+        </a:effectRef>
+        <a:fontRef idx="minor"/>
+      </dsp:style>
+    </dsp:sp>
+    <dsp:sp modelId="{A22154E9-2067-0246-A806-02FC87AEF78C}">
+      <dsp:nvSpPr>
+        <dsp:cNvPr id="0" name=""/>
+        <dsp:cNvSpPr/>
+      </dsp:nvSpPr>
+      <dsp:spPr>
+        <a:xfrm>
+          <a:off x="2181" y="361497"/>
+          <a:ext cx="1523731" cy="1066562"/>
+        </a:xfrm>
+        <a:prstGeom prst="roundRect">
+          <a:avLst>
+            <a:gd name="adj" fmla="val 16670"/>
+          </a:avLst>
+        </a:prstGeom>
+        <a:solidFill>
+          <a:schemeClr val="accent2">
+            <a:hueOff val="0"/>
+            <a:satOff val="0"/>
+            <a:lumOff val="0"/>
+            <a:alphaOff val="0"/>
+          </a:schemeClr>
+        </a:solidFill>
+        <a:ln w="12700" cap="flat" cmpd="sng" algn="ctr">
+          <a:solidFill>
+            <a:schemeClr val="lt1">
+              <a:hueOff val="0"/>
+              <a:satOff val="0"/>
+              <a:lumOff val="0"/>
+              <a:alphaOff val="0"/>
+            </a:schemeClr>
+          </a:solidFill>
+          <a:prstDash val="solid"/>
+          <a:miter lim="800000"/>
+        </a:ln>
+        <a:effectLst/>
+      </dsp:spPr>
+      <dsp:style>
+        <a:lnRef idx="2">
+          <a:scrgbClr r="0" g="0" b="0"/>
+        </a:lnRef>
+        <a:fillRef idx="1">
+          <a:scrgbClr r="0" g="0" b="0"/>
+        </a:fillRef>
+        <a:effectRef idx="0">
+          <a:scrgbClr r="0" g="0" b="0"/>
+        </a:effectRef>
+        <a:fontRef idx="minor">
+          <a:schemeClr val="lt1"/>
+        </a:fontRef>
+      </dsp:style>
+      <dsp:txBody>
+        <a:bodyPr spcFirstLastPara="0" vert="horz" wrap="square" lIns="57150" tIns="57150" rIns="57150" bIns="57150" numCol="1" spcCol="1270" anchor="ctr" anchorCtr="0">
+          <a:noAutofit/>
+        </a:bodyPr>
+        <a:lstStyle/>
+        <a:p>
+          <a:pPr marL="0" lvl="0" indent="0" algn="ctr" defTabSz="666750">
+            <a:lnSpc>
+              <a:spcPct val="90000"/>
+            </a:lnSpc>
+            <a:spcBef>
+              <a:spcPct val="0"/>
+            </a:spcBef>
+            <a:spcAft>
+              <a:spcPct val="35000"/>
+            </a:spcAft>
+            <a:buNone/>
+          </a:pPr>
+          <a:r>
+            <a:rPr lang="en-US" sz="1500" kern="1200" dirty="0"/>
+            <a:t>Get Airports Coordinates</a:t>
+          </a:r>
+        </a:p>
+      </dsp:txBody>
+      <dsp:txXfrm>
+        <a:off x="54256" y="413572"/>
+        <a:ext cx="1419581" cy="962412"/>
+      </dsp:txXfrm>
+    </dsp:sp>
+    <dsp:sp modelId="{0CBDC474-3AB6-0248-A361-72B1086AF3BA}">
+      <dsp:nvSpPr>
+        <dsp:cNvPr id="0" name=""/>
+        <dsp:cNvSpPr/>
+      </dsp:nvSpPr>
+      <dsp:spPr>
+        <a:xfrm>
+          <a:off x="1525912" y="463218"/>
+          <a:ext cx="1108216" cy="862042"/>
+        </a:xfrm>
+        <a:prstGeom prst="rect">
+          <a:avLst/>
+        </a:prstGeom>
+        <a:noFill/>
+        <a:ln>
+          <a:noFill/>
+        </a:ln>
+        <a:effectLst/>
+      </dsp:spPr>
+      <dsp:style>
+        <a:lnRef idx="0">
+          <a:scrgbClr r="0" g="0" b="0"/>
+        </a:lnRef>
+        <a:fillRef idx="0">
+          <a:scrgbClr r="0" g="0" b="0"/>
+        </a:fillRef>
+        <a:effectRef idx="0">
+          <a:scrgbClr r="0" g="0" b="0"/>
+        </a:effectRef>
+        <a:fontRef idx="minor"/>
+      </dsp:style>
+    </dsp:sp>
+    <dsp:sp modelId="{2262766F-624D-7C44-BEF3-60BD7E81C504}">
+      <dsp:nvSpPr>
+        <dsp:cNvPr id="0" name=""/>
+        <dsp:cNvSpPr/>
+      </dsp:nvSpPr>
+      <dsp:spPr>
+        <a:xfrm rot="5400000">
+          <a:off x="1505324" y="2562970"/>
+          <a:ext cx="905144" cy="1030475"/>
+        </a:xfrm>
+        <a:prstGeom prst="bentUpArrow">
+          <a:avLst>
+            <a:gd name="adj1" fmla="val 32840"/>
+            <a:gd name="adj2" fmla="val 25000"/>
+            <a:gd name="adj3" fmla="val 35780"/>
+          </a:avLst>
+        </a:prstGeom>
+        <a:solidFill>
+          <a:schemeClr val="accent1">
+            <a:tint val="50000"/>
+            <a:hueOff val="-1627135"/>
+            <a:satOff val="-7936"/>
+            <a:lumOff val="9663"/>
+            <a:alphaOff val="0"/>
+          </a:schemeClr>
+        </a:solidFill>
+        <a:ln w="12700" cap="flat" cmpd="sng" algn="ctr">
+          <a:solidFill>
+            <a:schemeClr val="lt1">
+              <a:hueOff val="0"/>
+              <a:satOff val="0"/>
+              <a:lumOff val="0"/>
+              <a:alphaOff val="0"/>
+            </a:schemeClr>
+          </a:solidFill>
+          <a:prstDash val="solid"/>
+          <a:miter lim="800000"/>
+        </a:ln>
+        <a:effectLst/>
+      </dsp:spPr>
+      <dsp:style>
+        <a:lnRef idx="2">
+          <a:scrgbClr r="0" g="0" b="0"/>
+        </a:lnRef>
+        <a:fillRef idx="1">
+          <a:scrgbClr r="0" g="0" b="0"/>
+        </a:fillRef>
+        <a:effectRef idx="0">
+          <a:scrgbClr r="0" g="0" b="0"/>
+        </a:effectRef>
+        <a:fontRef idx="minor"/>
+      </dsp:style>
+    </dsp:sp>
+    <dsp:sp modelId="{1B27D270-6DF2-5044-AA9C-0DE14436AECB}">
+      <dsp:nvSpPr>
+        <dsp:cNvPr id="0" name=""/>
+        <dsp:cNvSpPr/>
+      </dsp:nvSpPr>
+      <dsp:spPr>
+        <a:xfrm>
+          <a:off x="1265516" y="1559599"/>
+          <a:ext cx="1523731" cy="1066562"/>
+        </a:xfrm>
+        <a:prstGeom prst="roundRect">
+          <a:avLst>
+            <a:gd name="adj" fmla="val 16670"/>
+          </a:avLst>
+        </a:prstGeom>
+        <a:solidFill>
+          <a:schemeClr val="accent3">
+            <a:hueOff val="0"/>
+            <a:satOff val="0"/>
+            <a:lumOff val="0"/>
+            <a:alphaOff val="0"/>
+          </a:schemeClr>
+        </a:solidFill>
+        <a:ln w="12700" cap="flat" cmpd="sng" algn="ctr">
+          <a:solidFill>
+            <a:schemeClr val="lt1">
+              <a:hueOff val="0"/>
+              <a:satOff val="0"/>
+              <a:lumOff val="0"/>
+              <a:alphaOff val="0"/>
+            </a:schemeClr>
+          </a:solidFill>
+          <a:prstDash val="solid"/>
+          <a:miter lim="800000"/>
+        </a:ln>
+        <a:effectLst/>
+      </dsp:spPr>
+      <dsp:style>
+        <a:lnRef idx="2">
+          <a:scrgbClr r="0" g="0" b="0"/>
+        </a:lnRef>
+        <a:fillRef idx="1">
+          <a:scrgbClr r="0" g="0" b="0"/>
+        </a:fillRef>
+        <a:effectRef idx="0">
+          <a:scrgbClr r="0" g="0" b="0"/>
+        </a:effectRef>
+        <a:fontRef idx="minor">
+          <a:schemeClr val="lt1"/>
+        </a:fontRef>
+      </dsp:style>
+      <dsp:txBody>
+        <a:bodyPr spcFirstLastPara="0" vert="horz" wrap="square" lIns="57150" tIns="57150" rIns="57150" bIns="57150" numCol="1" spcCol="1270" anchor="ctr" anchorCtr="0">
+          <a:noAutofit/>
+        </a:bodyPr>
+        <a:lstStyle/>
+        <a:p>
+          <a:pPr marL="0" lvl="0" indent="0" algn="ctr" defTabSz="666750">
+            <a:lnSpc>
+              <a:spcPct val="90000"/>
+            </a:lnSpc>
+            <a:spcBef>
+              <a:spcPct val="0"/>
+            </a:spcBef>
+            <a:spcAft>
+              <a:spcPct val="35000"/>
+            </a:spcAft>
+            <a:buNone/>
+          </a:pPr>
+          <a:r>
+            <a:rPr lang="en-US" sz="1500" kern="1200" dirty="0"/>
+            <a:t>Bring Historic Information Using </a:t>
+          </a:r>
+          <a:r>
+            <a:rPr lang="en-US" sz="1500" kern="1200" dirty="0" err="1"/>
+            <a:t>Meteostat</a:t>
+          </a:r>
+          <a:endParaRPr lang="en-US" sz="1500" kern="1200" dirty="0"/>
+        </a:p>
+      </dsp:txBody>
+      <dsp:txXfrm>
+        <a:off x="1317591" y="1611674"/>
+        <a:ext cx="1419581" cy="962412"/>
+      </dsp:txXfrm>
+    </dsp:sp>
+    <dsp:sp modelId="{EECFCCD3-1A30-C746-8732-2DAAA2292525}">
+      <dsp:nvSpPr>
+        <dsp:cNvPr id="0" name=""/>
+        <dsp:cNvSpPr/>
+      </dsp:nvSpPr>
+      <dsp:spPr>
+        <a:xfrm>
+          <a:off x="2789247" y="1661320"/>
+          <a:ext cx="1108216" cy="862042"/>
+        </a:xfrm>
+        <a:prstGeom prst="rect">
+          <a:avLst/>
+        </a:prstGeom>
+        <a:noFill/>
+        <a:ln>
+          <a:noFill/>
+        </a:ln>
+        <a:effectLst/>
+      </dsp:spPr>
+      <dsp:style>
+        <a:lnRef idx="0">
+          <a:scrgbClr r="0" g="0" b="0"/>
+        </a:lnRef>
+        <a:fillRef idx="0">
+          <a:scrgbClr r="0" g="0" b="0"/>
+        </a:fillRef>
+        <a:effectRef idx="0">
+          <a:scrgbClr r="0" g="0" b="0"/>
+        </a:effectRef>
+        <a:fontRef idx="minor"/>
+      </dsp:style>
+    </dsp:sp>
+    <dsp:sp modelId="{5B56A609-0BB5-1041-A89D-4C427A16E735}">
+      <dsp:nvSpPr>
+        <dsp:cNvPr id="0" name=""/>
+        <dsp:cNvSpPr/>
+      </dsp:nvSpPr>
+      <dsp:spPr>
+        <a:xfrm>
+          <a:off x="2528851" y="2757700"/>
+          <a:ext cx="1523731" cy="1066562"/>
+        </a:xfrm>
+        <a:prstGeom prst="roundRect">
+          <a:avLst>
+            <a:gd name="adj" fmla="val 16670"/>
+          </a:avLst>
+        </a:prstGeom>
+        <a:solidFill>
+          <a:schemeClr val="accent4">
+            <a:hueOff val="0"/>
+            <a:satOff val="0"/>
+            <a:lumOff val="0"/>
+            <a:alphaOff val="0"/>
+          </a:schemeClr>
+        </a:solidFill>
+        <a:ln w="12700" cap="flat" cmpd="sng" algn="ctr">
+          <a:solidFill>
+            <a:schemeClr val="lt1">
+              <a:hueOff val="0"/>
+              <a:satOff val="0"/>
+              <a:lumOff val="0"/>
+              <a:alphaOff val="0"/>
+            </a:schemeClr>
+          </a:solidFill>
+          <a:prstDash val="solid"/>
+          <a:miter lim="800000"/>
+        </a:ln>
+        <a:effectLst/>
+      </dsp:spPr>
+      <dsp:style>
+        <a:lnRef idx="2">
+          <a:scrgbClr r="0" g="0" b="0"/>
+        </a:lnRef>
+        <a:fillRef idx="1">
+          <a:scrgbClr r="0" g="0" b="0"/>
+        </a:fillRef>
+        <a:effectRef idx="0">
+          <a:scrgbClr r="0" g="0" b="0"/>
+        </a:effectRef>
+        <a:fontRef idx="minor">
+          <a:schemeClr val="lt1"/>
+        </a:fontRef>
+      </dsp:style>
+      <dsp:txBody>
+        <a:bodyPr spcFirstLastPara="0" vert="horz" wrap="square" lIns="57150" tIns="57150" rIns="57150" bIns="57150" numCol="1" spcCol="1270" anchor="ctr" anchorCtr="0">
+          <a:noAutofit/>
+        </a:bodyPr>
+        <a:lstStyle/>
+        <a:p>
+          <a:pPr marL="0" lvl="0" indent="0" algn="ctr" defTabSz="666750">
+            <a:lnSpc>
+              <a:spcPct val="90000"/>
+            </a:lnSpc>
+            <a:spcBef>
+              <a:spcPct val="0"/>
+            </a:spcBef>
+            <a:spcAft>
+              <a:spcPct val="35000"/>
+            </a:spcAft>
+            <a:buNone/>
+          </a:pPr>
+          <a:r>
+            <a:rPr lang="en-US" sz="1500" kern="1200" dirty="0"/>
+            <a:t>Merge Information / Feature Engineering</a:t>
+          </a:r>
+        </a:p>
+      </dsp:txBody>
+      <dsp:txXfrm>
+        <a:off x="2580926" y="2809775"/>
+        <a:ext cx="1419581" cy="962412"/>
+      </dsp:txXfrm>
+    </dsp:sp>
+  </dsp:spTree>
+</dsp:drawing>
+</file>
+
 <file path=ppt/diagrams/layout1.xml><?xml version="1.0" encoding="utf-8"?>
 <dgm:layoutDef xmlns:dgm="http://schemas.openxmlformats.org/drawingml/2006/diagram" xmlns:a="http://schemas.openxmlformats.org/drawingml/2006/main" uniqueId="urn:microsoft.com/office/officeart/2005/8/layout/vList2">
   <dgm:title val=""/>
@@ -2040,7 +4042,1359 @@
 </dgm:layoutDef>
 </file>
 
+<file path=ppt/diagrams/layout2.xml><?xml version="1.0" encoding="utf-8"?>
+<dgm:layoutDef xmlns:dgm="http://schemas.openxmlformats.org/drawingml/2006/diagram" xmlns:a="http://schemas.openxmlformats.org/drawingml/2006/main" uniqueId="urn:microsoft.com/office/officeart/2005/8/layout/StepDownProcess">
+  <dgm:title val=""/>
+  <dgm:desc val=""/>
+  <dgm:catLst>
+    <dgm:cat type="process" pri="1600"/>
+  </dgm:catLst>
+  <dgm:sampData>
+    <dgm:dataModel>
+      <dgm:ptLst>
+        <dgm:pt modelId="0" type="doc"/>
+        <dgm:pt modelId="10">
+          <dgm:prSet phldr="1"/>
+        </dgm:pt>
+        <dgm:pt modelId="11">
+          <dgm:prSet phldr="1"/>
+        </dgm:pt>
+        <dgm:pt modelId="20">
+          <dgm:prSet phldr="1"/>
+        </dgm:pt>
+        <dgm:pt modelId="21">
+          <dgm:prSet phldr="1"/>
+        </dgm:pt>
+        <dgm:pt modelId="30">
+          <dgm:prSet phldr="1"/>
+        </dgm:pt>
+        <dgm:pt modelId="31">
+          <dgm:prSet phldr="1"/>
+        </dgm:pt>
+      </dgm:ptLst>
+      <dgm:cxnLst>
+        <dgm:cxn modelId="60" srcId="0" destId="10" srcOrd="0" destOrd="0"/>
+        <dgm:cxn modelId="12" srcId="10" destId="11" srcOrd="0" destOrd="0"/>
+        <dgm:cxn modelId="70" srcId="0" destId="20" srcOrd="1" destOrd="0"/>
+        <dgm:cxn modelId="22" srcId="20" destId="21" srcOrd="0" destOrd="0"/>
+        <dgm:cxn modelId="80" srcId="0" destId="30" srcOrd="2" destOrd="0"/>
+        <dgm:cxn modelId="32" srcId="30" destId="31" srcOrd="0" destOrd="0"/>
+      </dgm:cxnLst>
+      <dgm:bg/>
+      <dgm:whole/>
+    </dgm:dataModel>
+  </dgm:sampData>
+  <dgm:styleData>
+    <dgm:dataModel>
+      <dgm:ptLst>
+        <dgm:pt modelId="0" type="doc"/>
+        <dgm:pt modelId="10">
+          <dgm:prSet phldr="1"/>
+        </dgm:pt>
+        <dgm:pt modelId="20">
+          <dgm:prSet phldr="1"/>
+        </dgm:pt>
+      </dgm:ptLst>
+      <dgm:cxnLst>
+        <dgm:cxn modelId="60" srcId="0" destId="10" srcOrd="0" destOrd="0"/>
+        <dgm:cxn modelId="70" srcId="0" destId="20" srcOrd="1" destOrd="0"/>
+      </dgm:cxnLst>
+      <dgm:bg/>
+      <dgm:whole/>
+    </dgm:dataModel>
+  </dgm:styleData>
+  <dgm:clrData>
+    <dgm:dataModel>
+      <dgm:ptLst>
+        <dgm:pt modelId="0" type="doc"/>
+        <dgm:pt modelId="10">
+          <dgm:prSet phldr="1"/>
+        </dgm:pt>
+        <dgm:pt modelId="20">
+          <dgm:prSet phldr="1"/>
+        </dgm:pt>
+        <dgm:pt modelId="30">
+          <dgm:prSet phldr="1"/>
+        </dgm:pt>
+        <dgm:pt modelId="40">
+          <dgm:prSet phldr="1"/>
+        </dgm:pt>
+      </dgm:ptLst>
+      <dgm:cxnLst>
+        <dgm:cxn modelId="60" srcId="0" destId="10" srcOrd="0" destOrd="0"/>
+        <dgm:cxn modelId="70" srcId="0" destId="20" srcOrd="1" destOrd="0"/>
+        <dgm:cxn modelId="80" srcId="0" destId="30" srcOrd="2" destOrd="0"/>
+        <dgm:cxn modelId="90" srcId="0" destId="40" srcOrd="3" destOrd="0"/>
+      </dgm:cxnLst>
+      <dgm:bg/>
+      <dgm:whole/>
+    </dgm:dataModel>
+  </dgm:clrData>
+  <dgm:layoutNode name="rootnode">
+    <dgm:varLst>
+      <dgm:chMax/>
+      <dgm:chPref/>
+      <dgm:dir/>
+      <dgm:animLvl val="lvl"/>
+    </dgm:varLst>
+    <dgm:choose name="Name0">
+      <dgm:if name="Name1" func="var" arg="dir" op="equ" val="norm">
+        <dgm:alg type="snake">
+          <dgm:param type="grDir" val="tL"/>
+          <dgm:param type="flowDir" val="row"/>
+          <dgm:param type="off" val="off"/>
+          <dgm:param type="bkpt" val="fixed"/>
+          <dgm:param type="bkPtFixedVal" val="1"/>
+        </dgm:alg>
+      </dgm:if>
+      <dgm:else name="Name2">
+        <dgm:alg type="snake">
+          <dgm:param type="grDir" val="tR"/>
+          <dgm:param type="flowDir" val="row"/>
+          <dgm:param type="off" val="off"/>
+          <dgm:param type="bkpt" val="fixed"/>
+          <dgm:param type="bkPtFixedVal" val="1"/>
+        </dgm:alg>
+      </dgm:else>
+    </dgm:choose>
+    <dgm:shape xmlns:r="http://schemas.openxmlformats.org/officeDocument/2006/relationships" r:blip="">
+      <dgm:adjLst/>
+    </dgm:shape>
+    <dgm:choose name="Name3">
+      <dgm:if name="Name4" func="var" arg="dir" op="equ" val="norm">
+        <dgm:constrLst>
+          <dgm:constr type="alignOff" forName="rootnode" val="0.48"/>
+          <dgm:constr type="primFontSz" for="des" forName="ParentText" val="65"/>
+          <dgm:constr type="primFontSz" for="des" forName="ChildText" refType="primFontSz" refFor="des" refForName="ParentText" op="lte"/>
+          <dgm:constr type="w" for="ch" forName="composite" refType="w"/>
+          <dgm:constr type="h" for="ch" forName="composite" refType="h"/>
+          <dgm:constr type="sp" refType="h" refFor="ch" refForName="composite" op="equ" fact="-0.38"/>
+        </dgm:constrLst>
+      </dgm:if>
+      <dgm:else name="Name5">
+        <dgm:constrLst>
+          <dgm:constr type="alignOff" forName="rootnode" val="0.48"/>
+          <dgm:constr type="primFontSz" for="des" forName="ParentText" val="65"/>
+          <dgm:constr type="primFontSz" for="des" forName="ChildText" refType="primFontSz" refFor="des" refForName="ParentText" op="lte"/>
+          <dgm:constr type="w" for="ch" forName="composite" refType="w"/>
+          <dgm:constr type="h" for="ch" forName="composite" refType="h"/>
+          <dgm:constr type="sp" refType="h" refFor="ch" refForName="composite" op="equ" fact="-0.38"/>
+        </dgm:constrLst>
+      </dgm:else>
+    </dgm:choose>
+    <dgm:forEach name="nodesForEach" axis="ch" ptType="node">
+      <dgm:layoutNode name="composite">
+        <dgm:alg type="composite">
+          <dgm:param type="ar" val="1.2439"/>
+        </dgm:alg>
+        <dgm:shape xmlns:r="http://schemas.openxmlformats.org/officeDocument/2006/relationships" r:blip="">
+          <dgm:adjLst/>
+        </dgm:shape>
+        <dgm:choose name="Name6">
+          <dgm:if name="Name7" func="var" arg="dir" op="equ" val="norm">
+            <dgm:constrLst>
+              <dgm:constr type="l" for="ch" forName="bentUpArrow1" refType="w" fact="0.07"/>
+              <dgm:constr type="t" for="ch" forName="bentUpArrow1" refType="h" fact="0.524"/>
+              <dgm:constr type="w" for="ch" forName="bentUpArrow1" refType="w" fact="0.3844"/>
+              <dgm:constr type="h" for="ch" forName="bentUpArrow1" refType="h" fact="0.42"/>
+              <dgm:constr type="l" for="ch" forName="ParentText" refType="w" fact="0"/>
+              <dgm:constr type="t" for="ch" forName="ParentText" refType="h" fact="0"/>
+              <dgm:constr type="w" for="ch" forName="ParentText" refType="w" fact="0.5684"/>
+              <dgm:constr type="h" for="ch" forName="ParentText" refType="h" fact="0.4949"/>
+              <dgm:constr type="l" for="ch" forName="ChildText" refType="w" refFor="ch" refForName="ParentText"/>
+              <dgm:constr type="t" for="ch" forName="ChildText" refType="h" fact="0.05"/>
+              <dgm:constr type="w" for="ch" forName="ChildText" refType="w" fact="0.4134"/>
+              <dgm:constr type="h" for="ch" forName="ChildText" refType="h" fact="0.4"/>
+              <dgm:constr type="l" for="ch" forName="FinalChildText" refType="w" refFor="ch" refForName="ParentText"/>
+              <dgm:constr type="t" for="ch" forName="FinalChildText" refType="h" fact="0.05"/>
+              <dgm:constr type="w" for="ch" forName="FinalChildText" refType="w" fact="0.4134"/>
+              <dgm:constr type="h" for="ch" forName="FinalChildText" refType="h" fact="0.4"/>
+            </dgm:constrLst>
+          </dgm:if>
+          <dgm:else name="Name8">
+            <dgm:constrLst>
+              <dgm:constr type="r" for="ch" forName="bentUpArrow1" refType="w" fact="0.97"/>
+              <dgm:constr type="t" for="ch" forName="bentUpArrow1" refType="h" fact="0.524"/>
+              <dgm:constr type="w" for="ch" forName="bentUpArrow1" refType="w" fact="0.3844"/>
+              <dgm:constr type="h" for="ch" forName="bentUpArrow1" refType="h" fact="0.42"/>
+              <dgm:constr type="l" for="ch" forName="ParentText" refType="w" fact="0.4316"/>
+              <dgm:constr type="t" for="ch" forName="ParentText" refType="h" fact="0"/>
+              <dgm:constr type="w" for="ch" forName="ParentText" refType="w" fact="0.5684"/>
+              <dgm:constr type="h" for="ch" forName="ParentText" refType="h" fact="0.4949"/>
+              <dgm:constr type="l" for="ch" forName="ChildText" refType="w" fact="0"/>
+              <dgm:constr type="t" for="ch" forName="ChildText" refType="h" fact="0.05"/>
+              <dgm:constr type="w" for="ch" forName="ChildText" refType="w" fact="0.4134"/>
+              <dgm:constr type="h" for="ch" forName="ChildText" refType="h" fact="0.4"/>
+              <dgm:constr type="l" for="ch" forName="FinalChildText" refType="w" fact="0"/>
+              <dgm:constr type="t" for="ch" forName="FinalChildText" refType="h" fact="0.05"/>
+              <dgm:constr type="w" for="ch" forName="FinalChildText" refType="w" fact="0.4134"/>
+              <dgm:constr type="h" for="ch" forName="FinalChildText" refType="h" fact="0.4"/>
+            </dgm:constrLst>
+          </dgm:else>
+        </dgm:choose>
+        <dgm:choose name="Name9">
+          <dgm:if name="Name10" axis="followSib" ptType="node" func="cnt" op="gte" val="1">
+            <dgm:layoutNode name="bentUpArrow1" styleLbl="alignImgPlace1">
+              <dgm:alg type="sp"/>
+              <dgm:choose name="Name11">
+                <dgm:if name="Name12" func="var" arg="dir" op="equ" val="norm">
+                  <dgm:shape xmlns:r="http://schemas.openxmlformats.org/officeDocument/2006/relationships" rot="90" type="bentUpArrow" r:blip="">
+                    <dgm:adjLst>
+                      <dgm:adj idx="1" val="0.3284"/>
+                      <dgm:adj idx="2" val="0.25"/>
+                      <dgm:adj idx="3" val="0.3578"/>
+                    </dgm:adjLst>
+                  </dgm:shape>
+                </dgm:if>
+                <dgm:else name="Name13">
+                  <dgm:shape xmlns:r="http://schemas.openxmlformats.org/officeDocument/2006/relationships" rot="180" type="bentArrow" r:blip="">
+                    <dgm:adjLst>
+                      <dgm:adj idx="1" val="0.3284"/>
+                      <dgm:adj idx="2" val="0.25"/>
+                      <dgm:adj idx="3" val="0.3578"/>
+                      <dgm:adj idx="4" val="0"/>
+                    </dgm:adjLst>
+                  </dgm:shape>
+                </dgm:else>
+              </dgm:choose>
+              <dgm:presOf/>
+            </dgm:layoutNode>
+          </dgm:if>
+          <dgm:else name="Name14"/>
+        </dgm:choose>
+        <dgm:layoutNode name="ParentText" styleLbl="node1">
+          <dgm:varLst>
+            <dgm:chMax val="1"/>
+            <dgm:chPref val="1"/>
+            <dgm:bulletEnabled val="1"/>
+          </dgm:varLst>
+          <dgm:alg type="tx"/>
+          <dgm:shape xmlns:r="http://schemas.openxmlformats.org/officeDocument/2006/relationships" type="roundRect" r:blip="">
+            <dgm:adjLst>
+              <dgm:adj idx="1" val="0.1667"/>
+            </dgm:adjLst>
+          </dgm:shape>
+          <dgm:presOf axis="self" ptType="node"/>
+          <dgm:constrLst>
+            <dgm:constr type="lMarg" refType="primFontSz" fact="0.3"/>
+            <dgm:constr type="rMarg" refType="primFontSz" fact="0.3"/>
+            <dgm:constr type="tMarg" refType="primFontSz" fact="0.3"/>
+            <dgm:constr type="bMarg" refType="primFontSz" fact="0.3"/>
+          </dgm:constrLst>
+          <dgm:ruleLst>
+            <dgm:rule type="primFontSz" val="5" fact="NaN" max="NaN"/>
+          </dgm:ruleLst>
+        </dgm:layoutNode>
+        <dgm:choose name="Name15">
+          <dgm:if name="Name16" axis="followSib" ptType="node" func="cnt" op="equ" val="0">
+            <dgm:choose name="Name17">
+              <dgm:if name="Name18" axis="ch" ptType="node" func="cnt" op="gte" val="1">
+                <dgm:layoutNode name="FinalChildText" styleLbl="revTx">
+                  <dgm:varLst>
+                    <dgm:chMax val="0"/>
+                    <dgm:chPref val="0"/>
+                    <dgm:bulletEnabled val="1"/>
+                  </dgm:varLst>
+                  <dgm:alg type="tx">
+                    <dgm:param type="stBulletLvl" val="1"/>
+                    <dgm:param type="txAnchorVertCh" val="mid"/>
+                    <dgm:param type="parTxLTRAlign" val="l"/>
+                  </dgm:alg>
+                  <dgm:shape xmlns:r="http://schemas.openxmlformats.org/officeDocument/2006/relationships" type="rect" r:blip="">
+                    <dgm:adjLst/>
+                  </dgm:shape>
+                  <dgm:presOf axis="des" ptType="node"/>
+                  <dgm:constrLst>
+                    <dgm:constr type="lMarg" refType="primFontSz" fact="0.3"/>
+                    <dgm:constr type="rMarg" refType="primFontSz" fact="0.3"/>
+                    <dgm:constr type="tMarg" refType="primFontSz" fact="0.3"/>
+                    <dgm:constr type="bMarg" refType="primFontSz" fact="0.3"/>
+                  </dgm:constrLst>
+                  <dgm:ruleLst>
+                    <dgm:rule type="primFontSz" val="5" fact="NaN" max="NaN"/>
+                  </dgm:ruleLst>
+                </dgm:layoutNode>
+              </dgm:if>
+              <dgm:else name="Name19"/>
+            </dgm:choose>
+          </dgm:if>
+          <dgm:else name="Name20">
+            <dgm:layoutNode name="ChildText" styleLbl="revTx">
+              <dgm:varLst>
+                <dgm:chMax val="0"/>
+                <dgm:chPref val="0"/>
+                <dgm:bulletEnabled val="1"/>
+              </dgm:varLst>
+              <dgm:alg type="tx">
+                <dgm:param type="stBulletLvl" val="1"/>
+                <dgm:param type="txAnchorVertCh" val="mid"/>
+                <dgm:param type="parTxLTRAlign" val="l"/>
+              </dgm:alg>
+              <dgm:shape xmlns:r="http://schemas.openxmlformats.org/officeDocument/2006/relationships" type="rect" r:blip="">
+                <dgm:adjLst/>
+              </dgm:shape>
+              <dgm:presOf axis="des" ptType="node"/>
+              <dgm:constrLst>
+                <dgm:constr type="lMarg" refType="primFontSz" fact="0.3"/>
+                <dgm:constr type="rMarg" refType="primFontSz" fact="0.3"/>
+                <dgm:constr type="tMarg" refType="primFontSz" fact="0.3"/>
+                <dgm:constr type="bMarg" refType="primFontSz" fact="0.3"/>
+              </dgm:constrLst>
+              <dgm:ruleLst>
+                <dgm:rule type="primFontSz" val="5" fact="NaN" max="NaN"/>
+              </dgm:ruleLst>
+            </dgm:layoutNode>
+          </dgm:else>
+        </dgm:choose>
+      </dgm:layoutNode>
+      <dgm:forEach name="sibTransForEach" axis="followSib" ptType="sibTrans" cnt="1">
+        <dgm:layoutNode name="sibTrans">
+          <dgm:alg type="sp"/>
+          <dgm:shape xmlns:r="http://schemas.openxmlformats.org/officeDocument/2006/relationships" r:blip="">
+            <dgm:adjLst/>
+          </dgm:shape>
+        </dgm:layoutNode>
+      </dgm:forEach>
+    </dgm:forEach>
+  </dgm:layoutNode>
+</dgm:layoutDef>
+</file>
+
 <file path=ppt/diagrams/quickStyle1.xml><?xml version="1.0" encoding="utf-8"?>
+<dgm:styleDef xmlns:dgm="http://schemas.openxmlformats.org/drawingml/2006/diagram" xmlns:a="http://schemas.openxmlformats.org/drawingml/2006/main" uniqueId="urn:microsoft.com/office/officeart/2005/8/quickstyle/simple1">
+  <dgm:title val=""/>
+  <dgm:desc val=""/>
+  <dgm:catLst>
+    <dgm:cat type="simple" pri="10100"/>
+  </dgm:catLst>
+  <dgm:scene3d>
+    <a:camera prst="orthographicFront"/>
+    <a:lightRig rig="threePt" dir="t"/>
+  </dgm:scene3d>
+  <dgm:styleLbl name="node0">
+    <dgm:scene3d>
+      <a:camera prst="orthographicFront"/>
+      <a:lightRig rig="threePt" dir="t"/>
+    </dgm:scene3d>
+    <dgm:sp3d/>
+    <dgm:txPr/>
+    <dgm:style>
+      <a:lnRef idx="2">
+        <a:scrgbClr r="0" g="0" b="0"/>
+      </a:lnRef>
+      <a:fillRef idx="1">
+        <a:scrgbClr r="0" g="0" b="0"/>
+      </a:fillRef>
+      <a:effectRef idx="0">
+        <a:scrgbClr r="0" g="0" b="0"/>
+      </a:effectRef>
+      <a:fontRef idx="minor">
+        <a:schemeClr val="lt1"/>
+      </a:fontRef>
+    </dgm:style>
+  </dgm:styleLbl>
+  <dgm:styleLbl name="lnNode1">
+    <dgm:scene3d>
+      <a:camera prst="orthographicFront"/>
+      <a:lightRig rig="threePt" dir="t"/>
+    </dgm:scene3d>
+    <dgm:sp3d/>
+    <dgm:txPr/>
+    <dgm:style>
+      <a:lnRef idx="2">
+        <a:scrgbClr r="0" g="0" b="0"/>
+      </a:lnRef>
+      <a:fillRef idx="1">
+        <a:scrgbClr r="0" g="0" b="0"/>
+      </a:fillRef>
+      <a:effectRef idx="0">
+        <a:scrgbClr r="0" g="0" b="0"/>
+      </a:effectRef>
+      <a:fontRef idx="minor">
+        <a:schemeClr val="lt1"/>
+      </a:fontRef>
+    </dgm:style>
+  </dgm:styleLbl>
+  <dgm:styleLbl name="vennNode1">
+    <dgm:scene3d>
+      <a:camera prst="orthographicFront"/>
+      <a:lightRig rig="threePt" dir="t"/>
+    </dgm:scene3d>
+    <dgm:sp3d/>
+    <dgm:txPr/>
+    <dgm:style>
+      <a:lnRef idx="2">
+        <a:scrgbClr r="0" g="0" b="0"/>
+      </a:lnRef>
+      <a:fillRef idx="1">
+        <a:scrgbClr r="0" g="0" b="0"/>
+      </a:fillRef>
+      <a:effectRef idx="0">
+        <a:scrgbClr r="0" g="0" b="0"/>
+      </a:effectRef>
+      <a:fontRef idx="minor">
+        <a:schemeClr val="tx1"/>
+      </a:fontRef>
+    </dgm:style>
+  </dgm:styleLbl>
+  <dgm:styleLbl name="alignNode1">
+    <dgm:scene3d>
+      <a:camera prst="orthographicFront"/>
+      <a:lightRig rig="threePt" dir="t"/>
+    </dgm:scene3d>
+    <dgm:sp3d/>
+    <dgm:txPr/>
+    <dgm:style>
+      <a:lnRef idx="2">
+        <a:scrgbClr r="0" g="0" b="0"/>
+      </a:lnRef>
+      <a:fillRef idx="1">
+        <a:scrgbClr r="0" g="0" b="0"/>
+      </a:fillRef>
+      <a:effectRef idx="0">
+        <a:scrgbClr r="0" g="0" b="0"/>
+      </a:effectRef>
+      <a:fontRef idx="minor">
+        <a:schemeClr val="lt1"/>
+      </a:fontRef>
+    </dgm:style>
+  </dgm:styleLbl>
+  <dgm:styleLbl name="node1">
+    <dgm:scene3d>
+      <a:camera prst="orthographicFront"/>
+      <a:lightRig rig="threePt" dir="t"/>
+    </dgm:scene3d>
+    <dgm:sp3d/>
+    <dgm:txPr/>
+    <dgm:style>
+      <a:lnRef idx="2">
+        <a:scrgbClr r="0" g="0" b="0"/>
+      </a:lnRef>
+      <a:fillRef idx="1">
+        <a:scrgbClr r="0" g="0" b="0"/>
+      </a:fillRef>
+      <a:effectRef idx="0">
+        <a:scrgbClr r="0" g="0" b="0"/>
+      </a:effectRef>
+      <a:fontRef idx="minor">
+        <a:schemeClr val="lt1"/>
+      </a:fontRef>
+    </dgm:style>
+  </dgm:styleLbl>
+  <dgm:styleLbl name="node2">
+    <dgm:scene3d>
+      <a:camera prst="orthographicFront"/>
+      <a:lightRig rig="threePt" dir="t"/>
+    </dgm:scene3d>
+    <dgm:sp3d/>
+    <dgm:txPr/>
+    <dgm:style>
+      <a:lnRef idx="2">
+        <a:scrgbClr r="0" g="0" b="0"/>
+      </a:lnRef>
+      <a:fillRef idx="1">
+        <a:scrgbClr r="0" g="0" b="0"/>
+      </a:fillRef>
+      <a:effectRef idx="0">
+        <a:scrgbClr r="0" g="0" b="0"/>
+      </a:effectRef>
+      <a:fontRef idx="minor">
+        <a:schemeClr val="lt1"/>
+      </a:fontRef>
+    </dgm:style>
+  </dgm:styleLbl>
+  <dgm:styleLbl name="node3">
+    <dgm:scene3d>
+      <a:camera prst="orthographicFront"/>
+      <a:lightRig rig="threePt" dir="t"/>
+    </dgm:scene3d>
+    <dgm:sp3d/>
+    <dgm:txPr/>
+    <dgm:style>
+      <a:lnRef idx="2">
+        <a:scrgbClr r="0" g="0" b="0"/>
+      </a:lnRef>
+      <a:fillRef idx="1">
+        <a:scrgbClr r="0" g="0" b="0"/>
+      </a:fillRef>
+      <a:effectRef idx="0">
+        <a:scrgbClr r="0" g="0" b="0"/>
+      </a:effectRef>
+      <a:fontRef idx="minor">
+        <a:schemeClr val="lt1"/>
+      </a:fontRef>
+    </dgm:style>
+  </dgm:styleLbl>
+  <dgm:styleLbl name="node4">
+    <dgm:scene3d>
+      <a:camera prst="orthographicFront"/>
+      <a:lightRig rig="threePt" dir="t"/>
+    </dgm:scene3d>
+    <dgm:sp3d/>
+    <dgm:txPr/>
+    <dgm:style>
+      <a:lnRef idx="2">
+        <a:scrgbClr r="0" g="0" b="0"/>
+      </a:lnRef>
+      <a:fillRef idx="1">
+        <a:scrgbClr r="0" g="0" b="0"/>
+      </a:fillRef>
+      <a:effectRef idx="0">
+        <a:scrgbClr r="0" g="0" b="0"/>
+      </a:effectRef>
+      <a:fontRef idx="minor">
+        <a:schemeClr val="lt1"/>
+      </a:fontRef>
+    </dgm:style>
+  </dgm:styleLbl>
+  <dgm:styleLbl name="fgImgPlace1">
+    <dgm:scene3d>
+      <a:camera prst="orthographicFront"/>
+      <a:lightRig rig="threePt" dir="t"/>
+    </dgm:scene3d>
+    <dgm:sp3d/>
+    <dgm:txPr/>
+    <dgm:style>
+      <a:lnRef idx="2">
+        <a:scrgbClr r="0" g="0" b="0"/>
+      </a:lnRef>
+      <a:fillRef idx="1">
+        <a:scrgbClr r="0" g="0" b="0"/>
+      </a:fillRef>
+      <a:effectRef idx="0">
+        <a:scrgbClr r="0" g="0" b="0"/>
+      </a:effectRef>
+      <a:fontRef idx="minor"/>
+    </dgm:style>
+  </dgm:styleLbl>
+  <dgm:styleLbl name="alignImgPlace1">
+    <dgm:scene3d>
+      <a:camera prst="orthographicFront"/>
+      <a:lightRig rig="threePt" dir="t"/>
+    </dgm:scene3d>
+    <dgm:sp3d/>
+    <dgm:txPr/>
+    <dgm:style>
+      <a:lnRef idx="2">
+        <a:scrgbClr r="0" g="0" b="0"/>
+      </a:lnRef>
+      <a:fillRef idx="1">
+        <a:scrgbClr r="0" g="0" b="0"/>
+      </a:fillRef>
+      <a:effectRef idx="0">
+        <a:scrgbClr r="0" g="0" b="0"/>
+      </a:effectRef>
+      <a:fontRef idx="minor"/>
+    </dgm:style>
+  </dgm:styleLbl>
+  <dgm:styleLbl name="bgImgPlace1">
+    <dgm:scene3d>
+      <a:camera prst="orthographicFront"/>
+      <a:lightRig rig="threePt" dir="t"/>
+    </dgm:scene3d>
+    <dgm:sp3d/>
+    <dgm:txPr/>
+    <dgm:style>
+      <a:lnRef idx="2">
+        <a:scrgbClr r="0" g="0" b="0"/>
+      </a:lnRef>
+      <a:fillRef idx="1">
+        <a:scrgbClr r="0" g="0" b="0"/>
+      </a:fillRef>
+      <a:effectRef idx="0">
+        <a:scrgbClr r="0" g="0" b="0"/>
+      </a:effectRef>
+      <a:fontRef idx="minor"/>
+    </dgm:style>
+  </dgm:styleLbl>
+  <dgm:styleLbl name="sibTrans2D1">
+    <dgm:scene3d>
+      <a:camera prst="orthographicFront"/>
+      <a:lightRig rig="threePt" dir="t"/>
+    </dgm:scene3d>
+    <dgm:sp3d/>
+    <dgm:txPr/>
+    <dgm:style>
+      <a:lnRef idx="0">
+        <a:scrgbClr r="0" g="0" b="0"/>
+      </a:lnRef>
+      <a:fillRef idx="1">
+        <a:scrgbClr r="0" g="0" b="0"/>
+      </a:fillRef>
+      <a:effectRef idx="0">
+        <a:scrgbClr r="0" g="0" b="0"/>
+      </a:effectRef>
+      <a:fontRef idx="minor">
+        <a:schemeClr val="lt1"/>
+      </a:fontRef>
+    </dgm:style>
+  </dgm:styleLbl>
+  <dgm:styleLbl name="fgSibTrans2D1">
+    <dgm:scene3d>
+      <a:camera prst="orthographicFront"/>
+      <a:lightRig rig="threePt" dir="t"/>
+    </dgm:scene3d>
+    <dgm:sp3d/>
+    <dgm:txPr/>
+    <dgm:style>
+      <a:lnRef idx="0">
+        <a:scrgbClr r="0" g="0" b="0"/>
+      </a:lnRef>
+      <a:fillRef idx="1">
+        <a:scrgbClr r="0" g="0" b="0"/>
+      </a:fillRef>
+      <a:effectRef idx="0">
+        <a:scrgbClr r="0" g="0" b="0"/>
+      </a:effectRef>
+      <a:fontRef idx="minor">
+        <a:schemeClr val="lt1"/>
+      </a:fontRef>
+    </dgm:style>
+  </dgm:styleLbl>
+  <dgm:styleLbl name="bgSibTrans2D1">
+    <dgm:scene3d>
+      <a:camera prst="orthographicFront"/>
+      <a:lightRig rig="threePt" dir="t"/>
+    </dgm:scene3d>
+    <dgm:sp3d/>
+    <dgm:txPr/>
+    <dgm:style>
+      <a:lnRef idx="0">
+        <a:scrgbClr r="0" g="0" b="0"/>
+      </a:lnRef>
+      <a:fillRef idx="1">
+        <a:scrgbClr r="0" g="0" b="0"/>
+      </a:fillRef>
+      <a:effectRef idx="0">
+        <a:scrgbClr r="0" g="0" b="0"/>
+      </a:effectRef>
+      <a:fontRef idx="minor">
+        <a:schemeClr val="lt1"/>
+      </a:fontRef>
+    </dgm:style>
+  </dgm:styleLbl>
+  <dgm:styleLbl name="sibTrans1D1">
+    <dgm:scene3d>
+      <a:camera prst="orthographicFront"/>
+      <a:lightRig rig="threePt" dir="t"/>
+    </dgm:scene3d>
+    <dgm:sp3d/>
+    <dgm:txPr/>
+    <dgm:style>
+      <a:lnRef idx="1">
+        <a:scrgbClr r="0" g="0" b="0"/>
+      </a:lnRef>
+      <a:fillRef idx="0">
+        <a:scrgbClr r="0" g="0" b="0"/>
+      </a:fillRef>
+      <a:effectRef idx="0">
+        <a:scrgbClr r="0" g="0" b="0"/>
+      </a:effectRef>
+      <a:fontRef idx="minor"/>
+    </dgm:style>
+  </dgm:styleLbl>
+  <dgm:styleLbl name="callout">
+    <dgm:scene3d>
+      <a:camera prst="orthographicFront"/>
+      <a:lightRig rig="threePt" dir="t"/>
+    </dgm:scene3d>
+    <dgm:sp3d/>
+    <dgm:txPr/>
+    <dgm:style>
+      <a:lnRef idx="2">
+        <a:scrgbClr r="0" g="0" b="0"/>
+      </a:lnRef>
+      <a:fillRef idx="1">
+        <a:scrgbClr r="0" g="0" b="0"/>
+      </a:fillRef>
+      <a:effectRef idx="0">
+        <a:scrgbClr r="0" g="0" b="0"/>
+      </a:effectRef>
+      <a:fontRef idx="minor"/>
+    </dgm:style>
+  </dgm:styleLbl>
+  <dgm:styleLbl name="asst0">
+    <dgm:scene3d>
+      <a:camera prst="orthographicFront"/>
+      <a:lightRig rig="threePt" dir="t"/>
+    </dgm:scene3d>
+    <dgm:sp3d/>
+    <dgm:txPr/>
+    <dgm:style>
+      <a:lnRef idx="2">
+        <a:scrgbClr r="0" g="0" b="0"/>
+      </a:lnRef>
+      <a:fillRef idx="1">
+        <a:scrgbClr r="0" g="0" b="0"/>
+      </a:fillRef>
+      <a:effectRef idx="0">
+        <a:scrgbClr r="0" g="0" b="0"/>
+      </a:effectRef>
+      <a:fontRef idx="minor">
+        <a:schemeClr val="lt1"/>
+      </a:fontRef>
+    </dgm:style>
+  </dgm:styleLbl>
+  <dgm:styleLbl name="asst1">
+    <dgm:scene3d>
+      <a:camera prst="orthographicFront"/>
+      <a:lightRig rig="threePt" dir="t"/>
+    </dgm:scene3d>
+    <dgm:sp3d/>
+    <dgm:txPr/>
+    <dgm:style>
+      <a:lnRef idx="2">
+        <a:scrgbClr r="0" g="0" b="0"/>
+      </a:lnRef>
+      <a:fillRef idx="1">
+        <a:scrgbClr r="0" g="0" b="0"/>
+      </a:fillRef>
+      <a:effectRef idx="0">
+        <a:scrgbClr r="0" g="0" b="0"/>
+      </a:effectRef>
+      <a:fontRef idx="minor">
+        <a:schemeClr val="lt1"/>
+      </a:fontRef>
+    </dgm:style>
+  </dgm:styleLbl>
+  <dgm:styleLbl name="asst2">
+    <dgm:scene3d>
+      <a:camera prst="orthographicFront"/>
+      <a:lightRig rig="threePt" dir="t"/>
+    </dgm:scene3d>
+    <dgm:sp3d/>
+    <dgm:txPr/>
+    <dgm:style>
+      <a:lnRef idx="2">
+        <a:scrgbClr r="0" g="0" b="0"/>
+      </a:lnRef>
+      <a:fillRef idx="1">
+        <a:scrgbClr r="0" g="0" b="0"/>
+      </a:fillRef>
+      <a:effectRef idx="0">
+        <a:scrgbClr r="0" g="0" b="0"/>
+      </a:effectRef>
+      <a:fontRef idx="minor">
+        <a:schemeClr val="lt1"/>
+      </a:fontRef>
+    </dgm:style>
+  </dgm:styleLbl>
+  <dgm:styleLbl name="asst3">
+    <dgm:scene3d>
+      <a:camera prst="orthographicFront"/>
+      <a:lightRig rig="threePt" dir="t"/>
+    </dgm:scene3d>
+    <dgm:sp3d/>
+    <dgm:txPr/>
+    <dgm:style>
+      <a:lnRef idx="2">
+        <a:scrgbClr r="0" g="0" b="0"/>
+      </a:lnRef>
+      <a:fillRef idx="1">
+        <a:scrgbClr r="0" g="0" b="0"/>
+      </a:fillRef>
+      <a:effectRef idx="0">
+        <a:scrgbClr r="0" g="0" b="0"/>
+      </a:effectRef>
+      <a:fontRef idx="minor">
+        <a:schemeClr val="lt1"/>
+      </a:fontRef>
+    </dgm:style>
+  </dgm:styleLbl>
+  <dgm:styleLbl name="asst4">
+    <dgm:scene3d>
+      <a:camera prst="orthographicFront"/>
+      <a:lightRig rig="threePt" dir="t"/>
+    </dgm:scene3d>
+    <dgm:sp3d/>
+    <dgm:txPr/>
+    <dgm:style>
+      <a:lnRef idx="2">
+        <a:scrgbClr r="0" g="0" b="0"/>
+      </a:lnRef>
+      <a:fillRef idx="1">
+        <a:scrgbClr r="0" g="0" b="0"/>
+      </a:fillRef>
+      <a:effectRef idx="0">
+        <a:scrgbClr r="0" g="0" b="0"/>
+      </a:effectRef>
+      <a:fontRef idx="minor">
+        <a:schemeClr val="lt1"/>
+      </a:fontRef>
+    </dgm:style>
+  </dgm:styleLbl>
+  <dgm:styleLbl name="parChTrans2D1">
+    <dgm:scene3d>
+      <a:camera prst="orthographicFront"/>
+      <a:lightRig rig="threePt" dir="t"/>
+    </dgm:scene3d>
+    <dgm:sp3d/>
+    <dgm:txPr/>
+    <dgm:style>
+      <a:lnRef idx="2">
+        <a:scrgbClr r="0" g="0" b="0"/>
+      </a:lnRef>
+      <a:fillRef idx="1">
+        <a:scrgbClr r="0" g="0" b="0"/>
+      </a:fillRef>
+      <a:effectRef idx="0">
+        <a:scrgbClr r="0" g="0" b="0"/>
+      </a:effectRef>
+      <a:fontRef idx="minor">
+        <a:schemeClr val="lt1"/>
+      </a:fontRef>
+    </dgm:style>
+  </dgm:styleLbl>
+  <dgm:styleLbl name="parChTrans2D2">
+    <dgm:scene3d>
+      <a:camera prst="orthographicFront"/>
+      <a:lightRig rig="threePt" dir="t"/>
+    </dgm:scene3d>
+    <dgm:sp3d/>
+    <dgm:txPr/>
+    <dgm:style>
+      <a:lnRef idx="2">
+        <a:scrgbClr r="0" g="0" b="0"/>
+      </a:lnRef>
+      <a:fillRef idx="1">
+        <a:scrgbClr r="0" g="0" b="0"/>
+      </a:fillRef>
+      <a:effectRef idx="0">
+        <a:scrgbClr r="0" g="0" b="0"/>
+      </a:effectRef>
+      <a:fontRef idx="minor">
+        <a:schemeClr val="lt1"/>
+      </a:fontRef>
+    </dgm:style>
+  </dgm:styleLbl>
+  <dgm:styleLbl name="parChTrans2D3">
+    <dgm:scene3d>
+      <a:camera prst="orthographicFront"/>
+      <a:lightRig rig="threePt" dir="t"/>
+    </dgm:scene3d>
+    <dgm:sp3d/>
+    <dgm:txPr/>
+    <dgm:style>
+      <a:lnRef idx="2">
+        <a:scrgbClr r="0" g="0" b="0"/>
+      </a:lnRef>
+      <a:fillRef idx="1">
+        <a:scrgbClr r="0" g="0" b="0"/>
+      </a:fillRef>
+      <a:effectRef idx="0">
+        <a:scrgbClr r="0" g="0" b="0"/>
+      </a:effectRef>
+      <a:fontRef idx="minor">
+        <a:schemeClr val="lt1"/>
+      </a:fontRef>
+    </dgm:style>
+  </dgm:styleLbl>
+  <dgm:styleLbl name="parChTrans2D4">
+    <dgm:scene3d>
+      <a:camera prst="orthographicFront"/>
+      <a:lightRig rig="threePt" dir="t"/>
+    </dgm:scene3d>
+    <dgm:sp3d/>
+    <dgm:txPr/>
+    <dgm:style>
+      <a:lnRef idx="2">
+        <a:scrgbClr r="0" g="0" b="0"/>
+      </a:lnRef>
+      <a:fillRef idx="1">
+        <a:scrgbClr r="0" g="0" b="0"/>
+      </a:fillRef>
+      <a:effectRef idx="0">
+        <a:scrgbClr r="0" g="0" b="0"/>
+      </a:effectRef>
+      <a:fontRef idx="minor">
+        <a:schemeClr val="lt1"/>
+      </a:fontRef>
+    </dgm:style>
+  </dgm:styleLbl>
+  <dgm:styleLbl name="parChTrans1D1">
+    <dgm:scene3d>
+      <a:camera prst="orthographicFront"/>
+      <a:lightRig rig="threePt" dir="t"/>
+    </dgm:scene3d>
+    <dgm:sp3d/>
+    <dgm:txPr/>
+    <dgm:style>
+      <a:lnRef idx="2">
+        <a:scrgbClr r="0" g="0" b="0"/>
+      </a:lnRef>
+      <a:fillRef idx="0">
+        <a:scrgbClr r="0" g="0" b="0"/>
+      </a:fillRef>
+      <a:effectRef idx="0">
+        <a:scrgbClr r="0" g="0" b="0"/>
+      </a:effectRef>
+      <a:fontRef idx="minor"/>
+    </dgm:style>
+  </dgm:styleLbl>
+  <dgm:styleLbl name="parChTrans1D2">
+    <dgm:scene3d>
+      <a:camera prst="orthographicFront"/>
+      <a:lightRig rig="threePt" dir="t"/>
+    </dgm:scene3d>
+    <dgm:sp3d/>
+    <dgm:txPr/>
+    <dgm:style>
+      <a:lnRef idx="2">
+        <a:scrgbClr r="0" g="0" b="0"/>
+      </a:lnRef>
+      <a:fillRef idx="0">
+        <a:scrgbClr r="0" g="0" b="0"/>
+      </a:fillRef>
+      <a:effectRef idx="0">
+        <a:scrgbClr r="0" g="0" b="0"/>
+      </a:effectRef>
+      <a:fontRef idx="minor"/>
+    </dgm:style>
+  </dgm:styleLbl>
+  <dgm:styleLbl name="parChTrans1D3">
+    <dgm:scene3d>
+      <a:camera prst="orthographicFront"/>
+      <a:lightRig rig="threePt" dir="t"/>
+    </dgm:scene3d>
+    <dgm:sp3d/>
+    <dgm:txPr/>
+    <dgm:style>
+      <a:lnRef idx="2">
+        <a:scrgbClr r="0" g="0" b="0"/>
+      </a:lnRef>
+      <a:fillRef idx="0">
+        <a:scrgbClr r="0" g="0" b="0"/>
+      </a:fillRef>
+      <a:effectRef idx="0">
+        <a:scrgbClr r="0" g="0" b="0"/>
+      </a:effectRef>
+      <a:fontRef idx="minor"/>
+    </dgm:style>
+  </dgm:styleLbl>
+  <dgm:styleLbl name="parChTrans1D4">
+    <dgm:scene3d>
+      <a:camera prst="orthographicFront"/>
+      <a:lightRig rig="threePt" dir="t"/>
+    </dgm:scene3d>
+    <dgm:sp3d/>
+    <dgm:txPr/>
+    <dgm:style>
+      <a:lnRef idx="2">
+        <a:scrgbClr r="0" g="0" b="0"/>
+      </a:lnRef>
+      <a:fillRef idx="0">
+        <a:scrgbClr r="0" g="0" b="0"/>
+      </a:fillRef>
+      <a:effectRef idx="0">
+        <a:scrgbClr r="0" g="0" b="0"/>
+      </a:effectRef>
+      <a:fontRef idx="minor"/>
+    </dgm:style>
+  </dgm:styleLbl>
+  <dgm:styleLbl name="fgAcc1">
+    <dgm:scene3d>
+      <a:camera prst="orthographicFront"/>
+      <a:lightRig rig="threePt" dir="t"/>
+    </dgm:scene3d>
+    <dgm:sp3d/>
+    <dgm:txPr/>
+    <dgm:style>
+      <a:lnRef idx="2">
+        <a:scrgbClr r="0" g="0" b="0"/>
+      </a:lnRef>
+      <a:fillRef idx="1">
+        <a:scrgbClr r="0" g="0" b="0"/>
+      </a:fillRef>
+      <a:effectRef idx="0">
+        <a:scrgbClr r="0" g="0" b="0"/>
+      </a:effectRef>
+      <a:fontRef idx="minor"/>
+    </dgm:style>
+  </dgm:styleLbl>
+  <dgm:styleLbl name="conFgAcc1">
+    <dgm:scene3d>
+      <a:camera prst="orthographicFront"/>
+      <a:lightRig rig="threePt" dir="t"/>
+    </dgm:scene3d>
+    <dgm:sp3d/>
+    <dgm:txPr/>
+    <dgm:style>
+      <a:lnRef idx="2">
+        <a:scrgbClr r="0" g="0" b="0"/>
+      </a:lnRef>
+      <a:fillRef idx="1">
+        <a:scrgbClr r="0" g="0" b="0"/>
+      </a:fillRef>
+      <a:effectRef idx="0">
+        <a:scrgbClr r="0" g="0" b="0"/>
+      </a:effectRef>
+      <a:fontRef idx="minor"/>
+    </dgm:style>
+  </dgm:styleLbl>
+  <dgm:styleLbl name="alignAcc1">
+    <dgm:scene3d>
+      <a:camera prst="orthographicFront"/>
+      <a:lightRig rig="threePt" dir="t"/>
+    </dgm:scene3d>
+    <dgm:sp3d/>
+    <dgm:txPr/>
+    <dgm:style>
+      <a:lnRef idx="2">
+        <a:scrgbClr r="0" g="0" b="0"/>
+      </a:lnRef>
+      <a:fillRef idx="1">
+        <a:scrgbClr r="0" g="0" b="0"/>
+      </a:fillRef>
+      <a:effectRef idx="0">
+        <a:scrgbClr r="0" g="0" b="0"/>
+      </a:effectRef>
+      <a:fontRef idx="minor"/>
+    </dgm:style>
+  </dgm:styleLbl>
+  <dgm:styleLbl name="trAlignAcc1">
+    <dgm:scene3d>
+      <a:camera prst="orthographicFront"/>
+      <a:lightRig rig="threePt" dir="t"/>
+    </dgm:scene3d>
+    <dgm:sp3d/>
+    <dgm:txPr/>
+    <dgm:style>
+      <a:lnRef idx="1">
+        <a:scrgbClr r="0" g="0" b="0"/>
+      </a:lnRef>
+      <a:fillRef idx="1">
+        <a:scrgbClr r="0" g="0" b="0"/>
+      </a:fillRef>
+      <a:effectRef idx="0">
+        <a:scrgbClr r="0" g="0" b="0"/>
+      </a:effectRef>
+      <a:fontRef idx="minor"/>
+    </dgm:style>
+  </dgm:styleLbl>
+  <dgm:styleLbl name="bgAcc1">
+    <dgm:scene3d>
+      <a:camera prst="orthographicFront"/>
+      <a:lightRig rig="threePt" dir="t"/>
+    </dgm:scene3d>
+    <dgm:sp3d/>
+    <dgm:txPr/>
+    <dgm:style>
+      <a:lnRef idx="2">
+        <a:scrgbClr r="0" g="0" b="0"/>
+      </a:lnRef>
+      <a:fillRef idx="1">
+        <a:scrgbClr r="0" g="0" b="0"/>
+      </a:fillRef>
+      <a:effectRef idx="0">
+        <a:scrgbClr r="0" g="0" b="0"/>
+      </a:effectRef>
+      <a:fontRef idx="minor"/>
+    </dgm:style>
+  </dgm:styleLbl>
+  <dgm:styleLbl name="solidFgAcc1">
+    <dgm:scene3d>
+      <a:camera prst="orthographicFront"/>
+      <a:lightRig rig="threePt" dir="t"/>
+    </dgm:scene3d>
+    <dgm:sp3d/>
+    <dgm:txPr/>
+    <dgm:style>
+      <a:lnRef idx="2">
+        <a:scrgbClr r="0" g="0" b="0"/>
+      </a:lnRef>
+      <a:fillRef idx="1">
+        <a:scrgbClr r="0" g="0" b="0"/>
+      </a:fillRef>
+      <a:effectRef idx="0">
+        <a:scrgbClr r="0" g="0" b="0"/>
+      </a:effectRef>
+      <a:fontRef idx="minor"/>
+    </dgm:style>
+  </dgm:styleLbl>
+  <dgm:styleLbl name="solidAlignAcc1">
+    <dgm:scene3d>
+      <a:camera prst="orthographicFront"/>
+      <a:lightRig rig="threePt" dir="t"/>
+    </dgm:scene3d>
+    <dgm:sp3d/>
+    <dgm:txPr/>
+    <dgm:style>
+      <a:lnRef idx="2">
+        <a:scrgbClr r="0" g="0" b="0"/>
+      </a:lnRef>
+      <a:fillRef idx="1">
+        <a:scrgbClr r="0" g="0" b="0"/>
+      </a:fillRef>
+      <a:effectRef idx="0">
+        <a:scrgbClr r="0" g="0" b="0"/>
+      </a:effectRef>
+      <a:fontRef idx="minor"/>
+    </dgm:style>
+  </dgm:styleLbl>
+  <dgm:styleLbl name="solidBgAcc1">
+    <dgm:scene3d>
+      <a:camera prst="orthographicFront"/>
+      <a:lightRig rig="threePt" dir="t"/>
+    </dgm:scene3d>
+    <dgm:sp3d/>
+    <dgm:txPr/>
+    <dgm:style>
+      <a:lnRef idx="2">
+        <a:scrgbClr r="0" g="0" b="0"/>
+      </a:lnRef>
+      <a:fillRef idx="1">
+        <a:scrgbClr r="0" g="0" b="0"/>
+      </a:fillRef>
+      <a:effectRef idx="0">
+        <a:scrgbClr r="0" g="0" b="0"/>
+      </a:effectRef>
+      <a:fontRef idx="minor"/>
+    </dgm:style>
+  </dgm:styleLbl>
+  <dgm:styleLbl name="fgAccFollowNode1">
+    <dgm:scene3d>
+      <a:camera prst="orthographicFront"/>
+      <a:lightRig rig="threePt" dir="t"/>
+    </dgm:scene3d>
+    <dgm:sp3d/>
+    <dgm:txPr/>
+    <dgm:style>
+      <a:lnRef idx="2">
+        <a:scrgbClr r="0" g="0" b="0"/>
+      </a:lnRef>
+      <a:fillRef idx="1">
+        <a:scrgbClr r="0" g="0" b="0"/>
+      </a:fillRef>
+      <a:effectRef idx="0">
+        <a:scrgbClr r="0" g="0" b="0"/>
+      </a:effectRef>
+      <a:fontRef idx="minor"/>
+    </dgm:style>
+  </dgm:styleLbl>
+  <dgm:styleLbl name="alignAccFollowNode1">
+    <dgm:scene3d>
+      <a:camera prst="orthographicFront"/>
+      <a:lightRig rig="threePt" dir="t"/>
+    </dgm:scene3d>
+    <dgm:sp3d/>
+    <dgm:txPr/>
+    <dgm:style>
+      <a:lnRef idx="2">
+        <a:scrgbClr r="0" g="0" b="0"/>
+      </a:lnRef>
+      <a:fillRef idx="1">
+        <a:scrgbClr r="0" g="0" b="0"/>
+      </a:fillRef>
+      <a:effectRef idx="0">
+        <a:scrgbClr r="0" g="0" b="0"/>
+      </a:effectRef>
+      <a:fontRef idx="minor"/>
+    </dgm:style>
+  </dgm:styleLbl>
+  <dgm:styleLbl name="bgAccFollowNode1">
+    <dgm:scene3d>
+      <a:camera prst="orthographicFront"/>
+      <a:lightRig rig="threePt" dir="t"/>
+    </dgm:scene3d>
+    <dgm:sp3d/>
+    <dgm:txPr/>
+    <dgm:style>
+      <a:lnRef idx="2">
+        <a:scrgbClr r="0" g="0" b="0"/>
+      </a:lnRef>
+      <a:fillRef idx="1">
+        <a:scrgbClr r="0" g="0" b="0"/>
+      </a:fillRef>
+      <a:effectRef idx="0">
+        <a:scrgbClr r="0" g="0" b="0"/>
+      </a:effectRef>
+      <a:fontRef idx="minor"/>
+    </dgm:style>
+  </dgm:styleLbl>
+  <dgm:styleLbl name="fgAcc0">
+    <dgm:scene3d>
+      <a:camera prst="orthographicFront"/>
+      <a:lightRig rig="threePt" dir="t"/>
+    </dgm:scene3d>
+    <dgm:sp3d/>
+    <dgm:txPr/>
+    <dgm:style>
+      <a:lnRef idx="2">
+        <a:scrgbClr r="0" g="0" b="0"/>
+      </a:lnRef>
+      <a:fillRef idx="1">
+        <a:scrgbClr r="0" g="0" b="0"/>
+      </a:fillRef>
+      <a:effectRef idx="0">
+        <a:scrgbClr r="0" g="0" b="0"/>
+      </a:effectRef>
+      <a:fontRef idx="minor"/>
+    </dgm:style>
+  </dgm:styleLbl>
+  <dgm:styleLbl name="fgAcc2">
+    <dgm:scene3d>
+      <a:camera prst="orthographicFront"/>
+      <a:lightRig rig="threePt" dir="t"/>
+    </dgm:scene3d>
+    <dgm:sp3d/>
+    <dgm:txPr/>
+    <dgm:style>
+      <a:lnRef idx="2">
+        <a:scrgbClr r="0" g="0" b="0"/>
+      </a:lnRef>
+      <a:fillRef idx="1">
+        <a:scrgbClr r="0" g="0" b="0"/>
+      </a:fillRef>
+      <a:effectRef idx="0">
+        <a:scrgbClr r="0" g="0" b="0"/>
+      </a:effectRef>
+      <a:fontRef idx="minor"/>
+    </dgm:style>
+  </dgm:styleLbl>
+  <dgm:styleLbl name="fgAcc3">
+    <dgm:scene3d>
+      <a:camera prst="orthographicFront"/>
+      <a:lightRig rig="threePt" dir="t"/>
+    </dgm:scene3d>
+    <dgm:sp3d/>
+    <dgm:txPr/>
+    <dgm:style>
+      <a:lnRef idx="2">
+        <a:scrgbClr r="0" g="0" b="0"/>
+      </a:lnRef>
+      <a:fillRef idx="1">
+        <a:scrgbClr r="0" g="0" b="0"/>
+      </a:fillRef>
+      <a:effectRef idx="0">
+        <a:scrgbClr r="0" g="0" b="0"/>
+      </a:effectRef>
+      <a:fontRef idx="minor"/>
+    </dgm:style>
+  </dgm:styleLbl>
+  <dgm:styleLbl name="fgAcc4">
+    <dgm:scene3d>
+      <a:camera prst="orthographicFront"/>
+      <a:lightRig rig="threePt" dir="t"/>
+    </dgm:scene3d>
+    <dgm:sp3d/>
+    <dgm:txPr/>
+    <dgm:style>
+      <a:lnRef idx="2">
+        <a:scrgbClr r="0" g="0" b="0"/>
+      </a:lnRef>
+      <a:fillRef idx="1">
+        <a:scrgbClr r="0" g="0" b="0"/>
+      </a:fillRef>
+      <a:effectRef idx="0">
+        <a:scrgbClr r="0" g="0" b="0"/>
+      </a:effectRef>
+      <a:fontRef idx="minor"/>
+    </dgm:style>
+  </dgm:styleLbl>
+  <dgm:styleLbl name="bgShp">
+    <dgm:scene3d>
+      <a:camera prst="orthographicFront"/>
+      <a:lightRig rig="threePt" dir="t"/>
+    </dgm:scene3d>
+    <dgm:sp3d/>
+    <dgm:txPr/>
+    <dgm:style>
+      <a:lnRef idx="0">
+        <a:scrgbClr r="0" g="0" b="0"/>
+      </a:lnRef>
+      <a:fillRef idx="1">
+        <a:scrgbClr r="0" g="0" b="0"/>
+      </a:fillRef>
+      <a:effectRef idx="0">
+        <a:scrgbClr r="0" g="0" b="0"/>
+      </a:effectRef>
+      <a:fontRef idx="minor"/>
+    </dgm:style>
+  </dgm:styleLbl>
+  <dgm:styleLbl name="dkBgShp">
+    <dgm:scene3d>
+      <a:camera prst="orthographicFront"/>
+      <a:lightRig rig="threePt" dir="t"/>
+    </dgm:scene3d>
+    <dgm:sp3d/>
+    <dgm:txPr/>
+    <dgm:style>
+      <a:lnRef idx="0">
+        <a:scrgbClr r="0" g="0" b="0"/>
+      </a:lnRef>
+      <a:fillRef idx="1">
+        <a:scrgbClr r="0" g="0" b="0"/>
+      </a:fillRef>
+      <a:effectRef idx="0">
+        <a:scrgbClr r="0" g="0" b="0"/>
+      </a:effectRef>
+      <a:fontRef idx="minor"/>
+    </dgm:style>
+  </dgm:styleLbl>
+  <dgm:styleLbl name="trBgShp">
+    <dgm:scene3d>
+      <a:camera prst="orthographicFront"/>
+      <a:lightRig rig="threePt" dir="t"/>
+    </dgm:scene3d>
+    <dgm:sp3d/>
+    <dgm:txPr/>
+    <dgm:style>
+      <a:lnRef idx="0">
+        <a:scrgbClr r="0" g="0" b="0"/>
+      </a:lnRef>
+      <a:fillRef idx="1">
+        <a:scrgbClr r="0" g="0" b="0"/>
+      </a:fillRef>
+      <a:effectRef idx="0">
+        <a:scrgbClr r="0" g="0" b="0"/>
+      </a:effectRef>
+      <a:fontRef idx="minor"/>
+    </dgm:style>
+  </dgm:styleLbl>
+  <dgm:styleLbl name="fgShp">
+    <dgm:scene3d>
+      <a:camera prst="orthographicFront"/>
+      <a:lightRig rig="threePt" dir="t"/>
+    </dgm:scene3d>
+    <dgm:sp3d/>
+    <dgm:txPr/>
+    <dgm:style>
+      <a:lnRef idx="2">
+        <a:scrgbClr r="0" g="0" b="0"/>
+      </a:lnRef>
+      <a:fillRef idx="1">
+        <a:scrgbClr r="0" g="0" b="0"/>
+      </a:fillRef>
+      <a:effectRef idx="0">
+        <a:scrgbClr r="0" g="0" b="0"/>
+      </a:effectRef>
+      <a:fontRef idx="minor"/>
+    </dgm:style>
+  </dgm:styleLbl>
+  <dgm:styleLbl name="revTx">
+    <dgm:scene3d>
+      <a:camera prst="orthographicFront"/>
+      <a:lightRig rig="threePt" dir="t"/>
+    </dgm:scene3d>
+    <dgm:sp3d/>
+    <dgm:txPr/>
+    <dgm:style>
+      <a:lnRef idx="0">
+        <a:scrgbClr r="0" g="0" b="0"/>
+      </a:lnRef>
+      <a:fillRef idx="0">
+        <a:scrgbClr r="0" g="0" b="0"/>
+      </a:fillRef>
+      <a:effectRef idx="0">
+        <a:scrgbClr r="0" g="0" b="0"/>
+      </a:effectRef>
+      <a:fontRef idx="minor"/>
+    </dgm:style>
+  </dgm:styleLbl>
+</dgm:styleDef>
+</file>
+
+<file path=ppt/diagrams/quickStyle2.xml><?xml version="1.0" encoding="utf-8"?>
 <dgm:styleDef xmlns:dgm="http://schemas.openxmlformats.org/drawingml/2006/diagram" xmlns:a="http://schemas.openxmlformats.org/drawingml/2006/main" uniqueId="urn:microsoft.com/office/officeart/2005/8/quickstyle/simple1">
   <dgm:title val=""/>
   <dgm:desc val=""/>
@@ -3230,7 +6584,7 @@
           <a:p>
             <a:fld id="{02AC24A9-CCB6-4F8D-B8DB-C2F3692CFA5A}" type="datetimeFigureOut">
               <a:rPr lang="en-US" smtClean="0"/>
-              <a:t>3/23/23</a:t>
+              <a:t>3/24/23</a:t>
             </a:fld>
             <a:endParaRPr lang="en-US" dirty="0"/>
           </a:p>
@@ -3600,7 +6954,7 @@
           <a:p>
             <a:fld id="{02AC24A9-CCB6-4F8D-B8DB-C2F3692CFA5A}" type="datetimeFigureOut">
               <a:rPr lang="en-US" smtClean="0"/>
-              <a:t>3/23/23</a:t>
+              <a:t>3/24/23</a:t>
             </a:fld>
             <a:endParaRPr lang="en-US"/>
           </a:p>
@@ -3809,7 +7163,7 @@
           <a:p>
             <a:fld id="{02AC24A9-CCB6-4F8D-B8DB-C2F3692CFA5A}" type="datetimeFigureOut">
               <a:rPr lang="en-US" smtClean="0"/>
-              <a:t>3/23/23</a:t>
+              <a:t>3/24/23</a:t>
             </a:fld>
             <a:endParaRPr lang="en-US"/>
           </a:p>
@@ -4279,7 +7633,7 @@
           <a:p>
             <a:fld id="{02AC24A9-CCB6-4F8D-B8DB-C2F3692CFA5A}" type="datetimeFigureOut">
               <a:rPr lang="en-US" smtClean="0"/>
-              <a:t>3/23/23</a:t>
+              <a:t>3/24/23</a:t>
             </a:fld>
             <a:endParaRPr lang="en-US"/>
           </a:p>
@@ -4733,7 +8087,7 @@
           <a:p>
             <a:fld id="{02AC24A9-CCB6-4F8D-B8DB-C2F3692CFA5A}" type="datetimeFigureOut">
               <a:rPr lang="en-US" smtClean="0"/>
-              <a:t>3/23/23</a:t>
+              <a:t>3/24/23</a:t>
             </a:fld>
             <a:endParaRPr lang="en-US"/>
           </a:p>
@@ -5265,7 +8619,7 @@
           <a:p>
             <a:fld id="{02AC24A9-CCB6-4F8D-B8DB-C2F3692CFA5A}" type="datetimeFigureOut">
               <a:rPr lang="en-US" smtClean="0"/>
-              <a:t>3/23/23</a:t>
+              <a:t>3/24/23</a:t>
             </a:fld>
             <a:endParaRPr lang="en-US"/>
           </a:p>
@@ -5964,7 +9318,7 @@
           <a:p>
             <a:fld id="{02AC24A9-CCB6-4F8D-B8DB-C2F3692CFA5A}" type="datetimeFigureOut">
               <a:rPr lang="en-US" smtClean="0"/>
-              <a:t>3/23/23</a:t>
+              <a:t>3/24/23</a:t>
             </a:fld>
             <a:endParaRPr lang="en-US"/>
           </a:p>
@@ -6293,7 +9647,7 @@
           <a:p>
             <a:fld id="{02AC24A9-CCB6-4F8D-B8DB-C2F3692CFA5A}" type="datetimeFigureOut">
               <a:rPr lang="en-US" smtClean="0"/>
-              <a:t>3/23/23</a:t>
+              <a:t>3/24/23</a:t>
             </a:fld>
             <a:endParaRPr lang="en-US"/>
           </a:p>
@@ -6406,7 +9760,7 @@
           <a:p>
             <a:fld id="{02AC24A9-CCB6-4F8D-B8DB-C2F3692CFA5A}" type="datetimeFigureOut">
               <a:rPr lang="en-US" smtClean="0"/>
-              <a:t>3/23/23</a:t>
+              <a:t>3/24/23</a:t>
             </a:fld>
             <a:endParaRPr lang="en-US"/>
           </a:p>
@@ -6901,7 +10255,7 @@
           <a:p>
             <a:fld id="{02AC24A9-CCB6-4F8D-B8DB-C2F3692CFA5A}" type="datetimeFigureOut">
               <a:rPr lang="en-US" smtClean="0"/>
-              <a:t>3/23/23</a:t>
+              <a:t>3/24/23</a:t>
             </a:fld>
             <a:endParaRPr lang="en-US" dirty="0"/>
           </a:p>
@@ -7378,7 +10732,7 @@
           <a:p>
             <a:fld id="{02AC24A9-CCB6-4F8D-B8DB-C2F3692CFA5A}" type="datetimeFigureOut">
               <a:rPr lang="en-US" smtClean="0"/>
-              <a:t>3/23/23</a:t>
+              <a:t>3/24/23</a:t>
             </a:fld>
             <a:endParaRPr lang="en-US"/>
           </a:p>
@@ -7621,7 +10975,7 @@
           <a:p>
             <a:fld id="{02AC24A9-CCB6-4F8D-B8DB-C2F3692CFA5A}" type="datetimeFigureOut">
               <a:rPr lang="en-US" smtClean="0"/>
-              <a:t>3/23/23</a:t>
+              <a:t>3/24/23</a:t>
             </a:fld>
             <a:endParaRPr lang="en-US"/>
           </a:p>
@@ -8387,6 +11741,1085 @@
 <file path=ppt/slides/slide10.xml><?xml version="1.0" encoding="utf-8"?>
 <p:sld xmlns:a="http://schemas.openxmlformats.org/drawingml/2006/main" xmlns:r="http://schemas.openxmlformats.org/officeDocument/2006/relationships" xmlns:p="http://schemas.openxmlformats.org/presentationml/2006/main">
   <p:cSld>
+    <p:spTree>
+      <p:nvGrpSpPr>
+        <p:cNvPr id="1" name=""/>
+        <p:cNvGrpSpPr/>
+        <p:nvPr/>
+      </p:nvGrpSpPr>
+      <p:grpSpPr>
+        <a:xfrm>
+          <a:off x="0" y="0"/>
+          <a:ext cx="0" cy="0"/>
+          <a:chOff x="0" y="0"/>
+          <a:chExt cx="0" cy="0"/>
+        </a:xfrm>
+      </p:grpSpPr>
+      <p:sp>
+        <p:nvSpPr>
+          <p:cNvPr id="2" name="Title 1">
+            <a:extLst>
+              <a:ext uri="{FF2B5EF4-FFF2-40B4-BE49-F238E27FC236}">
+                <a16:creationId xmlns:a16="http://schemas.microsoft.com/office/drawing/2014/main" id="{6BFB177E-629C-D5C0-80FC-FDA5B640DE3B}"/>
+              </a:ext>
+            </a:extLst>
+          </p:cNvPr>
+          <p:cNvSpPr>
+            <a:spLocks noGrp="1"/>
+          </p:cNvSpPr>
+          <p:nvPr>
+            <p:ph type="title"/>
+          </p:nvPr>
+        </p:nvSpPr>
+        <p:spPr/>
+        <p:txBody>
+          <a:bodyPr/>
+          <a:lstStyle/>
+          <a:p>
+            <a:r>
+              <a:rPr lang="en-US" dirty="0"/>
+              <a:t>Modeling</a:t>
+            </a:r>
+          </a:p>
+        </p:txBody>
+      </p:sp>
+      <p:sp>
+        <p:nvSpPr>
+          <p:cNvPr id="3" name="Content Placeholder 2">
+            <a:extLst>
+              <a:ext uri="{FF2B5EF4-FFF2-40B4-BE49-F238E27FC236}">
+                <a16:creationId xmlns:a16="http://schemas.microsoft.com/office/drawing/2014/main" id="{36A9321C-1E6D-A631-D399-E67D3E392753}"/>
+              </a:ext>
+            </a:extLst>
+          </p:cNvPr>
+          <p:cNvSpPr>
+            <a:spLocks noGrp="1"/>
+          </p:cNvSpPr>
+          <p:nvPr>
+            <p:ph idx="1"/>
+          </p:nvPr>
+        </p:nvSpPr>
+        <p:spPr/>
+        <p:txBody>
+          <a:bodyPr>
+            <a:normAutofit/>
+          </a:bodyPr>
+          <a:lstStyle/>
+          <a:p>
+            <a:r>
+              <a:rPr lang="en-US" dirty="0"/>
+              <a:t>Ur of </a:t>
+            </a:r>
+            <a:r>
+              <a:rPr lang="en-US" dirty="0" err="1"/>
+              <a:t>GridSearchCV</a:t>
+            </a:r>
+            <a:r>
+              <a:rPr lang="en-US" dirty="0"/>
+              <a:t> to get the best parameters to use with models.</a:t>
+            </a:r>
+          </a:p>
+          <a:p>
+            <a:r>
+              <a:rPr lang="en-US" dirty="0"/>
+              <a:t>Tried multiple algorithms:</a:t>
+            </a:r>
+          </a:p>
+          <a:p>
+            <a:pPr lvl="1"/>
+            <a:r>
+              <a:rPr lang="en-US" dirty="0"/>
+              <a:t>Linear Regression (including Ridge and Lasso)</a:t>
+            </a:r>
+          </a:p>
+          <a:p>
+            <a:pPr lvl="1"/>
+            <a:r>
+              <a:rPr lang="en-US" dirty="0"/>
+              <a:t>Random Forest Classifier</a:t>
+            </a:r>
+          </a:p>
+          <a:p>
+            <a:pPr lvl="1"/>
+            <a:r>
+              <a:rPr lang="en-US" dirty="0"/>
+              <a:t>SVM</a:t>
+            </a:r>
+          </a:p>
+          <a:p>
+            <a:pPr lvl="1"/>
+            <a:r>
+              <a:rPr lang="en-US" dirty="0" err="1"/>
+              <a:t>XGBoost</a:t>
+            </a:r>
+            <a:endParaRPr lang="en-US" dirty="0"/>
+          </a:p>
+          <a:p>
+            <a:pPr lvl="1"/>
+            <a:endParaRPr lang="en-US" dirty="0"/>
+          </a:p>
+          <a:p>
+            <a:pPr marL="457200" lvl="1" indent="0">
+              <a:buNone/>
+            </a:pPr>
+            <a:endParaRPr lang="en-US" dirty="0"/>
+          </a:p>
+        </p:txBody>
+      </p:sp>
+    </p:spTree>
+    <p:extLst>
+      <p:ext uri="{BB962C8B-B14F-4D97-AF65-F5344CB8AC3E}">
+        <p14:creationId xmlns:p14="http://schemas.microsoft.com/office/powerpoint/2010/main" val="2075841855"/>
+      </p:ext>
+    </p:extLst>
+  </p:cSld>
+  <p:clrMapOvr>
+    <a:masterClrMapping/>
+  </p:clrMapOvr>
+</p:sld>
+</file>
+
+<file path=ppt/slides/slide11.xml><?xml version="1.0" encoding="utf-8"?>
+<p:sld xmlns:a="http://schemas.openxmlformats.org/drawingml/2006/main" xmlns:r="http://schemas.openxmlformats.org/officeDocument/2006/relationships" xmlns:p="http://schemas.openxmlformats.org/presentationml/2006/main">
+  <p:cSld>
+    <p:spTree>
+      <p:nvGrpSpPr>
+        <p:cNvPr id="1" name=""/>
+        <p:cNvGrpSpPr/>
+        <p:nvPr/>
+      </p:nvGrpSpPr>
+      <p:grpSpPr>
+        <a:xfrm>
+          <a:off x="0" y="0"/>
+          <a:ext cx="0" cy="0"/>
+          <a:chOff x="0" y="0"/>
+          <a:chExt cx="0" cy="0"/>
+        </a:xfrm>
+      </p:grpSpPr>
+      <p:sp>
+        <p:nvSpPr>
+          <p:cNvPr id="2" name="Title 1">
+            <a:extLst>
+              <a:ext uri="{FF2B5EF4-FFF2-40B4-BE49-F238E27FC236}">
+                <a16:creationId xmlns:a16="http://schemas.microsoft.com/office/drawing/2014/main" id="{B40E3042-C55D-55CE-FD1D-2FAB100D1806}"/>
+              </a:ext>
+            </a:extLst>
+          </p:cNvPr>
+          <p:cNvSpPr>
+            <a:spLocks noGrp="1"/>
+          </p:cNvSpPr>
+          <p:nvPr>
+            <p:ph type="title"/>
+          </p:nvPr>
+        </p:nvSpPr>
+        <p:spPr/>
+        <p:txBody>
+          <a:bodyPr/>
+          <a:lstStyle/>
+          <a:p>
+            <a:r>
+              <a:rPr lang="en-US" dirty="0"/>
+              <a:t>Models Results</a:t>
+            </a:r>
+          </a:p>
+        </p:txBody>
+      </p:sp>
+      <p:pic>
+        <p:nvPicPr>
+          <p:cNvPr id="6" name="Picture 5">
+            <a:extLst>
+              <a:ext uri="{FF2B5EF4-FFF2-40B4-BE49-F238E27FC236}">
+                <a16:creationId xmlns:a16="http://schemas.microsoft.com/office/drawing/2014/main" id="{388174FA-31A4-DB8F-5EDF-F35E7F5E8877}"/>
+              </a:ext>
+            </a:extLst>
+          </p:cNvPr>
+          <p:cNvPicPr>
+            <a:picLocks noChangeAspect="1"/>
+          </p:cNvPicPr>
+          <p:nvPr/>
+        </p:nvPicPr>
+        <p:blipFill>
+          <a:blip r:embed="rId2"/>
+          <a:stretch>
+            <a:fillRect/>
+          </a:stretch>
+        </p:blipFill>
+        <p:spPr>
+          <a:xfrm>
+            <a:off x="517352" y="5155003"/>
+            <a:ext cx="7772400" cy="1473339"/>
+          </a:xfrm>
+          <a:prstGeom prst="rect">
+            <a:avLst/>
+          </a:prstGeom>
+        </p:spPr>
+      </p:pic>
+      <p:pic>
+        <p:nvPicPr>
+          <p:cNvPr id="8" name="Picture 7">
+            <a:extLst>
+              <a:ext uri="{FF2B5EF4-FFF2-40B4-BE49-F238E27FC236}">
+                <a16:creationId xmlns:a16="http://schemas.microsoft.com/office/drawing/2014/main" id="{B4045E95-F4C2-B051-B854-55F7EAA54C37}"/>
+              </a:ext>
+            </a:extLst>
+          </p:cNvPr>
+          <p:cNvPicPr>
+            <a:picLocks noChangeAspect="1"/>
+          </p:cNvPicPr>
+          <p:nvPr/>
+        </p:nvPicPr>
+        <p:blipFill>
+          <a:blip r:embed="rId3"/>
+          <a:stretch>
+            <a:fillRect/>
+          </a:stretch>
+        </p:blipFill>
+        <p:spPr>
+          <a:xfrm>
+            <a:off x="517352" y="2442641"/>
+            <a:ext cx="7772400" cy="1493324"/>
+          </a:xfrm>
+          <a:prstGeom prst="rect">
+            <a:avLst/>
+          </a:prstGeom>
+        </p:spPr>
+      </p:pic>
+      <p:sp>
+        <p:nvSpPr>
+          <p:cNvPr id="9" name="TextBox 8">
+            <a:extLst>
+              <a:ext uri="{FF2B5EF4-FFF2-40B4-BE49-F238E27FC236}">
+                <a16:creationId xmlns:a16="http://schemas.microsoft.com/office/drawing/2014/main" id="{DA4AD159-39A4-29E8-29D0-1632736770EA}"/>
+              </a:ext>
+            </a:extLst>
+          </p:cNvPr>
+          <p:cNvSpPr txBox="1"/>
+          <p:nvPr/>
+        </p:nvSpPr>
+        <p:spPr>
+          <a:xfrm>
+            <a:off x="517352" y="2087987"/>
+            <a:ext cx="2050241" cy="369332"/>
+          </a:xfrm>
+          <a:prstGeom prst="rect">
+            <a:avLst/>
+          </a:prstGeom>
+          <a:noFill/>
+        </p:spPr>
+        <p:txBody>
+          <a:bodyPr wrap="none" rtlCol="0">
+            <a:spAutoFit/>
+          </a:bodyPr>
+          <a:lstStyle/>
+          <a:p>
+            <a:r>
+              <a:rPr lang="en-US" dirty="0"/>
+              <a:t>Linear Regression</a:t>
+            </a:r>
+          </a:p>
+        </p:txBody>
+      </p:sp>
+      <p:sp>
+        <p:nvSpPr>
+          <p:cNvPr id="11" name="TextBox 10">
+            <a:extLst>
+              <a:ext uri="{FF2B5EF4-FFF2-40B4-BE49-F238E27FC236}">
+                <a16:creationId xmlns:a16="http://schemas.microsoft.com/office/drawing/2014/main" id="{614BF7B4-8C92-B0DA-BC30-B4D12E3D2E1B}"/>
+              </a:ext>
+            </a:extLst>
+          </p:cNvPr>
+          <p:cNvSpPr txBox="1"/>
+          <p:nvPr/>
+        </p:nvSpPr>
+        <p:spPr>
+          <a:xfrm>
+            <a:off x="517352" y="4785671"/>
+            <a:ext cx="2158989" cy="369332"/>
+          </a:xfrm>
+          <a:prstGeom prst="rect">
+            <a:avLst/>
+          </a:prstGeom>
+          <a:noFill/>
+        </p:spPr>
+        <p:txBody>
+          <a:bodyPr wrap="none" rtlCol="0">
+            <a:spAutoFit/>
+          </a:bodyPr>
+          <a:lstStyle/>
+          <a:p>
+            <a:r>
+              <a:rPr lang="en-US" dirty="0" err="1"/>
+              <a:t>Xboost</a:t>
+            </a:r>
+            <a:r>
+              <a:rPr lang="en-US" dirty="0"/>
+              <a:t> Regression</a:t>
+            </a:r>
+          </a:p>
+        </p:txBody>
+      </p:sp>
+    </p:spTree>
+    <p:extLst>
+      <p:ext uri="{BB962C8B-B14F-4D97-AF65-F5344CB8AC3E}">
+        <p14:creationId xmlns:p14="http://schemas.microsoft.com/office/powerpoint/2010/main" val="2568439162"/>
+      </p:ext>
+    </p:extLst>
+  </p:cSld>
+  <p:clrMapOvr>
+    <a:masterClrMapping/>
+  </p:clrMapOvr>
+</p:sld>
+</file>
+
+<file path=ppt/slides/slide12.xml><?xml version="1.0" encoding="utf-8"?>
+<p:sld xmlns:a="http://schemas.openxmlformats.org/drawingml/2006/main" xmlns:r="http://schemas.openxmlformats.org/officeDocument/2006/relationships" xmlns:p="http://schemas.openxmlformats.org/presentationml/2006/main">
+  <p:cSld>
+    <p:spTree>
+      <p:nvGrpSpPr>
+        <p:cNvPr id="1" name=""/>
+        <p:cNvGrpSpPr/>
+        <p:nvPr/>
+      </p:nvGrpSpPr>
+      <p:grpSpPr>
+        <a:xfrm>
+          <a:off x="0" y="0"/>
+          <a:ext cx="0" cy="0"/>
+          <a:chOff x="0" y="0"/>
+          <a:chExt cx="0" cy="0"/>
+        </a:xfrm>
+      </p:grpSpPr>
+      <p:sp>
+        <p:nvSpPr>
+          <p:cNvPr id="2" name="Title 1">
+            <a:extLst>
+              <a:ext uri="{FF2B5EF4-FFF2-40B4-BE49-F238E27FC236}">
+                <a16:creationId xmlns:a16="http://schemas.microsoft.com/office/drawing/2014/main" id="{B40E3042-C55D-55CE-FD1D-2FAB100D1806}"/>
+              </a:ext>
+            </a:extLst>
+          </p:cNvPr>
+          <p:cNvSpPr>
+            <a:spLocks noGrp="1"/>
+          </p:cNvSpPr>
+          <p:nvPr>
+            <p:ph type="title"/>
+          </p:nvPr>
+        </p:nvSpPr>
+        <p:spPr/>
+        <p:txBody>
+          <a:bodyPr/>
+          <a:lstStyle/>
+          <a:p>
+            <a:r>
+              <a:rPr lang="en-US"/>
+              <a:t>Models Results</a:t>
+            </a:r>
+            <a:endParaRPr lang="en-US" dirty="0"/>
+          </a:p>
+        </p:txBody>
+      </p:sp>
+      <p:graphicFrame>
+        <p:nvGraphicFramePr>
+          <p:cNvPr id="6" name="Table 5">
+            <a:extLst>
+              <a:ext uri="{FF2B5EF4-FFF2-40B4-BE49-F238E27FC236}">
+                <a16:creationId xmlns:a16="http://schemas.microsoft.com/office/drawing/2014/main" id="{DA39F437-C67F-A73D-4459-B17B5FDDF6DD}"/>
+              </a:ext>
+            </a:extLst>
+          </p:cNvPr>
+          <p:cNvGraphicFramePr>
+            <a:graphicFrameLocks noGrp="1"/>
+          </p:cNvGraphicFramePr>
+          <p:nvPr>
+            <p:extLst>
+              <p:ext uri="{D42A27DB-BD31-4B8C-83A1-F6EECF244321}">
+                <p14:modId xmlns:p14="http://schemas.microsoft.com/office/powerpoint/2010/main" val="1413216195"/>
+              </p:ext>
+            </p:extLst>
+          </p:nvPr>
+        </p:nvGraphicFramePr>
+        <p:xfrm>
+          <a:off x="607866" y="2484292"/>
+          <a:ext cx="5755987" cy="1745964"/>
+        </p:xfrm>
+        <a:graphic>
+          <a:graphicData uri="http://schemas.openxmlformats.org/drawingml/2006/table">
+            <a:tbl>
+              <a:tblPr firstRow="1" firstCol="1" bandRow="1">
+                <a:tableStyleId>{5C22544A-7EE6-4342-B048-85BDC9FD1C3A}</a:tableStyleId>
+              </a:tblPr>
+              <a:tblGrid>
+                <a:gridCol w="1930852">
+                  <a:extLst>
+                    <a:ext uri="{9D8B030D-6E8A-4147-A177-3AD203B41FA5}">
+                      <a16:colId xmlns:a16="http://schemas.microsoft.com/office/drawing/2014/main" val="1725378040"/>
+                    </a:ext>
+                  </a:extLst>
+                </a:gridCol>
+                <a:gridCol w="892288">
+                  <a:extLst>
+                    <a:ext uri="{9D8B030D-6E8A-4147-A177-3AD203B41FA5}">
+                      <a16:colId xmlns:a16="http://schemas.microsoft.com/office/drawing/2014/main" val="2740483685"/>
+                    </a:ext>
+                  </a:extLst>
+                </a:gridCol>
+                <a:gridCol w="954455">
+                  <a:extLst>
+                    <a:ext uri="{9D8B030D-6E8A-4147-A177-3AD203B41FA5}">
+                      <a16:colId xmlns:a16="http://schemas.microsoft.com/office/drawing/2014/main" val="1613407765"/>
+                    </a:ext>
+                  </a:extLst>
+                </a:gridCol>
+                <a:gridCol w="1129987">
+                  <a:extLst>
+                    <a:ext uri="{9D8B030D-6E8A-4147-A177-3AD203B41FA5}">
+                      <a16:colId xmlns:a16="http://schemas.microsoft.com/office/drawing/2014/main" val="2119774655"/>
+                    </a:ext>
+                  </a:extLst>
+                </a:gridCol>
+                <a:gridCol w="848405">
+                  <a:extLst>
+                    <a:ext uri="{9D8B030D-6E8A-4147-A177-3AD203B41FA5}">
+                      <a16:colId xmlns:a16="http://schemas.microsoft.com/office/drawing/2014/main" val="1476658719"/>
+                    </a:ext>
+                  </a:extLst>
+                </a:gridCol>
+              </a:tblGrid>
+              <a:tr h="551504">
+                <a:tc>
+                  <a:txBody>
+                    <a:bodyPr/>
+                    <a:lstStyle/>
+                    <a:p>
+                      <a:pPr algn="l" fontAlgn="b"/>
+                      <a:r>
+                        <a:rPr lang="en-CA" sz="1200" u="none" strike="noStrike" dirty="0">
+                          <a:effectLst/>
+                        </a:rPr>
+                        <a:t>Model</a:t>
+                      </a:r>
+                      <a:endParaRPr lang="en-CA" sz="1200" b="0" i="0" u="none" strike="noStrike" dirty="0">
+                        <a:solidFill>
+                          <a:srgbClr val="000000"/>
+                        </a:solidFill>
+                        <a:effectLst/>
+                        <a:latin typeface="Calibri" panose="020F0502020204030204" pitchFamily="34" charset="0"/>
+                      </a:endParaRPr>
+                    </a:p>
+                  </a:txBody>
+                  <a:tcPr marL="9525" marR="9525" marT="9525" marB="0" anchor="b"/>
+                </a:tc>
+                <a:tc>
+                  <a:txBody>
+                    <a:bodyPr/>
+                    <a:lstStyle/>
+                    <a:p>
+                      <a:pPr algn="l" fontAlgn="b"/>
+                      <a:r>
+                        <a:rPr lang="en-CA" sz="1200" u="none" strike="noStrike">
+                          <a:effectLst/>
+                        </a:rPr>
+                        <a:t>RMSE</a:t>
+                      </a:r>
+                      <a:endParaRPr lang="en-CA" sz="1200" b="0" i="0" u="none" strike="noStrike">
+                        <a:solidFill>
+                          <a:srgbClr val="000000"/>
+                        </a:solidFill>
+                        <a:effectLst/>
+                        <a:latin typeface="Calibri" panose="020F0502020204030204" pitchFamily="34" charset="0"/>
+                      </a:endParaRPr>
+                    </a:p>
+                  </a:txBody>
+                  <a:tcPr marL="9525" marR="9525" marT="9525" marB="0" anchor="b"/>
+                </a:tc>
+                <a:tc>
+                  <a:txBody>
+                    <a:bodyPr/>
+                    <a:lstStyle/>
+                    <a:p>
+                      <a:pPr algn="l" fontAlgn="b"/>
+                      <a:r>
+                        <a:rPr lang="en-CA" sz="1200" u="none" strike="noStrike">
+                          <a:effectLst/>
+                        </a:rPr>
+                        <a:t>R2</a:t>
+                      </a:r>
+                      <a:endParaRPr lang="en-CA" sz="1200" b="0" i="0" u="none" strike="noStrike">
+                        <a:solidFill>
+                          <a:srgbClr val="000000"/>
+                        </a:solidFill>
+                        <a:effectLst/>
+                        <a:latin typeface="Calibri" panose="020F0502020204030204" pitchFamily="34" charset="0"/>
+                      </a:endParaRPr>
+                    </a:p>
+                  </a:txBody>
+                  <a:tcPr marL="9525" marR="9525" marT="9525" marB="0" anchor="b"/>
+                </a:tc>
+                <a:tc>
+                  <a:txBody>
+                    <a:bodyPr/>
+                    <a:lstStyle/>
+                    <a:p>
+                      <a:pPr algn="l" fontAlgn="b"/>
+                      <a:r>
+                        <a:rPr lang="en-CA" sz="1200" u="none" strike="noStrike">
+                          <a:effectLst/>
+                        </a:rPr>
+                        <a:t>Training Score</a:t>
+                      </a:r>
+                      <a:endParaRPr lang="en-CA" sz="1200" b="0" i="0" u="none" strike="noStrike">
+                        <a:solidFill>
+                          <a:srgbClr val="000000"/>
+                        </a:solidFill>
+                        <a:effectLst/>
+                        <a:latin typeface="Calibri" panose="020F0502020204030204" pitchFamily="34" charset="0"/>
+                      </a:endParaRPr>
+                    </a:p>
+                  </a:txBody>
+                  <a:tcPr marL="9525" marR="9525" marT="9525" marB="0" anchor="b"/>
+                </a:tc>
+                <a:tc>
+                  <a:txBody>
+                    <a:bodyPr/>
+                    <a:lstStyle/>
+                    <a:p>
+                      <a:pPr algn="l" fontAlgn="b"/>
+                      <a:r>
+                        <a:rPr lang="en-CA" sz="1200" u="none" strike="noStrike">
+                          <a:effectLst/>
+                        </a:rPr>
+                        <a:t>Test Score</a:t>
+                      </a:r>
+                      <a:endParaRPr lang="en-CA" sz="1200" b="0" i="0" u="none" strike="noStrike">
+                        <a:solidFill>
+                          <a:srgbClr val="000000"/>
+                        </a:solidFill>
+                        <a:effectLst/>
+                        <a:latin typeface="Calibri" panose="020F0502020204030204" pitchFamily="34" charset="0"/>
+                      </a:endParaRPr>
+                    </a:p>
+                  </a:txBody>
+                  <a:tcPr marL="9525" marR="9525" marT="9525" marB="0" anchor="b"/>
+                </a:tc>
+                <a:extLst>
+                  <a:ext uri="{0D108BD9-81ED-4DB2-BD59-A6C34878D82A}">
+                    <a16:rowId xmlns:a16="http://schemas.microsoft.com/office/drawing/2014/main" val="2407626454"/>
+                  </a:ext>
+                </a:extLst>
+              </a:tr>
+              <a:tr h="298615">
+                <a:tc>
+                  <a:txBody>
+                    <a:bodyPr/>
+                    <a:lstStyle/>
+                    <a:p>
+                      <a:pPr algn="l" fontAlgn="b"/>
+                      <a:r>
+                        <a:rPr lang="en-CA" sz="1200" u="none" strike="noStrike">
+                          <a:effectLst/>
+                        </a:rPr>
+                        <a:t>Linear Regression</a:t>
+                      </a:r>
+                      <a:endParaRPr lang="en-CA" sz="1200" b="0" i="0" u="none" strike="noStrike">
+                        <a:solidFill>
+                          <a:srgbClr val="000000"/>
+                        </a:solidFill>
+                        <a:effectLst/>
+                        <a:latin typeface="Calibri" panose="020F0502020204030204" pitchFamily="34" charset="0"/>
+                      </a:endParaRPr>
+                    </a:p>
+                  </a:txBody>
+                  <a:tcPr marL="9525" marR="9525" marT="9525" marB="0" anchor="b"/>
+                </a:tc>
+                <a:tc>
+                  <a:txBody>
+                    <a:bodyPr/>
+                    <a:lstStyle/>
+                    <a:p>
+                      <a:pPr algn="r" fontAlgn="b"/>
+                      <a:r>
+                        <a:rPr lang="en-CA" sz="1200" u="none" strike="noStrike">
+                          <a:effectLst/>
+                        </a:rPr>
+                        <a:t>2753.377</a:t>
+                      </a:r>
+                      <a:endParaRPr lang="en-CA" sz="1200" b="0" i="0" u="none" strike="noStrike">
+                        <a:solidFill>
+                          <a:srgbClr val="000000"/>
+                        </a:solidFill>
+                        <a:effectLst/>
+                        <a:latin typeface="Calibri" panose="020F0502020204030204" pitchFamily="34" charset="0"/>
+                      </a:endParaRPr>
+                    </a:p>
+                  </a:txBody>
+                  <a:tcPr marL="9525" marR="9525" marT="9525" marB="0" anchor="b"/>
+                </a:tc>
+                <a:tc>
+                  <a:txBody>
+                    <a:bodyPr/>
+                    <a:lstStyle/>
+                    <a:p>
+                      <a:pPr algn="r" fontAlgn="b"/>
+                      <a:r>
+                        <a:rPr lang="en-CA" sz="1200" u="none" strike="noStrike">
+                          <a:effectLst/>
+                        </a:rPr>
+                        <a:t>0.0145</a:t>
+                      </a:r>
+                      <a:endParaRPr lang="en-CA" sz="1200" b="0" i="0" u="none" strike="noStrike">
+                        <a:solidFill>
+                          <a:srgbClr val="383A42"/>
+                        </a:solidFill>
+                        <a:effectLst/>
+                        <a:latin typeface="Menlo" panose="020B0609030804020204" pitchFamily="49" charset="0"/>
+                      </a:endParaRPr>
+                    </a:p>
+                  </a:txBody>
+                  <a:tcPr marL="9525" marR="9525" marT="9525" marB="0" anchor="b"/>
+                </a:tc>
+                <a:tc>
+                  <a:txBody>
+                    <a:bodyPr/>
+                    <a:lstStyle/>
+                    <a:p>
+                      <a:pPr algn="r" fontAlgn="b"/>
+                      <a:r>
+                        <a:rPr lang="en-CA" sz="1200" u="none" strike="noStrike">
+                          <a:effectLst/>
+                        </a:rPr>
+                        <a:t>0.0112</a:t>
+                      </a:r>
+                      <a:endParaRPr lang="en-CA" sz="1200" b="0" i="0" u="none" strike="noStrike">
+                        <a:solidFill>
+                          <a:srgbClr val="383A42"/>
+                        </a:solidFill>
+                        <a:effectLst/>
+                        <a:latin typeface="Menlo" panose="020B0609030804020204" pitchFamily="49" charset="0"/>
+                      </a:endParaRPr>
+                    </a:p>
+                  </a:txBody>
+                  <a:tcPr marL="9525" marR="9525" marT="9525" marB="0" anchor="b"/>
+                </a:tc>
+                <a:tc>
+                  <a:txBody>
+                    <a:bodyPr/>
+                    <a:lstStyle/>
+                    <a:p>
+                      <a:pPr algn="r" fontAlgn="b"/>
+                      <a:r>
+                        <a:rPr lang="en-CA" sz="1200" u="none" strike="noStrike">
+                          <a:effectLst/>
+                        </a:rPr>
+                        <a:t>0.0145</a:t>
+                      </a:r>
+                      <a:endParaRPr lang="en-CA" sz="1200" b="0" i="0" u="none" strike="noStrike">
+                        <a:solidFill>
+                          <a:srgbClr val="000000"/>
+                        </a:solidFill>
+                        <a:effectLst/>
+                        <a:latin typeface="Calibri" panose="020F0502020204030204" pitchFamily="34" charset="0"/>
+                      </a:endParaRPr>
+                    </a:p>
+                  </a:txBody>
+                  <a:tcPr marL="9525" marR="9525" marT="9525" marB="0" anchor="b"/>
+                </a:tc>
+                <a:extLst>
+                  <a:ext uri="{0D108BD9-81ED-4DB2-BD59-A6C34878D82A}">
+                    <a16:rowId xmlns:a16="http://schemas.microsoft.com/office/drawing/2014/main" val="4207462042"/>
+                  </a:ext>
+                </a:extLst>
+              </a:tr>
+              <a:tr h="298615">
+                <a:tc>
+                  <a:txBody>
+                    <a:bodyPr/>
+                    <a:lstStyle/>
+                    <a:p>
+                      <a:pPr algn="l" fontAlgn="b"/>
+                      <a:r>
+                        <a:rPr lang="en-CA" sz="1200" u="none" strike="noStrike">
+                          <a:effectLst/>
+                        </a:rPr>
+                        <a:t>Linear Reg Lasso</a:t>
+                      </a:r>
+                      <a:endParaRPr lang="en-CA" sz="1200" b="0" i="0" u="none" strike="noStrike">
+                        <a:solidFill>
+                          <a:srgbClr val="000000"/>
+                        </a:solidFill>
+                        <a:effectLst/>
+                        <a:latin typeface="Calibri" panose="020F0502020204030204" pitchFamily="34" charset="0"/>
+                      </a:endParaRPr>
+                    </a:p>
+                  </a:txBody>
+                  <a:tcPr marL="9525" marR="9525" marT="9525" marB="0" anchor="b"/>
+                </a:tc>
+                <a:tc>
+                  <a:txBody>
+                    <a:bodyPr/>
+                    <a:lstStyle/>
+                    <a:p>
+                      <a:pPr algn="l" fontAlgn="b"/>
+                      <a:r>
+                        <a:rPr lang="en-CA" sz="1200" u="none" strike="noStrike" dirty="0">
+                          <a:effectLst/>
+                        </a:rPr>
+                        <a:t> </a:t>
+                      </a:r>
+                      <a:endParaRPr lang="en-CA" sz="1200" b="0" i="0" u="none" strike="noStrike" dirty="0">
+                        <a:solidFill>
+                          <a:srgbClr val="000000"/>
+                        </a:solidFill>
+                        <a:effectLst/>
+                        <a:latin typeface="Calibri" panose="020F0502020204030204" pitchFamily="34" charset="0"/>
+                      </a:endParaRPr>
+                    </a:p>
+                  </a:txBody>
+                  <a:tcPr marL="9525" marR="9525" marT="9525" marB="0" anchor="b"/>
+                </a:tc>
+                <a:tc>
+                  <a:txBody>
+                    <a:bodyPr/>
+                    <a:lstStyle/>
+                    <a:p>
+                      <a:pPr algn="r" fontAlgn="b"/>
+                      <a:r>
+                        <a:rPr lang="en-CA" sz="1200" u="none" strike="noStrike">
+                          <a:effectLst/>
+                        </a:rPr>
+                        <a:t>0.0145</a:t>
+                      </a:r>
+                      <a:endParaRPr lang="en-CA" sz="1200" b="0" i="0" u="none" strike="noStrike">
+                        <a:solidFill>
+                          <a:srgbClr val="383A42"/>
+                        </a:solidFill>
+                        <a:effectLst/>
+                        <a:latin typeface="Menlo" panose="020B0609030804020204" pitchFamily="49" charset="0"/>
+                      </a:endParaRPr>
+                    </a:p>
+                  </a:txBody>
+                  <a:tcPr marL="9525" marR="9525" marT="9525" marB="0" anchor="b"/>
+                </a:tc>
+                <a:tc>
+                  <a:txBody>
+                    <a:bodyPr/>
+                    <a:lstStyle/>
+                    <a:p>
+                      <a:pPr algn="l" fontAlgn="b"/>
+                      <a:r>
+                        <a:rPr lang="en-CA" sz="1200" u="none" strike="noStrike">
+                          <a:effectLst/>
+                        </a:rPr>
+                        <a:t> </a:t>
+                      </a:r>
+                      <a:endParaRPr lang="en-CA" sz="1200" b="0" i="0" u="none" strike="noStrike">
+                        <a:solidFill>
+                          <a:srgbClr val="000000"/>
+                        </a:solidFill>
+                        <a:effectLst/>
+                        <a:latin typeface="Calibri" panose="020F0502020204030204" pitchFamily="34" charset="0"/>
+                      </a:endParaRPr>
+                    </a:p>
+                  </a:txBody>
+                  <a:tcPr marL="9525" marR="9525" marT="9525" marB="0" anchor="b"/>
+                </a:tc>
+                <a:tc>
+                  <a:txBody>
+                    <a:bodyPr/>
+                    <a:lstStyle/>
+                    <a:p>
+                      <a:pPr algn="l" fontAlgn="b"/>
+                      <a:r>
+                        <a:rPr lang="en-CA" sz="1200" u="none" strike="noStrike">
+                          <a:effectLst/>
+                        </a:rPr>
+                        <a:t> </a:t>
+                      </a:r>
+                      <a:endParaRPr lang="en-CA" sz="1200" b="0" i="0" u="none" strike="noStrike">
+                        <a:solidFill>
+                          <a:srgbClr val="000000"/>
+                        </a:solidFill>
+                        <a:effectLst/>
+                        <a:latin typeface="Calibri" panose="020F0502020204030204" pitchFamily="34" charset="0"/>
+                      </a:endParaRPr>
+                    </a:p>
+                  </a:txBody>
+                  <a:tcPr marL="9525" marR="9525" marT="9525" marB="0" anchor="b"/>
+                </a:tc>
+                <a:extLst>
+                  <a:ext uri="{0D108BD9-81ED-4DB2-BD59-A6C34878D82A}">
+                    <a16:rowId xmlns:a16="http://schemas.microsoft.com/office/drawing/2014/main" val="1485139130"/>
+                  </a:ext>
+                </a:extLst>
+              </a:tr>
+              <a:tr h="298615">
+                <a:tc>
+                  <a:txBody>
+                    <a:bodyPr/>
+                    <a:lstStyle/>
+                    <a:p>
+                      <a:pPr algn="l" fontAlgn="b"/>
+                      <a:r>
+                        <a:rPr lang="en-CA" sz="1200" u="none" strike="noStrike">
+                          <a:effectLst/>
+                        </a:rPr>
+                        <a:t>Linear Reg Ridge</a:t>
+                      </a:r>
+                      <a:endParaRPr lang="en-CA" sz="1200" b="0" i="0" u="none" strike="noStrike">
+                        <a:solidFill>
+                          <a:srgbClr val="000000"/>
+                        </a:solidFill>
+                        <a:effectLst/>
+                        <a:latin typeface="Calibri" panose="020F0502020204030204" pitchFamily="34" charset="0"/>
+                      </a:endParaRPr>
+                    </a:p>
+                  </a:txBody>
+                  <a:tcPr marL="9525" marR="9525" marT="9525" marB="0" anchor="b"/>
+                </a:tc>
+                <a:tc>
+                  <a:txBody>
+                    <a:bodyPr/>
+                    <a:lstStyle/>
+                    <a:p>
+                      <a:pPr algn="l" fontAlgn="b"/>
+                      <a:r>
+                        <a:rPr lang="en-CA" sz="1200" u="none" strike="noStrike">
+                          <a:effectLst/>
+                        </a:rPr>
+                        <a:t> </a:t>
+                      </a:r>
+                      <a:endParaRPr lang="en-CA" sz="1200" b="0" i="0" u="none" strike="noStrike">
+                        <a:solidFill>
+                          <a:srgbClr val="000000"/>
+                        </a:solidFill>
+                        <a:effectLst/>
+                        <a:latin typeface="Calibri" panose="020F0502020204030204" pitchFamily="34" charset="0"/>
+                      </a:endParaRPr>
+                    </a:p>
+                  </a:txBody>
+                  <a:tcPr marL="9525" marR="9525" marT="9525" marB="0" anchor="b"/>
+                </a:tc>
+                <a:tc>
+                  <a:txBody>
+                    <a:bodyPr/>
+                    <a:lstStyle/>
+                    <a:p>
+                      <a:pPr algn="r" fontAlgn="b"/>
+                      <a:r>
+                        <a:rPr lang="en-CA" sz="1200" u="none" strike="noStrike">
+                          <a:effectLst/>
+                        </a:rPr>
+                        <a:t>0.0145</a:t>
+                      </a:r>
+                      <a:endParaRPr lang="en-CA" sz="1200" b="0" i="0" u="none" strike="noStrike">
+                        <a:solidFill>
+                          <a:srgbClr val="383A42"/>
+                        </a:solidFill>
+                        <a:effectLst/>
+                        <a:latin typeface="Menlo" panose="020B0609030804020204" pitchFamily="49" charset="0"/>
+                      </a:endParaRPr>
+                    </a:p>
+                  </a:txBody>
+                  <a:tcPr marL="9525" marR="9525" marT="9525" marB="0" anchor="b"/>
+                </a:tc>
+                <a:tc>
+                  <a:txBody>
+                    <a:bodyPr/>
+                    <a:lstStyle/>
+                    <a:p>
+                      <a:pPr algn="l" fontAlgn="b"/>
+                      <a:r>
+                        <a:rPr lang="en-CA" sz="1200" u="none" strike="noStrike">
+                          <a:effectLst/>
+                        </a:rPr>
+                        <a:t> </a:t>
+                      </a:r>
+                      <a:endParaRPr lang="en-CA" sz="1200" b="0" i="0" u="none" strike="noStrike">
+                        <a:solidFill>
+                          <a:srgbClr val="000000"/>
+                        </a:solidFill>
+                        <a:effectLst/>
+                        <a:latin typeface="Calibri" panose="020F0502020204030204" pitchFamily="34" charset="0"/>
+                      </a:endParaRPr>
+                    </a:p>
+                  </a:txBody>
+                  <a:tcPr marL="9525" marR="9525" marT="9525" marB="0" anchor="b"/>
+                </a:tc>
+                <a:tc>
+                  <a:txBody>
+                    <a:bodyPr/>
+                    <a:lstStyle/>
+                    <a:p>
+                      <a:pPr algn="l" fontAlgn="b"/>
+                      <a:r>
+                        <a:rPr lang="en-CA" sz="1200" u="none" strike="noStrike">
+                          <a:effectLst/>
+                        </a:rPr>
+                        <a:t> </a:t>
+                      </a:r>
+                      <a:endParaRPr lang="en-CA" sz="1200" b="0" i="0" u="none" strike="noStrike">
+                        <a:solidFill>
+                          <a:srgbClr val="000000"/>
+                        </a:solidFill>
+                        <a:effectLst/>
+                        <a:latin typeface="Calibri" panose="020F0502020204030204" pitchFamily="34" charset="0"/>
+                      </a:endParaRPr>
+                    </a:p>
+                  </a:txBody>
+                  <a:tcPr marL="9525" marR="9525" marT="9525" marB="0" anchor="b"/>
+                </a:tc>
+                <a:extLst>
+                  <a:ext uri="{0D108BD9-81ED-4DB2-BD59-A6C34878D82A}">
+                    <a16:rowId xmlns:a16="http://schemas.microsoft.com/office/drawing/2014/main" val="2134322566"/>
+                  </a:ext>
+                </a:extLst>
+              </a:tr>
+              <a:tr h="298615">
+                <a:tc>
+                  <a:txBody>
+                    <a:bodyPr/>
+                    <a:lstStyle/>
+                    <a:p>
+                      <a:pPr algn="l" fontAlgn="b"/>
+                      <a:r>
+                        <a:rPr lang="en-CA" sz="1200" u="none" strike="noStrike" dirty="0" err="1">
+                          <a:effectLst/>
+                        </a:rPr>
+                        <a:t>Xboost</a:t>
+                      </a:r>
+                      <a:r>
+                        <a:rPr lang="en-CA" sz="1200" u="none" strike="noStrike" dirty="0">
+                          <a:effectLst/>
+                        </a:rPr>
+                        <a:t> Regression</a:t>
+                      </a:r>
+                      <a:endParaRPr lang="en-CA" sz="1200" b="0" i="0" u="none" strike="noStrike" dirty="0">
+                        <a:solidFill>
+                          <a:srgbClr val="000000"/>
+                        </a:solidFill>
+                        <a:effectLst/>
+                        <a:latin typeface="Calibri" panose="020F0502020204030204" pitchFamily="34" charset="0"/>
+                      </a:endParaRPr>
+                    </a:p>
+                  </a:txBody>
+                  <a:tcPr marL="9525" marR="9525" marT="9525" marB="0" anchor="b"/>
+                </a:tc>
+                <a:tc>
+                  <a:txBody>
+                    <a:bodyPr/>
+                    <a:lstStyle/>
+                    <a:p>
+                      <a:pPr algn="r" fontAlgn="b"/>
+                      <a:r>
+                        <a:rPr lang="en-CA" sz="1200" u="none" strike="noStrike">
+                          <a:effectLst/>
+                        </a:rPr>
+                        <a:t>2305.6669</a:t>
+                      </a:r>
+                      <a:endParaRPr lang="en-CA" sz="1200" b="0" i="0" u="none" strike="noStrike">
+                        <a:solidFill>
+                          <a:srgbClr val="000000"/>
+                        </a:solidFill>
+                        <a:effectLst/>
+                        <a:latin typeface="Calibri" panose="020F0502020204030204" pitchFamily="34" charset="0"/>
+                      </a:endParaRPr>
+                    </a:p>
+                  </a:txBody>
+                  <a:tcPr marL="9525" marR="9525" marT="9525" marB="0" anchor="b"/>
+                </a:tc>
+                <a:tc>
+                  <a:txBody>
+                    <a:bodyPr/>
+                    <a:lstStyle/>
+                    <a:p>
+                      <a:pPr algn="r" fontAlgn="b"/>
+                      <a:r>
+                        <a:rPr lang="en-CA" sz="1200" u="none" strike="noStrike">
+                          <a:effectLst/>
+                        </a:rPr>
+                        <a:t>0.0242</a:t>
+                      </a:r>
+                      <a:endParaRPr lang="en-CA" sz="1200" b="0" i="0" u="none" strike="noStrike">
+                        <a:solidFill>
+                          <a:srgbClr val="383A42"/>
+                        </a:solidFill>
+                        <a:effectLst/>
+                        <a:latin typeface="Menlo" panose="020B0609030804020204" pitchFamily="49" charset="0"/>
+                      </a:endParaRPr>
+                    </a:p>
+                  </a:txBody>
+                  <a:tcPr marL="9525" marR="9525" marT="9525" marB="0" anchor="b"/>
+                </a:tc>
+                <a:tc>
+                  <a:txBody>
+                    <a:bodyPr/>
+                    <a:lstStyle/>
+                    <a:p>
+                      <a:pPr algn="r" fontAlgn="b"/>
+                      <a:r>
+                        <a:rPr lang="en-CA" sz="1200" u="none" strike="noStrike">
+                          <a:effectLst/>
+                        </a:rPr>
+                        <a:t>0.1403</a:t>
+                      </a:r>
+                      <a:endParaRPr lang="en-CA" sz="1200" b="0" i="0" u="none" strike="noStrike">
+                        <a:solidFill>
+                          <a:srgbClr val="000000"/>
+                        </a:solidFill>
+                        <a:effectLst/>
+                        <a:latin typeface="Calibri" panose="020F0502020204030204" pitchFamily="34" charset="0"/>
+                      </a:endParaRPr>
+                    </a:p>
+                  </a:txBody>
+                  <a:tcPr marL="9525" marR="9525" marT="9525" marB="0" anchor="b"/>
+                </a:tc>
+                <a:tc>
+                  <a:txBody>
+                    <a:bodyPr/>
+                    <a:lstStyle/>
+                    <a:p>
+                      <a:pPr algn="r" fontAlgn="b"/>
+                      <a:r>
+                        <a:rPr lang="en-CA" sz="1200" u="none" strike="noStrike" dirty="0">
+                          <a:effectLst/>
+                        </a:rPr>
+                        <a:t>0.0242</a:t>
+                      </a:r>
+                      <a:endParaRPr lang="en-CA" sz="1200" b="0" i="0" u="none" strike="noStrike" dirty="0">
+                        <a:solidFill>
+                          <a:srgbClr val="000000"/>
+                        </a:solidFill>
+                        <a:effectLst/>
+                        <a:latin typeface="Calibri" panose="020F0502020204030204" pitchFamily="34" charset="0"/>
+                      </a:endParaRPr>
+                    </a:p>
+                  </a:txBody>
+                  <a:tcPr marL="9525" marR="9525" marT="9525" marB="0" anchor="b"/>
+                </a:tc>
+                <a:extLst>
+                  <a:ext uri="{0D108BD9-81ED-4DB2-BD59-A6C34878D82A}">
+                    <a16:rowId xmlns:a16="http://schemas.microsoft.com/office/drawing/2014/main" val="354694060"/>
+                  </a:ext>
+                </a:extLst>
+              </a:tr>
+            </a:tbl>
+          </a:graphicData>
+        </a:graphic>
+      </p:graphicFrame>
+    </p:spTree>
+    <p:extLst>
+      <p:ext uri="{BB962C8B-B14F-4D97-AF65-F5344CB8AC3E}">
+        <p14:creationId xmlns:p14="http://schemas.microsoft.com/office/powerpoint/2010/main" val="3787429484"/>
+      </p:ext>
+    </p:extLst>
+  </p:cSld>
+  <p:clrMapOvr>
+    <a:masterClrMapping/>
+  </p:clrMapOvr>
+</p:sld>
+</file>
+
+<file path=ppt/slides/slide13.xml><?xml version="1.0" encoding="utf-8"?>
+<p:sld xmlns:a="http://schemas.openxmlformats.org/drawingml/2006/main" xmlns:r="http://schemas.openxmlformats.org/officeDocument/2006/relationships" xmlns:p="http://schemas.openxmlformats.org/presentationml/2006/main">
+  <p:cSld>
     <p:bg>
       <p:bgPr>
         <a:solidFill>
@@ -9526,6 +13959,232 @@
           <a:p>
             <a:r>
               <a:rPr lang="en-US" dirty="0"/>
+              <a:t>Weather API Extraction</a:t>
+            </a:r>
+          </a:p>
+        </p:txBody>
+      </p:sp>
+      <p:sp>
+        <p:nvSpPr>
+          <p:cNvPr id="9" name="TextBox 8">
+            <a:extLst>
+              <a:ext uri="{FF2B5EF4-FFF2-40B4-BE49-F238E27FC236}">
+                <a16:creationId xmlns:a16="http://schemas.microsoft.com/office/drawing/2014/main" id="{061C3636-FD7A-5B40-4C59-BE2732C9D3B9}"/>
+              </a:ext>
+            </a:extLst>
+          </p:cNvPr>
+          <p:cNvSpPr txBox="1"/>
+          <p:nvPr/>
+        </p:nvSpPr>
+        <p:spPr>
+          <a:xfrm>
+            <a:off x="560068" y="2393670"/>
+            <a:ext cx="4750842" cy="4462760"/>
+          </a:xfrm>
+          <a:prstGeom prst="rect">
+            <a:avLst/>
+          </a:prstGeom>
+          <a:noFill/>
+        </p:spPr>
+        <p:txBody>
+          <a:bodyPr wrap="square" rtlCol="0">
+            <a:spAutoFit/>
+          </a:bodyPr>
+          <a:lstStyle/>
+          <a:p>
+            <a:pPr marL="285750" indent="-285750">
+              <a:buFont typeface="Arial" panose="020B0604020202020204" pitchFamily="34" charset="0"/>
+              <a:buChar char="•"/>
+            </a:pPr>
+            <a:r>
+              <a:rPr lang="en-US" dirty="0"/>
+              <a:t>We used </a:t>
+            </a:r>
+            <a:r>
+              <a:rPr lang="en-US" dirty="0" err="1"/>
+              <a:t>Meteostat</a:t>
+            </a:r>
+            <a:r>
+              <a:rPr lang="en-US" dirty="0"/>
+              <a:t> API Library for the extraction of weather information.</a:t>
+            </a:r>
+          </a:p>
+          <a:p>
+            <a:pPr marL="285750" indent="-285750">
+              <a:buFont typeface="Arial" panose="020B0604020202020204" pitchFamily="34" charset="0"/>
+              <a:buChar char="•"/>
+            </a:pPr>
+            <a:endParaRPr lang="en-US" dirty="0"/>
+          </a:p>
+          <a:p>
+            <a:pPr marL="285750" indent="-285750">
+              <a:buFont typeface="Arial" panose="020B0604020202020204" pitchFamily="34" charset="0"/>
+              <a:buChar char="•"/>
+            </a:pPr>
+            <a:r>
+              <a:rPr lang="en-US" dirty="0"/>
+              <a:t>We used the library that </a:t>
+            </a:r>
+            <a:r>
+              <a:rPr lang="en-US" dirty="0" err="1"/>
+              <a:t>Meteostat</a:t>
+            </a:r>
+            <a:r>
+              <a:rPr lang="en-US" dirty="0"/>
+              <a:t> provides to read historical weather information.</a:t>
+            </a:r>
+          </a:p>
+          <a:p>
+            <a:pPr marL="285750" indent="-285750">
+              <a:buFont typeface="Arial" panose="020B0604020202020204" pitchFamily="34" charset="0"/>
+              <a:buChar char="•"/>
+            </a:pPr>
+            <a:endParaRPr lang="en-US" dirty="0"/>
+          </a:p>
+          <a:p>
+            <a:pPr marL="285750" indent="-285750">
+              <a:buFont typeface="Arial" panose="020B0604020202020204" pitchFamily="34" charset="0"/>
+              <a:buChar char="•"/>
+            </a:pPr>
+            <a:r>
+              <a:rPr lang="en-US" dirty="0" err="1"/>
+              <a:t>Meteostat</a:t>
+            </a:r>
+            <a:r>
+              <a:rPr lang="en-US" dirty="0"/>
+              <a:t> takes its information from organizations such as : NOAA, DWD and Environment Canada.</a:t>
+            </a:r>
+          </a:p>
+          <a:p>
+            <a:pPr marL="285750" indent="-285750">
+              <a:buFont typeface="Arial" panose="020B0604020202020204" pitchFamily="34" charset="0"/>
+              <a:buChar char="•"/>
+            </a:pPr>
+            <a:endParaRPr lang="en-US" dirty="0"/>
+          </a:p>
+          <a:p>
+            <a:pPr marL="285750" indent="-285750">
+              <a:buFont typeface="Arial" panose="020B0604020202020204" pitchFamily="34" charset="0"/>
+              <a:buChar char="•"/>
+            </a:pPr>
+            <a:endParaRPr lang="en-US" dirty="0"/>
+          </a:p>
+          <a:p>
+            <a:pPr marL="285750" indent="-285750">
+              <a:buFont typeface="Arial" panose="020B0604020202020204" pitchFamily="34" charset="0"/>
+              <a:buChar char="•"/>
+            </a:pPr>
+            <a:endParaRPr lang="en-US" dirty="0"/>
+          </a:p>
+          <a:p>
+            <a:pPr marL="285750" indent="-285750">
+              <a:buFont typeface="Arial" panose="020B0604020202020204" pitchFamily="34" charset="0"/>
+              <a:buChar char="•"/>
+            </a:pPr>
+            <a:endParaRPr lang="en-US" dirty="0"/>
+          </a:p>
+          <a:p>
+            <a:endParaRPr lang="en-US" dirty="0"/>
+          </a:p>
+          <a:p>
+            <a:r>
+              <a:rPr lang="en-US" sz="1400" dirty="0"/>
+              <a:t>For more information visit </a:t>
+            </a:r>
+            <a:r>
+              <a:rPr lang="en-US" sz="1400" dirty="0">
+                <a:hlinkClick r:id="rId2"/>
+              </a:rPr>
+              <a:t>https://meteostat.net/en/</a:t>
+            </a:r>
+            <a:r>
+              <a:rPr lang="en-US" sz="1400" dirty="0"/>
+              <a:t> </a:t>
+            </a:r>
+          </a:p>
+        </p:txBody>
+      </p:sp>
+      <p:graphicFrame>
+        <p:nvGraphicFramePr>
+          <p:cNvPr id="11" name="Diagram 10">
+            <a:extLst>
+              <a:ext uri="{FF2B5EF4-FFF2-40B4-BE49-F238E27FC236}">
+                <a16:creationId xmlns:a16="http://schemas.microsoft.com/office/drawing/2014/main" id="{6A7D8086-F4E9-7F64-EF0D-6F4065F94CD5}"/>
+              </a:ext>
+            </a:extLst>
+          </p:cNvPr>
+          <p:cNvGraphicFramePr/>
+          <p:nvPr>
+            <p:extLst>
+              <p:ext uri="{D42A27DB-BD31-4B8C-83A1-F6EECF244321}">
+                <p14:modId xmlns:p14="http://schemas.microsoft.com/office/powerpoint/2010/main" val="2129664377"/>
+              </p:ext>
+            </p:extLst>
+          </p:nvPr>
+        </p:nvGraphicFramePr>
+        <p:xfrm>
+          <a:off x="6659418" y="1952572"/>
+          <a:ext cx="4054764" cy="4185761"/>
+        </p:xfrm>
+        <a:graphic>
+          <a:graphicData uri="http://schemas.openxmlformats.org/drawingml/2006/diagram">
+            <dgm:relIds xmlns:dgm="http://schemas.openxmlformats.org/drawingml/2006/diagram" xmlns:r="http://schemas.openxmlformats.org/officeDocument/2006/relationships" r:dm="rId3" r:lo="rId4" r:qs="rId5" r:cs="rId6"/>
+          </a:graphicData>
+        </a:graphic>
+      </p:graphicFrame>
+    </p:spTree>
+    <p:extLst>
+      <p:ext uri="{BB962C8B-B14F-4D97-AF65-F5344CB8AC3E}">
+        <p14:creationId xmlns:p14="http://schemas.microsoft.com/office/powerpoint/2010/main" val="1685521557"/>
+      </p:ext>
+    </p:extLst>
+  </p:cSld>
+  <p:clrMapOvr>
+    <a:masterClrMapping/>
+  </p:clrMapOvr>
+</p:sld>
+</file>
+
+<file path=ppt/slides/slide7.xml><?xml version="1.0" encoding="utf-8"?>
+<p:sld xmlns:a="http://schemas.openxmlformats.org/drawingml/2006/main" xmlns:r="http://schemas.openxmlformats.org/officeDocument/2006/relationships" xmlns:p="http://schemas.openxmlformats.org/presentationml/2006/main">
+  <p:cSld>
+    <p:spTree>
+      <p:nvGrpSpPr>
+        <p:cNvPr id="1" name=""/>
+        <p:cNvGrpSpPr/>
+        <p:nvPr/>
+      </p:nvGrpSpPr>
+      <p:grpSpPr>
+        <a:xfrm>
+          <a:off x="0" y="0"/>
+          <a:ext cx="0" cy="0"/>
+          <a:chOff x="0" y="0"/>
+          <a:chExt cx="0" cy="0"/>
+        </a:xfrm>
+      </p:grpSpPr>
+      <p:sp>
+        <p:nvSpPr>
+          <p:cNvPr id="2" name="Title 1">
+            <a:extLst>
+              <a:ext uri="{FF2B5EF4-FFF2-40B4-BE49-F238E27FC236}">
+                <a16:creationId xmlns:a16="http://schemas.microsoft.com/office/drawing/2014/main" id="{DBFEB5A4-60BC-126F-FC25-8E8AA7B5A35E}"/>
+              </a:ext>
+            </a:extLst>
+          </p:cNvPr>
+          <p:cNvSpPr>
+            <a:spLocks noGrp="1"/>
+          </p:cNvSpPr>
+          <p:nvPr>
+            <p:ph type="title"/>
+          </p:nvPr>
+        </p:nvSpPr>
+        <p:spPr/>
+        <p:txBody>
+          <a:bodyPr/>
+          <a:lstStyle/>
+          <a:p>
+            <a:r>
+              <a:rPr lang="en-US" dirty="0"/>
               <a:t>Weather Impact on flights</a:t>
             </a:r>
           </a:p>
@@ -9634,7 +14293,7 @@
     </p:spTree>
     <p:extLst>
       <p:ext uri="{BB962C8B-B14F-4D97-AF65-F5344CB8AC3E}">
-        <p14:creationId xmlns:p14="http://schemas.microsoft.com/office/powerpoint/2010/main" val="1685521557"/>
+        <p14:creationId xmlns:p14="http://schemas.microsoft.com/office/powerpoint/2010/main" val="3254901381"/>
       </p:ext>
     </p:extLst>
   </p:cSld>
@@ -9644,7 +14303,7 @@
 </p:sld>
 </file>
 
-<file path=ppt/slides/slide7.xml><?xml version="1.0" encoding="utf-8"?>
+<file path=ppt/slides/slide8.xml><?xml version="1.0" encoding="utf-8"?>
 <p:sld xmlns:a="http://schemas.openxmlformats.org/drawingml/2006/main" xmlns:r="http://schemas.openxmlformats.org/officeDocument/2006/relationships" xmlns:p="http://schemas.openxmlformats.org/presentationml/2006/main">
   <p:cSld>
     <p:spTree>
@@ -9761,86 +14420,6 @@
 </p:sld>
 </file>
 
-<file path=ppt/slides/slide8.xml><?xml version="1.0" encoding="utf-8"?>
-<p:sld xmlns:a="http://schemas.openxmlformats.org/drawingml/2006/main" xmlns:r="http://schemas.openxmlformats.org/officeDocument/2006/relationships" xmlns:p="http://schemas.openxmlformats.org/presentationml/2006/main">
-  <p:cSld>
-    <p:spTree>
-      <p:nvGrpSpPr>
-        <p:cNvPr id="1" name=""/>
-        <p:cNvGrpSpPr/>
-        <p:nvPr/>
-      </p:nvGrpSpPr>
-      <p:grpSpPr>
-        <a:xfrm>
-          <a:off x="0" y="0"/>
-          <a:ext cx="0" cy="0"/>
-          <a:chOff x="0" y="0"/>
-          <a:chExt cx="0" cy="0"/>
-        </a:xfrm>
-      </p:grpSpPr>
-      <p:sp>
-        <p:nvSpPr>
-          <p:cNvPr id="2" name="Title 1">
-            <a:extLst>
-              <a:ext uri="{FF2B5EF4-FFF2-40B4-BE49-F238E27FC236}">
-                <a16:creationId xmlns:a16="http://schemas.microsoft.com/office/drawing/2014/main" id="{6BFB177E-629C-D5C0-80FC-FDA5B640DE3B}"/>
-              </a:ext>
-            </a:extLst>
-          </p:cNvPr>
-          <p:cNvSpPr>
-            <a:spLocks noGrp="1"/>
-          </p:cNvSpPr>
-          <p:nvPr>
-            <p:ph type="title"/>
-          </p:nvPr>
-        </p:nvSpPr>
-        <p:spPr/>
-        <p:txBody>
-          <a:bodyPr/>
-          <a:lstStyle/>
-          <a:p>
-            <a:endParaRPr lang="en-US"/>
-          </a:p>
-        </p:txBody>
-      </p:sp>
-      <p:sp>
-        <p:nvSpPr>
-          <p:cNvPr id="3" name="Content Placeholder 2">
-            <a:extLst>
-              <a:ext uri="{FF2B5EF4-FFF2-40B4-BE49-F238E27FC236}">
-                <a16:creationId xmlns:a16="http://schemas.microsoft.com/office/drawing/2014/main" id="{36A9321C-1E6D-A631-D399-E67D3E392753}"/>
-              </a:ext>
-            </a:extLst>
-          </p:cNvPr>
-          <p:cNvSpPr>
-            <a:spLocks noGrp="1"/>
-          </p:cNvSpPr>
-          <p:nvPr>
-            <p:ph idx="1"/>
-          </p:nvPr>
-        </p:nvSpPr>
-        <p:spPr/>
-        <p:txBody>
-          <a:bodyPr/>
-          <a:lstStyle/>
-          <a:p>
-            <a:endParaRPr lang="en-US"/>
-          </a:p>
-        </p:txBody>
-      </p:sp>
-    </p:spTree>
-    <p:extLst>
-      <p:ext uri="{BB962C8B-B14F-4D97-AF65-F5344CB8AC3E}">
-        <p14:creationId xmlns:p14="http://schemas.microsoft.com/office/powerpoint/2010/main" val="2075841855"/>
-      </p:ext>
-    </p:extLst>
-  </p:cSld>
-  <p:clrMapOvr>
-    <a:masterClrMapping/>
-  </p:clrMapOvr>
-</p:sld>
-</file>
-
 <file path=ppt/slides/slide9.xml><?xml version="1.0" encoding="utf-8"?>
 <p:sld xmlns:a="http://schemas.openxmlformats.org/drawingml/2006/main" xmlns:r="http://schemas.openxmlformats.org/officeDocument/2006/relationships" xmlns:p="http://schemas.openxmlformats.org/presentationml/2006/main">
   <p:cSld>
@@ -9863,7 +14442,7 @@
           <p:cNvPr id="2" name="Title 1">
             <a:extLst>
               <a:ext uri="{FF2B5EF4-FFF2-40B4-BE49-F238E27FC236}">
-                <a16:creationId xmlns:a16="http://schemas.microsoft.com/office/drawing/2014/main" id="{B40E3042-C55D-55CE-FD1D-2FAB100D1806}"/>
+                <a16:creationId xmlns:a16="http://schemas.microsoft.com/office/drawing/2014/main" id="{8668BC95-6813-3131-1352-B4217A016F6E}"/>
               </a:ext>
             </a:extLst>
           </p:cNvPr>
@@ -9879,39 +14458,77 @@
           <a:bodyPr/>
           <a:lstStyle/>
           <a:p>
-            <a:endParaRPr lang="en-US"/>
+            <a:r>
+              <a:rPr lang="en-US" dirty="0"/>
+              <a:t>PCA</a:t>
+            </a:r>
           </a:p>
         </p:txBody>
       </p:sp>
-      <p:sp>
-        <p:nvSpPr>
-          <p:cNvPr id="7" name="Content Placeholder 6">
+      <p:pic>
+        <p:nvPicPr>
+          <p:cNvPr id="4" name="Picture 3">
             <a:extLst>
               <a:ext uri="{FF2B5EF4-FFF2-40B4-BE49-F238E27FC236}">
-                <a16:creationId xmlns:a16="http://schemas.microsoft.com/office/drawing/2014/main" id="{F17519F6-BD6E-63AC-613C-B2DEA18C6246}"/>
+                <a16:creationId xmlns:a16="http://schemas.microsoft.com/office/drawing/2014/main" id="{03879BEF-D3CD-E23B-D3D5-B3BCBC925ACA}"/>
               </a:ext>
             </a:extLst>
           </p:cNvPr>
-          <p:cNvSpPr>
-            <a:spLocks noGrp="1"/>
-          </p:cNvSpPr>
-          <p:nvPr>
-            <p:ph idx="1"/>
-          </p:nvPr>
-        </p:nvSpPr>
-        <p:spPr/>
-        <p:txBody>
-          <a:bodyPr/>
-          <a:lstStyle/>
-          <a:p>
-            <a:endParaRPr lang="en-US"/>
-          </a:p>
-        </p:txBody>
-      </p:sp>
+          <p:cNvPicPr>
+            <a:picLocks noChangeAspect="1"/>
+          </p:cNvPicPr>
+          <p:nvPr/>
+        </p:nvPicPr>
+        <p:blipFill>
+          <a:blip r:embed="rId2"/>
+          <a:stretch>
+            <a:fillRect/>
+          </a:stretch>
+        </p:blipFill>
+        <p:spPr>
+          <a:xfrm>
+            <a:off x="628072" y="2137572"/>
+            <a:ext cx="5467928" cy="4186818"/>
+          </a:xfrm>
+          <a:prstGeom prst="rect">
+            <a:avLst/>
+          </a:prstGeom>
+        </p:spPr>
+      </p:pic>
+      <p:pic>
+        <p:nvPicPr>
+          <p:cNvPr id="5" name="Picture 4">
+            <a:extLst>
+              <a:ext uri="{FF2B5EF4-FFF2-40B4-BE49-F238E27FC236}">
+                <a16:creationId xmlns:a16="http://schemas.microsoft.com/office/drawing/2014/main" id="{C571D6ED-78EA-02C3-89FA-C26815E676C0}"/>
+              </a:ext>
+            </a:extLst>
+          </p:cNvPr>
+          <p:cNvPicPr>
+            <a:picLocks noChangeAspect="1"/>
+          </p:cNvPicPr>
+          <p:nvPr/>
+        </p:nvPicPr>
+        <p:blipFill>
+          <a:blip r:embed="rId3"/>
+          <a:stretch>
+            <a:fillRect/>
+          </a:stretch>
+        </p:blipFill>
+        <p:spPr>
+          <a:xfrm>
+            <a:off x="6096000" y="2137572"/>
+            <a:ext cx="5423352" cy="4129878"/>
+          </a:xfrm>
+          <a:prstGeom prst="rect">
+            <a:avLst/>
+          </a:prstGeom>
+        </p:spPr>
+      </p:pic>
     </p:spTree>
     <p:extLst>
       <p:ext uri="{BB962C8B-B14F-4D97-AF65-F5344CB8AC3E}">
-        <p14:creationId xmlns:p14="http://schemas.microsoft.com/office/powerpoint/2010/main" val="2568439162"/>
+        <p14:creationId xmlns:p14="http://schemas.microsoft.com/office/powerpoint/2010/main" val="3890426640"/>
       </p:ext>
     </p:extLst>
   </p:cSld>

--- a/output/presentation/Project_presentation_v2.pptx
+++ b/output/presentation/Project_presentation_v2.pptx
@@ -137,7 +137,7 @@
   <pc:docChgLst>
     <pc:chgData name="Hugo Perdomo" userId="0589d851aa69abb1" providerId="LiveId" clId="{2ED746A6-FDEE-B246-8A76-D182F5DF8FCA}"/>
     <pc:docChg chg="undo custSel addSld delSld modSld sldOrd">
-      <pc:chgData name="Hugo Perdomo" userId="0589d851aa69abb1" providerId="LiveId" clId="{2ED746A6-FDEE-B246-8A76-D182F5DF8FCA}" dt="2023-03-24T15:56:56.146" v="1666" actId="2696"/>
+      <pc:chgData name="Hugo Perdomo" userId="0589d851aa69abb1" providerId="LiveId" clId="{2ED746A6-FDEE-B246-8A76-D182F5DF8FCA}" dt="2023-03-24T15:58:01.693" v="1669" actId="20577"/>
       <pc:docMkLst>
         <pc:docMk/>
       </pc:docMkLst>
@@ -432,7 +432,7 @@
         </pc:spChg>
       </pc:sldChg>
       <pc:sldChg chg="addSp delSp modSp add mod setBg">
-        <pc:chgData name="Hugo Perdomo" userId="0589d851aa69abb1" providerId="LiveId" clId="{2ED746A6-FDEE-B246-8A76-D182F5DF8FCA}" dt="2023-03-24T15:55:41.603" v="1632" actId="12385"/>
+        <pc:chgData name="Hugo Perdomo" userId="0589d851aa69abb1" providerId="LiveId" clId="{2ED746A6-FDEE-B246-8A76-D182F5DF8FCA}" dt="2023-03-24T15:58:01.693" v="1669" actId="20577"/>
         <pc:sldMkLst>
           <pc:docMk/>
           <pc:sldMk cId="3787429484" sldId="269"/>
@@ -518,7 +518,7 @@
           </ac:graphicFrameMkLst>
         </pc:graphicFrameChg>
         <pc:graphicFrameChg chg="add mod modGraphic">
-          <ac:chgData name="Hugo Perdomo" userId="0589d851aa69abb1" providerId="LiveId" clId="{2ED746A6-FDEE-B246-8A76-D182F5DF8FCA}" dt="2023-03-24T15:55:41.603" v="1632" actId="12385"/>
+          <ac:chgData name="Hugo Perdomo" userId="0589d851aa69abb1" providerId="LiveId" clId="{2ED746A6-FDEE-B246-8A76-D182F5DF8FCA}" dt="2023-03-24T15:58:01.693" v="1669" actId="20577"/>
           <ac:graphicFrameMkLst>
             <pc:docMk/>
             <pc:sldMk cId="3787429484" sldId="269"/>
@@ -12132,7 +12132,7 @@
           <p:nvPr>
             <p:extLst>
               <p:ext uri="{D42A27DB-BD31-4B8C-83A1-F6EECF244321}">
-                <p14:modId xmlns:p14="http://schemas.microsoft.com/office/powerpoint/2010/main" val="1413216195"/>
+                <p14:modId xmlns:p14="http://schemas.microsoft.com/office/powerpoint/2010/main" val="835261312"/>
               </p:ext>
             </p:extLst>
           </p:nvPr>
@@ -12683,7 +12683,7 @@
                         <a:rPr lang="en-CA" sz="1200" u="none" strike="noStrike" dirty="0" err="1">
                           <a:effectLst/>
                         </a:rPr>
-                        <a:t>Xboost</a:t>
+                        <a:t>XGBoost</a:t>
                       </a:r>
                       <a:r>
                         <a:rPr lang="en-CA" sz="1200" u="none" strike="noStrike" dirty="0">

--- a/output/presentation/Project_presentation_v2.pptx
+++ b/output/presentation/Project_presentation_v2.pptx
@@ -127,7 +127,7 @@
 <file path=ppt/revisionInfo.xml><?xml version="1.0" encoding="utf-8"?>
 <p1510:revInfo xmlns:a="http://schemas.openxmlformats.org/drawingml/2006/main" xmlns:r="http://schemas.openxmlformats.org/officeDocument/2006/relationships" xmlns:p1510="http://schemas.microsoft.com/office/powerpoint/2015/10/main">
   <p1510:revLst>
-    <p1510:client id="{2ED746A6-FDEE-B246-8A76-D182F5DF8FCA}" v="306" dt="2023-03-24T15:55:36.603"/>
+    <p1510:client id="{2ED746A6-FDEE-B246-8A76-D182F5DF8FCA}" v="318" dt="2023-03-24T17:28:16.148"/>
   </p1510:revLst>
 </p1510:revInfo>
 </file>
@@ -137,12 +137,12 @@
   <pc:docChgLst>
     <pc:chgData name="Hugo Perdomo" userId="0589d851aa69abb1" providerId="LiveId" clId="{2ED746A6-FDEE-B246-8A76-D182F5DF8FCA}"/>
     <pc:docChg chg="undo custSel addSld delSld modSld sldOrd">
-      <pc:chgData name="Hugo Perdomo" userId="0589d851aa69abb1" providerId="LiveId" clId="{2ED746A6-FDEE-B246-8A76-D182F5DF8FCA}" dt="2023-03-24T15:58:01.693" v="1669" actId="20577"/>
+      <pc:chgData name="Hugo Perdomo" userId="0589d851aa69abb1" providerId="LiveId" clId="{2ED746A6-FDEE-B246-8A76-D182F5DF8FCA}" dt="2023-03-24T17:29:01.632" v="1777" actId="113"/>
       <pc:docMkLst>
         <pc:docMk/>
       </pc:docMkLst>
       <pc:sldChg chg="addSp delSp modSp mod">
-        <pc:chgData name="Hugo Perdomo" userId="0589d851aa69abb1" providerId="LiveId" clId="{2ED746A6-FDEE-B246-8A76-D182F5DF8FCA}" dt="2023-03-24T15:46:46.218" v="1610" actId="1076"/>
+        <pc:chgData name="Hugo Perdomo" userId="0589d851aa69abb1" providerId="LiveId" clId="{2ED746A6-FDEE-B246-8A76-D182F5DF8FCA}" dt="2023-03-24T17:29:01.632" v="1777" actId="113"/>
         <pc:sldMkLst>
           <pc:docMk/>
           <pc:sldMk cId="2568439162" sldId="260"/>
@@ -164,7 +164,7 @@
           </ac:spMkLst>
         </pc:spChg>
         <pc:spChg chg="add mod">
-          <ac:chgData name="Hugo Perdomo" userId="0589d851aa69abb1" providerId="LiveId" clId="{2ED746A6-FDEE-B246-8A76-D182F5DF8FCA}" dt="2023-03-24T15:45:50.847" v="1557" actId="1076"/>
+          <ac:chgData name="Hugo Perdomo" userId="0589d851aa69abb1" providerId="LiveId" clId="{2ED746A6-FDEE-B246-8A76-D182F5DF8FCA}" dt="2023-03-24T17:29:01.632" v="1777" actId="113"/>
           <ac:spMkLst>
             <pc:docMk/>
             <pc:sldMk cId="2568439162" sldId="260"/>
@@ -180,11 +180,19 @@
           </ac:spMkLst>
         </pc:spChg>
         <pc:spChg chg="add mod">
-          <ac:chgData name="Hugo Perdomo" userId="0589d851aa69abb1" providerId="LiveId" clId="{2ED746A6-FDEE-B246-8A76-D182F5DF8FCA}" dt="2023-03-24T15:46:41.012" v="1608" actId="1076"/>
+          <ac:chgData name="Hugo Perdomo" userId="0589d851aa69abb1" providerId="LiveId" clId="{2ED746A6-FDEE-B246-8A76-D182F5DF8FCA}" dt="2023-03-24T17:29:01.632" v="1777" actId="113"/>
           <ac:spMkLst>
             <pc:docMk/>
             <pc:sldMk cId="2568439162" sldId="260"/>
             <ac:spMk id="11" creationId="{614BF7B4-8C92-B0DA-BC30-B4D12E3D2E1B}"/>
+          </ac:spMkLst>
+        </pc:spChg>
+        <pc:spChg chg="add mod">
+          <ac:chgData name="Hugo Perdomo" userId="0589d851aa69abb1" providerId="LiveId" clId="{2ED746A6-FDEE-B246-8A76-D182F5DF8FCA}" dt="2023-03-24T17:29:01.632" v="1777" actId="113"/>
+          <ac:spMkLst>
+            <pc:docMk/>
+            <pc:sldMk cId="2568439162" sldId="260"/>
+            <ac:spMk id="15" creationId="{69CCBE08-4BDF-96BB-8150-CE36109BE4E4}"/>
           </ac:spMkLst>
         </pc:spChg>
         <pc:graphicFrameChg chg="add del mod modGraphic">
@@ -211,20 +219,52 @@
             <ac:picMk id="4" creationId="{260786F5-4EEA-8D4D-9529-D5A611B6FF3F}"/>
           </ac:picMkLst>
         </pc:picChg>
-        <pc:picChg chg="add mod">
-          <ac:chgData name="Hugo Perdomo" userId="0589d851aa69abb1" providerId="LiveId" clId="{2ED746A6-FDEE-B246-8A76-D182F5DF8FCA}" dt="2023-03-24T15:46:46.218" v="1610" actId="1076"/>
+        <pc:picChg chg="add del mod">
+          <ac:chgData name="Hugo Perdomo" userId="0589d851aa69abb1" providerId="LiveId" clId="{2ED746A6-FDEE-B246-8A76-D182F5DF8FCA}" dt="2023-03-24T17:20:44.491" v="1703" actId="478"/>
           <ac:picMkLst>
             <pc:docMk/>
             <pc:sldMk cId="2568439162" sldId="260"/>
             <ac:picMk id="6" creationId="{388174FA-31A4-DB8F-5EDF-F35E7F5E8877}"/>
           </ac:picMkLst>
         </pc:picChg>
-        <pc:picChg chg="add mod">
-          <ac:chgData name="Hugo Perdomo" userId="0589d851aa69abb1" providerId="LiveId" clId="{2ED746A6-FDEE-B246-8A76-D182F5DF8FCA}" dt="2023-03-24T15:46:16.230" v="1571" actId="1076"/>
+        <pc:picChg chg="add del mod">
+          <ac:chgData name="Hugo Perdomo" userId="0589d851aa69abb1" providerId="LiveId" clId="{2ED746A6-FDEE-B246-8A76-D182F5DF8FCA}" dt="2023-03-24T17:26:05.676" v="1713" actId="478"/>
           <ac:picMkLst>
             <pc:docMk/>
             <pc:sldMk cId="2568439162" sldId="260"/>
             <ac:picMk id="8" creationId="{B4045E95-F4C2-B051-B854-55F7EAA54C37}"/>
+          </ac:picMkLst>
+        </pc:picChg>
+        <pc:picChg chg="add del mod">
+          <ac:chgData name="Hugo Perdomo" userId="0589d851aa69abb1" providerId="LiveId" clId="{2ED746A6-FDEE-B246-8A76-D182F5DF8FCA}" dt="2023-03-24T17:20:12.928" v="1700" actId="478"/>
+          <ac:picMkLst>
+            <pc:docMk/>
+            <pc:sldMk cId="2568439162" sldId="260"/>
+            <ac:picMk id="12" creationId="{C8936CEC-3055-B706-C465-B6073111D740}"/>
+          </ac:picMkLst>
+        </pc:picChg>
+        <pc:picChg chg="add mod">
+          <ac:chgData name="Hugo Perdomo" userId="0589d851aa69abb1" providerId="LiveId" clId="{2ED746A6-FDEE-B246-8A76-D182F5DF8FCA}" dt="2023-03-24T17:28:07.197" v="1739" actId="1076"/>
+          <ac:picMkLst>
+            <pc:docMk/>
+            <pc:sldMk cId="2568439162" sldId="260"/>
+            <ac:picMk id="13" creationId="{632E6687-697E-687E-E1B4-15EBF495CEDD}"/>
+          </ac:picMkLst>
+        </pc:picChg>
+        <pc:picChg chg="add mod">
+          <ac:chgData name="Hugo Perdomo" userId="0589d851aa69abb1" providerId="LiveId" clId="{2ED746A6-FDEE-B246-8A76-D182F5DF8FCA}" dt="2023-03-24T17:27:48.871" v="1736" actId="1076"/>
+          <ac:picMkLst>
+            <pc:docMk/>
+            <pc:sldMk cId="2568439162" sldId="260"/>
+            <ac:picMk id="14" creationId="{0FE8CB2B-2C2F-AC84-4DC9-17559488CE6E}"/>
+          </ac:picMkLst>
+        </pc:picChg>
+        <pc:picChg chg="add mod">
+          <ac:chgData name="Hugo Perdomo" userId="0589d851aa69abb1" providerId="LiveId" clId="{2ED746A6-FDEE-B246-8A76-D182F5DF8FCA}" dt="2023-03-24T17:27:16.805" v="1731" actId="1076"/>
+          <ac:picMkLst>
+            <pc:docMk/>
+            <pc:sldMk cId="2568439162" sldId="260"/>
+            <ac:picMk id="3074" creationId="{425D24EF-09D4-4047-2509-E18A2D4A9789}"/>
           </ac:picMkLst>
         </pc:picChg>
       </pc:sldChg>
@@ -432,7 +472,7 @@
         </pc:spChg>
       </pc:sldChg>
       <pc:sldChg chg="addSp delSp modSp add mod setBg">
-        <pc:chgData name="Hugo Perdomo" userId="0589d851aa69abb1" providerId="LiveId" clId="{2ED746A6-FDEE-B246-8A76-D182F5DF8FCA}" dt="2023-03-24T15:58:01.693" v="1669" actId="20577"/>
+        <pc:chgData name="Hugo Perdomo" userId="0589d851aa69abb1" providerId="LiveId" clId="{2ED746A6-FDEE-B246-8A76-D182F5DF8FCA}" dt="2023-03-24T17:14:26.485" v="1698" actId="20577"/>
         <pc:sldMkLst>
           <pc:docMk/>
           <pc:sldMk cId="3787429484" sldId="269"/>
@@ -518,7 +558,7 @@
           </ac:graphicFrameMkLst>
         </pc:graphicFrameChg>
         <pc:graphicFrameChg chg="add mod modGraphic">
-          <ac:chgData name="Hugo Perdomo" userId="0589d851aa69abb1" providerId="LiveId" clId="{2ED746A6-FDEE-B246-8A76-D182F5DF8FCA}" dt="2023-03-24T15:58:01.693" v="1669" actId="20577"/>
+          <ac:chgData name="Hugo Perdomo" userId="0589d851aa69abb1" providerId="LiveId" clId="{2ED746A6-FDEE-B246-8A76-D182F5DF8FCA}" dt="2023-03-24T17:14:26.485" v="1698" actId="20577"/>
           <ac:graphicFrameMkLst>
             <pc:docMk/>
             <pc:sldMk cId="3787429484" sldId="269"/>
@@ -11924,42 +11964,145 @@
           </a:p>
         </p:txBody>
       </p:sp>
+      <p:sp>
+        <p:nvSpPr>
+          <p:cNvPr id="9" name="TextBox 8">
+            <a:extLst>
+              <a:ext uri="{FF2B5EF4-FFF2-40B4-BE49-F238E27FC236}">
+                <a16:creationId xmlns:a16="http://schemas.microsoft.com/office/drawing/2014/main" id="{DA4AD159-39A4-29E8-29D0-1632736770EA}"/>
+              </a:ext>
+            </a:extLst>
+          </p:cNvPr>
+          <p:cNvSpPr txBox="1"/>
+          <p:nvPr/>
+        </p:nvSpPr>
+        <p:spPr>
+          <a:xfrm>
+            <a:off x="2598738" y="2058737"/>
+            <a:ext cx="1729897" cy="307777"/>
+          </a:xfrm>
+          <a:prstGeom prst="rect">
+            <a:avLst/>
+          </a:prstGeom>
+          <a:noFill/>
+        </p:spPr>
+        <p:txBody>
+          <a:bodyPr wrap="none" rtlCol="0">
+            <a:spAutoFit/>
+          </a:bodyPr>
+          <a:lstStyle/>
+          <a:p>
+            <a:r>
+              <a:rPr lang="en-US" sz="1400" b="1" dirty="0">
+                <a:solidFill>
+                  <a:srgbClr val="0070C0"/>
+                </a:solidFill>
+              </a:rPr>
+              <a:t>Linear Regression</a:t>
+            </a:r>
+          </a:p>
+        </p:txBody>
+      </p:sp>
+      <p:sp>
+        <p:nvSpPr>
+          <p:cNvPr id="11" name="TextBox 10">
+            <a:extLst>
+              <a:ext uri="{FF2B5EF4-FFF2-40B4-BE49-F238E27FC236}">
+                <a16:creationId xmlns:a16="http://schemas.microsoft.com/office/drawing/2014/main" id="{614BF7B4-8C92-B0DA-BC30-B4D12E3D2E1B}"/>
+              </a:ext>
+            </a:extLst>
+          </p:cNvPr>
+          <p:cNvSpPr txBox="1"/>
+          <p:nvPr/>
+        </p:nvSpPr>
+        <p:spPr>
+          <a:xfrm>
+            <a:off x="2456839" y="3973653"/>
+            <a:ext cx="1819088" cy="307777"/>
+          </a:xfrm>
+          <a:prstGeom prst="rect">
+            <a:avLst/>
+          </a:prstGeom>
+          <a:noFill/>
+        </p:spPr>
+        <p:txBody>
+          <a:bodyPr wrap="none" rtlCol="0">
+            <a:spAutoFit/>
+          </a:bodyPr>
+          <a:lstStyle/>
+          <a:p>
+            <a:r>
+              <a:rPr lang="en-US" sz="1400" b="1" dirty="0" err="1">
+                <a:solidFill>
+                  <a:srgbClr val="0070C0"/>
+                </a:solidFill>
+              </a:rPr>
+              <a:t>Xboost</a:t>
+            </a:r>
+            <a:r>
+              <a:rPr lang="en-US" sz="1400" b="1" dirty="0">
+                <a:solidFill>
+                  <a:srgbClr val="0070C0"/>
+                </a:solidFill>
+              </a:rPr>
+              <a:t> Regression</a:t>
+            </a:r>
+          </a:p>
+        </p:txBody>
+      </p:sp>
       <p:pic>
         <p:nvPicPr>
-          <p:cNvPr id="6" name="Picture 5">
+          <p:cNvPr id="3074" name="Picture 2">
             <a:extLst>
               <a:ext uri="{FF2B5EF4-FFF2-40B4-BE49-F238E27FC236}">
-                <a16:creationId xmlns:a16="http://schemas.microsoft.com/office/drawing/2014/main" id="{388174FA-31A4-DB8F-5EDF-F35E7F5E8877}"/>
+                <a16:creationId xmlns:a16="http://schemas.microsoft.com/office/drawing/2014/main" id="{425D24EF-09D4-4047-2509-E18A2D4A9789}"/>
               </a:ext>
             </a:extLst>
           </p:cNvPr>
           <p:cNvPicPr>
-            <a:picLocks noChangeAspect="1"/>
+            <a:picLocks noChangeAspect="1" noChangeArrowheads="1"/>
           </p:cNvPicPr>
           <p:nvPr/>
         </p:nvPicPr>
         <p:blipFill>
-          <a:blip r:embed="rId2"/>
+          <a:blip r:embed="rId2">
+            <a:extLst>
+              <a:ext uri="{28A0092B-C50C-407E-A947-70E740481C1C}">
+                <a14:useLocalDpi xmlns:a14="http://schemas.microsoft.com/office/drawing/2010/main" val="0"/>
+              </a:ext>
+            </a:extLst>
+          </a:blip>
+          <a:srcRect/>
           <a:stretch>
             <a:fillRect/>
           </a:stretch>
         </p:blipFill>
-        <p:spPr>
+        <p:spPr bwMode="auto">
           <a:xfrm>
-            <a:off x="517352" y="5155003"/>
-            <a:ext cx="7772400" cy="1473339"/>
+            <a:off x="6640946" y="3456330"/>
+            <a:ext cx="5486284" cy="1821618"/>
           </a:xfrm>
           <a:prstGeom prst="rect">
             <a:avLst/>
           </a:prstGeom>
+          <a:noFill/>
+          <a:extLst>
+            <a:ext uri="{909E8E84-426E-40DD-AFC4-6F175D3DCCD1}">
+              <a14:hiddenFill xmlns:a14="http://schemas.microsoft.com/office/drawing/2010/main">
+                <a:solidFill>
+                  <a:srgbClr val="FFFFFF"/>
+                </a:solidFill>
+              </a14:hiddenFill>
+            </a:ext>
+          </a:extLst>
         </p:spPr>
       </p:pic>
       <p:pic>
         <p:nvPicPr>
-          <p:cNvPr id="8" name="Picture 7">
+          <p:cNvPr id="13" name="Picture 12">
             <a:extLst>
               <a:ext uri="{FF2B5EF4-FFF2-40B4-BE49-F238E27FC236}">
-                <a16:creationId xmlns:a16="http://schemas.microsoft.com/office/drawing/2014/main" id="{B4045E95-F4C2-B051-B854-55F7EAA54C37}"/>
+                <a16:creationId xmlns:a16="http://schemas.microsoft.com/office/drawing/2014/main" id="{632E6687-697E-687E-E1B4-15EBF495CEDD}"/>
               </a:ext>
             </a:extLst>
           </p:cNvPr>
@@ -11976,8 +12119,38 @@
         </p:blipFill>
         <p:spPr>
           <a:xfrm>
-            <a:off x="517352" y="2442641"/>
-            <a:ext cx="7772400" cy="1493324"/>
+            <a:off x="486575" y="4367139"/>
+            <a:ext cx="6154371" cy="1586117"/>
+          </a:xfrm>
+          <a:prstGeom prst="rect">
+            <a:avLst/>
+          </a:prstGeom>
+        </p:spPr>
+      </p:pic>
+      <p:pic>
+        <p:nvPicPr>
+          <p:cNvPr id="14" name="Picture 13">
+            <a:extLst>
+              <a:ext uri="{FF2B5EF4-FFF2-40B4-BE49-F238E27FC236}">
+                <a16:creationId xmlns:a16="http://schemas.microsoft.com/office/drawing/2014/main" id="{0FE8CB2B-2C2F-AC84-4DC9-17559488CE6E}"/>
+              </a:ext>
+            </a:extLst>
+          </p:cNvPr>
+          <p:cNvPicPr>
+            <a:picLocks noChangeAspect="1"/>
+          </p:cNvPicPr>
+          <p:nvPr/>
+        </p:nvPicPr>
+        <p:blipFill>
+          <a:blip r:embed="rId4"/>
+          <a:stretch>
+            <a:fillRect/>
+          </a:stretch>
+        </p:blipFill>
+        <p:spPr>
+          <a:xfrm>
+            <a:off x="258689" y="2335736"/>
+            <a:ext cx="6114402" cy="1552208"/>
           </a:xfrm>
           <a:prstGeom prst="rect">
             <a:avLst/>
@@ -11986,10 +12159,10 @@
       </p:pic>
       <p:sp>
         <p:nvSpPr>
-          <p:cNvPr id="9" name="TextBox 8">
+          <p:cNvPr id="15" name="TextBox 14">
             <a:extLst>
               <a:ext uri="{FF2B5EF4-FFF2-40B4-BE49-F238E27FC236}">
-                <a16:creationId xmlns:a16="http://schemas.microsoft.com/office/drawing/2014/main" id="{DA4AD159-39A4-29E8-29D0-1632736770EA}"/>
+                <a16:creationId xmlns:a16="http://schemas.microsoft.com/office/drawing/2014/main" id="{69CCBE08-4BDF-96BB-8150-CE36109BE4E4}"/>
               </a:ext>
             </a:extLst>
           </p:cNvPr>
@@ -11998,8 +12171,8 @@
         </p:nvSpPr>
         <p:spPr>
           <a:xfrm>
-            <a:off x="517352" y="2087987"/>
-            <a:ext cx="2050241" cy="369332"/>
+            <a:off x="8234184" y="3091474"/>
+            <a:ext cx="2334678" cy="307777"/>
           </a:xfrm>
           <a:prstGeom prst="rect">
             <a:avLst/>
@@ -12013,47 +12186,12 @@
           <a:lstStyle/>
           <a:p>
             <a:r>
-              <a:rPr lang="en-US" dirty="0"/>
-              <a:t>Linear Regression</a:t>
-            </a:r>
-          </a:p>
-        </p:txBody>
-      </p:sp>
-      <p:sp>
-        <p:nvSpPr>
-          <p:cNvPr id="11" name="TextBox 10">
-            <a:extLst>
-              <a:ext uri="{FF2B5EF4-FFF2-40B4-BE49-F238E27FC236}">
-                <a16:creationId xmlns:a16="http://schemas.microsoft.com/office/drawing/2014/main" id="{614BF7B4-8C92-B0DA-BC30-B4D12E3D2E1B}"/>
-              </a:ext>
-            </a:extLst>
-          </p:cNvPr>
-          <p:cNvSpPr txBox="1"/>
-          <p:nvPr/>
-        </p:nvSpPr>
-        <p:spPr>
-          <a:xfrm>
-            <a:off x="517352" y="4785671"/>
-            <a:ext cx="2158989" cy="369332"/>
-          </a:xfrm>
-          <a:prstGeom prst="rect">
-            <a:avLst/>
-          </a:prstGeom>
-          <a:noFill/>
-        </p:spPr>
-        <p:txBody>
-          <a:bodyPr wrap="none" rtlCol="0">
-            <a:spAutoFit/>
-          </a:bodyPr>
-          <a:lstStyle/>
-          <a:p>
-            <a:r>
-              <a:rPr lang="en-US" dirty="0" err="1"/>
-              <a:t>Xboost</a:t>
-            </a:r>
-            <a:r>
-              <a:rPr lang="en-US" dirty="0"/>
-              <a:t> Regression</a:t>
+              <a:rPr lang="en-US" sz="1400" b="1" dirty="0">
+                <a:solidFill>
+                  <a:srgbClr val="0070C0"/>
+                </a:solidFill>
+              </a:rPr>
+              <a:t>Random Forest Classifier</a:t>
             </a:r>
           </a:p>
         </p:txBody>
@@ -12132,7 +12270,7 @@
           <p:nvPr>
             <p:extLst>
               <p:ext uri="{D42A27DB-BD31-4B8C-83A1-F6EECF244321}">
-                <p14:modId xmlns:p14="http://schemas.microsoft.com/office/powerpoint/2010/main" val="835261312"/>
+                <p14:modId xmlns:p14="http://schemas.microsoft.com/office/powerpoint/2010/main" val="2499240530"/>
               </p:ext>
             </p:extLst>
           </p:nvPr>
@@ -12383,12 +12521,12 @@
                     <a:p>
                       <a:pPr algn="r" fontAlgn="b"/>
                       <a:r>
-                        <a:rPr lang="en-CA" sz="1200" u="none" strike="noStrike">
+                        <a:rPr lang="en-CA" sz="1200" u="none" strike="noStrike" dirty="0">
                           <a:effectLst/>
                         </a:rPr>
                         <a:t>0.0112</a:t>
                       </a:r>
-                      <a:endParaRPr lang="en-CA" sz="1200" b="0" i="0" u="none" strike="noStrike">
+                      <a:endParaRPr lang="en-CA" sz="1200" b="0" i="0" u="none" strike="noStrike" dirty="0">
                         <a:solidFill>
                           <a:srgbClr val="383A42"/>
                         </a:solidFill>
@@ -12709,58 +12847,12 @@
                     <a:p>
                       <a:pPr algn="r" fontAlgn="b"/>
                       <a:r>
-                        <a:rPr lang="en-CA" sz="1200" u="none" strike="noStrike">
+                        <a:rPr lang="en-CA" sz="1200" u="none" strike="noStrike" dirty="0">
                           <a:effectLst/>
                         </a:rPr>
-                        <a:t>2305.6669</a:t>
+                        <a:t>2304.377</a:t>
                       </a:r>
-                      <a:endParaRPr lang="en-CA" sz="1200" b="0" i="0" u="none" strike="noStrike">
-                        <a:solidFill>
-                          <a:srgbClr val="000000"/>
-                        </a:solidFill>
-                        <a:effectLst/>
-                        <a:latin typeface="Calibri" panose="020F0502020204030204" pitchFamily="34" charset="0"/>
-                      </a:endParaRPr>
-                    </a:p>
-                  </a:txBody>
-                  <a:tcPr marL="9525" marR="9525" marT="9525" marB="0" anchor="b"/>
-                </a:tc>
-                <a:tc>
-                  <a:txBody>
-                    <a:bodyPr/>
-                    <a:lstStyle/>
-                    <a:p>
-                      <a:pPr algn="r" fontAlgn="b"/>
-                      <a:r>
-                        <a:rPr lang="en-CA" sz="1200" u="none" strike="noStrike">
-                          <a:effectLst/>
-                        </a:rPr>
-                        <a:t>0.0242</a:t>
-                      </a:r>
-                      <a:endParaRPr lang="en-CA" sz="1200" b="0" i="0" u="none" strike="noStrike">
-                        <a:solidFill>
-                          <a:srgbClr val="383A42"/>
-                        </a:solidFill>
-                        <a:effectLst/>
-                        <a:latin typeface="Menlo" panose="020B0609030804020204" pitchFamily="49" charset="0"/>
-                      </a:endParaRPr>
-                    </a:p>
-                  </a:txBody>
-                  <a:tcPr marL="9525" marR="9525" marT="9525" marB="0" anchor="b"/>
-                </a:tc>
-                <a:tc>
-                  <a:txBody>
-                    <a:bodyPr/>
-                    <a:lstStyle/>
-                    <a:p>
-                      <a:pPr algn="r" fontAlgn="b"/>
-                      <a:r>
-                        <a:rPr lang="en-CA" sz="1200" u="none" strike="noStrike">
-                          <a:effectLst/>
-                        </a:rPr>
-                        <a:t>0.1403</a:t>
-                      </a:r>
-                      <a:endParaRPr lang="en-CA" sz="1200" b="0" i="0" u="none" strike="noStrike">
+                      <a:endParaRPr lang="en-CA" sz="1200" b="0" i="0" u="none" strike="noStrike" dirty="0">
                         <a:solidFill>
                           <a:srgbClr val="000000"/>
                         </a:solidFill>
@@ -12781,7 +12873,53 @@
                         <a:rPr lang="en-CA" sz="1200" u="none" strike="noStrike" dirty="0">
                           <a:effectLst/>
                         </a:rPr>
-                        <a:t>0.0242</a:t>
+                        <a:t>0.0232</a:t>
+                      </a:r>
+                      <a:endParaRPr lang="en-CA" sz="1200" b="0" i="0" u="none" strike="noStrike" dirty="0">
+                        <a:solidFill>
+                          <a:srgbClr val="383A42"/>
+                        </a:solidFill>
+                        <a:effectLst/>
+                        <a:latin typeface="Menlo" panose="020B0609030804020204" pitchFamily="49" charset="0"/>
+                      </a:endParaRPr>
+                    </a:p>
+                  </a:txBody>
+                  <a:tcPr marL="9525" marR="9525" marT="9525" marB="0" anchor="b"/>
+                </a:tc>
+                <a:tc>
+                  <a:txBody>
+                    <a:bodyPr/>
+                    <a:lstStyle/>
+                    <a:p>
+                      <a:pPr algn="r" fontAlgn="b"/>
+                      <a:r>
+                        <a:rPr lang="en-CA" sz="1200" u="none" strike="noStrike" dirty="0">
+                          <a:effectLst/>
+                        </a:rPr>
+                        <a:t>0.1276</a:t>
+                      </a:r>
+                      <a:endParaRPr lang="en-CA" sz="1200" b="0" i="0" u="none" strike="noStrike" dirty="0">
+                        <a:solidFill>
+                          <a:srgbClr val="000000"/>
+                        </a:solidFill>
+                        <a:effectLst/>
+                        <a:latin typeface="Calibri" panose="020F0502020204030204" pitchFamily="34" charset="0"/>
+                      </a:endParaRPr>
+                    </a:p>
+                  </a:txBody>
+                  <a:tcPr marL="9525" marR="9525" marT="9525" marB="0" anchor="b"/>
+                </a:tc>
+                <a:tc>
+                  <a:txBody>
+                    <a:bodyPr/>
+                    <a:lstStyle/>
+                    <a:p>
+                      <a:pPr algn="r" fontAlgn="b"/>
+                      <a:r>
+                        <a:rPr lang="en-CA" sz="1200" u="none" strike="noStrike" dirty="0">
+                          <a:effectLst/>
+                        </a:rPr>
+                        <a:t>0.0231</a:t>
                       </a:r>
                       <a:endParaRPr lang="en-CA" sz="1200" b="0" i="0" u="none" strike="noStrike" dirty="0">
                         <a:solidFill>

--- a/output/presentation/Project_presentation_v2.pptx
+++ b/output/presentation/Project_presentation_v2.pptx
@@ -12,12 +12,11 @@
     <p:sldId id="263" r:id="rId6"/>
     <p:sldId id="265" r:id="rId7"/>
     <p:sldId id="266" r:id="rId8"/>
-    <p:sldId id="259" r:id="rId9"/>
-    <p:sldId id="267" r:id="rId10"/>
-    <p:sldId id="264" r:id="rId11"/>
+    <p:sldId id="272" r:id="rId9"/>
+    <p:sldId id="264" r:id="rId10"/>
+    <p:sldId id="269" r:id="rId11"/>
     <p:sldId id="260" r:id="rId12"/>
-    <p:sldId id="269" r:id="rId13"/>
-    <p:sldId id="261" r:id="rId14"/>
+    <p:sldId id="261" r:id="rId13"/>
   </p:sldIdLst>
   <p:sldSz cx="12192000" cy="6858000"/>
   <p:notesSz cx="6858000" cy="9144000"/>
@@ -127,13 +126,583 @@
 <file path=ppt/revisionInfo.xml><?xml version="1.0" encoding="utf-8"?>
 <p1510:revInfo xmlns:a="http://schemas.openxmlformats.org/drawingml/2006/main" xmlns:r="http://schemas.openxmlformats.org/officeDocument/2006/relationships" xmlns:p1510="http://schemas.microsoft.com/office/powerpoint/2015/10/main">
   <p1510:revLst>
-    <p1510:client id="{2ED746A6-FDEE-B246-8A76-D182F5DF8FCA}" v="318" dt="2023-03-24T17:28:16.148"/>
+    <p1510:client id="{5565EDAE-5DF1-4721-9E97-84AD7B3DBFD6}" v="662" dt="2023-03-24T20:54:01.606"/>
   </p1510:revLst>
 </p1510:revInfo>
 </file>
 
 <file path=ppt/changesInfos/changesInfo1.xml><?xml version="1.0" encoding="utf-8"?>
 <pc:chgInfo xmlns:a="http://schemas.openxmlformats.org/drawingml/2006/main" xmlns:r="http://schemas.openxmlformats.org/officeDocument/2006/relationships" xmlns:ac="http://schemas.microsoft.com/office/drawing/2013/main/command" xmlns:pc="http://schemas.microsoft.com/office/powerpoint/2013/main/command">
+  <pc:docChgLst>
+    <pc:chgData name="Josh Graham" userId="49c2ebad078cfc68" providerId="LiveId" clId="{5565EDAE-5DF1-4721-9E97-84AD7B3DBFD6}"/>
+    <pc:docChg chg="undo custSel addSld delSld modSld sldOrd">
+      <pc:chgData name="Josh Graham" userId="49c2ebad078cfc68" providerId="LiveId" clId="{5565EDAE-5DF1-4721-9E97-84AD7B3DBFD6}" dt="2023-03-25T21:41:15.619" v="1992" actId="2696"/>
+      <pc:docMkLst>
+        <pc:docMk/>
+      </pc:docMkLst>
+      <pc:sldChg chg="modSp mod">
+        <pc:chgData name="Josh Graham" userId="49c2ebad078cfc68" providerId="LiveId" clId="{5565EDAE-5DF1-4721-9E97-84AD7B3DBFD6}" dt="2023-03-24T19:15:08.810" v="373" actId="20577"/>
+        <pc:sldMkLst>
+          <pc:docMk/>
+          <pc:sldMk cId="3128716941" sldId="258"/>
+        </pc:sldMkLst>
+        <pc:spChg chg="mod">
+          <ac:chgData name="Josh Graham" userId="49c2ebad078cfc68" providerId="LiveId" clId="{5565EDAE-5DF1-4721-9E97-84AD7B3DBFD6}" dt="2023-03-24T19:15:08.810" v="373" actId="20577"/>
+          <ac:spMkLst>
+            <pc:docMk/>
+            <pc:sldMk cId="3128716941" sldId="258"/>
+            <ac:spMk id="3" creationId="{7CB8C436-9BEE-ACA9-52B6-9EB460F6EED3}"/>
+          </ac:spMkLst>
+        </pc:spChg>
+      </pc:sldChg>
+      <pc:sldChg chg="del">
+        <pc:chgData name="Josh Graham" userId="49c2ebad078cfc68" providerId="LiveId" clId="{5565EDAE-5DF1-4721-9E97-84AD7B3DBFD6}" dt="2023-03-24T20:49:15.627" v="1924" actId="47"/>
+        <pc:sldMkLst>
+          <pc:docMk/>
+          <pc:sldMk cId="1050357805" sldId="259"/>
+        </pc:sldMkLst>
+      </pc:sldChg>
+      <pc:sldChg chg="addSp delSp modSp mod ord">
+        <pc:chgData name="Josh Graham" userId="49c2ebad078cfc68" providerId="LiveId" clId="{5565EDAE-5DF1-4721-9E97-84AD7B3DBFD6}" dt="2023-03-25T21:40:56.292" v="1991" actId="1076"/>
+        <pc:sldMkLst>
+          <pc:docMk/>
+          <pc:sldMk cId="2568439162" sldId="260"/>
+        </pc:sldMkLst>
+        <pc:spChg chg="mod">
+          <ac:chgData name="Josh Graham" userId="49c2ebad078cfc68" providerId="LiveId" clId="{5565EDAE-5DF1-4721-9E97-84AD7B3DBFD6}" dt="2023-03-24T20:40:05.686" v="1897" actId="20577"/>
+          <ac:spMkLst>
+            <pc:docMk/>
+            <pc:sldMk cId="2568439162" sldId="260"/>
+            <ac:spMk id="2" creationId="{B40E3042-C55D-55CE-FD1D-2FAB100D1806}"/>
+          </ac:spMkLst>
+        </pc:spChg>
+        <pc:spChg chg="add del mod">
+          <ac:chgData name="Josh Graham" userId="49c2ebad078cfc68" providerId="LiveId" clId="{5565EDAE-5DF1-4721-9E97-84AD7B3DBFD6}" dt="2023-03-25T21:40:46.069" v="1988" actId="1076"/>
+          <ac:spMkLst>
+            <pc:docMk/>
+            <pc:sldMk cId="2568439162" sldId="260"/>
+            <ac:spMk id="9" creationId="{DA4AD159-39A4-29E8-29D0-1632736770EA}"/>
+          </ac:spMkLst>
+        </pc:spChg>
+        <pc:spChg chg="add mod">
+          <ac:chgData name="Josh Graham" userId="49c2ebad078cfc68" providerId="LiveId" clId="{5565EDAE-5DF1-4721-9E97-84AD7B3DBFD6}" dt="2023-03-25T21:40:40.379" v="1986" actId="1076"/>
+          <ac:spMkLst>
+            <pc:docMk/>
+            <pc:sldMk cId="2568439162" sldId="260"/>
+            <ac:spMk id="10" creationId="{94022BB4-F753-17B6-17C2-D2AA3C30311D}"/>
+          </ac:spMkLst>
+        </pc:spChg>
+        <pc:spChg chg="add del mod">
+          <ac:chgData name="Josh Graham" userId="49c2ebad078cfc68" providerId="LiveId" clId="{5565EDAE-5DF1-4721-9E97-84AD7B3DBFD6}" dt="2023-03-25T21:40:56.292" v="1991" actId="1076"/>
+          <ac:spMkLst>
+            <pc:docMk/>
+            <pc:sldMk cId="2568439162" sldId="260"/>
+            <ac:spMk id="11" creationId="{614BF7B4-8C92-B0DA-BC30-B4D12E3D2E1B}"/>
+          </ac:spMkLst>
+        </pc:spChg>
+        <pc:spChg chg="del mod">
+          <ac:chgData name="Josh Graham" userId="49c2ebad078cfc68" providerId="LiveId" clId="{5565EDAE-5DF1-4721-9E97-84AD7B3DBFD6}" dt="2023-03-24T18:55:26.034" v="104" actId="478"/>
+          <ac:spMkLst>
+            <pc:docMk/>
+            <pc:sldMk cId="2568439162" sldId="260"/>
+            <ac:spMk id="15" creationId="{69CCBE08-4BDF-96BB-8150-CE36109BE4E4}"/>
+          </ac:spMkLst>
+        </pc:spChg>
+        <pc:spChg chg="add del mod">
+          <ac:chgData name="Josh Graham" userId="49c2ebad078cfc68" providerId="LiveId" clId="{5565EDAE-5DF1-4721-9E97-84AD7B3DBFD6}" dt="2023-03-25T21:40:18.281" v="1977" actId="478"/>
+          <ac:spMkLst>
+            <pc:docMk/>
+            <pc:sldMk cId="2568439162" sldId="260"/>
+            <ac:spMk id="21" creationId="{14B0FBED-34A7-5D7A-24DE-6A107EEDCC84}"/>
+          </ac:spMkLst>
+        </pc:spChg>
+        <pc:picChg chg="add del mod">
+          <ac:chgData name="Josh Graham" userId="49c2ebad078cfc68" providerId="LiveId" clId="{5565EDAE-5DF1-4721-9E97-84AD7B3DBFD6}" dt="2023-03-24T18:56:13.699" v="118" actId="478"/>
+          <ac:picMkLst>
+            <pc:docMk/>
+            <pc:sldMk cId="2568439162" sldId="260"/>
+            <ac:picMk id="4" creationId="{E5FEE1FF-FFA4-EED1-837D-9936D9C2434D}"/>
+          </ac:picMkLst>
+        </pc:picChg>
+        <pc:picChg chg="add del">
+          <ac:chgData name="Josh Graham" userId="49c2ebad078cfc68" providerId="LiveId" clId="{5565EDAE-5DF1-4721-9E97-84AD7B3DBFD6}" dt="2023-03-24T18:47:32.154" v="62" actId="478"/>
+          <ac:picMkLst>
+            <pc:docMk/>
+            <pc:sldMk cId="2568439162" sldId="260"/>
+            <ac:picMk id="6" creationId="{7F9D19A3-6DDA-621B-B1D2-C3BF72F4866E}"/>
+          </ac:picMkLst>
+        </pc:picChg>
+        <pc:picChg chg="add del mod">
+          <ac:chgData name="Josh Graham" userId="49c2ebad078cfc68" providerId="LiveId" clId="{5565EDAE-5DF1-4721-9E97-84AD7B3DBFD6}" dt="2023-03-25T21:40:47.644" v="1989" actId="1076"/>
+          <ac:picMkLst>
+            <pc:docMk/>
+            <pc:sldMk cId="2568439162" sldId="260"/>
+            <ac:picMk id="8" creationId="{5D6B70C1-0E8C-CC74-E393-CBEA82BAA5AB}"/>
+          </ac:picMkLst>
+        </pc:picChg>
+        <pc:picChg chg="del">
+          <ac:chgData name="Josh Graham" userId="49c2ebad078cfc68" providerId="LiveId" clId="{5565EDAE-5DF1-4721-9E97-84AD7B3DBFD6}" dt="2023-03-24T18:44:50.858" v="45" actId="478"/>
+          <ac:picMkLst>
+            <pc:docMk/>
+            <pc:sldMk cId="2568439162" sldId="260"/>
+            <ac:picMk id="13" creationId="{632E6687-697E-687E-E1B4-15EBF495CEDD}"/>
+          </ac:picMkLst>
+        </pc:picChg>
+        <pc:picChg chg="del mod modCrop">
+          <ac:chgData name="Josh Graham" userId="49c2ebad078cfc68" providerId="LiveId" clId="{5565EDAE-5DF1-4721-9E97-84AD7B3DBFD6}" dt="2023-03-24T18:54:56.528" v="96" actId="478"/>
+          <ac:picMkLst>
+            <pc:docMk/>
+            <pc:sldMk cId="2568439162" sldId="260"/>
+            <ac:picMk id="14" creationId="{0FE8CB2B-2C2F-AC84-4DC9-17559488CE6E}"/>
+          </ac:picMkLst>
+        </pc:picChg>
+        <pc:picChg chg="add del mod">
+          <ac:chgData name="Josh Graham" userId="49c2ebad078cfc68" providerId="LiveId" clId="{5565EDAE-5DF1-4721-9E97-84AD7B3DBFD6}" dt="2023-03-24T20:37:16.475" v="1857" actId="478"/>
+          <ac:picMkLst>
+            <pc:docMk/>
+            <pc:sldMk cId="2568439162" sldId="260"/>
+            <ac:picMk id="16" creationId="{35D015E3-3303-B365-BA89-0FA9955D7BEA}"/>
+          </ac:picMkLst>
+        </pc:picChg>
+        <pc:picChg chg="add del mod">
+          <ac:chgData name="Josh Graham" userId="49c2ebad078cfc68" providerId="LiveId" clId="{5565EDAE-5DF1-4721-9E97-84AD7B3DBFD6}" dt="2023-03-24T20:37:24.134" v="1861" actId="478"/>
+          <ac:picMkLst>
+            <pc:docMk/>
+            <pc:sldMk cId="2568439162" sldId="260"/>
+            <ac:picMk id="18" creationId="{B8F9B0BB-DB42-3776-A6D1-6E7DA935BB34}"/>
+          </ac:picMkLst>
+        </pc:picChg>
+        <pc:picChg chg="add del mod">
+          <ac:chgData name="Josh Graham" userId="49c2ebad078cfc68" providerId="LiveId" clId="{5565EDAE-5DF1-4721-9E97-84AD7B3DBFD6}" dt="2023-03-25T21:40:19.091" v="1978" actId="478"/>
+          <ac:picMkLst>
+            <pc:docMk/>
+            <pc:sldMk cId="2568439162" sldId="260"/>
+            <ac:picMk id="20" creationId="{B75B564D-91D7-8F4B-FEF5-1D033A70BE58}"/>
+          </ac:picMkLst>
+        </pc:picChg>
+        <pc:picChg chg="add mod">
+          <ac:chgData name="Josh Graham" userId="49c2ebad078cfc68" providerId="LiveId" clId="{5565EDAE-5DF1-4721-9E97-84AD7B3DBFD6}" dt="2023-03-25T21:40:36.889" v="1985" actId="1076"/>
+          <ac:picMkLst>
+            <pc:docMk/>
+            <pc:sldMk cId="2568439162" sldId="260"/>
+            <ac:picMk id="23" creationId="{B139E8F1-AC23-8506-8FD9-E19E4E44907F}"/>
+          </ac:picMkLst>
+        </pc:picChg>
+        <pc:picChg chg="add mod">
+          <ac:chgData name="Josh Graham" userId="49c2ebad078cfc68" providerId="LiveId" clId="{5565EDAE-5DF1-4721-9E97-84AD7B3DBFD6}" dt="2023-03-25T21:40:50.812" v="1990" actId="1076"/>
+          <ac:picMkLst>
+            <pc:docMk/>
+            <pc:sldMk cId="2568439162" sldId="260"/>
+            <ac:picMk id="25" creationId="{779D5ECA-F9CA-1241-8136-318F2DAABEA0}"/>
+          </ac:picMkLst>
+        </pc:picChg>
+        <pc:picChg chg="del mod">
+          <ac:chgData name="Josh Graham" userId="49c2ebad078cfc68" providerId="LiveId" clId="{5565EDAE-5DF1-4721-9E97-84AD7B3DBFD6}" dt="2023-03-24T18:45:58.842" v="60" actId="478"/>
+          <ac:picMkLst>
+            <pc:docMk/>
+            <pc:sldMk cId="2568439162" sldId="260"/>
+            <ac:picMk id="3074" creationId="{425D24EF-09D4-4047-2509-E18A2D4A9789}"/>
+          </ac:picMkLst>
+        </pc:picChg>
+      </pc:sldChg>
+      <pc:sldChg chg="addSp modSp mod">
+        <pc:chgData name="Josh Graham" userId="49c2ebad078cfc68" providerId="LiveId" clId="{5565EDAE-5DF1-4721-9E97-84AD7B3DBFD6}" dt="2023-03-24T19:18:22.216" v="386" actId="20577"/>
+        <pc:sldMkLst>
+          <pc:docMk/>
+          <pc:sldMk cId="4016257771" sldId="262"/>
+        </pc:sldMkLst>
+        <pc:spChg chg="mod">
+          <ac:chgData name="Josh Graham" userId="49c2ebad078cfc68" providerId="LiveId" clId="{5565EDAE-5DF1-4721-9E97-84AD7B3DBFD6}" dt="2023-03-24T19:18:22.216" v="386" actId="20577"/>
+          <ac:spMkLst>
+            <pc:docMk/>
+            <pc:sldMk cId="4016257771" sldId="262"/>
+            <ac:spMk id="2" creationId="{8F426495-B929-C312-FF51-D43EC7A11A14}"/>
+          </ac:spMkLst>
+        </pc:spChg>
+        <pc:picChg chg="add mod">
+          <ac:chgData name="Josh Graham" userId="49c2ebad078cfc68" providerId="LiveId" clId="{5565EDAE-5DF1-4721-9E97-84AD7B3DBFD6}" dt="2023-03-24T19:17:35.888" v="384" actId="1076"/>
+          <ac:picMkLst>
+            <pc:docMk/>
+            <pc:sldMk cId="4016257771" sldId="262"/>
+            <ac:picMk id="4" creationId="{55AE42B5-9295-8178-6FB6-71D795F980D8}"/>
+          </ac:picMkLst>
+        </pc:picChg>
+        <pc:picChg chg="mod">
+          <ac:chgData name="Josh Graham" userId="49c2ebad078cfc68" providerId="LiveId" clId="{5565EDAE-5DF1-4721-9E97-84AD7B3DBFD6}" dt="2023-03-24T19:17:30.720" v="382" actId="1076"/>
+          <ac:picMkLst>
+            <pc:docMk/>
+            <pc:sldMk cId="4016257771" sldId="262"/>
+            <ac:picMk id="6" creationId="{7007228E-08BB-E6CC-7B81-1D8876C1ECC6}"/>
+          </ac:picMkLst>
+        </pc:picChg>
+      </pc:sldChg>
+      <pc:sldChg chg="ord">
+        <pc:chgData name="Josh Graham" userId="49c2ebad078cfc68" providerId="LiveId" clId="{5565EDAE-5DF1-4721-9E97-84AD7B3DBFD6}" dt="2023-03-24T19:18:39.550" v="390"/>
+        <pc:sldMkLst>
+          <pc:docMk/>
+          <pc:sldMk cId="1219598206" sldId="263"/>
+        </pc:sldMkLst>
+      </pc:sldChg>
+      <pc:sldChg chg="modSp mod">
+        <pc:chgData name="Josh Graham" userId="49c2ebad078cfc68" providerId="LiveId" clId="{5565EDAE-5DF1-4721-9E97-84AD7B3DBFD6}" dt="2023-03-24T20:04:04.685" v="1663" actId="20577"/>
+        <pc:sldMkLst>
+          <pc:docMk/>
+          <pc:sldMk cId="2075841855" sldId="264"/>
+        </pc:sldMkLst>
+        <pc:spChg chg="mod">
+          <ac:chgData name="Josh Graham" userId="49c2ebad078cfc68" providerId="LiveId" clId="{5565EDAE-5DF1-4721-9E97-84AD7B3DBFD6}" dt="2023-03-24T20:04:04.685" v="1663" actId="20577"/>
+          <ac:spMkLst>
+            <pc:docMk/>
+            <pc:sldMk cId="2075841855" sldId="264"/>
+            <ac:spMk id="3" creationId="{36A9321C-1E6D-A631-D399-E67D3E392753}"/>
+          </ac:spMkLst>
+        </pc:spChg>
+      </pc:sldChg>
+      <pc:sldChg chg="modSp mod">
+        <pc:chgData name="Josh Graham" userId="49c2ebad078cfc68" providerId="LiveId" clId="{5565EDAE-5DF1-4721-9E97-84AD7B3DBFD6}" dt="2023-03-24T19:18:53.751" v="394" actId="20577"/>
+        <pc:sldMkLst>
+          <pc:docMk/>
+          <pc:sldMk cId="1685521557" sldId="265"/>
+        </pc:sldMkLst>
+        <pc:spChg chg="mod">
+          <ac:chgData name="Josh Graham" userId="49c2ebad078cfc68" providerId="LiveId" clId="{5565EDAE-5DF1-4721-9E97-84AD7B3DBFD6}" dt="2023-03-24T19:18:53.751" v="394" actId="20577"/>
+          <ac:spMkLst>
+            <pc:docMk/>
+            <pc:sldMk cId="1685521557" sldId="265"/>
+            <ac:spMk id="9" creationId="{061C3636-FD7A-5B40-4C59-BE2732C9D3B9}"/>
+          </ac:spMkLst>
+        </pc:spChg>
+      </pc:sldChg>
+      <pc:sldChg chg="del">
+        <pc:chgData name="Josh Graham" userId="49c2ebad078cfc68" providerId="LiveId" clId="{5565EDAE-5DF1-4721-9E97-84AD7B3DBFD6}" dt="2023-03-24T19:19:28.815" v="395" actId="47"/>
+        <pc:sldMkLst>
+          <pc:docMk/>
+          <pc:sldMk cId="3890426640" sldId="267"/>
+        </pc:sldMkLst>
+      </pc:sldChg>
+      <pc:sldChg chg="addSp delSp modSp mod ord modClrScheme chgLayout">
+        <pc:chgData name="Josh Graham" userId="49c2ebad078cfc68" providerId="LiveId" clId="{5565EDAE-5DF1-4721-9E97-84AD7B3DBFD6}" dt="2023-03-24T20:52:32.471" v="1933" actId="1076"/>
+        <pc:sldMkLst>
+          <pc:docMk/>
+          <pc:sldMk cId="3787429484" sldId="269"/>
+        </pc:sldMkLst>
+        <pc:spChg chg="mod ord">
+          <ac:chgData name="Josh Graham" userId="49c2ebad078cfc68" providerId="LiveId" clId="{5565EDAE-5DF1-4721-9E97-84AD7B3DBFD6}" dt="2023-03-24T19:46:03.132" v="1169" actId="20577"/>
+          <ac:spMkLst>
+            <pc:docMk/>
+            <pc:sldMk cId="3787429484" sldId="269"/>
+            <ac:spMk id="2" creationId="{B40E3042-C55D-55CE-FD1D-2FAB100D1806}"/>
+          </ac:spMkLst>
+        </pc:spChg>
+        <pc:spChg chg="add del mod ord">
+          <ac:chgData name="Josh Graham" userId="49c2ebad078cfc68" providerId="LiveId" clId="{5565EDAE-5DF1-4721-9E97-84AD7B3DBFD6}" dt="2023-03-24T20:21:34.397" v="1822" actId="1076"/>
+          <ac:spMkLst>
+            <pc:docMk/>
+            <pc:sldMk cId="3787429484" sldId="269"/>
+            <ac:spMk id="4" creationId="{9401E56B-34DE-DF46-ABEE-F49E098BE9E8}"/>
+          </ac:spMkLst>
+        </pc:spChg>
+        <pc:spChg chg="add del mod ord">
+          <ac:chgData name="Josh Graham" userId="49c2ebad078cfc68" providerId="LiveId" clId="{5565EDAE-5DF1-4721-9E97-84AD7B3DBFD6}" dt="2023-03-24T19:45:19.094" v="1122"/>
+          <ac:spMkLst>
+            <pc:docMk/>
+            <pc:sldMk cId="3787429484" sldId="269"/>
+            <ac:spMk id="5" creationId="{5DEB7F61-FCF4-3694-3E31-56F8A187564A}"/>
+          </ac:spMkLst>
+        </pc:spChg>
+        <pc:spChg chg="add del">
+          <ac:chgData name="Josh Graham" userId="49c2ebad078cfc68" providerId="LiveId" clId="{5565EDAE-5DF1-4721-9E97-84AD7B3DBFD6}" dt="2023-03-24T19:52:20.637" v="1175"/>
+          <ac:spMkLst>
+            <pc:docMk/>
+            <pc:sldMk cId="3787429484" sldId="269"/>
+            <ac:spMk id="8" creationId="{F09AA36E-5D34-3A5D-A3E7-BCF09D7CF21E}"/>
+          </ac:spMkLst>
+        </pc:spChg>
+        <pc:spChg chg="add del mod">
+          <ac:chgData name="Josh Graham" userId="49c2ebad078cfc68" providerId="LiveId" clId="{5565EDAE-5DF1-4721-9E97-84AD7B3DBFD6}" dt="2023-03-24T19:52:18.090" v="1174" actId="478"/>
+          <ac:spMkLst>
+            <pc:docMk/>
+            <pc:sldMk cId="3787429484" sldId="269"/>
+            <ac:spMk id="9" creationId="{2E6D2C59-E51E-8641-05D8-0A617CD3DC00}"/>
+          </ac:spMkLst>
+        </pc:spChg>
+        <pc:spChg chg="add del">
+          <ac:chgData name="Josh Graham" userId="49c2ebad078cfc68" providerId="LiveId" clId="{5565EDAE-5DF1-4721-9E97-84AD7B3DBFD6}" dt="2023-03-24T19:52:26.757" v="1179"/>
+          <ac:spMkLst>
+            <pc:docMk/>
+            <pc:sldMk cId="3787429484" sldId="269"/>
+            <ac:spMk id="10" creationId="{6A5BD460-4AB7-43F9-8D4C-2F951F0F99A3}"/>
+          </ac:spMkLst>
+        </pc:spChg>
+        <pc:spChg chg="add del mod">
+          <ac:chgData name="Josh Graham" userId="49c2ebad078cfc68" providerId="LiveId" clId="{5565EDAE-5DF1-4721-9E97-84AD7B3DBFD6}" dt="2023-03-24T20:00:50.684" v="1425" actId="22"/>
+          <ac:spMkLst>
+            <pc:docMk/>
+            <pc:sldMk cId="3787429484" sldId="269"/>
+            <ac:spMk id="12" creationId="{CA3BA39B-648A-B4C5-EDDF-5F9730386B4E}"/>
+          </ac:spMkLst>
+        </pc:spChg>
+        <pc:spChg chg="add del mod">
+          <ac:chgData name="Josh Graham" userId="49c2ebad078cfc68" providerId="LiveId" clId="{5565EDAE-5DF1-4721-9E97-84AD7B3DBFD6}" dt="2023-03-24T20:21:31.328" v="1821" actId="478"/>
+          <ac:spMkLst>
+            <pc:docMk/>
+            <pc:sldMk cId="3787429484" sldId="269"/>
+            <ac:spMk id="16" creationId="{2080402F-09A4-6354-386B-E19110B20214}"/>
+          </ac:spMkLst>
+        </pc:spChg>
+        <pc:spChg chg="add del mod">
+          <ac:chgData name="Josh Graham" userId="49c2ebad078cfc68" providerId="LiveId" clId="{5565EDAE-5DF1-4721-9E97-84AD7B3DBFD6}" dt="2023-03-24T20:51:32.925" v="1929" actId="22"/>
+          <ac:spMkLst>
+            <pc:docMk/>
+            <pc:sldMk cId="3787429484" sldId="269"/>
+            <ac:spMk id="18" creationId="{F41ED2CD-4083-1470-B801-4664744F8A6D}"/>
+          </ac:spMkLst>
+        </pc:spChg>
+        <pc:spChg chg="add mod">
+          <ac:chgData name="Josh Graham" userId="49c2ebad078cfc68" providerId="LiveId" clId="{5565EDAE-5DF1-4721-9E97-84AD7B3DBFD6}" dt="2023-03-24T20:52:32.471" v="1933" actId="1076"/>
+          <ac:spMkLst>
+            <pc:docMk/>
+            <pc:sldMk cId="3787429484" sldId="269"/>
+            <ac:spMk id="21" creationId="{813E0B3E-AACB-D2D6-90B6-AED82C3326A4}"/>
+          </ac:spMkLst>
+        </pc:spChg>
+        <pc:graphicFrameChg chg="add del mod modGraphic">
+          <ac:chgData name="Josh Graham" userId="49c2ebad078cfc68" providerId="LiveId" clId="{5565EDAE-5DF1-4721-9E97-84AD7B3DBFD6}" dt="2023-03-24T19:45:06.463" v="1119" actId="478"/>
+          <ac:graphicFrameMkLst>
+            <pc:docMk/>
+            <pc:sldMk cId="3787429484" sldId="269"/>
+            <ac:graphicFrameMk id="3" creationId="{FB86F2F3-E902-6087-8BF8-709904E51DEF}"/>
+          </ac:graphicFrameMkLst>
+        </pc:graphicFrameChg>
+        <pc:graphicFrameChg chg="del mod modGraphic">
+          <ac:chgData name="Josh Graham" userId="49c2ebad078cfc68" providerId="LiveId" clId="{5565EDAE-5DF1-4721-9E97-84AD7B3DBFD6}" dt="2023-03-24T19:45:16.844" v="1121" actId="21"/>
+          <ac:graphicFrameMkLst>
+            <pc:docMk/>
+            <pc:sldMk cId="3787429484" sldId="269"/>
+            <ac:graphicFrameMk id="6" creationId="{DA39F437-C67F-A73D-4459-B17B5FDDF6DD}"/>
+          </ac:graphicFrameMkLst>
+        </pc:graphicFrameChg>
+        <pc:graphicFrameChg chg="add del mod">
+          <ac:chgData name="Josh Graham" userId="49c2ebad078cfc68" providerId="LiveId" clId="{5565EDAE-5DF1-4721-9E97-84AD7B3DBFD6}" dt="2023-03-24T19:59:44.228" v="1424" actId="478"/>
+          <ac:graphicFrameMkLst>
+            <pc:docMk/>
+            <pc:sldMk cId="3787429484" sldId="269"/>
+            <ac:graphicFrameMk id="7" creationId="{96002924-B233-0525-9E91-B1AFC6EB6082}"/>
+          </ac:graphicFrameMkLst>
+        </pc:graphicFrameChg>
+        <pc:graphicFrameChg chg="add mod modGraphic">
+          <ac:chgData name="Josh Graham" userId="49c2ebad078cfc68" providerId="LiveId" clId="{5565EDAE-5DF1-4721-9E97-84AD7B3DBFD6}" dt="2023-03-24T20:31:05.407" v="1856" actId="1076"/>
+          <ac:graphicFrameMkLst>
+            <pc:docMk/>
+            <pc:sldMk cId="3787429484" sldId="269"/>
+            <ac:graphicFrameMk id="15" creationId="{3A72984D-5422-E36D-0761-17F08540162D}"/>
+          </ac:graphicFrameMkLst>
+        </pc:graphicFrameChg>
+        <pc:picChg chg="add del mod ord">
+          <ac:chgData name="Josh Graham" userId="49c2ebad078cfc68" providerId="LiveId" clId="{5565EDAE-5DF1-4721-9E97-84AD7B3DBFD6}" dt="2023-03-24T20:51:29.634" v="1928" actId="478"/>
+          <ac:picMkLst>
+            <pc:docMk/>
+            <pc:sldMk cId="3787429484" sldId="269"/>
+            <ac:picMk id="14" creationId="{AF78BAE1-2CDD-FBFA-32E8-B669B5AE5204}"/>
+          </ac:picMkLst>
+        </pc:picChg>
+        <pc:picChg chg="add mod ord">
+          <ac:chgData name="Josh Graham" userId="49c2ebad078cfc68" providerId="LiveId" clId="{5565EDAE-5DF1-4721-9E97-84AD7B3DBFD6}" dt="2023-03-24T20:51:32.925" v="1929" actId="22"/>
+          <ac:picMkLst>
+            <pc:docMk/>
+            <pc:sldMk cId="3787429484" sldId="269"/>
+            <ac:picMk id="20" creationId="{147D8E54-E529-6BD7-8981-2E469753F9F2}"/>
+          </ac:picMkLst>
+        </pc:picChg>
+      </pc:sldChg>
+      <pc:sldChg chg="add del">
+        <pc:chgData name="Josh Graham" userId="49c2ebad078cfc68" providerId="LiveId" clId="{5565EDAE-5DF1-4721-9E97-84AD7B3DBFD6}" dt="2023-03-24T19:42:58.349" v="1057" actId="47"/>
+        <pc:sldMkLst>
+          <pc:docMk/>
+          <pc:sldMk cId="1893138129" sldId="270"/>
+        </pc:sldMkLst>
+      </pc:sldChg>
+      <pc:sldChg chg="modSp new del mod ord">
+        <pc:chgData name="Josh Graham" userId="49c2ebad078cfc68" providerId="LiveId" clId="{5565EDAE-5DF1-4721-9E97-84AD7B3DBFD6}" dt="2023-03-24T19:36:32.558" v="653" actId="47"/>
+        <pc:sldMkLst>
+          <pc:docMk/>
+          <pc:sldMk cId="623751344" sldId="271"/>
+        </pc:sldMkLst>
+        <pc:spChg chg="mod">
+          <ac:chgData name="Josh Graham" userId="49c2ebad078cfc68" providerId="LiveId" clId="{5565EDAE-5DF1-4721-9E97-84AD7B3DBFD6}" dt="2023-03-24T19:20:07.521" v="427" actId="20577"/>
+          <ac:spMkLst>
+            <pc:docMk/>
+            <pc:sldMk cId="623751344" sldId="271"/>
+            <ac:spMk id="2" creationId="{A076EBED-5D7C-7041-07B1-A6B9FAD26119}"/>
+          </ac:spMkLst>
+        </pc:spChg>
+        <pc:spChg chg="mod">
+          <ac:chgData name="Josh Graham" userId="49c2ebad078cfc68" providerId="LiveId" clId="{5565EDAE-5DF1-4721-9E97-84AD7B3DBFD6}" dt="2023-03-24T19:20:53.716" v="517" actId="20577"/>
+          <ac:spMkLst>
+            <pc:docMk/>
+            <pc:sldMk cId="623751344" sldId="271"/>
+            <ac:spMk id="3" creationId="{323CEF04-7284-CE7B-926B-A1A138EF629A}"/>
+          </ac:spMkLst>
+        </pc:spChg>
+      </pc:sldChg>
+      <pc:sldChg chg="delSp modSp add mod ord setBg delDesignElem">
+        <pc:chgData name="Josh Graham" userId="49c2ebad078cfc68" providerId="LiveId" clId="{5565EDAE-5DF1-4721-9E97-84AD7B3DBFD6}" dt="2023-03-24T20:54:01.606" v="1976" actId="20577"/>
+        <pc:sldMkLst>
+          <pc:docMk/>
+          <pc:sldMk cId="3015983327" sldId="272"/>
+        </pc:sldMkLst>
+        <pc:spChg chg="mod">
+          <ac:chgData name="Josh Graham" userId="49c2ebad078cfc68" providerId="LiveId" clId="{5565EDAE-5DF1-4721-9E97-84AD7B3DBFD6}" dt="2023-03-24T19:31:39.313" v="546" actId="20577"/>
+          <ac:spMkLst>
+            <pc:docMk/>
+            <pc:sldMk cId="3015983327" sldId="272"/>
+            <ac:spMk id="2" creationId="{6786CED0-E805-6A19-D371-B192239574EA}"/>
+          </ac:spMkLst>
+        </pc:spChg>
+        <pc:spChg chg="del">
+          <ac:chgData name="Josh Graham" userId="49c2ebad078cfc68" providerId="LiveId" clId="{5565EDAE-5DF1-4721-9E97-84AD7B3DBFD6}" dt="2023-03-24T19:31:22.416" v="519"/>
+          <ac:spMkLst>
+            <pc:docMk/>
+            <pc:sldMk cId="3015983327" sldId="272"/>
+            <ac:spMk id="9" creationId="{B5416EBC-B41E-4F8A-BE9F-07301B682CBD}"/>
+          </ac:spMkLst>
+        </pc:spChg>
+        <pc:spChg chg="del">
+          <ac:chgData name="Josh Graham" userId="49c2ebad078cfc68" providerId="LiveId" clId="{5565EDAE-5DF1-4721-9E97-84AD7B3DBFD6}" dt="2023-03-24T19:31:22.416" v="519"/>
+          <ac:spMkLst>
+            <pc:docMk/>
+            <pc:sldMk cId="3015983327" sldId="272"/>
+            <ac:spMk id="11" creationId="{AFF79527-C7F1-4E06-8126-A8E8C5FEBFCA}"/>
+          </ac:spMkLst>
+        </pc:spChg>
+        <pc:spChg chg="del">
+          <ac:chgData name="Josh Graham" userId="49c2ebad078cfc68" providerId="LiveId" clId="{5565EDAE-5DF1-4721-9E97-84AD7B3DBFD6}" dt="2023-03-24T19:31:22.416" v="519"/>
+          <ac:spMkLst>
+            <pc:docMk/>
+            <pc:sldMk cId="3015983327" sldId="272"/>
+            <ac:spMk id="13" creationId="{55986208-8A53-4E92-9197-6B57BCCB2F37}"/>
+          </ac:spMkLst>
+        </pc:spChg>
+        <pc:graphicFrameChg chg="mod">
+          <ac:chgData name="Josh Graham" userId="49c2ebad078cfc68" providerId="LiveId" clId="{5565EDAE-5DF1-4721-9E97-84AD7B3DBFD6}" dt="2023-03-24T20:54:01.606" v="1976" actId="20577"/>
+          <ac:graphicFrameMkLst>
+            <pc:docMk/>
+            <pc:sldMk cId="3015983327" sldId="272"/>
+            <ac:graphicFrameMk id="5" creationId="{06A6CACB-633C-82C1-A882-7C4C61FD4928}"/>
+          </ac:graphicFrameMkLst>
+        </pc:graphicFrameChg>
+      </pc:sldChg>
+      <pc:sldChg chg="new del ord">
+        <pc:chgData name="Josh Graham" userId="49c2ebad078cfc68" providerId="LiveId" clId="{5565EDAE-5DF1-4721-9E97-84AD7B3DBFD6}" dt="2023-03-24T19:44:04.047" v="1061" actId="47"/>
+        <pc:sldMkLst>
+          <pc:docMk/>
+          <pc:sldMk cId="1312781451" sldId="273"/>
+        </pc:sldMkLst>
+      </pc:sldChg>
+      <pc:sldChg chg="addSp delSp modSp add del mod ord modClrScheme chgLayout">
+        <pc:chgData name="Josh Graham" userId="49c2ebad078cfc68" providerId="LiveId" clId="{5565EDAE-5DF1-4721-9E97-84AD7B3DBFD6}" dt="2023-03-25T21:41:15.619" v="1992" actId="2696"/>
+        <pc:sldMkLst>
+          <pc:docMk/>
+          <pc:sldMk cId="3812466719" sldId="273"/>
+        </pc:sldMkLst>
+        <pc:spChg chg="mod ord">
+          <ac:chgData name="Josh Graham" userId="49c2ebad078cfc68" providerId="LiveId" clId="{5565EDAE-5DF1-4721-9E97-84AD7B3DBFD6}" dt="2023-03-24T19:44:33.059" v="1070" actId="700"/>
+          <ac:spMkLst>
+            <pc:docMk/>
+            <pc:sldMk cId="3812466719" sldId="273"/>
+            <ac:spMk id="2" creationId="{B40E3042-C55D-55CE-FD1D-2FAB100D1806}"/>
+          </ac:spMkLst>
+        </pc:spChg>
+        <pc:spChg chg="add mod ord">
+          <ac:chgData name="Josh Graham" userId="49c2ebad078cfc68" providerId="LiveId" clId="{5565EDAE-5DF1-4721-9E97-84AD7B3DBFD6}" dt="2023-03-24T20:21:19.203" v="1809" actId="14100"/>
+          <ac:spMkLst>
+            <pc:docMk/>
+            <pc:sldMk cId="3812466719" sldId="273"/>
+            <ac:spMk id="4" creationId="{29B20AF6-10A0-B3B2-53E1-F08EF2C50B28}"/>
+          </ac:spMkLst>
+        </pc:spChg>
+        <pc:spChg chg="add del mod ord">
+          <ac:chgData name="Josh Graham" userId="49c2ebad078cfc68" providerId="LiveId" clId="{5565EDAE-5DF1-4721-9E97-84AD7B3DBFD6}" dt="2023-03-24T19:44:41.536" v="1072"/>
+          <ac:spMkLst>
+            <pc:docMk/>
+            <pc:sldMk cId="3812466719" sldId="273"/>
+            <ac:spMk id="5" creationId="{C3CA2F49-EB8B-B12E-8FE1-BEF5749E8898}"/>
+          </ac:spMkLst>
+        </pc:spChg>
+        <pc:spChg chg="add del mod">
+          <ac:chgData name="Josh Graham" userId="49c2ebad078cfc68" providerId="LiveId" clId="{5565EDAE-5DF1-4721-9E97-84AD7B3DBFD6}" dt="2023-03-24T20:21:18.627" v="1807"/>
+          <ac:spMkLst>
+            <pc:docMk/>
+            <pc:sldMk cId="3812466719" sldId="273"/>
+            <ac:spMk id="12" creationId="{C0913E76-C110-DEE5-A3E1-295D2251C6A1}"/>
+          </ac:spMkLst>
+        </pc:spChg>
+        <pc:graphicFrameChg chg="del mod">
+          <ac:chgData name="Josh Graham" userId="49c2ebad078cfc68" providerId="LiveId" clId="{5565EDAE-5DF1-4721-9E97-84AD7B3DBFD6}" dt="2023-03-24T19:44:39.193" v="1071" actId="21"/>
+          <ac:graphicFrameMkLst>
+            <pc:docMk/>
+            <pc:sldMk cId="3812466719" sldId="273"/>
+            <ac:graphicFrameMk id="3" creationId="{FB86F2F3-E902-6087-8BF8-709904E51DEF}"/>
+          </ac:graphicFrameMkLst>
+        </pc:graphicFrameChg>
+        <pc:graphicFrameChg chg="del">
+          <ac:chgData name="Josh Graham" userId="49c2ebad078cfc68" providerId="LiveId" clId="{5565EDAE-5DF1-4721-9E97-84AD7B3DBFD6}" dt="2023-03-24T19:44:17.940" v="1067" actId="478"/>
+          <ac:graphicFrameMkLst>
+            <pc:docMk/>
+            <pc:sldMk cId="3812466719" sldId="273"/>
+            <ac:graphicFrameMk id="6" creationId="{DA39F437-C67F-A73D-4459-B17B5FDDF6DD}"/>
+          </ac:graphicFrameMkLst>
+        </pc:graphicFrameChg>
+        <pc:graphicFrameChg chg="add mod modGraphic">
+          <ac:chgData name="Josh Graham" userId="49c2ebad078cfc68" providerId="LiveId" clId="{5565EDAE-5DF1-4721-9E97-84AD7B3DBFD6}" dt="2023-03-24T19:59:30.501" v="1422" actId="20577"/>
+          <ac:graphicFrameMkLst>
+            <pc:docMk/>
+            <pc:sldMk cId="3812466719" sldId="273"/>
+            <ac:graphicFrameMk id="7" creationId="{A0AC7939-CC6A-CAC8-255E-E382963ED8F6}"/>
+          </ac:graphicFrameMkLst>
+        </pc:graphicFrameChg>
+        <pc:picChg chg="add del">
+          <ac:chgData name="Josh Graham" userId="49c2ebad078cfc68" providerId="LiveId" clId="{5565EDAE-5DF1-4721-9E97-84AD7B3DBFD6}" dt="2023-03-24T19:57:11.775" v="1401" actId="478"/>
+          <ac:picMkLst>
+            <pc:docMk/>
+            <pc:sldMk cId="3812466719" sldId="273"/>
+            <ac:picMk id="9" creationId="{3B2382D4-67B5-35DE-A6EF-9A3353D3A5CB}"/>
+          </ac:picMkLst>
+        </pc:picChg>
+        <pc:picChg chg="add mod">
+          <ac:chgData name="Josh Graham" userId="49c2ebad078cfc68" providerId="LiveId" clId="{5565EDAE-5DF1-4721-9E97-84AD7B3DBFD6}" dt="2023-03-24T19:58:03.258" v="1417" actId="1076"/>
+          <ac:picMkLst>
+            <pc:docMk/>
+            <pc:sldMk cId="3812466719" sldId="273"/>
+            <ac:picMk id="11" creationId="{BDF2C852-36EE-7B9F-DBEE-2F6ECAFFCEF9}"/>
+          </ac:picMkLst>
+        </pc:picChg>
+      </pc:sldChg>
+      <pc:sldChg chg="addSp delSp modSp add del mod">
+        <pc:chgData name="Josh Graham" userId="49c2ebad078cfc68" providerId="LiveId" clId="{5565EDAE-5DF1-4721-9E97-84AD7B3DBFD6}" dt="2023-03-24T20:06:11.785" v="1737" actId="47"/>
+        <pc:sldMkLst>
+          <pc:docMk/>
+          <pc:sldMk cId="1581883814" sldId="274"/>
+        </pc:sldMkLst>
+        <pc:spChg chg="add mod">
+          <ac:chgData name="Josh Graham" userId="49c2ebad078cfc68" providerId="LiveId" clId="{5565EDAE-5DF1-4721-9E97-84AD7B3DBFD6}" dt="2023-03-24T20:01:53.326" v="1435" actId="21"/>
+          <ac:spMkLst>
+            <pc:docMk/>
+            <pc:sldMk cId="1581883814" sldId="274"/>
+            <ac:spMk id="5" creationId="{03E6E794-0D3E-1B7A-F31F-410D9B226169}"/>
+          </ac:spMkLst>
+        </pc:spChg>
+        <pc:graphicFrameChg chg="del">
+          <ac:chgData name="Josh Graham" userId="49c2ebad078cfc68" providerId="LiveId" clId="{5565EDAE-5DF1-4721-9E97-84AD7B3DBFD6}" dt="2023-03-24T20:01:53.326" v="1435" actId="21"/>
+          <ac:graphicFrameMkLst>
+            <pc:docMk/>
+            <pc:sldMk cId="1581883814" sldId="274"/>
+            <ac:graphicFrameMk id="7" creationId="{96002924-B233-0525-9E91-B1AFC6EB6082}"/>
+          </ac:graphicFrameMkLst>
+        </pc:graphicFrameChg>
+      </pc:sldChg>
+    </pc:docChg>
+  </pc:docChgLst>
   <pc:docChgLst>
     <pc:chgData name="Hugo Perdomo" userId="0589d851aa69abb1" providerId="LiveId" clId="{2ED746A6-FDEE-B246-8A76-D182F5DF8FCA}"/>
     <pc:docChg chg="undo custSel addSld delSld modSld sldOrd">
@@ -2417,6 +2986,925 @@
 </dgm:colorsDef>
 </file>
 
+<file path=ppt/diagrams/colors3.xml><?xml version="1.0" encoding="utf-8"?>
+<dgm:colorsDef xmlns:dgm="http://schemas.openxmlformats.org/drawingml/2006/diagram" xmlns:a="http://schemas.openxmlformats.org/drawingml/2006/main" uniqueId="urn:microsoft.com/office/officeart/2005/8/colors/colorful1">
+  <dgm:title val=""/>
+  <dgm:desc val=""/>
+  <dgm:catLst>
+    <dgm:cat type="colorful" pri="10100"/>
+  </dgm:catLst>
+  <dgm:styleLbl name="node0">
+    <dgm:fillClrLst meth="repeat">
+      <a:schemeClr val="accent1"/>
+    </dgm:fillClrLst>
+    <dgm:linClrLst meth="repeat">
+      <a:schemeClr val="lt1"/>
+    </dgm:linClrLst>
+    <dgm:effectClrLst/>
+    <dgm:txLinClrLst/>
+    <dgm:txFillClrLst/>
+    <dgm:txEffectClrLst/>
+  </dgm:styleLbl>
+  <dgm:styleLbl name="node1">
+    <dgm:fillClrLst meth="repeat">
+      <a:schemeClr val="accent2"/>
+      <a:schemeClr val="accent3"/>
+      <a:schemeClr val="accent4"/>
+      <a:schemeClr val="accent5"/>
+      <a:schemeClr val="accent6"/>
+    </dgm:fillClrLst>
+    <dgm:linClrLst meth="repeat">
+      <a:schemeClr val="lt1"/>
+    </dgm:linClrLst>
+    <dgm:effectClrLst/>
+    <dgm:txLinClrLst/>
+    <dgm:txFillClrLst/>
+    <dgm:txEffectClrLst/>
+  </dgm:styleLbl>
+  <dgm:styleLbl name="alignNode1">
+    <dgm:fillClrLst meth="repeat">
+      <a:schemeClr val="accent2"/>
+      <a:schemeClr val="accent3"/>
+      <a:schemeClr val="accent4"/>
+      <a:schemeClr val="accent5"/>
+      <a:schemeClr val="accent6"/>
+    </dgm:fillClrLst>
+    <dgm:linClrLst meth="repeat">
+      <a:schemeClr val="accent2"/>
+      <a:schemeClr val="accent3"/>
+      <a:schemeClr val="accent4"/>
+      <a:schemeClr val="accent5"/>
+      <a:schemeClr val="accent6"/>
+    </dgm:linClrLst>
+    <dgm:effectClrLst/>
+    <dgm:txLinClrLst/>
+    <dgm:txFillClrLst/>
+    <dgm:txEffectClrLst/>
+  </dgm:styleLbl>
+  <dgm:styleLbl name="lnNode1">
+    <dgm:fillClrLst meth="repeat">
+      <a:schemeClr val="accent2"/>
+      <a:schemeClr val="accent3"/>
+      <a:schemeClr val="accent4"/>
+      <a:schemeClr val="accent5"/>
+      <a:schemeClr val="accent6"/>
+    </dgm:fillClrLst>
+    <dgm:linClrLst meth="repeat">
+      <a:schemeClr val="lt1"/>
+    </dgm:linClrLst>
+    <dgm:effectClrLst/>
+    <dgm:txLinClrLst/>
+    <dgm:txFillClrLst/>
+    <dgm:txEffectClrLst/>
+  </dgm:styleLbl>
+  <dgm:styleLbl name="vennNode1">
+    <dgm:fillClrLst meth="repeat">
+      <a:schemeClr val="accent2">
+        <a:alpha val="50000"/>
+      </a:schemeClr>
+      <a:schemeClr val="accent3">
+        <a:alpha val="50000"/>
+      </a:schemeClr>
+      <a:schemeClr val="accent4">
+        <a:alpha val="50000"/>
+      </a:schemeClr>
+      <a:schemeClr val="accent5">
+        <a:alpha val="50000"/>
+      </a:schemeClr>
+      <a:schemeClr val="accent6">
+        <a:alpha val="50000"/>
+      </a:schemeClr>
+    </dgm:fillClrLst>
+    <dgm:linClrLst meth="repeat">
+      <a:schemeClr val="lt1"/>
+    </dgm:linClrLst>
+    <dgm:effectClrLst/>
+    <dgm:txLinClrLst/>
+    <dgm:txFillClrLst/>
+    <dgm:txEffectClrLst/>
+  </dgm:styleLbl>
+  <dgm:styleLbl name="node2">
+    <dgm:fillClrLst>
+      <a:schemeClr val="accent2"/>
+    </dgm:fillClrLst>
+    <dgm:linClrLst meth="repeat">
+      <a:schemeClr val="lt1"/>
+    </dgm:linClrLst>
+    <dgm:effectClrLst/>
+    <dgm:txLinClrLst/>
+    <dgm:txFillClrLst/>
+    <dgm:txEffectClrLst/>
+  </dgm:styleLbl>
+  <dgm:styleLbl name="node3">
+    <dgm:fillClrLst>
+      <a:schemeClr val="accent3"/>
+    </dgm:fillClrLst>
+    <dgm:linClrLst meth="repeat">
+      <a:schemeClr val="lt1"/>
+    </dgm:linClrLst>
+    <dgm:effectClrLst/>
+    <dgm:txLinClrLst/>
+    <dgm:txFillClrLst/>
+    <dgm:txEffectClrLst/>
+  </dgm:styleLbl>
+  <dgm:styleLbl name="node4">
+    <dgm:fillClrLst>
+      <a:schemeClr val="accent4"/>
+    </dgm:fillClrLst>
+    <dgm:linClrLst meth="repeat">
+      <a:schemeClr val="lt1"/>
+    </dgm:linClrLst>
+    <dgm:effectClrLst/>
+    <dgm:txLinClrLst/>
+    <dgm:txFillClrLst/>
+    <dgm:txEffectClrLst/>
+  </dgm:styleLbl>
+  <dgm:styleLbl name="fgImgPlace1">
+    <dgm:fillClrLst meth="repeat">
+      <a:schemeClr val="accent2">
+        <a:tint val="50000"/>
+      </a:schemeClr>
+      <a:schemeClr val="accent3">
+        <a:tint val="50000"/>
+      </a:schemeClr>
+      <a:schemeClr val="accent4">
+        <a:tint val="50000"/>
+      </a:schemeClr>
+      <a:schemeClr val="accent5">
+        <a:tint val="50000"/>
+      </a:schemeClr>
+      <a:schemeClr val="accent6">
+        <a:tint val="50000"/>
+      </a:schemeClr>
+    </dgm:fillClrLst>
+    <dgm:linClrLst meth="repeat">
+      <a:schemeClr val="lt1"/>
+    </dgm:linClrLst>
+    <dgm:effectClrLst/>
+    <dgm:txLinClrLst/>
+    <dgm:txFillClrLst meth="repeat">
+      <a:schemeClr val="lt1"/>
+    </dgm:txFillClrLst>
+    <dgm:txEffectClrLst/>
+  </dgm:styleLbl>
+  <dgm:styleLbl name="alignImgPlace1">
+    <dgm:fillClrLst>
+      <a:schemeClr val="accent1">
+        <a:tint val="50000"/>
+      </a:schemeClr>
+      <a:schemeClr val="accent2">
+        <a:tint val="20000"/>
+      </a:schemeClr>
+    </dgm:fillClrLst>
+    <dgm:linClrLst meth="repeat">
+      <a:schemeClr val="lt1"/>
+    </dgm:linClrLst>
+    <dgm:effectClrLst/>
+    <dgm:txLinClrLst/>
+    <dgm:txFillClrLst meth="repeat">
+      <a:schemeClr val="lt1"/>
+    </dgm:txFillClrLst>
+    <dgm:txEffectClrLst/>
+  </dgm:styleLbl>
+  <dgm:styleLbl name="bgImgPlace1">
+    <dgm:fillClrLst>
+      <a:schemeClr val="accent1">
+        <a:tint val="50000"/>
+      </a:schemeClr>
+      <a:schemeClr val="accent2">
+        <a:tint val="20000"/>
+      </a:schemeClr>
+    </dgm:fillClrLst>
+    <dgm:linClrLst meth="repeat">
+      <a:schemeClr val="lt1"/>
+    </dgm:linClrLst>
+    <dgm:effectClrLst/>
+    <dgm:txLinClrLst/>
+    <dgm:txFillClrLst meth="repeat">
+      <a:schemeClr val="lt1"/>
+    </dgm:txFillClrLst>
+    <dgm:txEffectClrLst/>
+  </dgm:styleLbl>
+  <dgm:styleLbl name="sibTrans2D1">
+    <dgm:fillClrLst meth="repeat">
+      <a:schemeClr val="accent2"/>
+      <a:schemeClr val="accent3"/>
+      <a:schemeClr val="accent4"/>
+      <a:schemeClr val="accent5"/>
+      <a:schemeClr val="accent6"/>
+    </dgm:fillClrLst>
+    <dgm:linClrLst meth="cycle">
+      <a:schemeClr val="lt1"/>
+    </dgm:linClrLst>
+    <dgm:effectClrLst/>
+    <dgm:txLinClrLst/>
+    <dgm:txFillClrLst/>
+    <dgm:txEffectClrLst/>
+  </dgm:styleLbl>
+  <dgm:styleLbl name="fgSibTrans2D1">
+    <dgm:fillClrLst meth="repeat">
+      <a:schemeClr val="accent2"/>
+      <a:schemeClr val="accent3"/>
+      <a:schemeClr val="accent4"/>
+      <a:schemeClr val="accent5"/>
+      <a:schemeClr val="accent6"/>
+    </dgm:fillClrLst>
+    <dgm:linClrLst meth="cycle">
+      <a:schemeClr val="lt1"/>
+    </dgm:linClrLst>
+    <dgm:effectClrLst/>
+    <dgm:txLinClrLst/>
+    <dgm:txFillClrLst meth="repeat">
+      <a:schemeClr val="lt1"/>
+    </dgm:txFillClrLst>
+    <dgm:txEffectClrLst/>
+  </dgm:styleLbl>
+  <dgm:styleLbl name="bgSibTrans2D1">
+    <dgm:fillClrLst meth="repeat">
+      <a:schemeClr val="accent2"/>
+      <a:schemeClr val="accent3"/>
+      <a:schemeClr val="accent4"/>
+      <a:schemeClr val="accent5"/>
+      <a:schemeClr val="accent6"/>
+    </dgm:fillClrLst>
+    <dgm:linClrLst meth="cycle">
+      <a:schemeClr val="lt1"/>
+    </dgm:linClrLst>
+    <dgm:effectClrLst/>
+    <dgm:txLinClrLst/>
+    <dgm:txFillClrLst meth="repeat">
+      <a:schemeClr val="lt1"/>
+    </dgm:txFillClrLst>
+    <dgm:txEffectClrLst/>
+  </dgm:styleLbl>
+  <dgm:styleLbl name="sibTrans1D1">
+    <dgm:fillClrLst meth="repeat">
+      <a:schemeClr val="accent2"/>
+      <a:schemeClr val="accent3"/>
+      <a:schemeClr val="accent4"/>
+      <a:schemeClr val="accent5"/>
+      <a:schemeClr val="accent6"/>
+    </dgm:fillClrLst>
+    <dgm:linClrLst meth="repeat">
+      <a:schemeClr val="accent2"/>
+      <a:schemeClr val="accent3"/>
+      <a:schemeClr val="accent4"/>
+      <a:schemeClr val="accent5"/>
+      <a:schemeClr val="accent6"/>
+    </dgm:linClrLst>
+    <dgm:effectClrLst/>
+    <dgm:txLinClrLst/>
+    <dgm:txFillClrLst meth="repeat">
+      <a:schemeClr val="tx1"/>
+    </dgm:txFillClrLst>
+    <dgm:txEffectClrLst/>
+  </dgm:styleLbl>
+  <dgm:styleLbl name="callout">
+    <dgm:fillClrLst meth="repeat">
+      <a:schemeClr val="accent2"/>
+    </dgm:fillClrLst>
+    <dgm:linClrLst meth="repeat">
+      <a:schemeClr val="accent2">
+        <a:tint val="50000"/>
+      </a:schemeClr>
+    </dgm:linClrLst>
+    <dgm:effectClrLst/>
+    <dgm:txLinClrLst/>
+    <dgm:txFillClrLst meth="repeat">
+      <a:schemeClr val="tx1"/>
+    </dgm:txFillClrLst>
+    <dgm:txEffectClrLst/>
+  </dgm:styleLbl>
+  <dgm:styleLbl name="asst0">
+    <dgm:fillClrLst meth="repeat">
+      <a:schemeClr val="accent1"/>
+    </dgm:fillClrLst>
+    <dgm:linClrLst meth="repeat">
+      <a:schemeClr val="lt1"/>
+    </dgm:linClrLst>
+    <dgm:effectClrLst/>
+    <dgm:txLinClrLst/>
+    <dgm:txFillClrLst/>
+    <dgm:txEffectClrLst/>
+  </dgm:styleLbl>
+  <dgm:styleLbl name="asst1">
+    <dgm:fillClrLst meth="repeat">
+      <a:schemeClr val="accent2"/>
+    </dgm:fillClrLst>
+    <dgm:linClrLst meth="repeat">
+      <a:schemeClr val="lt1"/>
+    </dgm:linClrLst>
+    <dgm:effectClrLst/>
+    <dgm:txLinClrLst/>
+    <dgm:txFillClrLst/>
+    <dgm:txEffectClrLst/>
+  </dgm:styleLbl>
+  <dgm:styleLbl name="asst2">
+    <dgm:fillClrLst>
+      <a:schemeClr val="accent3"/>
+    </dgm:fillClrLst>
+    <dgm:linClrLst meth="repeat">
+      <a:schemeClr val="lt1"/>
+    </dgm:linClrLst>
+    <dgm:effectClrLst/>
+    <dgm:txLinClrLst/>
+    <dgm:txFillClrLst/>
+    <dgm:txEffectClrLst/>
+  </dgm:styleLbl>
+  <dgm:styleLbl name="asst3">
+    <dgm:fillClrLst>
+      <a:schemeClr val="accent4"/>
+    </dgm:fillClrLst>
+    <dgm:linClrLst meth="repeat">
+      <a:schemeClr val="lt1"/>
+    </dgm:linClrLst>
+    <dgm:effectClrLst/>
+    <dgm:txLinClrLst/>
+    <dgm:txFillClrLst/>
+    <dgm:txEffectClrLst/>
+  </dgm:styleLbl>
+  <dgm:styleLbl name="asst4">
+    <dgm:fillClrLst>
+      <a:schemeClr val="accent5"/>
+    </dgm:fillClrLst>
+    <dgm:linClrLst meth="repeat">
+      <a:schemeClr val="lt1"/>
+    </dgm:linClrLst>
+    <dgm:effectClrLst/>
+    <dgm:txLinClrLst/>
+    <dgm:txFillClrLst/>
+    <dgm:txEffectClrLst/>
+  </dgm:styleLbl>
+  <dgm:styleLbl name="parChTrans2D1">
+    <dgm:fillClrLst meth="repeat">
+      <a:schemeClr val="accent2"/>
+    </dgm:fillClrLst>
+    <dgm:linClrLst meth="repeat">
+      <a:schemeClr val="lt1"/>
+    </dgm:linClrLst>
+    <dgm:effectClrLst/>
+    <dgm:txLinClrLst/>
+    <dgm:txFillClrLst meth="repeat">
+      <a:schemeClr val="lt1"/>
+    </dgm:txFillClrLst>
+    <dgm:txEffectClrLst/>
+  </dgm:styleLbl>
+  <dgm:styleLbl name="parChTrans2D2">
+    <dgm:fillClrLst meth="repeat">
+      <a:schemeClr val="accent3"/>
+    </dgm:fillClrLst>
+    <dgm:linClrLst meth="repeat">
+      <a:schemeClr val="lt1"/>
+    </dgm:linClrLst>
+    <dgm:effectClrLst/>
+    <dgm:txLinClrLst/>
+    <dgm:txFillClrLst/>
+    <dgm:txEffectClrLst/>
+  </dgm:styleLbl>
+  <dgm:styleLbl name="parChTrans2D3">
+    <dgm:fillClrLst meth="repeat">
+      <a:schemeClr val="accent4"/>
+    </dgm:fillClrLst>
+    <dgm:linClrLst meth="repeat">
+      <a:schemeClr val="lt1"/>
+    </dgm:linClrLst>
+    <dgm:effectClrLst/>
+    <dgm:txLinClrLst/>
+    <dgm:txFillClrLst/>
+    <dgm:txEffectClrLst/>
+  </dgm:styleLbl>
+  <dgm:styleLbl name="parChTrans2D4">
+    <dgm:fillClrLst meth="repeat">
+      <a:schemeClr val="accent5"/>
+    </dgm:fillClrLst>
+    <dgm:linClrLst meth="repeat">
+      <a:schemeClr val="lt1"/>
+    </dgm:linClrLst>
+    <dgm:effectClrLst/>
+    <dgm:txLinClrLst/>
+    <dgm:txFillClrLst meth="repeat">
+      <a:schemeClr val="lt1"/>
+    </dgm:txFillClrLst>
+    <dgm:txEffectClrLst/>
+  </dgm:styleLbl>
+  <dgm:styleLbl name="parChTrans1D1">
+    <dgm:fillClrLst meth="repeat">
+      <a:schemeClr val="accent2"/>
+    </dgm:fillClrLst>
+    <dgm:linClrLst meth="repeat">
+      <a:schemeClr val="accent1"/>
+    </dgm:linClrLst>
+    <dgm:effectClrLst/>
+    <dgm:txLinClrLst/>
+    <dgm:txFillClrLst meth="repeat">
+      <a:schemeClr val="tx1"/>
+    </dgm:txFillClrLst>
+    <dgm:txEffectClrLst/>
+  </dgm:styleLbl>
+  <dgm:styleLbl name="parChTrans1D2">
+    <dgm:fillClrLst meth="repeat">
+      <a:schemeClr val="accent3">
+        <a:tint val="90000"/>
+      </a:schemeClr>
+    </dgm:fillClrLst>
+    <dgm:linClrLst meth="repeat">
+      <a:schemeClr val="accent2"/>
+    </dgm:linClrLst>
+    <dgm:effectClrLst/>
+    <dgm:txLinClrLst/>
+    <dgm:txFillClrLst meth="repeat">
+      <a:schemeClr val="tx1"/>
+    </dgm:txFillClrLst>
+    <dgm:txEffectClrLst/>
+  </dgm:styleLbl>
+  <dgm:styleLbl name="parChTrans1D3">
+    <dgm:fillClrLst meth="repeat">
+      <a:schemeClr val="accent4">
+        <a:tint val="70000"/>
+      </a:schemeClr>
+    </dgm:fillClrLst>
+    <dgm:linClrLst meth="repeat">
+      <a:schemeClr val="accent3"/>
+    </dgm:linClrLst>
+    <dgm:effectClrLst/>
+    <dgm:txLinClrLst/>
+    <dgm:txFillClrLst meth="repeat">
+      <a:schemeClr val="tx1"/>
+    </dgm:txFillClrLst>
+    <dgm:txEffectClrLst/>
+  </dgm:styleLbl>
+  <dgm:styleLbl name="parChTrans1D4">
+    <dgm:fillClrLst meth="repeat">
+      <a:schemeClr val="accent5">
+        <a:tint val="50000"/>
+      </a:schemeClr>
+    </dgm:fillClrLst>
+    <dgm:linClrLst meth="repeat">
+      <a:schemeClr val="accent4"/>
+    </dgm:linClrLst>
+    <dgm:effectClrLst/>
+    <dgm:txLinClrLst/>
+    <dgm:txFillClrLst meth="repeat">
+      <a:schemeClr val="tx1"/>
+    </dgm:txFillClrLst>
+    <dgm:txEffectClrLst/>
+  </dgm:styleLbl>
+  <dgm:styleLbl name="fgAcc1">
+    <dgm:fillClrLst meth="repeat">
+      <a:schemeClr val="lt1">
+        <a:alpha val="90000"/>
+      </a:schemeClr>
+    </dgm:fillClrLst>
+    <dgm:linClrLst meth="repeat">
+      <a:schemeClr val="accent2"/>
+      <a:schemeClr val="accent3"/>
+      <a:schemeClr val="accent4"/>
+      <a:schemeClr val="accent5"/>
+      <a:schemeClr val="accent6"/>
+    </dgm:linClrLst>
+    <dgm:effectClrLst/>
+    <dgm:txLinClrLst/>
+    <dgm:txFillClrLst meth="repeat">
+      <a:schemeClr val="dk1"/>
+    </dgm:txFillClrLst>
+    <dgm:txEffectClrLst/>
+  </dgm:styleLbl>
+  <dgm:styleLbl name="conFgAcc1">
+    <dgm:fillClrLst meth="repeat">
+      <a:schemeClr val="lt1">
+        <a:alpha val="90000"/>
+      </a:schemeClr>
+    </dgm:fillClrLst>
+    <dgm:linClrLst meth="repeat">
+      <a:schemeClr val="accent2"/>
+      <a:schemeClr val="accent3"/>
+      <a:schemeClr val="accent4"/>
+      <a:schemeClr val="accent5"/>
+      <a:schemeClr val="accent6"/>
+    </dgm:linClrLst>
+    <dgm:effectClrLst/>
+    <dgm:txLinClrLst/>
+    <dgm:txFillClrLst meth="repeat">
+      <a:schemeClr val="dk1"/>
+    </dgm:txFillClrLst>
+    <dgm:txEffectClrLst/>
+  </dgm:styleLbl>
+  <dgm:styleLbl name="alignAcc1">
+    <dgm:fillClrLst meth="repeat">
+      <a:schemeClr val="lt1">
+        <a:alpha val="90000"/>
+      </a:schemeClr>
+    </dgm:fillClrLst>
+    <dgm:linClrLst meth="repeat">
+      <a:schemeClr val="accent2"/>
+      <a:schemeClr val="accent3"/>
+      <a:schemeClr val="accent4"/>
+      <a:schemeClr val="accent5"/>
+      <a:schemeClr val="accent6"/>
+    </dgm:linClrLst>
+    <dgm:effectClrLst/>
+    <dgm:txLinClrLst/>
+    <dgm:txFillClrLst meth="repeat">
+      <a:schemeClr val="dk1"/>
+    </dgm:txFillClrLst>
+    <dgm:txEffectClrLst/>
+  </dgm:styleLbl>
+  <dgm:styleLbl name="trAlignAcc1">
+    <dgm:fillClrLst meth="repeat">
+      <a:schemeClr val="lt1">
+        <a:alpha val="40000"/>
+      </a:schemeClr>
+    </dgm:fillClrLst>
+    <dgm:linClrLst meth="repeat">
+      <a:schemeClr val="accent1"/>
+    </dgm:linClrLst>
+    <dgm:effectClrLst/>
+    <dgm:txLinClrLst/>
+    <dgm:txFillClrLst meth="repeat">
+      <a:schemeClr val="dk1"/>
+    </dgm:txFillClrLst>
+    <dgm:txEffectClrLst/>
+  </dgm:styleLbl>
+  <dgm:styleLbl name="bgAcc1">
+    <dgm:fillClrLst meth="repeat">
+      <a:schemeClr val="lt1">
+        <a:alpha val="90000"/>
+      </a:schemeClr>
+    </dgm:fillClrLst>
+    <dgm:linClrLst meth="repeat">
+      <a:schemeClr val="accent2"/>
+      <a:schemeClr val="accent3"/>
+      <a:schemeClr val="accent4"/>
+      <a:schemeClr val="accent5"/>
+      <a:schemeClr val="accent6"/>
+    </dgm:linClrLst>
+    <dgm:effectClrLst/>
+    <dgm:txLinClrLst/>
+    <dgm:txFillClrLst meth="repeat">
+      <a:schemeClr val="dk1"/>
+    </dgm:txFillClrLst>
+    <dgm:txEffectClrLst/>
+  </dgm:styleLbl>
+  <dgm:styleLbl name="solidFgAcc1">
+    <dgm:fillClrLst meth="repeat">
+      <a:schemeClr val="lt1"/>
+    </dgm:fillClrLst>
+    <dgm:linClrLst meth="repeat">
+      <a:schemeClr val="accent2"/>
+      <a:schemeClr val="accent3"/>
+      <a:schemeClr val="accent4"/>
+      <a:schemeClr val="accent5"/>
+      <a:schemeClr val="accent6"/>
+    </dgm:linClrLst>
+    <dgm:effectClrLst/>
+    <dgm:txLinClrLst/>
+    <dgm:txFillClrLst meth="repeat">
+      <a:schemeClr val="dk1"/>
+    </dgm:txFillClrLst>
+    <dgm:txEffectClrLst/>
+  </dgm:styleLbl>
+  <dgm:styleLbl name="solidAlignAcc1">
+    <dgm:fillClrLst meth="repeat">
+      <a:schemeClr val="lt1"/>
+    </dgm:fillClrLst>
+    <dgm:linClrLst meth="repeat">
+      <a:schemeClr val="accent2"/>
+      <a:schemeClr val="accent3"/>
+      <a:schemeClr val="accent4"/>
+      <a:schemeClr val="accent5"/>
+      <a:schemeClr val="accent6"/>
+    </dgm:linClrLst>
+    <dgm:effectClrLst/>
+    <dgm:txLinClrLst/>
+    <dgm:txFillClrLst meth="repeat">
+      <a:schemeClr val="dk1"/>
+    </dgm:txFillClrLst>
+    <dgm:txEffectClrLst/>
+  </dgm:styleLbl>
+  <dgm:styleLbl name="solidBgAcc1">
+    <dgm:fillClrLst meth="repeat">
+      <a:schemeClr val="lt1"/>
+    </dgm:fillClrLst>
+    <dgm:linClrLst meth="repeat">
+      <a:schemeClr val="accent2"/>
+      <a:schemeClr val="accent3"/>
+      <a:schemeClr val="accent4"/>
+      <a:schemeClr val="accent5"/>
+      <a:schemeClr val="accent6"/>
+    </dgm:linClrLst>
+    <dgm:effectClrLst/>
+    <dgm:txLinClrLst/>
+    <dgm:txFillClrLst meth="repeat">
+      <a:schemeClr val="dk1"/>
+    </dgm:txFillClrLst>
+    <dgm:txEffectClrLst/>
+  </dgm:styleLbl>
+  <dgm:styleLbl name="fgAccFollowNode1">
+    <dgm:fillClrLst meth="repeat">
+      <a:schemeClr val="accent2">
+        <a:tint val="40000"/>
+        <a:alpha val="90000"/>
+      </a:schemeClr>
+      <a:schemeClr val="accent3">
+        <a:tint val="40000"/>
+        <a:alpha val="90000"/>
+      </a:schemeClr>
+      <a:schemeClr val="accent4">
+        <a:tint val="40000"/>
+        <a:alpha val="90000"/>
+      </a:schemeClr>
+      <a:schemeClr val="accent5">
+        <a:tint val="40000"/>
+        <a:alpha val="90000"/>
+      </a:schemeClr>
+      <a:schemeClr val="accent6">
+        <a:tint val="40000"/>
+        <a:alpha val="90000"/>
+      </a:schemeClr>
+    </dgm:fillClrLst>
+    <dgm:linClrLst meth="repeat">
+      <a:schemeClr val="accent2">
+        <a:tint val="40000"/>
+        <a:alpha val="90000"/>
+      </a:schemeClr>
+      <a:schemeClr val="accent3">
+        <a:tint val="40000"/>
+        <a:alpha val="90000"/>
+      </a:schemeClr>
+      <a:schemeClr val="accent4">
+        <a:tint val="40000"/>
+        <a:alpha val="90000"/>
+      </a:schemeClr>
+      <a:schemeClr val="accent5">
+        <a:tint val="40000"/>
+        <a:alpha val="90000"/>
+      </a:schemeClr>
+      <a:schemeClr val="accent6">
+        <a:tint val="40000"/>
+        <a:alpha val="90000"/>
+      </a:schemeClr>
+    </dgm:linClrLst>
+    <dgm:effectClrLst/>
+    <dgm:txLinClrLst/>
+    <dgm:txFillClrLst meth="repeat">
+      <a:schemeClr val="dk1"/>
+    </dgm:txFillClrLst>
+    <dgm:txEffectClrLst/>
+  </dgm:styleLbl>
+  <dgm:styleLbl name="alignAccFollowNode1">
+    <dgm:fillClrLst meth="repeat">
+      <a:schemeClr val="accent2">
+        <a:tint val="40000"/>
+        <a:alpha val="90000"/>
+      </a:schemeClr>
+      <a:schemeClr val="accent3">
+        <a:tint val="40000"/>
+        <a:alpha val="90000"/>
+      </a:schemeClr>
+      <a:schemeClr val="accent4">
+        <a:tint val="40000"/>
+        <a:alpha val="90000"/>
+      </a:schemeClr>
+      <a:schemeClr val="accent5">
+        <a:tint val="40000"/>
+        <a:alpha val="90000"/>
+      </a:schemeClr>
+      <a:schemeClr val="accent6">
+        <a:tint val="40000"/>
+        <a:alpha val="90000"/>
+      </a:schemeClr>
+    </dgm:fillClrLst>
+    <dgm:linClrLst meth="repeat">
+      <a:schemeClr val="accent2">
+        <a:tint val="40000"/>
+        <a:alpha val="90000"/>
+      </a:schemeClr>
+      <a:schemeClr val="accent3">
+        <a:tint val="40000"/>
+        <a:alpha val="90000"/>
+      </a:schemeClr>
+      <a:schemeClr val="accent4">
+        <a:tint val="40000"/>
+        <a:alpha val="90000"/>
+      </a:schemeClr>
+      <a:schemeClr val="accent5">
+        <a:tint val="40000"/>
+        <a:alpha val="90000"/>
+      </a:schemeClr>
+      <a:schemeClr val="accent6">
+        <a:tint val="40000"/>
+        <a:alpha val="90000"/>
+      </a:schemeClr>
+    </dgm:linClrLst>
+    <dgm:effectClrLst/>
+    <dgm:txLinClrLst/>
+    <dgm:txFillClrLst meth="repeat">
+      <a:schemeClr val="dk1"/>
+    </dgm:txFillClrLst>
+    <dgm:txEffectClrLst/>
+  </dgm:styleLbl>
+  <dgm:styleLbl name="bgAccFollowNode1">
+    <dgm:fillClrLst meth="repeat">
+      <a:schemeClr val="accent2">
+        <a:tint val="40000"/>
+        <a:alpha val="90000"/>
+      </a:schemeClr>
+      <a:schemeClr val="accent3">
+        <a:tint val="40000"/>
+        <a:alpha val="90000"/>
+      </a:schemeClr>
+      <a:schemeClr val="accent4">
+        <a:tint val="40000"/>
+        <a:alpha val="90000"/>
+      </a:schemeClr>
+      <a:schemeClr val="accent5">
+        <a:tint val="40000"/>
+        <a:alpha val="90000"/>
+      </a:schemeClr>
+      <a:schemeClr val="accent6">
+        <a:tint val="40000"/>
+        <a:alpha val="90000"/>
+      </a:schemeClr>
+    </dgm:fillClrLst>
+    <dgm:linClrLst meth="repeat">
+      <a:schemeClr val="accent2">
+        <a:tint val="40000"/>
+        <a:alpha val="90000"/>
+      </a:schemeClr>
+      <a:schemeClr val="accent3">
+        <a:tint val="40000"/>
+        <a:alpha val="90000"/>
+      </a:schemeClr>
+      <a:schemeClr val="accent4">
+        <a:tint val="40000"/>
+        <a:alpha val="90000"/>
+      </a:schemeClr>
+      <a:schemeClr val="accent5">
+        <a:tint val="40000"/>
+        <a:alpha val="90000"/>
+      </a:schemeClr>
+      <a:schemeClr val="accent6">
+        <a:tint val="40000"/>
+        <a:alpha val="90000"/>
+      </a:schemeClr>
+    </dgm:linClrLst>
+    <dgm:effectClrLst/>
+    <dgm:txLinClrLst/>
+    <dgm:txFillClrLst meth="repeat">
+      <a:schemeClr val="dk1"/>
+    </dgm:txFillClrLst>
+    <dgm:txEffectClrLst/>
+  </dgm:styleLbl>
+  <dgm:styleLbl name="fgAcc0">
+    <dgm:fillClrLst meth="repeat">
+      <a:schemeClr val="lt1">
+        <a:alpha val="90000"/>
+      </a:schemeClr>
+    </dgm:fillClrLst>
+    <dgm:linClrLst>
+      <a:schemeClr val="accent1"/>
+    </dgm:linClrLst>
+    <dgm:effectClrLst/>
+    <dgm:txLinClrLst/>
+    <dgm:txFillClrLst meth="repeat">
+      <a:schemeClr val="dk1"/>
+    </dgm:txFillClrLst>
+    <dgm:txEffectClrLst/>
+  </dgm:styleLbl>
+  <dgm:styleLbl name="fgAcc2">
+    <dgm:fillClrLst meth="repeat">
+      <a:schemeClr val="lt1">
+        <a:alpha val="90000"/>
+      </a:schemeClr>
+    </dgm:fillClrLst>
+    <dgm:linClrLst>
+      <a:schemeClr val="accent2"/>
+    </dgm:linClrLst>
+    <dgm:effectClrLst/>
+    <dgm:txLinClrLst/>
+    <dgm:txFillClrLst meth="repeat">
+      <a:schemeClr val="dk1"/>
+    </dgm:txFillClrLst>
+    <dgm:txEffectClrLst/>
+  </dgm:styleLbl>
+  <dgm:styleLbl name="fgAcc3">
+    <dgm:fillClrLst meth="repeat">
+      <a:schemeClr val="lt1">
+        <a:alpha val="90000"/>
+      </a:schemeClr>
+    </dgm:fillClrLst>
+    <dgm:linClrLst>
+      <a:schemeClr val="accent3"/>
+    </dgm:linClrLst>
+    <dgm:effectClrLst/>
+    <dgm:txLinClrLst/>
+    <dgm:txFillClrLst meth="repeat">
+      <a:schemeClr val="dk1"/>
+    </dgm:txFillClrLst>
+    <dgm:txEffectClrLst/>
+  </dgm:styleLbl>
+  <dgm:styleLbl name="fgAcc4">
+    <dgm:fillClrLst meth="repeat">
+      <a:schemeClr val="lt1">
+        <a:alpha val="90000"/>
+      </a:schemeClr>
+    </dgm:fillClrLst>
+    <dgm:linClrLst>
+      <a:schemeClr val="accent4"/>
+    </dgm:linClrLst>
+    <dgm:effectClrLst/>
+    <dgm:txLinClrLst/>
+    <dgm:txFillClrLst meth="repeat">
+      <a:schemeClr val="dk1"/>
+    </dgm:txFillClrLst>
+    <dgm:txEffectClrLst/>
+  </dgm:styleLbl>
+  <dgm:styleLbl name="bgShp">
+    <dgm:fillClrLst meth="repeat">
+      <a:schemeClr val="accent2">
+        <a:tint val="40000"/>
+      </a:schemeClr>
+    </dgm:fillClrLst>
+    <dgm:linClrLst meth="repeat">
+      <a:schemeClr val="dk1"/>
+    </dgm:linClrLst>
+    <dgm:effectClrLst/>
+    <dgm:txLinClrLst/>
+    <dgm:txFillClrLst meth="repeat">
+      <a:schemeClr val="dk1"/>
+    </dgm:txFillClrLst>
+    <dgm:txEffectClrLst/>
+  </dgm:styleLbl>
+  <dgm:styleLbl name="dkBgShp">
+    <dgm:fillClrLst meth="repeat">
+      <a:schemeClr val="accent2">
+        <a:shade val="90000"/>
+      </a:schemeClr>
+    </dgm:fillClrLst>
+    <dgm:linClrLst meth="repeat">
+      <a:schemeClr val="dk1"/>
+    </dgm:linClrLst>
+    <dgm:effectClrLst/>
+    <dgm:txLinClrLst/>
+    <dgm:txFillClrLst meth="repeat">
+      <a:schemeClr val="lt1"/>
+    </dgm:txFillClrLst>
+    <dgm:txEffectClrLst/>
+  </dgm:styleLbl>
+  <dgm:styleLbl name="trBgShp">
+    <dgm:fillClrLst meth="repeat">
+      <a:schemeClr val="accent1">
+        <a:tint val="50000"/>
+        <a:alpha val="40000"/>
+      </a:schemeClr>
+    </dgm:fillClrLst>
+    <dgm:linClrLst meth="repeat">
+      <a:schemeClr val="accent2"/>
+    </dgm:linClrLst>
+    <dgm:effectClrLst/>
+    <dgm:txLinClrLst/>
+    <dgm:txFillClrLst meth="repeat">
+      <a:schemeClr val="lt1"/>
+    </dgm:txFillClrLst>
+    <dgm:txEffectClrLst/>
+  </dgm:styleLbl>
+  <dgm:styleLbl name="fgShp">
+    <dgm:fillClrLst meth="repeat">
+      <a:schemeClr val="accent2">
+        <a:tint val="40000"/>
+      </a:schemeClr>
+    </dgm:fillClrLst>
+    <dgm:linClrLst meth="repeat">
+      <a:schemeClr val="lt1"/>
+    </dgm:linClrLst>
+    <dgm:effectClrLst/>
+    <dgm:txLinClrLst/>
+    <dgm:txFillClrLst meth="repeat">
+      <a:schemeClr val="dk1"/>
+    </dgm:txFillClrLst>
+    <dgm:txEffectClrLst/>
+  </dgm:styleLbl>
+  <dgm:styleLbl name="revTx">
+    <dgm:fillClrLst meth="repeat">
+      <a:schemeClr val="lt1">
+        <a:alpha val="0"/>
+      </a:schemeClr>
+    </dgm:fillClrLst>
+    <dgm:linClrLst meth="repeat">
+      <a:schemeClr val="dk1">
+        <a:alpha val="0"/>
+      </a:schemeClr>
+    </dgm:linClrLst>
+    <dgm:effectClrLst/>
+    <dgm:txLinClrLst/>
+    <dgm:txFillClrLst meth="repeat">
+      <a:schemeClr val="tx1"/>
+    </dgm:txFillClrLst>
+    <dgm:txEffectClrLst/>
+  </dgm:styleLbl>
+</dgm:colorsDef>
+</file>
+
 <file path=ppt/diagrams/data1.xml><?xml version="1.0" encoding="utf-8"?>
 <dgm:dataModel xmlns:dgm="http://schemas.openxmlformats.org/drawingml/2006/diagram" xmlns:a="http://schemas.openxmlformats.org/drawingml/2006/main">
   <dgm:ptLst>
@@ -2475,7 +3963,7 @@
         <a:lstStyle/>
         <a:p>
           <a:r>
-            <a:rPr lang="en-US"/>
+            <a:rPr lang="en-US" dirty="0"/>
             <a:t>EDA</a:t>
           </a:r>
         </a:p>
@@ -2734,10 +4222,10 @@
   <dgm:cxnLst>
     <dgm:cxn modelId="{E2D5C317-45CF-8C45-A20C-BF708C08E597}" type="presOf" srcId="{F99A6A39-3A14-4783-B1BF-2F36E017B41B}" destId="{78F70A57-4934-BC42-BF7E-1B73237875CB}" srcOrd="0" destOrd="0" presId="urn:microsoft.com/office/officeart/2005/8/layout/vList2"/>
     <dgm:cxn modelId="{E55B6129-B703-F74B-AAEA-37FD2DC4383E}" type="presOf" srcId="{331E1E7A-30EF-461E-9672-2618840C5D45}" destId="{D62DDE31-4462-0447-849E-211C9EC5E9E3}" srcOrd="0" destOrd="0" presId="urn:microsoft.com/office/officeart/2005/8/layout/vList2"/>
-    <dgm:cxn modelId="{C1EB6558-CE84-A644-95FF-D12DF2B351AD}" type="presOf" srcId="{767371AF-7290-40AF-BA27-583C139F0306}" destId="{DD4ADBE9-DAC7-794E-961B-91E7F5DC3BDA}" srcOrd="0" destOrd="0" presId="urn:microsoft.com/office/officeart/2005/8/layout/vList2"/>
     <dgm:cxn modelId="{0027B35B-8B5B-4026-8B24-1E7567012B11}" srcId="{7E8C24C6-FB93-4C5E-B562-EE461AE54E81}" destId="{0C515DA9-1526-42AC-9511-6A26CB905A2D}" srcOrd="4" destOrd="0" parTransId="{1141938A-3BFE-414F-B7AD-8266E03DECEF}" sibTransId="{DD3B7F44-B6CA-4723-8275-0584847DBD90}"/>
     <dgm:cxn modelId="{5657EB60-F17E-42FE-8338-B79EA912688C}" srcId="{7E8C24C6-FB93-4C5E-B562-EE461AE54E81}" destId="{F99A6A39-3A14-4783-B1BF-2F36E017B41B}" srcOrd="2" destOrd="0" parTransId="{ED924508-41B1-4D7E-9498-E6191BE4793A}" sibTransId="{6774F2A9-82E6-4855-9E60-0DAE6B55833C}"/>
     <dgm:cxn modelId="{D132C86D-13D5-432C-87F0-F06CAFBCC481}" srcId="{7E8C24C6-FB93-4C5E-B562-EE461AE54E81}" destId="{239B4F2E-FF66-434A-8764-AB41DCE6BF00}" srcOrd="1" destOrd="0" parTransId="{B46A9B4C-8DF2-44CB-B278-13AE8CCBB308}" sibTransId="{3531A47C-6A7F-4AE9-A671-DCAC055614E6}"/>
+    <dgm:cxn modelId="{C1EB6558-CE84-A644-95FF-D12DF2B351AD}" type="presOf" srcId="{767371AF-7290-40AF-BA27-583C139F0306}" destId="{DD4ADBE9-DAC7-794E-961B-91E7F5DC3BDA}" srcOrd="0" destOrd="0" presId="urn:microsoft.com/office/officeart/2005/8/layout/vList2"/>
     <dgm:cxn modelId="{545B6C8E-4784-154A-BF73-59626629CD55}" type="presOf" srcId="{0C515DA9-1526-42AC-9511-6A26CB905A2D}" destId="{BD450D0D-AFB8-C94F-9CB5-D5EBF149F476}" srcOrd="0" destOrd="0" presId="urn:microsoft.com/office/officeart/2005/8/layout/vList2"/>
     <dgm:cxn modelId="{129E3694-E0ED-499C-B6C6-B2B96A1BAE23}" srcId="{7E8C24C6-FB93-4C5E-B562-EE461AE54E81}" destId="{B75034DE-4D5E-4716-85B7-417512864F29}" srcOrd="5" destOrd="0" parTransId="{FFF18B4C-671E-4A01-A9CF-ADAC42367DD7}" sibTransId="{4EB2403E-760B-423E-B9FE-30331C724D5C}"/>
     <dgm:cxn modelId="{B5116DB7-0F07-364B-BF56-9A320BE0A913}" type="presOf" srcId="{7E8C24C6-FB93-4C5E-B562-EE461AE54E81}" destId="{968B5D59-1F9B-BF4D-90E0-05C67A4DD14A}" srcOrd="0" destOrd="0" presId="urn:microsoft.com/office/officeart/2005/8/layout/vList2"/>
@@ -3008,6 +4496,361 @@
 </dgm:dataModel>
 </file>
 
+<file path=ppt/diagrams/data3.xml><?xml version="1.0" encoding="utf-8"?>
+<dgm:dataModel xmlns:dgm="http://schemas.openxmlformats.org/drawingml/2006/diagram" xmlns:a="http://schemas.openxmlformats.org/drawingml/2006/main">
+  <dgm:ptLst>
+    <dgm:pt modelId="{7E8C24C6-FB93-4C5E-B562-EE461AE54E81}" type="doc">
+      <dgm:prSet loTypeId="urn:microsoft.com/office/officeart/2005/8/layout/vList2" loCatId="list" qsTypeId="urn:microsoft.com/office/officeart/2005/8/quickstyle/simple1" qsCatId="simple" csTypeId="urn:microsoft.com/office/officeart/2005/8/colors/colorful1" csCatId="colorful" phldr="1"/>
+      <dgm:spPr/>
+      <dgm:t>
+        <a:bodyPr/>
+        <a:lstStyle/>
+        <a:p>
+          <a:endParaRPr lang="en-US"/>
+        </a:p>
+      </dgm:t>
+    </dgm:pt>
+    <dgm:pt modelId="{331E1E7A-30EF-461E-9672-2618840C5D45}">
+      <dgm:prSet/>
+      <dgm:spPr/>
+      <dgm:t>
+        <a:bodyPr/>
+        <a:lstStyle/>
+        <a:p>
+          <a:r>
+            <a:rPr lang="en-US" dirty="0"/>
+            <a:t>Choose data from flight SQL database to be model inputs</a:t>
+          </a:r>
+        </a:p>
+      </dgm:t>
+    </dgm:pt>
+    <dgm:pt modelId="{A0DAAF89-5253-4960-A5DE-19CEBFB94B43}" type="parTrans" cxnId="{ECE9DAC7-4387-418F-B0CF-F086E9D3DEF9}">
+      <dgm:prSet/>
+      <dgm:spPr/>
+      <dgm:t>
+        <a:bodyPr/>
+        <a:lstStyle/>
+        <a:p>
+          <a:endParaRPr lang="en-US"/>
+        </a:p>
+      </dgm:t>
+    </dgm:pt>
+    <dgm:pt modelId="{9AFF2960-F4BA-49FC-84EA-737F29E3FBA8}" type="sibTrans" cxnId="{ECE9DAC7-4387-418F-B0CF-F086E9D3DEF9}">
+      <dgm:prSet/>
+      <dgm:spPr/>
+      <dgm:t>
+        <a:bodyPr/>
+        <a:lstStyle/>
+        <a:p>
+          <a:endParaRPr lang="en-US"/>
+        </a:p>
+      </dgm:t>
+    </dgm:pt>
+    <dgm:pt modelId="{239B4F2E-FF66-434A-8764-AB41DCE6BF00}">
+      <dgm:prSet/>
+      <dgm:spPr/>
+      <dgm:t>
+        <a:bodyPr/>
+        <a:lstStyle/>
+        <a:p>
+          <a:r>
+            <a:rPr lang="en-US" dirty="0"/>
+            <a:t>Export 100,000 randomly selected line items from SQL</a:t>
+          </a:r>
+        </a:p>
+      </dgm:t>
+    </dgm:pt>
+    <dgm:pt modelId="{B46A9B4C-8DF2-44CB-B278-13AE8CCBB308}" type="parTrans" cxnId="{D132C86D-13D5-432C-87F0-F06CAFBCC481}">
+      <dgm:prSet/>
+      <dgm:spPr/>
+      <dgm:t>
+        <a:bodyPr/>
+        <a:lstStyle/>
+        <a:p>
+          <a:endParaRPr lang="en-US"/>
+        </a:p>
+      </dgm:t>
+    </dgm:pt>
+    <dgm:pt modelId="{3531A47C-6A7F-4AE9-A671-DCAC055614E6}" type="sibTrans" cxnId="{D132C86D-13D5-432C-87F0-F06CAFBCC481}">
+      <dgm:prSet/>
+      <dgm:spPr/>
+      <dgm:t>
+        <a:bodyPr/>
+        <a:lstStyle/>
+        <a:p>
+          <a:endParaRPr lang="en-US"/>
+        </a:p>
+      </dgm:t>
+    </dgm:pt>
+    <dgm:pt modelId="{F99A6A39-3A14-4783-B1BF-2F36E017B41B}">
+      <dgm:prSet/>
+      <dgm:spPr/>
+      <dgm:t>
+        <a:bodyPr/>
+        <a:lstStyle/>
+        <a:p>
+          <a:r>
+            <a:rPr lang="en-US" dirty="0"/>
+            <a:t>Merge airport latitude and longitude location data to flight data</a:t>
+          </a:r>
+        </a:p>
+      </dgm:t>
+    </dgm:pt>
+    <dgm:pt modelId="{ED924508-41B1-4D7E-9498-E6191BE4793A}" type="parTrans" cxnId="{5657EB60-F17E-42FE-8338-B79EA912688C}">
+      <dgm:prSet/>
+      <dgm:spPr/>
+      <dgm:t>
+        <a:bodyPr/>
+        <a:lstStyle/>
+        <a:p>
+          <a:endParaRPr lang="en-US"/>
+        </a:p>
+      </dgm:t>
+    </dgm:pt>
+    <dgm:pt modelId="{6774F2A9-82E6-4855-9E60-0DAE6B55833C}" type="sibTrans" cxnId="{5657EB60-F17E-42FE-8338-B79EA912688C}">
+      <dgm:prSet/>
+      <dgm:spPr/>
+      <dgm:t>
+        <a:bodyPr/>
+        <a:lstStyle/>
+        <a:p>
+          <a:endParaRPr lang="en-US"/>
+        </a:p>
+      </dgm:t>
+    </dgm:pt>
+    <dgm:pt modelId="{767371AF-7290-40AF-BA27-583C139F0306}">
+      <dgm:prSet/>
+      <dgm:spPr/>
+      <dgm:t>
+        <a:bodyPr/>
+        <a:lstStyle/>
+        <a:p>
+          <a:r>
+            <a:rPr lang="en-US" dirty="0"/>
+            <a:t>Merge weather information corresponding to airport geographical information and flight date </a:t>
+          </a:r>
+        </a:p>
+      </dgm:t>
+    </dgm:pt>
+    <dgm:pt modelId="{3B24956F-D890-4377-9188-0446F0622806}" type="parTrans" cxnId="{6C4761DA-8499-4E17-BA8E-ACA556CD7827}">
+      <dgm:prSet/>
+      <dgm:spPr/>
+      <dgm:t>
+        <a:bodyPr/>
+        <a:lstStyle/>
+        <a:p>
+          <a:endParaRPr lang="en-US"/>
+        </a:p>
+      </dgm:t>
+    </dgm:pt>
+    <dgm:pt modelId="{DE095069-8C69-4708-A00C-3D9DD2B4A520}" type="sibTrans" cxnId="{6C4761DA-8499-4E17-BA8E-ACA556CD7827}">
+      <dgm:prSet/>
+      <dgm:spPr/>
+      <dgm:t>
+        <a:bodyPr/>
+        <a:lstStyle/>
+        <a:p>
+          <a:endParaRPr lang="en-US"/>
+        </a:p>
+      </dgm:t>
+    </dgm:pt>
+    <dgm:pt modelId="{0C515DA9-1526-42AC-9511-6A26CB905A2D}">
+      <dgm:prSet/>
+      <dgm:spPr/>
+      <dgm:t>
+        <a:bodyPr/>
+        <a:lstStyle/>
+        <a:p>
+          <a:r>
+            <a:rPr lang="en-US" dirty="0"/>
+            <a:t>Transform categorical variables (flight number &amp; flight route) into numeric data</a:t>
+          </a:r>
+        </a:p>
+      </dgm:t>
+    </dgm:pt>
+    <dgm:pt modelId="{1141938A-3BFE-414F-B7AD-8266E03DECEF}" type="parTrans" cxnId="{0027B35B-8B5B-4026-8B24-1E7567012B11}">
+      <dgm:prSet/>
+      <dgm:spPr/>
+      <dgm:t>
+        <a:bodyPr/>
+        <a:lstStyle/>
+        <a:p>
+          <a:endParaRPr lang="en-US"/>
+        </a:p>
+      </dgm:t>
+    </dgm:pt>
+    <dgm:pt modelId="{DD3B7F44-B6CA-4723-8275-0584847DBD90}" type="sibTrans" cxnId="{0027B35B-8B5B-4026-8B24-1E7567012B11}">
+      <dgm:prSet/>
+      <dgm:spPr/>
+      <dgm:t>
+        <a:bodyPr/>
+        <a:lstStyle/>
+        <a:p>
+          <a:endParaRPr lang="en-US"/>
+        </a:p>
+      </dgm:t>
+    </dgm:pt>
+    <dgm:pt modelId="{B75034DE-4D5E-4716-85B7-417512864F29}">
+      <dgm:prSet/>
+      <dgm:spPr/>
+      <dgm:t>
+        <a:bodyPr/>
+        <a:lstStyle/>
+        <a:p>
+          <a:r>
+            <a:rPr lang="en-US" dirty="0"/>
+            <a:t>Drop any NA values from the </a:t>
+          </a:r>
+          <a:r>
+            <a:rPr lang="en-US" dirty="0" err="1"/>
+            <a:t>DataFrame</a:t>
+          </a:r>
+          <a:endParaRPr lang="en-US" dirty="0"/>
+        </a:p>
+      </dgm:t>
+    </dgm:pt>
+    <dgm:pt modelId="{FFF18B4C-671E-4A01-A9CF-ADAC42367DD7}" type="parTrans" cxnId="{129E3694-E0ED-499C-B6C6-B2B96A1BAE23}">
+      <dgm:prSet/>
+      <dgm:spPr/>
+      <dgm:t>
+        <a:bodyPr/>
+        <a:lstStyle/>
+        <a:p>
+          <a:endParaRPr lang="en-US"/>
+        </a:p>
+      </dgm:t>
+    </dgm:pt>
+    <dgm:pt modelId="{4EB2403E-760B-423E-B9FE-30331C724D5C}" type="sibTrans" cxnId="{129E3694-E0ED-499C-B6C6-B2B96A1BAE23}">
+      <dgm:prSet/>
+      <dgm:spPr/>
+      <dgm:t>
+        <a:bodyPr/>
+        <a:lstStyle/>
+        <a:p>
+          <a:endParaRPr lang="en-US"/>
+        </a:p>
+      </dgm:t>
+    </dgm:pt>
+    <dgm:pt modelId="{968B5D59-1F9B-BF4D-90E0-05C67A4DD14A}" type="pres">
+      <dgm:prSet presAssocID="{7E8C24C6-FB93-4C5E-B562-EE461AE54E81}" presName="linear" presStyleCnt="0">
+        <dgm:presLayoutVars>
+          <dgm:animLvl val="lvl"/>
+          <dgm:resizeHandles val="exact"/>
+        </dgm:presLayoutVars>
+      </dgm:prSet>
+      <dgm:spPr/>
+    </dgm:pt>
+    <dgm:pt modelId="{D62DDE31-4462-0447-849E-211C9EC5E9E3}" type="pres">
+      <dgm:prSet presAssocID="{331E1E7A-30EF-461E-9672-2618840C5D45}" presName="parentText" presStyleLbl="node1" presStyleIdx="0" presStyleCnt="6">
+        <dgm:presLayoutVars>
+          <dgm:chMax val="0"/>
+          <dgm:bulletEnabled val="1"/>
+        </dgm:presLayoutVars>
+      </dgm:prSet>
+      <dgm:spPr/>
+    </dgm:pt>
+    <dgm:pt modelId="{3B1AED57-5E3F-284A-9423-0A9B66676D09}" type="pres">
+      <dgm:prSet presAssocID="{9AFF2960-F4BA-49FC-84EA-737F29E3FBA8}" presName="spacer" presStyleCnt="0"/>
+      <dgm:spPr/>
+    </dgm:pt>
+    <dgm:pt modelId="{A46AC6D7-053B-C447-89DA-79452E79F02A}" type="pres">
+      <dgm:prSet presAssocID="{239B4F2E-FF66-434A-8764-AB41DCE6BF00}" presName="parentText" presStyleLbl="node1" presStyleIdx="1" presStyleCnt="6">
+        <dgm:presLayoutVars>
+          <dgm:chMax val="0"/>
+          <dgm:bulletEnabled val="1"/>
+        </dgm:presLayoutVars>
+      </dgm:prSet>
+      <dgm:spPr/>
+    </dgm:pt>
+    <dgm:pt modelId="{1AE38855-74F0-0E42-8D26-4E410A667F25}" type="pres">
+      <dgm:prSet presAssocID="{3531A47C-6A7F-4AE9-A671-DCAC055614E6}" presName="spacer" presStyleCnt="0"/>
+      <dgm:spPr/>
+    </dgm:pt>
+    <dgm:pt modelId="{78F70A57-4934-BC42-BF7E-1B73237875CB}" type="pres">
+      <dgm:prSet presAssocID="{F99A6A39-3A14-4783-B1BF-2F36E017B41B}" presName="parentText" presStyleLbl="node1" presStyleIdx="2" presStyleCnt="6">
+        <dgm:presLayoutVars>
+          <dgm:chMax val="0"/>
+          <dgm:bulletEnabled val="1"/>
+        </dgm:presLayoutVars>
+      </dgm:prSet>
+      <dgm:spPr/>
+    </dgm:pt>
+    <dgm:pt modelId="{03EAA688-F947-A149-ADF5-A0993B720119}" type="pres">
+      <dgm:prSet presAssocID="{6774F2A9-82E6-4855-9E60-0DAE6B55833C}" presName="spacer" presStyleCnt="0"/>
+      <dgm:spPr/>
+    </dgm:pt>
+    <dgm:pt modelId="{DD4ADBE9-DAC7-794E-961B-91E7F5DC3BDA}" type="pres">
+      <dgm:prSet presAssocID="{767371AF-7290-40AF-BA27-583C139F0306}" presName="parentText" presStyleLbl="node1" presStyleIdx="3" presStyleCnt="6" custLinFactNeighborX="-1075" custLinFactNeighborY="29375">
+        <dgm:presLayoutVars>
+          <dgm:chMax val="0"/>
+          <dgm:bulletEnabled val="1"/>
+        </dgm:presLayoutVars>
+      </dgm:prSet>
+      <dgm:spPr/>
+    </dgm:pt>
+    <dgm:pt modelId="{30DF7DF2-5267-A041-B473-2CCFC6F1D813}" type="pres">
+      <dgm:prSet presAssocID="{DE095069-8C69-4708-A00C-3D9DD2B4A520}" presName="spacer" presStyleCnt="0"/>
+      <dgm:spPr/>
+    </dgm:pt>
+    <dgm:pt modelId="{BD450D0D-AFB8-C94F-9CB5-D5EBF149F476}" type="pres">
+      <dgm:prSet presAssocID="{0C515DA9-1526-42AC-9511-6A26CB905A2D}" presName="parentText" presStyleLbl="node1" presStyleIdx="4" presStyleCnt="6">
+        <dgm:presLayoutVars>
+          <dgm:chMax val="0"/>
+          <dgm:bulletEnabled val="1"/>
+        </dgm:presLayoutVars>
+      </dgm:prSet>
+      <dgm:spPr/>
+    </dgm:pt>
+    <dgm:pt modelId="{5B9B3D1E-A072-1E43-8181-ADB03DAB880F}" type="pres">
+      <dgm:prSet presAssocID="{DD3B7F44-B6CA-4723-8275-0584847DBD90}" presName="spacer" presStyleCnt="0"/>
+      <dgm:spPr/>
+    </dgm:pt>
+    <dgm:pt modelId="{E91A636C-C6C3-424E-96A3-23BF29155522}" type="pres">
+      <dgm:prSet presAssocID="{B75034DE-4D5E-4716-85B7-417512864F29}" presName="parentText" presStyleLbl="node1" presStyleIdx="5" presStyleCnt="6" custLinFactNeighborX="-881" custLinFactNeighborY="25487">
+        <dgm:presLayoutVars>
+          <dgm:chMax val="0"/>
+          <dgm:bulletEnabled val="1"/>
+        </dgm:presLayoutVars>
+      </dgm:prSet>
+      <dgm:spPr/>
+    </dgm:pt>
+  </dgm:ptLst>
+  <dgm:cxnLst>
+    <dgm:cxn modelId="{E2D5C317-45CF-8C45-A20C-BF708C08E597}" type="presOf" srcId="{F99A6A39-3A14-4783-B1BF-2F36E017B41B}" destId="{78F70A57-4934-BC42-BF7E-1B73237875CB}" srcOrd="0" destOrd="0" presId="urn:microsoft.com/office/officeart/2005/8/layout/vList2"/>
+    <dgm:cxn modelId="{E55B6129-B703-F74B-AAEA-37FD2DC4383E}" type="presOf" srcId="{331E1E7A-30EF-461E-9672-2618840C5D45}" destId="{D62DDE31-4462-0447-849E-211C9EC5E9E3}" srcOrd="0" destOrd="0" presId="urn:microsoft.com/office/officeart/2005/8/layout/vList2"/>
+    <dgm:cxn modelId="{0027B35B-8B5B-4026-8B24-1E7567012B11}" srcId="{7E8C24C6-FB93-4C5E-B562-EE461AE54E81}" destId="{0C515DA9-1526-42AC-9511-6A26CB905A2D}" srcOrd="4" destOrd="0" parTransId="{1141938A-3BFE-414F-B7AD-8266E03DECEF}" sibTransId="{DD3B7F44-B6CA-4723-8275-0584847DBD90}"/>
+    <dgm:cxn modelId="{5657EB60-F17E-42FE-8338-B79EA912688C}" srcId="{7E8C24C6-FB93-4C5E-B562-EE461AE54E81}" destId="{F99A6A39-3A14-4783-B1BF-2F36E017B41B}" srcOrd="2" destOrd="0" parTransId="{ED924508-41B1-4D7E-9498-E6191BE4793A}" sibTransId="{6774F2A9-82E6-4855-9E60-0DAE6B55833C}"/>
+    <dgm:cxn modelId="{D132C86D-13D5-432C-87F0-F06CAFBCC481}" srcId="{7E8C24C6-FB93-4C5E-B562-EE461AE54E81}" destId="{239B4F2E-FF66-434A-8764-AB41DCE6BF00}" srcOrd="1" destOrd="0" parTransId="{B46A9B4C-8DF2-44CB-B278-13AE8CCBB308}" sibTransId="{3531A47C-6A7F-4AE9-A671-DCAC055614E6}"/>
+    <dgm:cxn modelId="{C1EB6558-CE84-A644-95FF-D12DF2B351AD}" type="presOf" srcId="{767371AF-7290-40AF-BA27-583C139F0306}" destId="{DD4ADBE9-DAC7-794E-961B-91E7F5DC3BDA}" srcOrd="0" destOrd="0" presId="urn:microsoft.com/office/officeart/2005/8/layout/vList2"/>
+    <dgm:cxn modelId="{545B6C8E-4784-154A-BF73-59626629CD55}" type="presOf" srcId="{0C515DA9-1526-42AC-9511-6A26CB905A2D}" destId="{BD450D0D-AFB8-C94F-9CB5-D5EBF149F476}" srcOrd="0" destOrd="0" presId="urn:microsoft.com/office/officeart/2005/8/layout/vList2"/>
+    <dgm:cxn modelId="{129E3694-E0ED-499C-B6C6-B2B96A1BAE23}" srcId="{7E8C24C6-FB93-4C5E-B562-EE461AE54E81}" destId="{B75034DE-4D5E-4716-85B7-417512864F29}" srcOrd="5" destOrd="0" parTransId="{FFF18B4C-671E-4A01-A9CF-ADAC42367DD7}" sibTransId="{4EB2403E-760B-423E-B9FE-30331C724D5C}"/>
+    <dgm:cxn modelId="{B5116DB7-0F07-364B-BF56-9A320BE0A913}" type="presOf" srcId="{7E8C24C6-FB93-4C5E-B562-EE461AE54E81}" destId="{968B5D59-1F9B-BF4D-90E0-05C67A4DD14A}" srcOrd="0" destOrd="0" presId="urn:microsoft.com/office/officeart/2005/8/layout/vList2"/>
+    <dgm:cxn modelId="{ECE9DAC7-4387-418F-B0CF-F086E9D3DEF9}" srcId="{7E8C24C6-FB93-4C5E-B562-EE461AE54E81}" destId="{331E1E7A-30EF-461E-9672-2618840C5D45}" srcOrd="0" destOrd="0" parTransId="{A0DAAF89-5253-4960-A5DE-19CEBFB94B43}" sibTransId="{9AFF2960-F4BA-49FC-84EA-737F29E3FBA8}"/>
+    <dgm:cxn modelId="{6C4761DA-8499-4E17-BA8E-ACA556CD7827}" srcId="{7E8C24C6-FB93-4C5E-B562-EE461AE54E81}" destId="{767371AF-7290-40AF-BA27-583C139F0306}" srcOrd="3" destOrd="0" parTransId="{3B24956F-D890-4377-9188-0446F0622806}" sibTransId="{DE095069-8C69-4708-A00C-3D9DD2B4A520}"/>
+    <dgm:cxn modelId="{BC66C6F2-4C7F-5B44-8F2D-88F92D190E2B}" type="presOf" srcId="{B75034DE-4D5E-4716-85B7-417512864F29}" destId="{E91A636C-C6C3-424E-96A3-23BF29155522}" srcOrd="0" destOrd="0" presId="urn:microsoft.com/office/officeart/2005/8/layout/vList2"/>
+    <dgm:cxn modelId="{F1348EF8-2CE8-9A40-9709-54C3C4018E0B}" type="presOf" srcId="{239B4F2E-FF66-434A-8764-AB41DCE6BF00}" destId="{A46AC6D7-053B-C447-89DA-79452E79F02A}" srcOrd="0" destOrd="0" presId="urn:microsoft.com/office/officeart/2005/8/layout/vList2"/>
+    <dgm:cxn modelId="{39E48B2B-3656-E24D-9448-72440D80A5C4}" type="presParOf" srcId="{968B5D59-1F9B-BF4D-90E0-05C67A4DD14A}" destId="{D62DDE31-4462-0447-849E-211C9EC5E9E3}" srcOrd="0" destOrd="0" presId="urn:microsoft.com/office/officeart/2005/8/layout/vList2"/>
+    <dgm:cxn modelId="{E8EB5D22-E5D4-2147-ABB2-8E390433224D}" type="presParOf" srcId="{968B5D59-1F9B-BF4D-90E0-05C67A4DD14A}" destId="{3B1AED57-5E3F-284A-9423-0A9B66676D09}" srcOrd="1" destOrd="0" presId="urn:microsoft.com/office/officeart/2005/8/layout/vList2"/>
+    <dgm:cxn modelId="{F492E517-6273-E94D-BA1D-45C806CE9FC7}" type="presParOf" srcId="{968B5D59-1F9B-BF4D-90E0-05C67A4DD14A}" destId="{A46AC6D7-053B-C447-89DA-79452E79F02A}" srcOrd="2" destOrd="0" presId="urn:microsoft.com/office/officeart/2005/8/layout/vList2"/>
+    <dgm:cxn modelId="{5BF5EE4C-BCEC-5243-A667-E7B95B343296}" type="presParOf" srcId="{968B5D59-1F9B-BF4D-90E0-05C67A4DD14A}" destId="{1AE38855-74F0-0E42-8D26-4E410A667F25}" srcOrd="3" destOrd="0" presId="urn:microsoft.com/office/officeart/2005/8/layout/vList2"/>
+    <dgm:cxn modelId="{515BA8F3-18F3-5947-86D5-CA1D75471012}" type="presParOf" srcId="{968B5D59-1F9B-BF4D-90E0-05C67A4DD14A}" destId="{78F70A57-4934-BC42-BF7E-1B73237875CB}" srcOrd="4" destOrd="0" presId="urn:microsoft.com/office/officeart/2005/8/layout/vList2"/>
+    <dgm:cxn modelId="{DBC2947E-ED81-1645-A50E-A3FDDB653075}" type="presParOf" srcId="{968B5D59-1F9B-BF4D-90E0-05C67A4DD14A}" destId="{03EAA688-F947-A149-ADF5-A0993B720119}" srcOrd="5" destOrd="0" presId="urn:microsoft.com/office/officeart/2005/8/layout/vList2"/>
+    <dgm:cxn modelId="{66D20BCF-9F22-3045-8A39-6088D845A42C}" type="presParOf" srcId="{968B5D59-1F9B-BF4D-90E0-05C67A4DD14A}" destId="{DD4ADBE9-DAC7-794E-961B-91E7F5DC3BDA}" srcOrd="6" destOrd="0" presId="urn:microsoft.com/office/officeart/2005/8/layout/vList2"/>
+    <dgm:cxn modelId="{CC872444-E8C9-9849-B872-516106B57442}" type="presParOf" srcId="{968B5D59-1F9B-BF4D-90E0-05C67A4DD14A}" destId="{30DF7DF2-5267-A041-B473-2CCFC6F1D813}" srcOrd="7" destOrd="0" presId="urn:microsoft.com/office/officeart/2005/8/layout/vList2"/>
+    <dgm:cxn modelId="{05156579-8AE4-134E-94DF-7B5FCF8E4441}" type="presParOf" srcId="{968B5D59-1F9B-BF4D-90E0-05C67A4DD14A}" destId="{BD450D0D-AFB8-C94F-9CB5-D5EBF149F476}" srcOrd="8" destOrd="0" presId="urn:microsoft.com/office/officeart/2005/8/layout/vList2"/>
+    <dgm:cxn modelId="{61DAEA24-A82E-E84D-93F2-6B921F03B5A8}" type="presParOf" srcId="{968B5D59-1F9B-BF4D-90E0-05C67A4DD14A}" destId="{5B9B3D1E-A072-1E43-8181-ADB03DAB880F}" srcOrd="9" destOrd="0" presId="urn:microsoft.com/office/officeart/2005/8/layout/vList2"/>
+    <dgm:cxn modelId="{4A59F30E-BF0C-6047-B6CF-B603C21D1E1E}" type="presParOf" srcId="{968B5D59-1F9B-BF4D-90E0-05C67A4DD14A}" destId="{E91A636C-C6C3-424E-96A3-23BF29155522}" srcOrd="10" destOrd="0" presId="urn:microsoft.com/office/officeart/2005/8/layout/vList2"/>
+  </dgm:cxnLst>
+  <dgm:bg/>
+  <dgm:whole/>
+  <dgm:extLst>
+    <a:ext uri="http://schemas.microsoft.com/office/drawing/2008/diagram">
+      <dsp:dataModelExt xmlns:dsp="http://schemas.microsoft.com/office/drawing/2008/diagram" relId="rId6" minVer="http://schemas.openxmlformats.org/drawingml/2006/diagram"/>
+    </a:ext>
+  </dgm:extLst>
+</dgm:dataModel>
+</file>
+
 <file path=ppt/diagrams/drawing1.xml><?xml version="1.0" encoding="utf-8"?>
 <dsp:drawing xmlns:dgm="http://schemas.openxmlformats.org/drawingml/2006/diagram" xmlns:dsp="http://schemas.microsoft.com/office/drawing/2008/diagram" xmlns:a="http://schemas.openxmlformats.org/drawingml/2006/main">
   <dsp:spTree>
@@ -3162,7 +5005,7 @@
             <a:buNone/>
           </a:pPr>
           <a:r>
-            <a:rPr lang="en-US" sz="3500" kern="1200"/>
+            <a:rPr lang="en-US" sz="3500" kern="1200" dirty="0"/>
             <a:t>EDA</a:t>
           </a:r>
         </a:p>
@@ -3915,6 +5758,491 @@
 </dsp:drawing>
 </file>
 
+<file path=ppt/diagrams/drawing3.xml><?xml version="1.0" encoding="utf-8"?>
+<dsp:drawing xmlns:dgm="http://schemas.openxmlformats.org/drawingml/2006/diagram" xmlns:dsp="http://schemas.microsoft.com/office/drawing/2008/diagram" xmlns:a="http://schemas.openxmlformats.org/drawingml/2006/main">
+  <dsp:spTree>
+    <dsp:nvGrpSpPr>
+      <dsp:cNvPr id="0" name=""/>
+      <dsp:cNvGrpSpPr/>
+    </dsp:nvGrpSpPr>
+    <dsp:grpSpPr/>
+    <dsp:sp modelId="{D62DDE31-4462-0447-849E-211C9EC5E9E3}">
+      <dsp:nvSpPr>
+        <dsp:cNvPr id="0" name=""/>
+        <dsp:cNvSpPr/>
+      </dsp:nvSpPr>
+      <dsp:spPr>
+        <a:xfrm>
+          <a:off x="0" y="5039"/>
+          <a:ext cx="6967728" cy="875160"/>
+        </a:xfrm>
+        <a:prstGeom prst="roundRect">
+          <a:avLst/>
+        </a:prstGeom>
+        <a:solidFill>
+          <a:schemeClr val="accent2">
+            <a:hueOff val="0"/>
+            <a:satOff val="0"/>
+            <a:lumOff val="0"/>
+            <a:alphaOff val="0"/>
+          </a:schemeClr>
+        </a:solidFill>
+        <a:ln w="12700" cap="flat" cmpd="sng" algn="ctr">
+          <a:solidFill>
+            <a:schemeClr val="lt1">
+              <a:hueOff val="0"/>
+              <a:satOff val="0"/>
+              <a:lumOff val="0"/>
+              <a:alphaOff val="0"/>
+            </a:schemeClr>
+          </a:solidFill>
+          <a:prstDash val="solid"/>
+          <a:miter lim="800000"/>
+        </a:ln>
+        <a:effectLst/>
+      </dsp:spPr>
+      <dsp:style>
+        <a:lnRef idx="2">
+          <a:scrgbClr r="0" g="0" b="0"/>
+        </a:lnRef>
+        <a:fillRef idx="1">
+          <a:scrgbClr r="0" g="0" b="0"/>
+        </a:fillRef>
+        <a:effectRef idx="0">
+          <a:scrgbClr r="0" g="0" b="0"/>
+        </a:effectRef>
+        <a:fontRef idx="minor">
+          <a:schemeClr val="lt1"/>
+        </a:fontRef>
+      </dsp:style>
+      <dsp:txBody>
+        <a:bodyPr spcFirstLastPara="0" vert="horz" wrap="square" lIns="83820" tIns="83820" rIns="83820" bIns="83820" numCol="1" spcCol="1270" anchor="ctr" anchorCtr="0">
+          <a:noAutofit/>
+        </a:bodyPr>
+        <a:lstStyle/>
+        <a:p>
+          <a:pPr marL="0" lvl="0" indent="0" algn="l" defTabSz="977900">
+            <a:lnSpc>
+              <a:spcPct val="90000"/>
+            </a:lnSpc>
+            <a:spcBef>
+              <a:spcPct val="0"/>
+            </a:spcBef>
+            <a:spcAft>
+              <a:spcPct val="35000"/>
+            </a:spcAft>
+            <a:buNone/>
+          </a:pPr>
+          <a:r>
+            <a:rPr lang="en-US" sz="2200" kern="1200" dirty="0"/>
+            <a:t>Choose data from flight SQL database to be model inputs</a:t>
+          </a:r>
+        </a:p>
+      </dsp:txBody>
+      <dsp:txXfrm>
+        <a:off x="42722" y="47761"/>
+        <a:ext cx="6882284" cy="789716"/>
+      </dsp:txXfrm>
+    </dsp:sp>
+    <dsp:sp modelId="{A46AC6D7-053B-C447-89DA-79452E79F02A}">
+      <dsp:nvSpPr>
+        <dsp:cNvPr id="0" name=""/>
+        <dsp:cNvSpPr/>
+      </dsp:nvSpPr>
+      <dsp:spPr>
+        <a:xfrm>
+          <a:off x="0" y="943559"/>
+          <a:ext cx="6967728" cy="875160"/>
+        </a:xfrm>
+        <a:prstGeom prst="roundRect">
+          <a:avLst/>
+        </a:prstGeom>
+        <a:solidFill>
+          <a:schemeClr val="accent3">
+            <a:hueOff val="0"/>
+            <a:satOff val="0"/>
+            <a:lumOff val="0"/>
+            <a:alphaOff val="0"/>
+          </a:schemeClr>
+        </a:solidFill>
+        <a:ln w="12700" cap="flat" cmpd="sng" algn="ctr">
+          <a:solidFill>
+            <a:schemeClr val="lt1">
+              <a:hueOff val="0"/>
+              <a:satOff val="0"/>
+              <a:lumOff val="0"/>
+              <a:alphaOff val="0"/>
+            </a:schemeClr>
+          </a:solidFill>
+          <a:prstDash val="solid"/>
+          <a:miter lim="800000"/>
+        </a:ln>
+        <a:effectLst/>
+      </dsp:spPr>
+      <dsp:style>
+        <a:lnRef idx="2">
+          <a:scrgbClr r="0" g="0" b="0"/>
+        </a:lnRef>
+        <a:fillRef idx="1">
+          <a:scrgbClr r="0" g="0" b="0"/>
+        </a:fillRef>
+        <a:effectRef idx="0">
+          <a:scrgbClr r="0" g="0" b="0"/>
+        </a:effectRef>
+        <a:fontRef idx="minor">
+          <a:schemeClr val="lt1"/>
+        </a:fontRef>
+      </dsp:style>
+      <dsp:txBody>
+        <a:bodyPr spcFirstLastPara="0" vert="horz" wrap="square" lIns="83820" tIns="83820" rIns="83820" bIns="83820" numCol="1" spcCol="1270" anchor="ctr" anchorCtr="0">
+          <a:noAutofit/>
+        </a:bodyPr>
+        <a:lstStyle/>
+        <a:p>
+          <a:pPr marL="0" lvl="0" indent="0" algn="l" defTabSz="977900">
+            <a:lnSpc>
+              <a:spcPct val="90000"/>
+            </a:lnSpc>
+            <a:spcBef>
+              <a:spcPct val="0"/>
+            </a:spcBef>
+            <a:spcAft>
+              <a:spcPct val="35000"/>
+            </a:spcAft>
+            <a:buNone/>
+          </a:pPr>
+          <a:r>
+            <a:rPr lang="en-US" sz="2200" kern="1200" dirty="0"/>
+            <a:t>Export 100,000 randomly selected line items from SQL</a:t>
+          </a:r>
+        </a:p>
+      </dsp:txBody>
+      <dsp:txXfrm>
+        <a:off x="42722" y="986281"/>
+        <a:ext cx="6882284" cy="789716"/>
+      </dsp:txXfrm>
+    </dsp:sp>
+    <dsp:sp modelId="{78F70A57-4934-BC42-BF7E-1B73237875CB}">
+      <dsp:nvSpPr>
+        <dsp:cNvPr id="0" name=""/>
+        <dsp:cNvSpPr/>
+      </dsp:nvSpPr>
+      <dsp:spPr>
+        <a:xfrm>
+          <a:off x="0" y="1882079"/>
+          <a:ext cx="6967728" cy="875160"/>
+        </a:xfrm>
+        <a:prstGeom prst="roundRect">
+          <a:avLst/>
+        </a:prstGeom>
+        <a:solidFill>
+          <a:schemeClr val="accent4">
+            <a:hueOff val="0"/>
+            <a:satOff val="0"/>
+            <a:lumOff val="0"/>
+            <a:alphaOff val="0"/>
+          </a:schemeClr>
+        </a:solidFill>
+        <a:ln w="12700" cap="flat" cmpd="sng" algn="ctr">
+          <a:solidFill>
+            <a:schemeClr val="lt1">
+              <a:hueOff val="0"/>
+              <a:satOff val="0"/>
+              <a:lumOff val="0"/>
+              <a:alphaOff val="0"/>
+            </a:schemeClr>
+          </a:solidFill>
+          <a:prstDash val="solid"/>
+          <a:miter lim="800000"/>
+        </a:ln>
+        <a:effectLst/>
+      </dsp:spPr>
+      <dsp:style>
+        <a:lnRef idx="2">
+          <a:scrgbClr r="0" g="0" b="0"/>
+        </a:lnRef>
+        <a:fillRef idx="1">
+          <a:scrgbClr r="0" g="0" b="0"/>
+        </a:fillRef>
+        <a:effectRef idx="0">
+          <a:scrgbClr r="0" g="0" b="0"/>
+        </a:effectRef>
+        <a:fontRef idx="minor">
+          <a:schemeClr val="lt1"/>
+        </a:fontRef>
+      </dsp:style>
+      <dsp:txBody>
+        <a:bodyPr spcFirstLastPara="0" vert="horz" wrap="square" lIns="83820" tIns="83820" rIns="83820" bIns="83820" numCol="1" spcCol="1270" anchor="ctr" anchorCtr="0">
+          <a:noAutofit/>
+        </a:bodyPr>
+        <a:lstStyle/>
+        <a:p>
+          <a:pPr marL="0" lvl="0" indent="0" algn="l" defTabSz="977900">
+            <a:lnSpc>
+              <a:spcPct val="90000"/>
+            </a:lnSpc>
+            <a:spcBef>
+              <a:spcPct val="0"/>
+            </a:spcBef>
+            <a:spcAft>
+              <a:spcPct val="35000"/>
+            </a:spcAft>
+            <a:buNone/>
+          </a:pPr>
+          <a:r>
+            <a:rPr lang="en-US" sz="2200" kern="1200" dirty="0"/>
+            <a:t>Merge airport latitude and longitude location data to flight data</a:t>
+          </a:r>
+        </a:p>
+      </dsp:txBody>
+      <dsp:txXfrm>
+        <a:off x="42722" y="1924801"/>
+        <a:ext cx="6882284" cy="789716"/>
+      </dsp:txXfrm>
+    </dsp:sp>
+    <dsp:sp modelId="{DD4ADBE9-DAC7-794E-961B-91E7F5DC3BDA}">
+      <dsp:nvSpPr>
+        <dsp:cNvPr id="0" name=""/>
+        <dsp:cNvSpPr/>
+      </dsp:nvSpPr>
+      <dsp:spPr>
+        <a:xfrm>
+          <a:off x="0" y="2839212"/>
+          <a:ext cx="6967728" cy="875160"/>
+        </a:xfrm>
+        <a:prstGeom prst="roundRect">
+          <a:avLst/>
+        </a:prstGeom>
+        <a:solidFill>
+          <a:schemeClr val="accent5">
+            <a:hueOff val="0"/>
+            <a:satOff val="0"/>
+            <a:lumOff val="0"/>
+            <a:alphaOff val="0"/>
+          </a:schemeClr>
+        </a:solidFill>
+        <a:ln w="12700" cap="flat" cmpd="sng" algn="ctr">
+          <a:solidFill>
+            <a:schemeClr val="lt1">
+              <a:hueOff val="0"/>
+              <a:satOff val="0"/>
+              <a:lumOff val="0"/>
+              <a:alphaOff val="0"/>
+            </a:schemeClr>
+          </a:solidFill>
+          <a:prstDash val="solid"/>
+          <a:miter lim="800000"/>
+        </a:ln>
+        <a:effectLst/>
+      </dsp:spPr>
+      <dsp:style>
+        <a:lnRef idx="2">
+          <a:scrgbClr r="0" g="0" b="0"/>
+        </a:lnRef>
+        <a:fillRef idx="1">
+          <a:scrgbClr r="0" g="0" b="0"/>
+        </a:fillRef>
+        <a:effectRef idx="0">
+          <a:scrgbClr r="0" g="0" b="0"/>
+        </a:effectRef>
+        <a:fontRef idx="minor">
+          <a:schemeClr val="lt1"/>
+        </a:fontRef>
+      </dsp:style>
+      <dsp:txBody>
+        <a:bodyPr spcFirstLastPara="0" vert="horz" wrap="square" lIns="83820" tIns="83820" rIns="83820" bIns="83820" numCol="1" spcCol="1270" anchor="ctr" anchorCtr="0">
+          <a:noAutofit/>
+        </a:bodyPr>
+        <a:lstStyle/>
+        <a:p>
+          <a:pPr marL="0" lvl="0" indent="0" algn="l" defTabSz="977900">
+            <a:lnSpc>
+              <a:spcPct val="90000"/>
+            </a:lnSpc>
+            <a:spcBef>
+              <a:spcPct val="0"/>
+            </a:spcBef>
+            <a:spcAft>
+              <a:spcPct val="35000"/>
+            </a:spcAft>
+            <a:buNone/>
+          </a:pPr>
+          <a:r>
+            <a:rPr lang="en-US" sz="2200" kern="1200" dirty="0"/>
+            <a:t>Merge weather information corresponding to airport geographical information and flight date </a:t>
+          </a:r>
+        </a:p>
+      </dsp:txBody>
+      <dsp:txXfrm>
+        <a:off x="42722" y="2881934"/>
+        <a:ext cx="6882284" cy="789716"/>
+      </dsp:txXfrm>
+    </dsp:sp>
+    <dsp:sp modelId="{BD450D0D-AFB8-C94F-9CB5-D5EBF149F476}">
+      <dsp:nvSpPr>
+        <dsp:cNvPr id="0" name=""/>
+        <dsp:cNvSpPr/>
+      </dsp:nvSpPr>
+      <dsp:spPr>
+        <a:xfrm>
+          <a:off x="0" y="3759120"/>
+          <a:ext cx="6967728" cy="875160"/>
+        </a:xfrm>
+        <a:prstGeom prst="roundRect">
+          <a:avLst/>
+        </a:prstGeom>
+        <a:solidFill>
+          <a:schemeClr val="accent6">
+            <a:hueOff val="0"/>
+            <a:satOff val="0"/>
+            <a:lumOff val="0"/>
+            <a:alphaOff val="0"/>
+          </a:schemeClr>
+        </a:solidFill>
+        <a:ln w="12700" cap="flat" cmpd="sng" algn="ctr">
+          <a:solidFill>
+            <a:schemeClr val="lt1">
+              <a:hueOff val="0"/>
+              <a:satOff val="0"/>
+              <a:lumOff val="0"/>
+              <a:alphaOff val="0"/>
+            </a:schemeClr>
+          </a:solidFill>
+          <a:prstDash val="solid"/>
+          <a:miter lim="800000"/>
+        </a:ln>
+        <a:effectLst/>
+      </dsp:spPr>
+      <dsp:style>
+        <a:lnRef idx="2">
+          <a:scrgbClr r="0" g="0" b="0"/>
+        </a:lnRef>
+        <a:fillRef idx="1">
+          <a:scrgbClr r="0" g="0" b="0"/>
+        </a:fillRef>
+        <a:effectRef idx="0">
+          <a:scrgbClr r="0" g="0" b="0"/>
+        </a:effectRef>
+        <a:fontRef idx="minor">
+          <a:schemeClr val="lt1"/>
+        </a:fontRef>
+      </dsp:style>
+      <dsp:txBody>
+        <a:bodyPr spcFirstLastPara="0" vert="horz" wrap="square" lIns="83820" tIns="83820" rIns="83820" bIns="83820" numCol="1" spcCol="1270" anchor="ctr" anchorCtr="0">
+          <a:noAutofit/>
+        </a:bodyPr>
+        <a:lstStyle/>
+        <a:p>
+          <a:pPr marL="0" lvl="0" indent="0" algn="l" defTabSz="977900">
+            <a:lnSpc>
+              <a:spcPct val="90000"/>
+            </a:lnSpc>
+            <a:spcBef>
+              <a:spcPct val="0"/>
+            </a:spcBef>
+            <a:spcAft>
+              <a:spcPct val="35000"/>
+            </a:spcAft>
+            <a:buNone/>
+          </a:pPr>
+          <a:r>
+            <a:rPr lang="en-US" sz="2200" kern="1200" dirty="0"/>
+            <a:t>Transform categorical variables (flight number &amp; flight route) into numeric data</a:t>
+          </a:r>
+        </a:p>
+      </dsp:txBody>
+      <dsp:txXfrm>
+        <a:off x="42722" y="3801842"/>
+        <a:ext cx="6882284" cy="789716"/>
+      </dsp:txXfrm>
+    </dsp:sp>
+    <dsp:sp modelId="{E91A636C-C6C3-424E-96A3-23BF29155522}">
+      <dsp:nvSpPr>
+        <dsp:cNvPr id="0" name=""/>
+        <dsp:cNvSpPr/>
+      </dsp:nvSpPr>
+      <dsp:spPr>
+        <a:xfrm>
+          <a:off x="0" y="4702680"/>
+          <a:ext cx="6967728" cy="875160"/>
+        </a:xfrm>
+        <a:prstGeom prst="roundRect">
+          <a:avLst/>
+        </a:prstGeom>
+        <a:solidFill>
+          <a:schemeClr val="accent2">
+            <a:hueOff val="0"/>
+            <a:satOff val="0"/>
+            <a:lumOff val="0"/>
+            <a:alphaOff val="0"/>
+          </a:schemeClr>
+        </a:solidFill>
+        <a:ln w="12700" cap="flat" cmpd="sng" algn="ctr">
+          <a:solidFill>
+            <a:schemeClr val="lt1">
+              <a:hueOff val="0"/>
+              <a:satOff val="0"/>
+              <a:lumOff val="0"/>
+              <a:alphaOff val="0"/>
+            </a:schemeClr>
+          </a:solidFill>
+          <a:prstDash val="solid"/>
+          <a:miter lim="800000"/>
+        </a:ln>
+        <a:effectLst/>
+      </dsp:spPr>
+      <dsp:style>
+        <a:lnRef idx="2">
+          <a:scrgbClr r="0" g="0" b="0"/>
+        </a:lnRef>
+        <a:fillRef idx="1">
+          <a:scrgbClr r="0" g="0" b="0"/>
+        </a:fillRef>
+        <a:effectRef idx="0">
+          <a:scrgbClr r="0" g="0" b="0"/>
+        </a:effectRef>
+        <a:fontRef idx="minor">
+          <a:schemeClr val="lt1"/>
+        </a:fontRef>
+      </dsp:style>
+      <dsp:txBody>
+        <a:bodyPr spcFirstLastPara="0" vert="horz" wrap="square" lIns="83820" tIns="83820" rIns="83820" bIns="83820" numCol="1" spcCol="1270" anchor="ctr" anchorCtr="0">
+          <a:noAutofit/>
+        </a:bodyPr>
+        <a:lstStyle/>
+        <a:p>
+          <a:pPr marL="0" lvl="0" indent="0" algn="l" defTabSz="977900">
+            <a:lnSpc>
+              <a:spcPct val="90000"/>
+            </a:lnSpc>
+            <a:spcBef>
+              <a:spcPct val="0"/>
+            </a:spcBef>
+            <a:spcAft>
+              <a:spcPct val="35000"/>
+            </a:spcAft>
+            <a:buNone/>
+          </a:pPr>
+          <a:r>
+            <a:rPr lang="en-US" sz="2200" kern="1200" dirty="0"/>
+            <a:t>Drop any NA values from the </a:t>
+          </a:r>
+          <a:r>
+            <a:rPr lang="en-US" sz="2200" kern="1200" dirty="0" err="1"/>
+            <a:t>DataFrame</a:t>
+          </a:r>
+          <a:endParaRPr lang="en-US" sz="2200" kern="1200" dirty="0"/>
+        </a:p>
+      </dsp:txBody>
+      <dsp:txXfrm>
+        <a:off x="42722" y="4745402"/>
+        <a:ext cx="6882284" cy="789716"/>
+      </dsp:txXfrm>
+    </dsp:sp>
+  </dsp:spTree>
+</dsp:drawing>
+</file>
+
 <file path=ppt/diagrams/layout1.xml><?xml version="1.0" encoding="utf-8"?>
 <dgm:layoutDef xmlns:dgm="http://schemas.openxmlformats.org/drawingml/2006/diagram" xmlns:a="http://schemas.openxmlformats.org/drawingml/2006/main" uniqueId="urn:microsoft.com/office/officeart/2005/8/layout/vList2">
   <dgm:title val=""/>
@@ -4400,6 +6728,173 @@
 </dgm:layoutDef>
 </file>
 
+<file path=ppt/diagrams/layout3.xml><?xml version="1.0" encoding="utf-8"?>
+<dgm:layoutDef xmlns:dgm="http://schemas.openxmlformats.org/drawingml/2006/diagram" xmlns:a="http://schemas.openxmlformats.org/drawingml/2006/main" uniqueId="urn:microsoft.com/office/officeart/2005/8/layout/vList2">
+  <dgm:title val=""/>
+  <dgm:desc val=""/>
+  <dgm:catLst>
+    <dgm:cat type="list" pri="3000"/>
+    <dgm:cat type="convert" pri="1000"/>
+  </dgm:catLst>
+  <dgm:sampData>
+    <dgm:dataModel>
+      <dgm:ptLst>
+        <dgm:pt modelId="0" type="doc"/>
+        <dgm:pt modelId="1">
+          <dgm:prSet phldr="1"/>
+        </dgm:pt>
+        <dgm:pt modelId="11">
+          <dgm:prSet phldr="1"/>
+        </dgm:pt>
+        <dgm:pt modelId="2">
+          <dgm:prSet phldr="1"/>
+        </dgm:pt>
+        <dgm:pt modelId="21">
+          <dgm:prSet phldr="1"/>
+        </dgm:pt>
+      </dgm:ptLst>
+      <dgm:cxnLst>
+        <dgm:cxn modelId="4" srcId="0" destId="1" srcOrd="0" destOrd="0"/>
+        <dgm:cxn modelId="5" srcId="0" destId="2" srcOrd="1" destOrd="0"/>
+        <dgm:cxn modelId="12" srcId="1" destId="11" srcOrd="0" destOrd="0"/>
+        <dgm:cxn modelId="23" srcId="2" destId="21" srcOrd="0" destOrd="0"/>
+      </dgm:cxnLst>
+      <dgm:bg/>
+      <dgm:whole/>
+    </dgm:dataModel>
+  </dgm:sampData>
+  <dgm:styleData>
+    <dgm:dataModel>
+      <dgm:ptLst>
+        <dgm:pt modelId="0" type="doc"/>
+        <dgm:pt modelId="1"/>
+        <dgm:pt modelId="2"/>
+      </dgm:ptLst>
+      <dgm:cxnLst>
+        <dgm:cxn modelId="3" srcId="0" destId="1" srcOrd="0" destOrd="0"/>
+        <dgm:cxn modelId="4" srcId="0" destId="2" srcOrd="1" destOrd="0"/>
+      </dgm:cxnLst>
+      <dgm:bg/>
+      <dgm:whole/>
+    </dgm:dataModel>
+  </dgm:styleData>
+  <dgm:clrData>
+    <dgm:dataModel>
+      <dgm:ptLst>
+        <dgm:pt modelId="0" type="doc"/>
+        <dgm:pt modelId="1"/>
+        <dgm:pt modelId="2"/>
+        <dgm:pt modelId="3"/>
+        <dgm:pt modelId="4"/>
+      </dgm:ptLst>
+      <dgm:cxnLst>
+        <dgm:cxn modelId="5" srcId="0" destId="1" srcOrd="0" destOrd="0"/>
+        <dgm:cxn modelId="6" srcId="0" destId="2" srcOrd="1" destOrd="0"/>
+        <dgm:cxn modelId="7" srcId="0" destId="3" srcOrd="2" destOrd="0"/>
+        <dgm:cxn modelId="8" srcId="0" destId="4" srcOrd="3" destOrd="0"/>
+      </dgm:cxnLst>
+      <dgm:bg/>
+      <dgm:whole/>
+    </dgm:dataModel>
+  </dgm:clrData>
+  <dgm:layoutNode name="linear">
+    <dgm:varLst>
+      <dgm:animLvl val="lvl"/>
+      <dgm:resizeHandles val="exact"/>
+    </dgm:varLst>
+    <dgm:alg type="lin">
+      <dgm:param type="linDir" val="fromT"/>
+      <dgm:param type="vertAlign" val="mid"/>
+    </dgm:alg>
+    <dgm:shape xmlns:r="http://schemas.openxmlformats.org/officeDocument/2006/relationships" r:blip="">
+      <dgm:adjLst/>
+    </dgm:shape>
+    <dgm:presOf/>
+    <dgm:constrLst>
+      <dgm:constr type="w" for="ch" forName="parentText" refType="w"/>
+      <dgm:constr type="h" for="ch" forName="parentText" refType="primFontSz" refFor="ch" refForName="parentText" fact="0.52"/>
+      <dgm:constr type="w" for="ch" forName="childText" refType="w"/>
+      <dgm:constr type="h" for="ch" forName="childText" refType="primFontSz" refFor="ch" refForName="parentText" fact="0.46"/>
+      <dgm:constr type="h" for="ch" forName="parentText" op="equ"/>
+      <dgm:constr type="primFontSz" for="ch" forName="parentText" op="equ" val="65"/>
+      <dgm:constr type="primFontSz" for="ch" forName="childText" refType="primFontSz" refFor="ch" refForName="parentText" op="equ"/>
+      <dgm:constr type="h" for="ch" forName="spacer" refType="primFontSz" refFor="ch" refForName="parentText" fact="0.08"/>
+    </dgm:constrLst>
+    <dgm:ruleLst>
+      <dgm:rule type="primFontSz" for="ch" forName="parentText" val="5" fact="NaN" max="NaN"/>
+    </dgm:ruleLst>
+    <dgm:forEach name="Name0" axis="ch" ptType="node">
+      <dgm:layoutNode name="parentText" styleLbl="node1">
+        <dgm:varLst>
+          <dgm:chMax val="0"/>
+          <dgm:bulletEnabled val="1"/>
+        </dgm:varLst>
+        <dgm:alg type="tx">
+          <dgm:param type="parTxLTRAlign" val="l"/>
+          <dgm:param type="parTxRTLAlign" val="r"/>
+        </dgm:alg>
+        <dgm:shape xmlns:r="http://schemas.openxmlformats.org/officeDocument/2006/relationships" type="roundRect" r:blip="">
+          <dgm:adjLst/>
+        </dgm:shape>
+        <dgm:presOf axis="self"/>
+        <dgm:constrLst>
+          <dgm:constr type="tMarg" refType="primFontSz" fact="0.3"/>
+          <dgm:constr type="bMarg" refType="primFontSz" fact="0.3"/>
+          <dgm:constr type="lMarg" refType="primFontSz" fact="0.3"/>
+          <dgm:constr type="rMarg" refType="primFontSz" fact="0.3"/>
+        </dgm:constrLst>
+        <dgm:ruleLst>
+          <dgm:rule type="h" val="INF" fact="NaN" max="NaN"/>
+        </dgm:ruleLst>
+      </dgm:layoutNode>
+      <dgm:choose name="Name1">
+        <dgm:if name="Name2" axis="ch" ptType="node" func="cnt" op="gte" val="1">
+          <dgm:layoutNode name="childText" styleLbl="revTx">
+            <dgm:varLst>
+              <dgm:bulletEnabled val="1"/>
+            </dgm:varLst>
+            <dgm:alg type="tx">
+              <dgm:param type="stBulletLvl" val="1"/>
+              <dgm:param type="lnSpAfChP" val="20"/>
+            </dgm:alg>
+            <dgm:shape xmlns:r="http://schemas.openxmlformats.org/officeDocument/2006/relationships" type="rect" r:blip="">
+              <dgm:adjLst/>
+            </dgm:shape>
+            <dgm:presOf axis="des" ptType="node"/>
+            <dgm:constrLst>
+              <dgm:constr type="tMarg" refType="primFontSz" fact="0.1"/>
+              <dgm:constr type="bMarg" refType="primFontSz" fact="0.1"/>
+              <dgm:constr type="lMarg" refType="w" fact="0.09"/>
+            </dgm:constrLst>
+            <dgm:ruleLst>
+              <dgm:rule type="h" val="INF" fact="NaN" max="NaN"/>
+            </dgm:ruleLst>
+          </dgm:layoutNode>
+        </dgm:if>
+        <dgm:else name="Name3">
+          <dgm:choose name="Name4">
+            <dgm:if name="Name5" axis="par ch" ptType="doc node" func="cnt" op="gte" val="2">
+              <dgm:forEach name="Name6" axis="followSib" ptType="sibTrans" cnt="1">
+                <dgm:layoutNode name="spacer">
+                  <dgm:alg type="sp"/>
+                  <dgm:shape xmlns:r="http://schemas.openxmlformats.org/officeDocument/2006/relationships" r:blip="">
+                    <dgm:adjLst/>
+                  </dgm:shape>
+                  <dgm:presOf/>
+                  <dgm:constrLst/>
+                  <dgm:ruleLst/>
+                </dgm:layoutNode>
+              </dgm:forEach>
+            </dgm:if>
+            <dgm:else name="Name7"/>
+          </dgm:choose>
+        </dgm:else>
+      </dgm:choose>
+    </dgm:forEach>
+  </dgm:layoutNode>
+</dgm:layoutDef>
+</file>
+
 <file path=ppt/diagrams/quickStyle1.xml><?xml version="1.0" encoding="utf-8"?>
 <dgm:styleDef xmlns:dgm="http://schemas.openxmlformats.org/drawingml/2006/diagram" xmlns:a="http://schemas.openxmlformats.org/drawingml/2006/main" uniqueId="urn:microsoft.com/office/officeart/2005/8/quickstyle/simple1">
   <dgm:title val=""/>
@@ -5435,6 +7930,1040 @@
 </file>
 
 <file path=ppt/diagrams/quickStyle2.xml><?xml version="1.0" encoding="utf-8"?>
+<dgm:styleDef xmlns:dgm="http://schemas.openxmlformats.org/drawingml/2006/diagram" xmlns:a="http://schemas.openxmlformats.org/drawingml/2006/main" uniqueId="urn:microsoft.com/office/officeart/2005/8/quickstyle/simple1">
+  <dgm:title val=""/>
+  <dgm:desc val=""/>
+  <dgm:catLst>
+    <dgm:cat type="simple" pri="10100"/>
+  </dgm:catLst>
+  <dgm:scene3d>
+    <a:camera prst="orthographicFront"/>
+    <a:lightRig rig="threePt" dir="t"/>
+  </dgm:scene3d>
+  <dgm:styleLbl name="node0">
+    <dgm:scene3d>
+      <a:camera prst="orthographicFront"/>
+      <a:lightRig rig="threePt" dir="t"/>
+    </dgm:scene3d>
+    <dgm:sp3d/>
+    <dgm:txPr/>
+    <dgm:style>
+      <a:lnRef idx="2">
+        <a:scrgbClr r="0" g="0" b="0"/>
+      </a:lnRef>
+      <a:fillRef idx="1">
+        <a:scrgbClr r="0" g="0" b="0"/>
+      </a:fillRef>
+      <a:effectRef idx="0">
+        <a:scrgbClr r="0" g="0" b="0"/>
+      </a:effectRef>
+      <a:fontRef idx="minor">
+        <a:schemeClr val="lt1"/>
+      </a:fontRef>
+    </dgm:style>
+  </dgm:styleLbl>
+  <dgm:styleLbl name="lnNode1">
+    <dgm:scene3d>
+      <a:camera prst="orthographicFront"/>
+      <a:lightRig rig="threePt" dir="t"/>
+    </dgm:scene3d>
+    <dgm:sp3d/>
+    <dgm:txPr/>
+    <dgm:style>
+      <a:lnRef idx="2">
+        <a:scrgbClr r="0" g="0" b="0"/>
+      </a:lnRef>
+      <a:fillRef idx="1">
+        <a:scrgbClr r="0" g="0" b="0"/>
+      </a:fillRef>
+      <a:effectRef idx="0">
+        <a:scrgbClr r="0" g="0" b="0"/>
+      </a:effectRef>
+      <a:fontRef idx="minor">
+        <a:schemeClr val="lt1"/>
+      </a:fontRef>
+    </dgm:style>
+  </dgm:styleLbl>
+  <dgm:styleLbl name="vennNode1">
+    <dgm:scene3d>
+      <a:camera prst="orthographicFront"/>
+      <a:lightRig rig="threePt" dir="t"/>
+    </dgm:scene3d>
+    <dgm:sp3d/>
+    <dgm:txPr/>
+    <dgm:style>
+      <a:lnRef idx="2">
+        <a:scrgbClr r="0" g="0" b="0"/>
+      </a:lnRef>
+      <a:fillRef idx="1">
+        <a:scrgbClr r="0" g="0" b="0"/>
+      </a:fillRef>
+      <a:effectRef idx="0">
+        <a:scrgbClr r="0" g="0" b="0"/>
+      </a:effectRef>
+      <a:fontRef idx="minor">
+        <a:schemeClr val="tx1"/>
+      </a:fontRef>
+    </dgm:style>
+  </dgm:styleLbl>
+  <dgm:styleLbl name="alignNode1">
+    <dgm:scene3d>
+      <a:camera prst="orthographicFront"/>
+      <a:lightRig rig="threePt" dir="t"/>
+    </dgm:scene3d>
+    <dgm:sp3d/>
+    <dgm:txPr/>
+    <dgm:style>
+      <a:lnRef idx="2">
+        <a:scrgbClr r="0" g="0" b="0"/>
+      </a:lnRef>
+      <a:fillRef idx="1">
+        <a:scrgbClr r="0" g="0" b="0"/>
+      </a:fillRef>
+      <a:effectRef idx="0">
+        <a:scrgbClr r="0" g="0" b="0"/>
+      </a:effectRef>
+      <a:fontRef idx="minor">
+        <a:schemeClr val="lt1"/>
+      </a:fontRef>
+    </dgm:style>
+  </dgm:styleLbl>
+  <dgm:styleLbl name="node1">
+    <dgm:scene3d>
+      <a:camera prst="orthographicFront"/>
+      <a:lightRig rig="threePt" dir="t"/>
+    </dgm:scene3d>
+    <dgm:sp3d/>
+    <dgm:txPr/>
+    <dgm:style>
+      <a:lnRef idx="2">
+        <a:scrgbClr r="0" g="0" b="0"/>
+      </a:lnRef>
+      <a:fillRef idx="1">
+        <a:scrgbClr r="0" g="0" b="0"/>
+      </a:fillRef>
+      <a:effectRef idx="0">
+        <a:scrgbClr r="0" g="0" b="0"/>
+      </a:effectRef>
+      <a:fontRef idx="minor">
+        <a:schemeClr val="lt1"/>
+      </a:fontRef>
+    </dgm:style>
+  </dgm:styleLbl>
+  <dgm:styleLbl name="node2">
+    <dgm:scene3d>
+      <a:camera prst="orthographicFront"/>
+      <a:lightRig rig="threePt" dir="t"/>
+    </dgm:scene3d>
+    <dgm:sp3d/>
+    <dgm:txPr/>
+    <dgm:style>
+      <a:lnRef idx="2">
+        <a:scrgbClr r="0" g="0" b="0"/>
+      </a:lnRef>
+      <a:fillRef idx="1">
+        <a:scrgbClr r="0" g="0" b="0"/>
+      </a:fillRef>
+      <a:effectRef idx="0">
+        <a:scrgbClr r="0" g="0" b="0"/>
+      </a:effectRef>
+      <a:fontRef idx="minor">
+        <a:schemeClr val="lt1"/>
+      </a:fontRef>
+    </dgm:style>
+  </dgm:styleLbl>
+  <dgm:styleLbl name="node3">
+    <dgm:scene3d>
+      <a:camera prst="orthographicFront"/>
+      <a:lightRig rig="threePt" dir="t"/>
+    </dgm:scene3d>
+    <dgm:sp3d/>
+    <dgm:txPr/>
+    <dgm:style>
+      <a:lnRef idx="2">
+        <a:scrgbClr r="0" g="0" b="0"/>
+      </a:lnRef>
+      <a:fillRef idx="1">
+        <a:scrgbClr r="0" g="0" b="0"/>
+      </a:fillRef>
+      <a:effectRef idx="0">
+        <a:scrgbClr r="0" g="0" b="0"/>
+      </a:effectRef>
+      <a:fontRef idx="minor">
+        <a:schemeClr val="lt1"/>
+      </a:fontRef>
+    </dgm:style>
+  </dgm:styleLbl>
+  <dgm:styleLbl name="node4">
+    <dgm:scene3d>
+      <a:camera prst="orthographicFront"/>
+      <a:lightRig rig="threePt" dir="t"/>
+    </dgm:scene3d>
+    <dgm:sp3d/>
+    <dgm:txPr/>
+    <dgm:style>
+      <a:lnRef idx="2">
+        <a:scrgbClr r="0" g="0" b="0"/>
+      </a:lnRef>
+      <a:fillRef idx="1">
+        <a:scrgbClr r="0" g="0" b="0"/>
+      </a:fillRef>
+      <a:effectRef idx="0">
+        <a:scrgbClr r="0" g="0" b="0"/>
+      </a:effectRef>
+      <a:fontRef idx="minor">
+        <a:schemeClr val="lt1"/>
+      </a:fontRef>
+    </dgm:style>
+  </dgm:styleLbl>
+  <dgm:styleLbl name="fgImgPlace1">
+    <dgm:scene3d>
+      <a:camera prst="orthographicFront"/>
+      <a:lightRig rig="threePt" dir="t"/>
+    </dgm:scene3d>
+    <dgm:sp3d/>
+    <dgm:txPr/>
+    <dgm:style>
+      <a:lnRef idx="2">
+        <a:scrgbClr r="0" g="0" b="0"/>
+      </a:lnRef>
+      <a:fillRef idx="1">
+        <a:scrgbClr r="0" g="0" b="0"/>
+      </a:fillRef>
+      <a:effectRef idx="0">
+        <a:scrgbClr r="0" g="0" b="0"/>
+      </a:effectRef>
+      <a:fontRef idx="minor"/>
+    </dgm:style>
+  </dgm:styleLbl>
+  <dgm:styleLbl name="alignImgPlace1">
+    <dgm:scene3d>
+      <a:camera prst="orthographicFront"/>
+      <a:lightRig rig="threePt" dir="t"/>
+    </dgm:scene3d>
+    <dgm:sp3d/>
+    <dgm:txPr/>
+    <dgm:style>
+      <a:lnRef idx="2">
+        <a:scrgbClr r="0" g="0" b="0"/>
+      </a:lnRef>
+      <a:fillRef idx="1">
+        <a:scrgbClr r="0" g="0" b="0"/>
+      </a:fillRef>
+      <a:effectRef idx="0">
+        <a:scrgbClr r="0" g="0" b="0"/>
+      </a:effectRef>
+      <a:fontRef idx="minor"/>
+    </dgm:style>
+  </dgm:styleLbl>
+  <dgm:styleLbl name="bgImgPlace1">
+    <dgm:scene3d>
+      <a:camera prst="orthographicFront"/>
+      <a:lightRig rig="threePt" dir="t"/>
+    </dgm:scene3d>
+    <dgm:sp3d/>
+    <dgm:txPr/>
+    <dgm:style>
+      <a:lnRef idx="2">
+        <a:scrgbClr r="0" g="0" b="0"/>
+      </a:lnRef>
+      <a:fillRef idx="1">
+        <a:scrgbClr r="0" g="0" b="0"/>
+      </a:fillRef>
+      <a:effectRef idx="0">
+        <a:scrgbClr r="0" g="0" b="0"/>
+      </a:effectRef>
+      <a:fontRef idx="minor"/>
+    </dgm:style>
+  </dgm:styleLbl>
+  <dgm:styleLbl name="sibTrans2D1">
+    <dgm:scene3d>
+      <a:camera prst="orthographicFront"/>
+      <a:lightRig rig="threePt" dir="t"/>
+    </dgm:scene3d>
+    <dgm:sp3d/>
+    <dgm:txPr/>
+    <dgm:style>
+      <a:lnRef idx="0">
+        <a:scrgbClr r="0" g="0" b="0"/>
+      </a:lnRef>
+      <a:fillRef idx="1">
+        <a:scrgbClr r="0" g="0" b="0"/>
+      </a:fillRef>
+      <a:effectRef idx="0">
+        <a:scrgbClr r="0" g="0" b="0"/>
+      </a:effectRef>
+      <a:fontRef idx="minor">
+        <a:schemeClr val="lt1"/>
+      </a:fontRef>
+    </dgm:style>
+  </dgm:styleLbl>
+  <dgm:styleLbl name="fgSibTrans2D1">
+    <dgm:scene3d>
+      <a:camera prst="orthographicFront"/>
+      <a:lightRig rig="threePt" dir="t"/>
+    </dgm:scene3d>
+    <dgm:sp3d/>
+    <dgm:txPr/>
+    <dgm:style>
+      <a:lnRef idx="0">
+        <a:scrgbClr r="0" g="0" b="0"/>
+      </a:lnRef>
+      <a:fillRef idx="1">
+        <a:scrgbClr r="0" g="0" b="0"/>
+      </a:fillRef>
+      <a:effectRef idx="0">
+        <a:scrgbClr r="0" g="0" b="0"/>
+      </a:effectRef>
+      <a:fontRef idx="minor">
+        <a:schemeClr val="lt1"/>
+      </a:fontRef>
+    </dgm:style>
+  </dgm:styleLbl>
+  <dgm:styleLbl name="bgSibTrans2D1">
+    <dgm:scene3d>
+      <a:camera prst="orthographicFront"/>
+      <a:lightRig rig="threePt" dir="t"/>
+    </dgm:scene3d>
+    <dgm:sp3d/>
+    <dgm:txPr/>
+    <dgm:style>
+      <a:lnRef idx="0">
+        <a:scrgbClr r="0" g="0" b="0"/>
+      </a:lnRef>
+      <a:fillRef idx="1">
+        <a:scrgbClr r="0" g="0" b="0"/>
+      </a:fillRef>
+      <a:effectRef idx="0">
+        <a:scrgbClr r="0" g="0" b="0"/>
+      </a:effectRef>
+      <a:fontRef idx="minor">
+        <a:schemeClr val="lt1"/>
+      </a:fontRef>
+    </dgm:style>
+  </dgm:styleLbl>
+  <dgm:styleLbl name="sibTrans1D1">
+    <dgm:scene3d>
+      <a:camera prst="orthographicFront"/>
+      <a:lightRig rig="threePt" dir="t"/>
+    </dgm:scene3d>
+    <dgm:sp3d/>
+    <dgm:txPr/>
+    <dgm:style>
+      <a:lnRef idx="1">
+        <a:scrgbClr r="0" g="0" b="0"/>
+      </a:lnRef>
+      <a:fillRef idx="0">
+        <a:scrgbClr r="0" g="0" b="0"/>
+      </a:fillRef>
+      <a:effectRef idx="0">
+        <a:scrgbClr r="0" g="0" b="0"/>
+      </a:effectRef>
+      <a:fontRef idx="minor"/>
+    </dgm:style>
+  </dgm:styleLbl>
+  <dgm:styleLbl name="callout">
+    <dgm:scene3d>
+      <a:camera prst="orthographicFront"/>
+      <a:lightRig rig="threePt" dir="t"/>
+    </dgm:scene3d>
+    <dgm:sp3d/>
+    <dgm:txPr/>
+    <dgm:style>
+      <a:lnRef idx="2">
+        <a:scrgbClr r="0" g="0" b="0"/>
+      </a:lnRef>
+      <a:fillRef idx="1">
+        <a:scrgbClr r="0" g="0" b="0"/>
+      </a:fillRef>
+      <a:effectRef idx="0">
+        <a:scrgbClr r="0" g="0" b="0"/>
+      </a:effectRef>
+      <a:fontRef idx="minor"/>
+    </dgm:style>
+  </dgm:styleLbl>
+  <dgm:styleLbl name="asst0">
+    <dgm:scene3d>
+      <a:camera prst="orthographicFront"/>
+      <a:lightRig rig="threePt" dir="t"/>
+    </dgm:scene3d>
+    <dgm:sp3d/>
+    <dgm:txPr/>
+    <dgm:style>
+      <a:lnRef idx="2">
+        <a:scrgbClr r="0" g="0" b="0"/>
+      </a:lnRef>
+      <a:fillRef idx="1">
+        <a:scrgbClr r="0" g="0" b="0"/>
+      </a:fillRef>
+      <a:effectRef idx="0">
+        <a:scrgbClr r="0" g="0" b="0"/>
+      </a:effectRef>
+      <a:fontRef idx="minor">
+        <a:schemeClr val="lt1"/>
+      </a:fontRef>
+    </dgm:style>
+  </dgm:styleLbl>
+  <dgm:styleLbl name="asst1">
+    <dgm:scene3d>
+      <a:camera prst="orthographicFront"/>
+      <a:lightRig rig="threePt" dir="t"/>
+    </dgm:scene3d>
+    <dgm:sp3d/>
+    <dgm:txPr/>
+    <dgm:style>
+      <a:lnRef idx="2">
+        <a:scrgbClr r="0" g="0" b="0"/>
+      </a:lnRef>
+      <a:fillRef idx="1">
+        <a:scrgbClr r="0" g="0" b="0"/>
+      </a:fillRef>
+      <a:effectRef idx="0">
+        <a:scrgbClr r="0" g="0" b="0"/>
+      </a:effectRef>
+      <a:fontRef idx="minor">
+        <a:schemeClr val="lt1"/>
+      </a:fontRef>
+    </dgm:style>
+  </dgm:styleLbl>
+  <dgm:styleLbl name="asst2">
+    <dgm:scene3d>
+      <a:camera prst="orthographicFront"/>
+      <a:lightRig rig="threePt" dir="t"/>
+    </dgm:scene3d>
+    <dgm:sp3d/>
+    <dgm:txPr/>
+    <dgm:style>
+      <a:lnRef idx="2">
+        <a:scrgbClr r="0" g="0" b="0"/>
+      </a:lnRef>
+      <a:fillRef idx="1">
+        <a:scrgbClr r="0" g="0" b="0"/>
+      </a:fillRef>
+      <a:effectRef idx="0">
+        <a:scrgbClr r="0" g="0" b="0"/>
+      </a:effectRef>
+      <a:fontRef idx="minor">
+        <a:schemeClr val="lt1"/>
+      </a:fontRef>
+    </dgm:style>
+  </dgm:styleLbl>
+  <dgm:styleLbl name="asst3">
+    <dgm:scene3d>
+      <a:camera prst="orthographicFront"/>
+      <a:lightRig rig="threePt" dir="t"/>
+    </dgm:scene3d>
+    <dgm:sp3d/>
+    <dgm:txPr/>
+    <dgm:style>
+      <a:lnRef idx="2">
+        <a:scrgbClr r="0" g="0" b="0"/>
+      </a:lnRef>
+      <a:fillRef idx="1">
+        <a:scrgbClr r="0" g="0" b="0"/>
+      </a:fillRef>
+      <a:effectRef idx="0">
+        <a:scrgbClr r="0" g="0" b="0"/>
+      </a:effectRef>
+      <a:fontRef idx="minor">
+        <a:schemeClr val="lt1"/>
+      </a:fontRef>
+    </dgm:style>
+  </dgm:styleLbl>
+  <dgm:styleLbl name="asst4">
+    <dgm:scene3d>
+      <a:camera prst="orthographicFront"/>
+      <a:lightRig rig="threePt" dir="t"/>
+    </dgm:scene3d>
+    <dgm:sp3d/>
+    <dgm:txPr/>
+    <dgm:style>
+      <a:lnRef idx="2">
+        <a:scrgbClr r="0" g="0" b="0"/>
+      </a:lnRef>
+      <a:fillRef idx="1">
+        <a:scrgbClr r="0" g="0" b="0"/>
+      </a:fillRef>
+      <a:effectRef idx="0">
+        <a:scrgbClr r="0" g="0" b="0"/>
+      </a:effectRef>
+      <a:fontRef idx="minor">
+        <a:schemeClr val="lt1"/>
+      </a:fontRef>
+    </dgm:style>
+  </dgm:styleLbl>
+  <dgm:styleLbl name="parChTrans2D1">
+    <dgm:scene3d>
+      <a:camera prst="orthographicFront"/>
+      <a:lightRig rig="threePt" dir="t"/>
+    </dgm:scene3d>
+    <dgm:sp3d/>
+    <dgm:txPr/>
+    <dgm:style>
+      <a:lnRef idx="2">
+        <a:scrgbClr r="0" g="0" b="0"/>
+      </a:lnRef>
+      <a:fillRef idx="1">
+        <a:scrgbClr r="0" g="0" b="0"/>
+      </a:fillRef>
+      <a:effectRef idx="0">
+        <a:scrgbClr r="0" g="0" b="0"/>
+      </a:effectRef>
+      <a:fontRef idx="minor">
+        <a:schemeClr val="lt1"/>
+      </a:fontRef>
+    </dgm:style>
+  </dgm:styleLbl>
+  <dgm:styleLbl name="parChTrans2D2">
+    <dgm:scene3d>
+      <a:camera prst="orthographicFront"/>
+      <a:lightRig rig="threePt" dir="t"/>
+    </dgm:scene3d>
+    <dgm:sp3d/>
+    <dgm:txPr/>
+    <dgm:style>
+      <a:lnRef idx="2">
+        <a:scrgbClr r="0" g="0" b="0"/>
+      </a:lnRef>
+      <a:fillRef idx="1">
+        <a:scrgbClr r="0" g="0" b="0"/>
+      </a:fillRef>
+      <a:effectRef idx="0">
+        <a:scrgbClr r="0" g="0" b="0"/>
+      </a:effectRef>
+      <a:fontRef idx="minor">
+        <a:schemeClr val="lt1"/>
+      </a:fontRef>
+    </dgm:style>
+  </dgm:styleLbl>
+  <dgm:styleLbl name="parChTrans2D3">
+    <dgm:scene3d>
+      <a:camera prst="orthographicFront"/>
+      <a:lightRig rig="threePt" dir="t"/>
+    </dgm:scene3d>
+    <dgm:sp3d/>
+    <dgm:txPr/>
+    <dgm:style>
+      <a:lnRef idx="2">
+        <a:scrgbClr r="0" g="0" b="0"/>
+      </a:lnRef>
+      <a:fillRef idx="1">
+        <a:scrgbClr r="0" g="0" b="0"/>
+      </a:fillRef>
+      <a:effectRef idx="0">
+        <a:scrgbClr r="0" g="0" b="0"/>
+      </a:effectRef>
+      <a:fontRef idx="minor">
+        <a:schemeClr val="lt1"/>
+      </a:fontRef>
+    </dgm:style>
+  </dgm:styleLbl>
+  <dgm:styleLbl name="parChTrans2D4">
+    <dgm:scene3d>
+      <a:camera prst="orthographicFront"/>
+      <a:lightRig rig="threePt" dir="t"/>
+    </dgm:scene3d>
+    <dgm:sp3d/>
+    <dgm:txPr/>
+    <dgm:style>
+      <a:lnRef idx="2">
+        <a:scrgbClr r="0" g="0" b="0"/>
+      </a:lnRef>
+      <a:fillRef idx="1">
+        <a:scrgbClr r="0" g="0" b="0"/>
+      </a:fillRef>
+      <a:effectRef idx="0">
+        <a:scrgbClr r="0" g="0" b="0"/>
+      </a:effectRef>
+      <a:fontRef idx="minor">
+        <a:schemeClr val="lt1"/>
+      </a:fontRef>
+    </dgm:style>
+  </dgm:styleLbl>
+  <dgm:styleLbl name="parChTrans1D1">
+    <dgm:scene3d>
+      <a:camera prst="orthographicFront"/>
+      <a:lightRig rig="threePt" dir="t"/>
+    </dgm:scene3d>
+    <dgm:sp3d/>
+    <dgm:txPr/>
+    <dgm:style>
+      <a:lnRef idx="2">
+        <a:scrgbClr r="0" g="0" b="0"/>
+      </a:lnRef>
+      <a:fillRef idx="0">
+        <a:scrgbClr r="0" g="0" b="0"/>
+      </a:fillRef>
+      <a:effectRef idx="0">
+        <a:scrgbClr r="0" g="0" b="0"/>
+      </a:effectRef>
+      <a:fontRef idx="minor"/>
+    </dgm:style>
+  </dgm:styleLbl>
+  <dgm:styleLbl name="parChTrans1D2">
+    <dgm:scene3d>
+      <a:camera prst="orthographicFront"/>
+      <a:lightRig rig="threePt" dir="t"/>
+    </dgm:scene3d>
+    <dgm:sp3d/>
+    <dgm:txPr/>
+    <dgm:style>
+      <a:lnRef idx="2">
+        <a:scrgbClr r="0" g="0" b="0"/>
+      </a:lnRef>
+      <a:fillRef idx="0">
+        <a:scrgbClr r="0" g="0" b="0"/>
+      </a:fillRef>
+      <a:effectRef idx="0">
+        <a:scrgbClr r="0" g="0" b="0"/>
+      </a:effectRef>
+      <a:fontRef idx="minor"/>
+    </dgm:style>
+  </dgm:styleLbl>
+  <dgm:styleLbl name="parChTrans1D3">
+    <dgm:scene3d>
+      <a:camera prst="orthographicFront"/>
+      <a:lightRig rig="threePt" dir="t"/>
+    </dgm:scene3d>
+    <dgm:sp3d/>
+    <dgm:txPr/>
+    <dgm:style>
+      <a:lnRef idx="2">
+        <a:scrgbClr r="0" g="0" b="0"/>
+      </a:lnRef>
+      <a:fillRef idx="0">
+        <a:scrgbClr r="0" g="0" b="0"/>
+      </a:fillRef>
+      <a:effectRef idx="0">
+        <a:scrgbClr r="0" g="0" b="0"/>
+      </a:effectRef>
+      <a:fontRef idx="minor"/>
+    </dgm:style>
+  </dgm:styleLbl>
+  <dgm:styleLbl name="parChTrans1D4">
+    <dgm:scene3d>
+      <a:camera prst="orthographicFront"/>
+      <a:lightRig rig="threePt" dir="t"/>
+    </dgm:scene3d>
+    <dgm:sp3d/>
+    <dgm:txPr/>
+    <dgm:style>
+      <a:lnRef idx="2">
+        <a:scrgbClr r="0" g="0" b="0"/>
+      </a:lnRef>
+      <a:fillRef idx="0">
+        <a:scrgbClr r="0" g="0" b="0"/>
+      </a:fillRef>
+      <a:effectRef idx="0">
+        <a:scrgbClr r="0" g="0" b="0"/>
+      </a:effectRef>
+      <a:fontRef idx="minor"/>
+    </dgm:style>
+  </dgm:styleLbl>
+  <dgm:styleLbl name="fgAcc1">
+    <dgm:scene3d>
+      <a:camera prst="orthographicFront"/>
+      <a:lightRig rig="threePt" dir="t"/>
+    </dgm:scene3d>
+    <dgm:sp3d/>
+    <dgm:txPr/>
+    <dgm:style>
+      <a:lnRef idx="2">
+        <a:scrgbClr r="0" g="0" b="0"/>
+      </a:lnRef>
+      <a:fillRef idx="1">
+        <a:scrgbClr r="0" g="0" b="0"/>
+      </a:fillRef>
+      <a:effectRef idx="0">
+        <a:scrgbClr r="0" g="0" b="0"/>
+      </a:effectRef>
+      <a:fontRef idx="minor"/>
+    </dgm:style>
+  </dgm:styleLbl>
+  <dgm:styleLbl name="conFgAcc1">
+    <dgm:scene3d>
+      <a:camera prst="orthographicFront"/>
+      <a:lightRig rig="threePt" dir="t"/>
+    </dgm:scene3d>
+    <dgm:sp3d/>
+    <dgm:txPr/>
+    <dgm:style>
+      <a:lnRef idx="2">
+        <a:scrgbClr r="0" g="0" b="0"/>
+      </a:lnRef>
+      <a:fillRef idx="1">
+        <a:scrgbClr r="0" g="0" b="0"/>
+      </a:fillRef>
+      <a:effectRef idx="0">
+        <a:scrgbClr r="0" g="0" b="0"/>
+      </a:effectRef>
+      <a:fontRef idx="minor"/>
+    </dgm:style>
+  </dgm:styleLbl>
+  <dgm:styleLbl name="alignAcc1">
+    <dgm:scene3d>
+      <a:camera prst="orthographicFront"/>
+      <a:lightRig rig="threePt" dir="t"/>
+    </dgm:scene3d>
+    <dgm:sp3d/>
+    <dgm:txPr/>
+    <dgm:style>
+      <a:lnRef idx="2">
+        <a:scrgbClr r="0" g="0" b="0"/>
+      </a:lnRef>
+      <a:fillRef idx="1">
+        <a:scrgbClr r="0" g="0" b="0"/>
+      </a:fillRef>
+      <a:effectRef idx="0">
+        <a:scrgbClr r="0" g="0" b="0"/>
+      </a:effectRef>
+      <a:fontRef idx="minor"/>
+    </dgm:style>
+  </dgm:styleLbl>
+  <dgm:styleLbl name="trAlignAcc1">
+    <dgm:scene3d>
+      <a:camera prst="orthographicFront"/>
+      <a:lightRig rig="threePt" dir="t"/>
+    </dgm:scene3d>
+    <dgm:sp3d/>
+    <dgm:txPr/>
+    <dgm:style>
+      <a:lnRef idx="1">
+        <a:scrgbClr r="0" g="0" b="0"/>
+      </a:lnRef>
+      <a:fillRef idx="1">
+        <a:scrgbClr r="0" g="0" b="0"/>
+      </a:fillRef>
+      <a:effectRef idx="0">
+        <a:scrgbClr r="0" g="0" b="0"/>
+      </a:effectRef>
+      <a:fontRef idx="minor"/>
+    </dgm:style>
+  </dgm:styleLbl>
+  <dgm:styleLbl name="bgAcc1">
+    <dgm:scene3d>
+      <a:camera prst="orthographicFront"/>
+      <a:lightRig rig="threePt" dir="t"/>
+    </dgm:scene3d>
+    <dgm:sp3d/>
+    <dgm:txPr/>
+    <dgm:style>
+      <a:lnRef idx="2">
+        <a:scrgbClr r="0" g="0" b="0"/>
+      </a:lnRef>
+      <a:fillRef idx="1">
+        <a:scrgbClr r="0" g="0" b="0"/>
+      </a:fillRef>
+      <a:effectRef idx="0">
+        <a:scrgbClr r="0" g="0" b="0"/>
+      </a:effectRef>
+      <a:fontRef idx="minor"/>
+    </dgm:style>
+  </dgm:styleLbl>
+  <dgm:styleLbl name="solidFgAcc1">
+    <dgm:scene3d>
+      <a:camera prst="orthographicFront"/>
+      <a:lightRig rig="threePt" dir="t"/>
+    </dgm:scene3d>
+    <dgm:sp3d/>
+    <dgm:txPr/>
+    <dgm:style>
+      <a:lnRef idx="2">
+        <a:scrgbClr r="0" g="0" b="0"/>
+      </a:lnRef>
+      <a:fillRef idx="1">
+        <a:scrgbClr r="0" g="0" b="0"/>
+      </a:fillRef>
+      <a:effectRef idx="0">
+        <a:scrgbClr r="0" g="0" b="0"/>
+      </a:effectRef>
+      <a:fontRef idx="minor"/>
+    </dgm:style>
+  </dgm:styleLbl>
+  <dgm:styleLbl name="solidAlignAcc1">
+    <dgm:scene3d>
+      <a:camera prst="orthographicFront"/>
+      <a:lightRig rig="threePt" dir="t"/>
+    </dgm:scene3d>
+    <dgm:sp3d/>
+    <dgm:txPr/>
+    <dgm:style>
+      <a:lnRef idx="2">
+        <a:scrgbClr r="0" g="0" b="0"/>
+      </a:lnRef>
+      <a:fillRef idx="1">
+        <a:scrgbClr r="0" g="0" b="0"/>
+      </a:fillRef>
+      <a:effectRef idx="0">
+        <a:scrgbClr r="0" g="0" b="0"/>
+      </a:effectRef>
+      <a:fontRef idx="minor"/>
+    </dgm:style>
+  </dgm:styleLbl>
+  <dgm:styleLbl name="solidBgAcc1">
+    <dgm:scene3d>
+      <a:camera prst="orthographicFront"/>
+      <a:lightRig rig="threePt" dir="t"/>
+    </dgm:scene3d>
+    <dgm:sp3d/>
+    <dgm:txPr/>
+    <dgm:style>
+      <a:lnRef idx="2">
+        <a:scrgbClr r="0" g="0" b="0"/>
+      </a:lnRef>
+      <a:fillRef idx="1">
+        <a:scrgbClr r="0" g="0" b="0"/>
+      </a:fillRef>
+      <a:effectRef idx="0">
+        <a:scrgbClr r="0" g="0" b="0"/>
+      </a:effectRef>
+      <a:fontRef idx="minor"/>
+    </dgm:style>
+  </dgm:styleLbl>
+  <dgm:styleLbl name="fgAccFollowNode1">
+    <dgm:scene3d>
+      <a:camera prst="orthographicFront"/>
+      <a:lightRig rig="threePt" dir="t"/>
+    </dgm:scene3d>
+    <dgm:sp3d/>
+    <dgm:txPr/>
+    <dgm:style>
+      <a:lnRef idx="2">
+        <a:scrgbClr r="0" g="0" b="0"/>
+      </a:lnRef>
+      <a:fillRef idx="1">
+        <a:scrgbClr r="0" g="0" b="0"/>
+      </a:fillRef>
+      <a:effectRef idx="0">
+        <a:scrgbClr r="0" g="0" b="0"/>
+      </a:effectRef>
+      <a:fontRef idx="minor"/>
+    </dgm:style>
+  </dgm:styleLbl>
+  <dgm:styleLbl name="alignAccFollowNode1">
+    <dgm:scene3d>
+      <a:camera prst="orthographicFront"/>
+      <a:lightRig rig="threePt" dir="t"/>
+    </dgm:scene3d>
+    <dgm:sp3d/>
+    <dgm:txPr/>
+    <dgm:style>
+      <a:lnRef idx="2">
+        <a:scrgbClr r="0" g="0" b="0"/>
+      </a:lnRef>
+      <a:fillRef idx="1">
+        <a:scrgbClr r="0" g="0" b="0"/>
+      </a:fillRef>
+      <a:effectRef idx="0">
+        <a:scrgbClr r="0" g="0" b="0"/>
+      </a:effectRef>
+      <a:fontRef idx="minor"/>
+    </dgm:style>
+  </dgm:styleLbl>
+  <dgm:styleLbl name="bgAccFollowNode1">
+    <dgm:scene3d>
+      <a:camera prst="orthographicFront"/>
+      <a:lightRig rig="threePt" dir="t"/>
+    </dgm:scene3d>
+    <dgm:sp3d/>
+    <dgm:txPr/>
+    <dgm:style>
+      <a:lnRef idx="2">
+        <a:scrgbClr r="0" g="0" b="0"/>
+      </a:lnRef>
+      <a:fillRef idx="1">
+        <a:scrgbClr r="0" g="0" b="0"/>
+      </a:fillRef>
+      <a:effectRef idx="0">
+        <a:scrgbClr r="0" g="0" b="0"/>
+      </a:effectRef>
+      <a:fontRef idx="minor"/>
+    </dgm:style>
+  </dgm:styleLbl>
+  <dgm:styleLbl name="fgAcc0">
+    <dgm:scene3d>
+      <a:camera prst="orthographicFront"/>
+      <a:lightRig rig="threePt" dir="t"/>
+    </dgm:scene3d>
+    <dgm:sp3d/>
+    <dgm:txPr/>
+    <dgm:style>
+      <a:lnRef idx="2">
+        <a:scrgbClr r="0" g="0" b="0"/>
+      </a:lnRef>
+      <a:fillRef idx="1">
+        <a:scrgbClr r="0" g="0" b="0"/>
+      </a:fillRef>
+      <a:effectRef idx="0">
+        <a:scrgbClr r="0" g="0" b="0"/>
+      </a:effectRef>
+      <a:fontRef idx="minor"/>
+    </dgm:style>
+  </dgm:styleLbl>
+  <dgm:styleLbl name="fgAcc2">
+    <dgm:scene3d>
+      <a:camera prst="orthographicFront"/>
+      <a:lightRig rig="threePt" dir="t"/>
+    </dgm:scene3d>
+    <dgm:sp3d/>
+    <dgm:txPr/>
+    <dgm:style>
+      <a:lnRef idx="2">
+        <a:scrgbClr r="0" g="0" b="0"/>
+      </a:lnRef>
+      <a:fillRef idx="1">
+        <a:scrgbClr r="0" g="0" b="0"/>
+      </a:fillRef>
+      <a:effectRef idx="0">
+        <a:scrgbClr r="0" g="0" b="0"/>
+      </a:effectRef>
+      <a:fontRef idx="minor"/>
+    </dgm:style>
+  </dgm:styleLbl>
+  <dgm:styleLbl name="fgAcc3">
+    <dgm:scene3d>
+      <a:camera prst="orthographicFront"/>
+      <a:lightRig rig="threePt" dir="t"/>
+    </dgm:scene3d>
+    <dgm:sp3d/>
+    <dgm:txPr/>
+    <dgm:style>
+      <a:lnRef idx="2">
+        <a:scrgbClr r="0" g="0" b="0"/>
+      </a:lnRef>
+      <a:fillRef idx="1">
+        <a:scrgbClr r="0" g="0" b="0"/>
+      </a:fillRef>
+      <a:effectRef idx="0">
+        <a:scrgbClr r="0" g="0" b="0"/>
+      </a:effectRef>
+      <a:fontRef idx="minor"/>
+    </dgm:style>
+  </dgm:styleLbl>
+  <dgm:styleLbl name="fgAcc4">
+    <dgm:scene3d>
+      <a:camera prst="orthographicFront"/>
+      <a:lightRig rig="threePt" dir="t"/>
+    </dgm:scene3d>
+    <dgm:sp3d/>
+    <dgm:txPr/>
+    <dgm:style>
+      <a:lnRef idx="2">
+        <a:scrgbClr r="0" g="0" b="0"/>
+      </a:lnRef>
+      <a:fillRef idx="1">
+        <a:scrgbClr r="0" g="0" b="0"/>
+      </a:fillRef>
+      <a:effectRef idx="0">
+        <a:scrgbClr r="0" g="0" b="0"/>
+      </a:effectRef>
+      <a:fontRef idx="minor"/>
+    </dgm:style>
+  </dgm:styleLbl>
+  <dgm:styleLbl name="bgShp">
+    <dgm:scene3d>
+      <a:camera prst="orthographicFront"/>
+      <a:lightRig rig="threePt" dir="t"/>
+    </dgm:scene3d>
+    <dgm:sp3d/>
+    <dgm:txPr/>
+    <dgm:style>
+      <a:lnRef idx="0">
+        <a:scrgbClr r="0" g="0" b="0"/>
+      </a:lnRef>
+      <a:fillRef idx="1">
+        <a:scrgbClr r="0" g="0" b="0"/>
+      </a:fillRef>
+      <a:effectRef idx="0">
+        <a:scrgbClr r="0" g="0" b="0"/>
+      </a:effectRef>
+      <a:fontRef idx="minor"/>
+    </dgm:style>
+  </dgm:styleLbl>
+  <dgm:styleLbl name="dkBgShp">
+    <dgm:scene3d>
+      <a:camera prst="orthographicFront"/>
+      <a:lightRig rig="threePt" dir="t"/>
+    </dgm:scene3d>
+    <dgm:sp3d/>
+    <dgm:txPr/>
+    <dgm:style>
+      <a:lnRef idx="0">
+        <a:scrgbClr r="0" g="0" b="0"/>
+      </a:lnRef>
+      <a:fillRef idx="1">
+        <a:scrgbClr r="0" g="0" b="0"/>
+      </a:fillRef>
+      <a:effectRef idx="0">
+        <a:scrgbClr r="0" g="0" b="0"/>
+      </a:effectRef>
+      <a:fontRef idx="minor"/>
+    </dgm:style>
+  </dgm:styleLbl>
+  <dgm:styleLbl name="trBgShp">
+    <dgm:scene3d>
+      <a:camera prst="orthographicFront"/>
+      <a:lightRig rig="threePt" dir="t"/>
+    </dgm:scene3d>
+    <dgm:sp3d/>
+    <dgm:txPr/>
+    <dgm:style>
+      <a:lnRef idx="0">
+        <a:scrgbClr r="0" g="0" b="0"/>
+      </a:lnRef>
+      <a:fillRef idx="1">
+        <a:scrgbClr r="0" g="0" b="0"/>
+      </a:fillRef>
+      <a:effectRef idx="0">
+        <a:scrgbClr r="0" g="0" b="0"/>
+      </a:effectRef>
+      <a:fontRef idx="minor"/>
+    </dgm:style>
+  </dgm:styleLbl>
+  <dgm:styleLbl name="fgShp">
+    <dgm:scene3d>
+      <a:camera prst="orthographicFront"/>
+      <a:lightRig rig="threePt" dir="t"/>
+    </dgm:scene3d>
+    <dgm:sp3d/>
+    <dgm:txPr/>
+    <dgm:style>
+      <a:lnRef idx="2">
+        <a:scrgbClr r="0" g="0" b="0"/>
+      </a:lnRef>
+      <a:fillRef idx="1">
+        <a:scrgbClr r="0" g="0" b="0"/>
+      </a:fillRef>
+      <a:effectRef idx="0">
+        <a:scrgbClr r="0" g="0" b="0"/>
+      </a:effectRef>
+      <a:fontRef idx="minor"/>
+    </dgm:style>
+  </dgm:styleLbl>
+  <dgm:styleLbl name="revTx">
+    <dgm:scene3d>
+      <a:camera prst="orthographicFront"/>
+      <a:lightRig rig="threePt" dir="t"/>
+    </dgm:scene3d>
+    <dgm:sp3d/>
+    <dgm:txPr/>
+    <dgm:style>
+      <a:lnRef idx="0">
+        <a:scrgbClr r="0" g="0" b="0"/>
+      </a:lnRef>
+      <a:fillRef idx="0">
+        <a:scrgbClr r="0" g="0" b="0"/>
+      </a:fillRef>
+      <a:effectRef idx="0">
+        <a:scrgbClr r="0" g="0" b="0"/>
+      </a:effectRef>
+      <a:fontRef idx="minor"/>
+    </dgm:style>
+  </dgm:styleLbl>
+</dgm:styleDef>
+</file>
+
+<file path=ppt/diagrams/quickStyle3.xml><?xml version="1.0" encoding="utf-8"?>
 <dgm:styleDef xmlns:dgm="http://schemas.openxmlformats.org/drawingml/2006/diagram" xmlns:a="http://schemas.openxmlformats.org/drawingml/2006/main" uniqueId="urn:microsoft.com/office/officeart/2005/8/quickstyle/simple1">
   <dgm:title val=""/>
   <dgm:desc val=""/>
@@ -6624,7 +10153,7 @@
           <a:p>
             <a:fld id="{02AC24A9-CCB6-4F8D-B8DB-C2F3692CFA5A}" type="datetimeFigureOut">
               <a:rPr lang="en-US" smtClean="0"/>
-              <a:t>3/24/23</a:t>
+              <a:t>3/24/2023</a:t>
             </a:fld>
             <a:endParaRPr lang="en-US" dirty="0"/>
           </a:p>
@@ -6994,7 +10523,7 @@
           <a:p>
             <a:fld id="{02AC24A9-CCB6-4F8D-B8DB-C2F3692CFA5A}" type="datetimeFigureOut">
               <a:rPr lang="en-US" smtClean="0"/>
-              <a:t>3/24/23</a:t>
+              <a:t>3/24/2023</a:t>
             </a:fld>
             <a:endParaRPr lang="en-US"/>
           </a:p>
@@ -7203,7 +10732,7 @@
           <a:p>
             <a:fld id="{02AC24A9-CCB6-4F8D-B8DB-C2F3692CFA5A}" type="datetimeFigureOut">
               <a:rPr lang="en-US" smtClean="0"/>
-              <a:t>3/24/23</a:t>
+              <a:t>3/24/2023</a:t>
             </a:fld>
             <a:endParaRPr lang="en-US"/>
           </a:p>
@@ -7673,7 +11202,7 @@
           <a:p>
             <a:fld id="{02AC24A9-CCB6-4F8D-B8DB-C2F3692CFA5A}" type="datetimeFigureOut">
               <a:rPr lang="en-US" smtClean="0"/>
-              <a:t>3/24/23</a:t>
+              <a:t>3/24/2023</a:t>
             </a:fld>
             <a:endParaRPr lang="en-US"/>
           </a:p>
@@ -8127,7 +11656,7 @@
           <a:p>
             <a:fld id="{02AC24A9-CCB6-4F8D-B8DB-C2F3692CFA5A}" type="datetimeFigureOut">
               <a:rPr lang="en-US" smtClean="0"/>
-              <a:t>3/24/23</a:t>
+              <a:t>3/24/2023</a:t>
             </a:fld>
             <a:endParaRPr lang="en-US"/>
           </a:p>
@@ -8659,7 +12188,7 @@
           <a:p>
             <a:fld id="{02AC24A9-CCB6-4F8D-B8DB-C2F3692CFA5A}" type="datetimeFigureOut">
               <a:rPr lang="en-US" smtClean="0"/>
-              <a:t>3/24/23</a:t>
+              <a:t>3/24/2023</a:t>
             </a:fld>
             <a:endParaRPr lang="en-US"/>
           </a:p>
@@ -9358,7 +12887,7 @@
           <a:p>
             <a:fld id="{02AC24A9-CCB6-4F8D-B8DB-C2F3692CFA5A}" type="datetimeFigureOut">
               <a:rPr lang="en-US" smtClean="0"/>
-              <a:t>3/24/23</a:t>
+              <a:t>3/24/2023</a:t>
             </a:fld>
             <a:endParaRPr lang="en-US"/>
           </a:p>
@@ -9687,7 +13216,7 @@
           <a:p>
             <a:fld id="{02AC24A9-CCB6-4F8D-B8DB-C2F3692CFA5A}" type="datetimeFigureOut">
               <a:rPr lang="en-US" smtClean="0"/>
-              <a:t>3/24/23</a:t>
+              <a:t>3/24/2023</a:t>
             </a:fld>
             <a:endParaRPr lang="en-US"/>
           </a:p>
@@ -9800,7 +13329,7 @@
           <a:p>
             <a:fld id="{02AC24A9-CCB6-4F8D-B8DB-C2F3692CFA5A}" type="datetimeFigureOut">
               <a:rPr lang="en-US" smtClean="0"/>
-              <a:t>3/24/23</a:t>
+              <a:t>3/24/2023</a:t>
             </a:fld>
             <a:endParaRPr lang="en-US"/>
           </a:p>
@@ -10295,7 +13824,7 @@
           <a:p>
             <a:fld id="{02AC24A9-CCB6-4F8D-B8DB-C2F3692CFA5A}" type="datetimeFigureOut">
               <a:rPr lang="en-US" smtClean="0"/>
-              <a:t>3/24/23</a:t>
+              <a:t>3/24/2023</a:t>
             </a:fld>
             <a:endParaRPr lang="en-US" dirty="0"/>
           </a:p>
@@ -10772,7 +14301,7 @@
           <a:p>
             <a:fld id="{02AC24A9-CCB6-4F8D-B8DB-C2F3692CFA5A}" type="datetimeFigureOut">
               <a:rPr lang="en-US" smtClean="0"/>
-              <a:t>3/24/23</a:t>
+              <a:t>3/24/2023</a:t>
             </a:fld>
             <a:endParaRPr lang="en-US"/>
           </a:p>
@@ -11015,7 +14544,7 @@
           <a:p>
             <a:fld id="{02AC24A9-CCB6-4F8D-B8DB-C2F3692CFA5A}" type="datetimeFigureOut">
               <a:rPr lang="en-US" smtClean="0"/>
-              <a:t>3/24/23</a:t>
+              <a:t>3/24/2023</a:t>
             </a:fld>
             <a:endParaRPr lang="en-US"/>
           </a:p>
@@ -11800,147 +15329,6 @@
           <p:cNvPr id="2" name="Title 1">
             <a:extLst>
               <a:ext uri="{FF2B5EF4-FFF2-40B4-BE49-F238E27FC236}">
-                <a16:creationId xmlns:a16="http://schemas.microsoft.com/office/drawing/2014/main" id="{6BFB177E-629C-D5C0-80FC-FDA5B640DE3B}"/>
-              </a:ext>
-            </a:extLst>
-          </p:cNvPr>
-          <p:cNvSpPr>
-            <a:spLocks noGrp="1"/>
-          </p:cNvSpPr>
-          <p:nvPr>
-            <p:ph type="title"/>
-          </p:nvPr>
-        </p:nvSpPr>
-        <p:spPr/>
-        <p:txBody>
-          <a:bodyPr/>
-          <a:lstStyle/>
-          <a:p>
-            <a:r>
-              <a:rPr lang="en-US" dirty="0"/>
-              <a:t>Modeling</a:t>
-            </a:r>
-          </a:p>
-        </p:txBody>
-      </p:sp>
-      <p:sp>
-        <p:nvSpPr>
-          <p:cNvPr id="3" name="Content Placeholder 2">
-            <a:extLst>
-              <a:ext uri="{FF2B5EF4-FFF2-40B4-BE49-F238E27FC236}">
-                <a16:creationId xmlns:a16="http://schemas.microsoft.com/office/drawing/2014/main" id="{36A9321C-1E6D-A631-D399-E67D3E392753}"/>
-              </a:ext>
-            </a:extLst>
-          </p:cNvPr>
-          <p:cNvSpPr>
-            <a:spLocks noGrp="1"/>
-          </p:cNvSpPr>
-          <p:nvPr>
-            <p:ph idx="1"/>
-          </p:nvPr>
-        </p:nvSpPr>
-        <p:spPr/>
-        <p:txBody>
-          <a:bodyPr>
-            <a:normAutofit/>
-          </a:bodyPr>
-          <a:lstStyle/>
-          <a:p>
-            <a:r>
-              <a:rPr lang="en-US" dirty="0"/>
-              <a:t>Ur of </a:t>
-            </a:r>
-            <a:r>
-              <a:rPr lang="en-US" dirty="0" err="1"/>
-              <a:t>GridSearchCV</a:t>
-            </a:r>
-            <a:r>
-              <a:rPr lang="en-US" dirty="0"/>
-              <a:t> to get the best parameters to use with models.</a:t>
-            </a:r>
-          </a:p>
-          <a:p>
-            <a:r>
-              <a:rPr lang="en-US" dirty="0"/>
-              <a:t>Tried multiple algorithms:</a:t>
-            </a:r>
-          </a:p>
-          <a:p>
-            <a:pPr lvl="1"/>
-            <a:r>
-              <a:rPr lang="en-US" dirty="0"/>
-              <a:t>Linear Regression (including Ridge and Lasso)</a:t>
-            </a:r>
-          </a:p>
-          <a:p>
-            <a:pPr lvl="1"/>
-            <a:r>
-              <a:rPr lang="en-US" dirty="0"/>
-              <a:t>Random Forest Classifier</a:t>
-            </a:r>
-          </a:p>
-          <a:p>
-            <a:pPr lvl="1"/>
-            <a:r>
-              <a:rPr lang="en-US" dirty="0"/>
-              <a:t>SVM</a:t>
-            </a:r>
-          </a:p>
-          <a:p>
-            <a:pPr lvl="1"/>
-            <a:r>
-              <a:rPr lang="en-US" dirty="0" err="1"/>
-              <a:t>XGBoost</a:t>
-            </a:r>
-            <a:endParaRPr lang="en-US" dirty="0"/>
-          </a:p>
-          <a:p>
-            <a:pPr lvl="1"/>
-            <a:endParaRPr lang="en-US" dirty="0"/>
-          </a:p>
-          <a:p>
-            <a:pPr marL="457200" lvl="1" indent="0">
-              <a:buNone/>
-            </a:pPr>
-            <a:endParaRPr lang="en-US" dirty="0"/>
-          </a:p>
-        </p:txBody>
-      </p:sp>
-    </p:spTree>
-    <p:extLst>
-      <p:ext uri="{BB962C8B-B14F-4D97-AF65-F5344CB8AC3E}">
-        <p14:creationId xmlns:p14="http://schemas.microsoft.com/office/powerpoint/2010/main" val="2075841855"/>
-      </p:ext>
-    </p:extLst>
-  </p:cSld>
-  <p:clrMapOvr>
-    <a:masterClrMapping/>
-  </p:clrMapOvr>
-</p:sld>
-</file>
-
-<file path=ppt/slides/slide11.xml><?xml version="1.0" encoding="utf-8"?>
-<p:sld xmlns:a="http://schemas.openxmlformats.org/drawingml/2006/main" xmlns:r="http://schemas.openxmlformats.org/officeDocument/2006/relationships" xmlns:p="http://schemas.openxmlformats.org/presentationml/2006/main">
-  <p:cSld>
-    <p:spTree>
-      <p:nvGrpSpPr>
-        <p:cNvPr id="1" name=""/>
-        <p:cNvGrpSpPr/>
-        <p:nvPr/>
-      </p:nvGrpSpPr>
-      <p:grpSpPr>
-        <a:xfrm>
-          <a:off x="0" y="0"/>
-          <a:ext cx="0" cy="0"/>
-          <a:chOff x="0" y="0"/>
-          <a:chExt cx="0" cy="0"/>
-        </a:xfrm>
-      </p:grpSpPr>
-      <p:sp>
-        <p:nvSpPr>
-          <p:cNvPr id="2" name="Title 1">
-            <a:extLst>
-              <a:ext uri="{FF2B5EF4-FFF2-40B4-BE49-F238E27FC236}">
                 <a16:creationId xmlns:a16="http://schemas.microsoft.com/office/drawing/2014/main" id="{B40E3042-C55D-55CE-FD1D-2FAB100D1806}"/>
               </a:ext>
             </a:extLst>
@@ -11959,279 +15347,17 @@
           <a:p>
             <a:r>
               <a:rPr lang="en-US" dirty="0"/>
-              <a:t>Models Results</a:t>
+              <a:t>Linear Regression &amp; XG Boost</a:t>
             </a:r>
           </a:p>
         </p:txBody>
       </p:sp>
       <p:sp>
         <p:nvSpPr>
-          <p:cNvPr id="9" name="TextBox 8">
+          <p:cNvPr id="4" name="Content Placeholder 3">
             <a:extLst>
               <a:ext uri="{FF2B5EF4-FFF2-40B4-BE49-F238E27FC236}">
-                <a16:creationId xmlns:a16="http://schemas.microsoft.com/office/drawing/2014/main" id="{DA4AD159-39A4-29E8-29D0-1632736770EA}"/>
-              </a:ext>
-            </a:extLst>
-          </p:cNvPr>
-          <p:cNvSpPr txBox="1"/>
-          <p:nvPr/>
-        </p:nvSpPr>
-        <p:spPr>
-          <a:xfrm>
-            <a:off x="2598738" y="2058737"/>
-            <a:ext cx="1729897" cy="307777"/>
-          </a:xfrm>
-          <a:prstGeom prst="rect">
-            <a:avLst/>
-          </a:prstGeom>
-          <a:noFill/>
-        </p:spPr>
-        <p:txBody>
-          <a:bodyPr wrap="none" rtlCol="0">
-            <a:spAutoFit/>
-          </a:bodyPr>
-          <a:lstStyle/>
-          <a:p>
-            <a:r>
-              <a:rPr lang="en-US" sz="1400" b="1" dirty="0">
-                <a:solidFill>
-                  <a:srgbClr val="0070C0"/>
-                </a:solidFill>
-              </a:rPr>
-              <a:t>Linear Regression</a:t>
-            </a:r>
-          </a:p>
-        </p:txBody>
-      </p:sp>
-      <p:sp>
-        <p:nvSpPr>
-          <p:cNvPr id="11" name="TextBox 10">
-            <a:extLst>
-              <a:ext uri="{FF2B5EF4-FFF2-40B4-BE49-F238E27FC236}">
-                <a16:creationId xmlns:a16="http://schemas.microsoft.com/office/drawing/2014/main" id="{614BF7B4-8C92-B0DA-BC30-B4D12E3D2E1B}"/>
-              </a:ext>
-            </a:extLst>
-          </p:cNvPr>
-          <p:cNvSpPr txBox="1"/>
-          <p:nvPr/>
-        </p:nvSpPr>
-        <p:spPr>
-          <a:xfrm>
-            <a:off x="2456839" y="3973653"/>
-            <a:ext cx="1819088" cy="307777"/>
-          </a:xfrm>
-          <a:prstGeom prst="rect">
-            <a:avLst/>
-          </a:prstGeom>
-          <a:noFill/>
-        </p:spPr>
-        <p:txBody>
-          <a:bodyPr wrap="none" rtlCol="0">
-            <a:spAutoFit/>
-          </a:bodyPr>
-          <a:lstStyle/>
-          <a:p>
-            <a:r>
-              <a:rPr lang="en-US" sz="1400" b="1" dirty="0" err="1">
-                <a:solidFill>
-                  <a:srgbClr val="0070C0"/>
-                </a:solidFill>
-              </a:rPr>
-              <a:t>Xboost</a:t>
-            </a:r>
-            <a:r>
-              <a:rPr lang="en-US" sz="1400" b="1" dirty="0">
-                <a:solidFill>
-                  <a:srgbClr val="0070C0"/>
-                </a:solidFill>
-              </a:rPr>
-              <a:t> Regression</a:t>
-            </a:r>
-          </a:p>
-        </p:txBody>
-      </p:sp>
-      <p:pic>
-        <p:nvPicPr>
-          <p:cNvPr id="3074" name="Picture 2">
-            <a:extLst>
-              <a:ext uri="{FF2B5EF4-FFF2-40B4-BE49-F238E27FC236}">
-                <a16:creationId xmlns:a16="http://schemas.microsoft.com/office/drawing/2014/main" id="{425D24EF-09D4-4047-2509-E18A2D4A9789}"/>
-              </a:ext>
-            </a:extLst>
-          </p:cNvPr>
-          <p:cNvPicPr>
-            <a:picLocks noChangeAspect="1" noChangeArrowheads="1"/>
-          </p:cNvPicPr>
-          <p:nvPr/>
-        </p:nvPicPr>
-        <p:blipFill>
-          <a:blip r:embed="rId2">
-            <a:extLst>
-              <a:ext uri="{28A0092B-C50C-407E-A947-70E740481C1C}">
-                <a14:useLocalDpi xmlns:a14="http://schemas.microsoft.com/office/drawing/2010/main" val="0"/>
-              </a:ext>
-            </a:extLst>
-          </a:blip>
-          <a:srcRect/>
-          <a:stretch>
-            <a:fillRect/>
-          </a:stretch>
-        </p:blipFill>
-        <p:spPr bwMode="auto">
-          <a:xfrm>
-            <a:off x="6640946" y="3456330"/>
-            <a:ext cx="5486284" cy="1821618"/>
-          </a:xfrm>
-          <a:prstGeom prst="rect">
-            <a:avLst/>
-          </a:prstGeom>
-          <a:noFill/>
-          <a:extLst>
-            <a:ext uri="{909E8E84-426E-40DD-AFC4-6F175D3DCCD1}">
-              <a14:hiddenFill xmlns:a14="http://schemas.microsoft.com/office/drawing/2010/main">
-                <a:solidFill>
-                  <a:srgbClr val="FFFFFF"/>
-                </a:solidFill>
-              </a14:hiddenFill>
-            </a:ext>
-          </a:extLst>
-        </p:spPr>
-      </p:pic>
-      <p:pic>
-        <p:nvPicPr>
-          <p:cNvPr id="13" name="Picture 12">
-            <a:extLst>
-              <a:ext uri="{FF2B5EF4-FFF2-40B4-BE49-F238E27FC236}">
-                <a16:creationId xmlns:a16="http://schemas.microsoft.com/office/drawing/2014/main" id="{632E6687-697E-687E-E1B4-15EBF495CEDD}"/>
-              </a:ext>
-            </a:extLst>
-          </p:cNvPr>
-          <p:cNvPicPr>
-            <a:picLocks noChangeAspect="1"/>
-          </p:cNvPicPr>
-          <p:nvPr/>
-        </p:nvPicPr>
-        <p:blipFill>
-          <a:blip r:embed="rId3"/>
-          <a:stretch>
-            <a:fillRect/>
-          </a:stretch>
-        </p:blipFill>
-        <p:spPr>
-          <a:xfrm>
-            <a:off x="486575" y="4367139"/>
-            <a:ext cx="6154371" cy="1586117"/>
-          </a:xfrm>
-          <a:prstGeom prst="rect">
-            <a:avLst/>
-          </a:prstGeom>
-        </p:spPr>
-      </p:pic>
-      <p:pic>
-        <p:nvPicPr>
-          <p:cNvPr id="14" name="Picture 13">
-            <a:extLst>
-              <a:ext uri="{FF2B5EF4-FFF2-40B4-BE49-F238E27FC236}">
-                <a16:creationId xmlns:a16="http://schemas.microsoft.com/office/drawing/2014/main" id="{0FE8CB2B-2C2F-AC84-4DC9-17559488CE6E}"/>
-              </a:ext>
-            </a:extLst>
-          </p:cNvPr>
-          <p:cNvPicPr>
-            <a:picLocks noChangeAspect="1"/>
-          </p:cNvPicPr>
-          <p:nvPr/>
-        </p:nvPicPr>
-        <p:blipFill>
-          <a:blip r:embed="rId4"/>
-          <a:stretch>
-            <a:fillRect/>
-          </a:stretch>
-        </p:blipFill>
-        <p:spPr>
-          <a:xfrm>
-            <a:off x="258689" y="2335736"/>
-            <a:ext cx="6114402" cy="1552208"/>
-          </a:xfrm>
-          <a:prstGeom prst="rect">
-            <a:avLst/>
-          </a:prstGeom>
-        </p:spPr>
-      </p:pic>
-      <p:sp>
-        <p:nvSpPr>
-          <p:cNvPr id="15" name="TextBox 14">
-            <a:extLst>
-              <a:ext uri="{FF2B5EF4-FFF2-40B4-BE49-F238E27FC236}">
-                <a16:creationId xmlns:a16="http://schemas.microsoft.com/office/drawing/2014/main" id="{69CCBE08-4BDF-96BB-8150-CE36109BE4E4}"/>
-              </a:ext>
-            </a:extLst>
-          </p:cNvPr>
-          <p:cNvSpPr txBox="1"/>
-          <p:nvPr/>
-        </p:nvSpPr>
-        <p:spPr>
-          <a:xfrm>
-            <a:off x="8234184" y="3091474"/>
-            <a:ext cx="2334678" cy="307777"/>
-          </a:xfrm>
-          <a:prstGeom prst="rect">
-            <a:avLst/>
-          </a:prstGeom>
-          <a:noFill/>
-        </p:spPr>
-        <p:txBody>
-          <a:bodyPr wrap="none" rtlCol="0">
-            <a:spAutoFit/>
-          </a:bodyPr>
-          <a:lstStyle/>
-          <a:p>
-            <a:r>
-              <a:rPr lang="en-US" sz="1400" b="1" dirty="0">
-                <a:solidFill>
-                  <a:srgbClr val="0070C0"/>
-                </a:solidFill>
-              </a:rPr>
-              <a:t>Random Forest Classifier</a:t>
-            </a:r>
-          </a:p>
-        </p:txBody>
-      </p:sp>
-    </p:spTree>
-    <p:extLst>
-      <p:ext uri="{BB962C8B-B14F-4D97-AF65-F5344CB8AC3E}">
-        <p14:creationId xmlns:p14="http://schemas.microsoft.com/office/powerpoint/2010/main" val="2568439162"/>
-      </p:ext>
-    </p:extLst>
-  </p:cSld>
-  <p:clrMapOvr>
-    <a:masterClrMapping/>
-  </p:clrMapOvr>
-</p:sld>
-</file>
-
-<file path=ppt/slides/slide12.xml><?xml version="1.0" encoding="utf-8"?>
-<p:sld xmlns:a="http://schemas.openxmlformats.org/drawingml/2006/main" xmlns:r="http://schemas.openxmlformats.org/officeDocument/2006/relationships" xmlns:p="http://schemas.openxmlformats.org/presentationml/2006/main">
-  <p:cSld>
-    <p:spTree>
-      <p:nvGrpSpPr>
-        <p:cNvPr id="1" name=""/>
-        <p:cNvGrpSpPr/>
-        <p:nvPr/>
-      </p:nvGrpSpPr>
-      <p:grpSpPr>
-        <a:xfrm>
-          <a:off x="0" y="0"/>
-          <a:ext cx="0" cy="0"/>
-          <a:chOff x="0" y="0"/>
-          <a:chExt cx="0" cy="0"/>
-        </a:xfrm>
-      </p:grpSpPr>
-      <p:sp>
-        <p:nvSpPr>
-          <p:cNvPr id="2" name="Title 1">
-            <a:extLst>
-              <a:ext uri="{FF2B5EF4-FFF2-40B4-BE49-F238E27FC236}">
-                <a16:creationId xmlns:a16="http://schemas.microsoft.com/office/drawing/2014/main" id="{B40E3042-C55D-55CE-FD1D-2FAB100D1806}"/>
+                <a16:creationId xmlns:a16="http://schemas.microsoft.com/office/drawing/2014/main" id="{9401E56B-34DE-DF46-ABEE-F49E098BE9E8}"/>
               </a:ext>
             </a:extLst>
           </p:cNvPr>
@@ -12239,45 +15365,125 @@
             <a:spLocks noGrp="1"/>
           </p:cNvSpPr>
           <p:nvPr>
-            <p:ph type="title"/>
+            <p:ph sz="half" idx="1"/>
           </p:nvPr>
         </p:nvSpPr>
-        <p:spPr/>
+        <p:spPr>
+          <a:xfrm>
+            <a:off x="630540" y="2536986"/>
+            <a:ext cx="5707197" cy="1788126"/>
+          </a:xfrm>
+        </p:spPr>
         <p:txBody>
-          <a:bodyPr/>
+          <a:bodyPr numCol="2">
+            <a:normAutofit fontScale="62500" lnSpcReduction="20000"/>
+          </a:bodyPr>
           <a:lstStyle/>
           <a:p>
             <a:r>
-              <a:rPr lang="en-US"/>
-              <a:t>Models Results</a:t>
+              <a:rPr lang="en-CA" dirty="0"/>
+              <a:t>Model Inputs:</a:t>
             </a:r>
-            <a:endParaRPr lang="en-US" dirty="0"/>
+          </a:p>
+          <a:p>
+            <a:pPr lvl="1"/>
+            <a:r>
+              <a:rPr lang="en-CA" dirty="0"/>
+              <a:t>Flight Number</a:t>
+            </a:r>
+          </a:p>
+          <a:p>
+            <a:pPr lvl="1"/>
+            <a:r>
+              <a:rPr lang="en-CA" dirty="0"/>
+              <a:t>Origin Airport Id</a:t>
+            </a:r>
+          </a:p>
+          <a:p>
+            <a:pPr lvl="1"/>
+            <a:r>
+              <a:rPr lang="en-CA" dirty="0"/>
+              <a:t>Distance</a:t>
+            </a:r>
+          </a:p>
+          <a:p>
+            <a:pPr lvl="1"/>
+            <a:r>
+              <a:rPr lang="en-CA" dirty="0"/>
+              <a:t>Route</a:t>
+            </a:r>
+          </a:p>
+          <a:p>
+            <a:pPr lvl="1"/>
+            <a:r>
+              <a:rPr lang="en-CA" dirty="0"/>
+              <a:t>Month</a:t>
+            </a:r>
+          </a:p>
+          <a:p>
+            <a:pPr lvl="1"/>
+            <a:r>
+              <a:rPr lang="en-CA" dirty="0"/>
+              <a:t>Avg Temp</a:t>
+            </a:r>
+          </a:p>
+          <a:p>
+            <a:pPr lvl="1"/>
+            <a:r>
+              <a:rPr lang="en-CA" dirty="0"/>
+              <a:t>Precipitation</a:t>
+            </a:r>
+          </a:p>
+          <a:p>
+            <a:pPr lvl="1"/>
+            <a:r>
+              <a:rPr lang="en-CA" dirty="0"/>
+              <a:t>Snow mm</a:t>
+            </a:r>
+          </a:p>
+          <a:p>
+            <a:pPr lvl="1"/>
+            <a:r>
+              <a:rPr lang="en-CA" dirty="0"/>
+              <a:t>Windspeed</a:t>
+            </a:r>
+          </a:p>
+          <a:p>
+            <a:pPr lvl="1"/>
+            <a:r>
+              <a:rPr lang="en-CA" dirty="0"/>
+              <a:t>Airport Longitude</a:t>
+            </a:r>
+          </a:p>
+          <a:p>
+            <a:pPr lvl="1"/>
+            <a:endParaRPr lang="en-CA" dirty="0"/>
           </a:p>
         </p:txBody>
       </p:sp>
       <p:graphicFrame>
         <p:nvGraphicFramePr>
-          <p:cNvPr id="6" name="Table 5">
+          <p:cNvPr id="15" name="Content Placeholder 6">
             <a:extLst>
               <a:ext uri="{FF2B5EF4-FFF2-40B4-BE49-F238E27FC236}">
-                <a16:creationId xmlns:a16="http://schemas.microsoft.com/office/drawing/2014/main" id="{DA39F437-C67F-A73D-4459-B17B5FDDF6DD}"/>
+                <a16:creationId xmlns:a16="http://schemas.microsoft.com/office/drawing/2014/main" id="{3A72984D-5422-E36D-0761-17F08540162D}"/>
               </a:ext>
             </a:extLst>
           </p:cNvPr>
           <p:cNvGraphicFramePr>
-            <a:graphicFrameLocks noGrp="1"/>
+            <a:graphicFrameLocks/>
           </p:cNvGraphicFramePr>
           <p:nvPr>
             <p:extLst>
               <p:ext uri="{D42A27DB-BD31-4B8C-83A1-F6EECF244321}">
-                <p14:modId xmlns:p14="http://schemas.microsoft.com/office/powerpoint/2010/main" val="2499240530"/>
+                <p14:modId xmlns:p14="http://schemas.microsoft.com/office/powerpoint/2010/main" val="1659552912"/>
               </p:ext>
             </p:extLst>
           </p:nvPr>
         </p:nvGraphicFramePr>
         <p:xfrm>
-          <a:off x="607866" y="2484292"/>
-          <a:ext cx="5755987" cy="1745964"/>
+          <a:off x="1249337" y="4583107"/>
+          <a:ext cx="4205533" cy="1726253"/>
         </p:xfrm>
         <a:graphic>
           <a:graphicData uri="http://schemas.openxmlformats.org/drawingml/2006/table">
@@ -12286,38 +15492,31 @@
                 <a:tableStyleId>{5C22544A-7EE6-4342-B048-85BDC9FD1C3A}</a:tableStyleId>
               </a:tblPr>
               <a:tblGrid>
-                <a:gridCol w="1930852">
+                <a:gridCol w="1755914">
                   <a:extLst>
                     <a:ext uri="{9D8B030D-6E8A-4147-A177-3AD203B41FA5}">
                       <a16:colId xmlns:a16="http://schemas.microsoft.com/office/drawing/2014/main" val="1725378040"/>
                     </a:ext>
                   </a:extLst>
                 </a:gridCol>
-                <a:gridCol w="892288">
+                <a:gridCol w="770194">
                   <a:extLst>
                     <a:ext uri="{9D8B030D-6E8A-4147-A177-3AD203B41FA5}">
                       <a16:colId xmlns:a16="http://schemas.microsoft.com/office/drawing/2014/main" val="2740483685"/>
                     </a:ext>
                   </a:extLst>
                 </a:gridCol>
-                <a:gridCol w="954455">
+                <a:gridCol w="770194">
+                  <a:extLst>
+                    <a:ext uri="{9D8B030D-6E8A-4147-A177-3AD203B41FA5}">
+                      <a16:colId xmlns:a16="http://schemas.microsoft.com/office/drawing/2014/main" val="2184182260"/>
+                    </a:ext>
+                  </a:extLst>
+                </a:gridCol>
+                <a:gridCol w="909231">
                   <a:extLst>
                     <a:ext uri="{9D8B030D-6E8A-4147-A177-3AD203B41FA5}">
                       <a16:colId xmlns:a16="http://schemas.microsoft.com/office/drawing/2014/main" val="1613407765"/>
-                    </a:ext>
-                  </a:extLst>
-                </a:gridCol>
-                <a:gridCol w="1129987">
-                  <a:extLst>
-                    <a:ext uri="{9D8B030D-6E8A-4147-A177-3AD203B41FA5}">
-                      <a16:colId xmlns:a16="http://schemas.microsoft.com/office/drawing/2014/main" val="2119774655"/>
-                    </a:ext>
-                  </a:extLst>
-                </a:gridCol>
-                <a:gridCol w="848405">
-                  <a:extLst>
-                    <a:ext uri="{9D8B030D-6E8A-4147-A177-3AD203B41FA5}">
-                      <a16:colId xmlns:a16="http://schemas.microsoft.com/office/drawing/2014/main" val="1476658719"/>
                     </a:ext>
                   </a:extLst>
                 </a:gridCol>
@@ -12353,12 +15552,12 @@
                     <a:p>
                       <a:pPr algn="l" fontAlgn="b"/>
                       <a:r>
-                        <a:rPr lang="en-CA" sz="1200" u="none" strike="noStrike">
+                        <a:rPr lang="en-CA" sz="1200" u="none" strike="noStrike" dirty="0">
                           <a:effectLst/>
                         </a:rPr>
-                        <a:t>RMSE</a:t>
+                        <a:t>MSE</a:t>
                       </a:r>
-                      <a:endParaRPr lang="en-CA" sz="1200" b="0" i="0" u="none" strike="noStrike">
+                      <a:endParaRPr lang="en-CA" sz="1200" b="0" i="0" u="none" strike="noStrike" dirty="0">
                         <a:solidFill>
                           <a:srgbClr val="000000"/>
                         </a:solidFill>
@@ -12376,12 +15575,12 @@
                     <a:p>
                       <a:pPr algn="l" fontAlgn="b"/>
                       <a:r>
-                        <a:rPr lang="en-CA" sz="1200" u="none" strike="noStrike">
+                        <a:rPr lang="en-CA" sz="1200" u="none" strike="noStrike" dirty="0">
                           <a:effectLst/>
                         </a:rPr>
-                        <a:t>R2</a:t>
+                        <a:t>RMSE</a:t>
                       </a:r>
-                      <a:endParaRPr lang="en-CA" sz="1200" b="0" i="0" u="none" strike="noStrike">
+                      <a:endParaRPr lang="en-CA" sz="1200" b="0" i="0" u="none" strike="noStrike" dirty="0">
                         <a:solidFill>
                           <a:srgbClr val="000000"/>
                         </a:solidFill>
@@ -12399,35 +15598,12 @@
                     <a:p>
                       <a:pPr algn="l" fontAlgn="b"/>
                       <a:r>
-                        <a:rPr lang="en-CA" sz="1200" u="none" strike="noStrike">
+                        <a:rPr lang="en-CA" sz="1200" u="none" strike="noStrike" dirty="0">
                           <a:effectLst/>
                         </a:rPr>
-                        <a:t>Training Score</a:t>
+                        <a:t>R^2</a:t>
                       </a:r>
-                      <a:endParaRPr lang="en-CA" sz="1200" b="0" i="0" u="none" strike="noStrike">
-                        <a:solidFill>
-                          <a:srgbClr val="000000"/>
-                        </a:solidFill>
-                        <a:effectLst/>
-                        <a:latin typeface="Calibri" panose="020F0502020204030204" pitchFamily="34" charset="0"/>
-                      </a:endParaRPr>
-                    </a:p>
-                  </a:txBody>
-                  <a:tcPr marL="9525" marR="9525" marT="9525" marB="0" anchor="b"/>
-                </a:tc>
-                <a:tc>
-                  <a:txBody>
-                    <a:bodyPr/>
-                    <a:lstStyle/>
-                    <a:p>
-                      <a:pPr algn="l" fontAlgn="b"/>
-                      <a:r>
-                        <a:rPr lang="en-CA" sz="1200" u="none" strike="noStrike">
-                          <a:effectLst/>
-                        </a:rPr>
-                        <a:t>Test Score</a:t>
-                      </a:r>
-                      <a:endParaRPr lang="en-CA" sz="1200" b="0" i="0" u="none" strike="noStrike">
+                      <a:endParaRPr lang="en-CA" sz="1200" b="0" i="0" u="none" strike="noStrike" dirty="0">
                         <a:solidFill>
                           <a:srgbClr val="000000"/>
                         </a:solidFill>
@@ -12444,7 +15620,7 @@
                   </a:ext>
                 </a:extLst>
               </a:tr>
-              <a:tr h="298615">
+              <a:tr h="278904">
                 <a:tc>
                   <a:txBody>
                     <a:bodyPr/>
@@ -12475,40 +15651,17 @@
                     <a:p>
                       <a:pPr algn="r" fontAlgn="b"/>
                       <a:r>
-                        <a:rPr lang="en-CA" sz="1200" u="none" strike="noStrike">
+                        <a:rPr lang="en-CA" sz="1200" u="none" strike="noStrike" dirty="0">
                           <a:effectLst/>
                         </a:rPr>
                         <a:t>2753.377</a:t>
                       </a:r>
-                      <a:endParaRPr lang="en-CA" sz="1200" b="0" i="0" u="none" strike="noStrike">
+                      <a:endParaRPr lang="en-CA" sz="1200" b="0" i="0" u="none" strike="noStrike" dirty="0">
                         <a:solidFill>
                           <a:srgbClr val="000000"/>
                         </a:solidFill>
                         <a:effectLst/>
-                        <a:latin typeface="Calibri" panose="020F0502020204030204" pitchFamily="34" charset="0"/>
-                      </a:endParaRPr>
-                    </a:p>
-                  </a:txBody>
-                  <a:tcPr marL="9525" marR="9525" marT="9525" marB="0" anchor="b"/>
-                </a:tc>
-                <a:tc>
-                  <a:txBody>
-                    <a:bodyPr/>
-                    <a:lstStyle/>
-                    <a:p>
-                      <a:pPr algn="r" fontAlgn="b"/>
-                      <a:r>
-                        <a:rPr lang="en-CA" sz="1200" u="none" strike="noStrike">
-                          <a:effectLst/>
-                        </a:rPr>
-                        <a:t>0.0145</a:t>
-                      </a:r>
-                      <a:endParaRPr lang="en-CA" sz="1200" b="0" i="0" u="none" strike="noStrike">
-                        <a:solidFill>
-                          <a:srgbClr val="383A42"/>
-                        </a:solidFill>
-                        <a:effectLst/>
-                        <a:latin typeface="Menlo" panose="020B0609030804020204" pitchFamily="49" charset="0"/>
+                        <a:latin typeface="+mn-lt"/>
                       </a:endParaRPr>
                     </a:p>
                   </a:txBody>
@@ -12524,14 +15677,14 @@
                         <a:rPr lang="en-CA" sz="1200" u="none" strike="noStrike" dirty="0">
                           <a:effectLst/>
                         </a:rPr>
-                        <a:t>0.0112</a:t>
+                        <a:t>52.5</a:t>
                       </a:r>
                       <a:endParaRPr lang="en-CA" sz="1200" b="0" i="0" u="none" strike="noStrike" dirty="0">
                         <a:solidFill>
-                          <a:srgbClr val="383A42"/>
+                          <a:srgbClr val="000000"/>
                         </a:solidFill>
                         <a:effectLst/>
-                        <a:latin typeface="Menlo" panose="020B0609030804020204" pitchFamily="49" charset="0"/>
+                        <a:latin typeface="+mn-lt"/>
                       </a:endParaRPr>
                     </a:p>
                   </a:txBody>
@@ -12544,17 +15697,17 @@
                     <a:p>
                       <a:pPr algn="r" fontAlgn="b"/>
                       <a:r>
-                        <a:rPr lang="en-CA" sz="1200" u="none" strike="noStrike">
+                        <a:rPr lang="en-CA" sz="1200" u="none" strike="noStrike" dirty="0">
                           <a:effectLst/>
                         </a:rPr>
                         <a:t>0.0145</a:t>
                       </a:r>
-                      <a:endParaRPr lang="en-CA" sz="1200" b="0" i="0" u="none" strike="noStrike">
+                      <a:endParaRPr lang="en-CA" sz="1200" b="0" i="0" u="none" strike="noStrike" dirty="0">
                         <a:solidFill>
-                          <a:srgbClr val="000000"/>
+                          <a:srgbClr val="383A42"/>
                         </a:solidFill>
                         <a:effectLst/>
-                        <a:latin typeface="Calibri" panose="020F0502020204030204" pitchFamily="34" charset="0"/>
+                        <a:latin typeface="+mn-lt"/>
                       </a:endParaRPr>
                     </a:p>
                   </a:txBody>
@@ -12595,19 +15748,62 @@
                     <a:bodyPr/>
                     <a:lstStyle/>
                     <a:p>
-                      <a:pPr algn="l" fontAlgn="b"/>
+                      <a:pPr algn="r" fontAlgn="b"/>
                       <a:r>
                         <a:rPr lang="en-CA" sz="1200" u="none" strike="noStrike" dirty="0">
                           <a:effectLst/>
                         </a:rPr>
                         <a:t> </a:t>
                       </a:r>
+                      <a:r>
+                        <a:rPr lang="en-CA" sz="1200" dirty="0"/>
+                        <a:t>2753.392</a:t>
+                      </a:r>
                       <a:endParaRPr lang="en-CA" sz="1200" b="0" i="0" u="none" strike="noStrike" dirty="0">
                         <a:solidFill>
                           <a:srgbClr val="000000"/>
                         </a:solidFill>
                         <a:effectLst/>
-                        <a:latin typeface="Calibri" panose="020F0502020204030204" pitchFamily="34" charset="0"/>
+                        <a:latin typeface="+mn-lt"/>
+                      </a:endParaRPr>
+                    </a:p>
+                  </a:txBody>
+                  <a:tcPr marL="9525" marR="9525" marT="9525" marB="0" anchor="b"/>
+                </a:tc>
+                <a:tc>
+                  <a:txBody>
+                    <a:bodyPr/>
+                    <a:lstStyle/>
+                    <a:p>
+                      <a:pPr marL="0" marR="0" lvl="0" indent="0" algn="r" defTabSz="914400" rtl="0" eaLnBrk="1" fontAlgn="b" latinLnBrk="0" hangingPunct="1">
+                        <a:lnSpc>
+                          <a:spcPct val="100000"/>
+                        </a:lnSpc>
+                        <a:spcBef>
+                          <a:spcPts val="0"/>
+                        </a:spcBef>
+                        <a:spcAft>
+                          <a:spcPts val="0"/>
+                        </a:spcAft>
+                        <a:buClrTx/>
+                        <a:buSzTx/>
+                        <a:buFontTx/>
+                        <a:buNone/>
+                        <a:tabLst/>
+                        <a:defRPr/>
+                      </a:pPr>
+                      <a:r>
+                        <a:rPr lang="en-CA" sz="1200" u="none" strike="noStrike" dirty="0">
+                          <a:effectLst/>
+                        </a:rPr>
+                        <a:t>52.5</a:t>
+                      </a:r>
+                      <a:endParaRPr lang="en-CA" sz="1200" b="0" i="0" u="none" strike="noStrike" dirty="0">
+                        <a:solidFill>
+                          <a:srgbClr val="000000"/>
+                        </a:solidFill>
+                        <a:effectLst/>
+                        <a:latin typeface="+mn-lt"/>
                       </a:endParaRPr>
                     </a:p>
                   </a:txBody>
@@ -12620,63 +15816,17 @@
                     <a:p>
                       <a:pPr algn="r" fontAlgn="b"/>
                       <a:r>
-                        <a:rPr lang="en-CA" sz="1200" u="none" strike="noStrike">
+                        <a:rPr lang="en-CA" sz="1200" u="none" strike="noStrike" dirty="0">
                           <a:effectLst/>
                         </a:rPr>
                         <a:t>0.0145</a:t>
                       </a:r>
-                      <a:endParaRPr lang="en-CA" sz="1200" b="0" i="0" u="none" strike="noStrike">
+                      <a:endParaRPr lang="en-CA" sz="1200" b="0" i="0" u="none" strike="noStrike" dirty="0">
                         <a:solidFill>
                           <a:srgbClr val="383A42"/>
                         </a:solidFill>
                         <a:effectLst/>
-                        <a:latin typeface="Menlo" panose="020B0609030804020204" pitchFamily="49" charset="0"/>
-                      </a:endParaRPr>
-                    </a:p>
-                  </a:txBody>
-                  <a:tcPr marL="9525" marR="9525" marT="9525" marB="0" anchor="b"/>
-                </a:tc>
-                <a:tc>
-                  <a:txBody>
-                    <a:bodyPr/>
-                    <a:lstStyle/>
-                    <a:p>
-                      <a:pPr algn="l" fontAlgn="b"/>
-                      <a:r>
-                        <a:rPr lang="en-CA" sz="1200" u="none" strike="noStrike">
-                          <a:effectLst/>
-                        </a:rPr>
-                        <a:t> </a:t>
-                      </a:r>
-                      <a:endParaRPr lang="en-CA" sz="1200" b="0" i="0" u="none" strike="noStrike">
-                        <a:solidFill>
-                          <a:srgbClr val="000000"/>
-                        </a:solidFill>
-                        <a:effectLst/>
-                        <a:latin typeface="Calibri" panose="020F0502020204030204" pitchFamily="34" charset="0"/>
-                      </a:endParaRPr>
-                    </a:p>
-                  </a:txBody>
-                  <a:tcPr marL="9525" marR="9525" marT="9525" marB="0" anchor="b"/>
-                </a:tc>
-                <a:tc>
-                  <a:txBody>
-                    <a:bodyPr/>
-                    <a:lstStyle/>
-                    <a:p>
-                      <a:pPr algn="l" fontAlgn="b"/>
-                      <a:r>
-                        <a:rPr lang="en-CA" sz="1200" u="none" strike="noStrike">
-                          <a:effectLst/>
-                        </a:rPr>
-                        <a:t> </a:t>
-                      </a:r>
-                      <a:endParaRPr lang="en-CA" sz="1200" b="0" i="0" u="none" strike="noStrike">
-                        <a:solidFill>
-                          <a:srgbClr val="000000"/>
-                        </a:solidFill>
-                        <a:effectLst/>
-                        <a:latin typeface="Calibri" panose="020F0502020204030204" pitchFamily="34" charset="0"/>
+                        <a:latin typeface="+mn-lt"/>
                       </a:endParaRPr>
                     </a:p>
                   </a:txBody>
@@ -12717,19 +15867,23 @@
                     <a:bodyPr/>
                     <a:lstStyle/>
                     <a:p>
-                      <a:pPr algn="l" fontAlgn="b"/>
+                      <a:pPr algn="r" fontAlgn="b"/>
                       <a:r>
-                        <a:rPr lang="en-CA" sz="1200" u="none" strike="noStrike">
+                        <a:rPr lang="en-CA" sz="1200" u="none" strike="noStrike" dirty="0">
                           <a:effectLst/>
                         </a:rPr>
                         <a:t> </a:t>
                       </a:r>
-                      <a:endParaRPr lang="en-CA" sz="1200" b="0" i="0" u="none" strike="noStrike">
+                      <a:r>
+                        <a:rPr lang="en-CA" sz="1200" dirty="0"/>
+                        <a:t>2753.382</a:t>
+                      </a:r>
+                      <a:endParaRPr lang="en-CA" sz="1200" b="0" i="0" u="none" strike="noStrike" dirty="0">
                         <a:solidFill>
                           <a:srgbClr val="000000"/>
                         </a:solidFill>
                         <a:effectLst/>
-                        <a:latin typeface="Calibri" panose="020F0502020204030204" pitchFamily="34" charset="0"/>
+                        <a:latin typeface="+mn-lt"/>
                       </a:endParaRPr>
                     </a:p>
                   </a:txBody>
@@ -12742,17 +15896,17 @@
                     <a:p>
                       <a:pPr algn="r" fontAlgn="b"/>
                       <a:r>
-                        <a:rPr lang="en-CA" sz="1200" u="none" strike="noStrike">
+                        <a:rPr lang="en-CA" sz="1200" u="none" strike="noStrike" dirty="0">
                           <a:effectLst/>
                         </a:rPr>
-                        <a:t>0.0145</a:t>
+                        <a:t>52.5</a:t>
                       </a:r>
-                      <a:endParaRPr lang="en-CA" sz="1200" b="0" i="0" u="none" strike="noStrike">
+                      <a:endParaRPr lang="en-CA" sz="1200" b="0" i="0" u="none" strike="noStrike" dirty="0">
                         <a:solidFill>
-                          <a:srgbClr val="383A42"/>
+                          <a:srgbClr val="000000"/>
                         </a:solidFill>
                         <a:effectLst/>
-                        <a:latin typeface="Menlo" panose="020B0609030804020204" pitchFamily="49" charset="0"/>
+                        <a:latin typeface="+mn-lt"/>
                       </a:endParaRPr>
                     </a:p>
                   </a:txBody>
@@ -12763,42 +15917,19 @@
                     <a:bodyPr/>
                     <a:lstStyle/>
                     <a:p>
-                      <a:pPr algn="l" fontAlgn="b"/>
+                      <a:pPr algn="r" fontAlgn="b"/>
                       <a:r>
-                        <a:rPr lang="en-CA" sz="1200" u="none" strike="noStrike">
+                        <a:rPr lang="en-CA" sz="1200" u="none" strike="noStrike" dirty="0">
                           <a:effectLst/>
                         </a:rPr>
-                        <a:t> </a:t>
+                        <a:t>0.0145</a:t>
                       </a:r>
-                      <a:endParaRPr lang="en-CA" sz="1200" b="0" i="0" u="none" strike="noStrike">
+                      <a:endParaRPr lang="en-CA" sz="1200" b="0" i="0" u="none" strike="noStrike" dirty="0">
                         <a:solidFill>
-                          <a:srgbClr val="000000"/>
+                          <a:srgbClr val="383A42"/>
                         </a:solidFill>
                         <a:effectLst/>
-                        <a:latin typeface="Calibri" panose="020F0502020204030204" pitchFamily="34" charset="0"/>
-                      </a:endParaRPr>
-                    </a:p>
-                  </a:txBody>
-                  <a:tcPr marL="9525" marR="9525" marT="9525" marB="0" anchor="b"/>
-                </a:tc>
-                <a:tc>
-                  <a:txBody>
-                    <a:bodyPr/>
-                    <a:lstStyle/>
-                    <a:p>
-                      <a:pPr algn="l" fontAlgn="b"/>
-                      <a:r>
-                        <a:rPr lang="en-CA" sz="1200" u="none" strike="noStrike">
-                          <a:effectLst/>
-                        </a:rPr>
-                        <a:t> </a:t>
-                      </a:r>
-                      <a:endParaRPr lang="en-CA" sz="1200" b="0" i="0" u="none" strike="noStrike">
-                        <a:solidFill>
-                          <a:srgbClr val="000000"/>
-                        </a:solidFill>
-                        <a:effectLst/>
-                        <a:latin typeface="Calibri" panose="020F0502020204030204" pitchFamily="34" charset="0"/>
+                        <a:latin typeface="+mn-lt"/>
                       </a:endParaRPr>
                     </a:p>
                   </a:txBody>
@@ -12857,7 +15988,30 @@
                           <a:srgbClr val="000000"/>
                         </a:solidFill>
                         <a:effectLst/>
-                        <a:latin typeface="Calibri" panose="020F0502020204030204" pitchFamily="34" charset="0"/>
+                        <a:latin typeface="+mn-lt"/>
+                      </a:endParaRPr>
+                    </a:p>
+                  </a:txBody>
+                  <a:tcPr marL="9525" marR="9525" marT="9525" marB="0" anchor="b"/>
+                </a:tc>
+                <a:tc>
+                  <a:txBody>
+                    <a:bodyPr/>
+                    <a:lstStyle/>
+                    <a:p>
+                      <a:pPr algn="r" fontAlgn="b"/>
+                      <a:r>
+                        <a:rPr lang="en-CA" sz="1200" u="none" strike="noStrike" dirty="0">
+                          <a:effectLst/>
+                        </a:rPr>
+                        <a:t>48.0</a:t>
+                      </a:r>
+                      <a:endParaRPr lang="en-CA" sz="1200" b="0" i="0" u="none" strike="noStrike" dirty="0">
+                        <a:solidFill>
+                          <a:srgbClr val="000000"/>
+                        </a:solidFill>
+                        <a:effectLst/>
+                        <a:latin typeface="+mn-lt"/>
                       </a:endParaRPr>
                     </a:p>
                   </a:txBody>
@@ -12880,53 +16034,7 @@
                           <a:srgbClr val="383A42"/>
                         </a:solidFill>
                         <a:effectLst/>
-                        <a:latin typeface="Menlo" panose="020B0609030804020204" pitchFamily="49" charset="0"/>
-                      </a:endParaRPr>
-                    </a:p>
-                  </a:txBody>
-                  <a:tcPr marL="9525" marR="9525" marT="9525" marB="0" anchor="b"/>
-                </a:tc>
-                <a:tc>
-                  <a:txBody>
-                    <a:bodyPr/>
-                    <a:lstStyle/>
-                    <a:p>
-                      <a:pPr algn="r" fontAlgn="b"/>
-                      <a:r>
-                        <a:rPr lang="en-CA" sz="1200" u="none" strike="noStrike" dirty="0">
-                          <a:effectLst/>
-                        </a:rPr>
-                        <a:t>0.1276</a:t>
-                      </a:r>
-                      <a:endParaRPr lang="en-CA" sz="1200" b="0" i="0" u="none" strike="noStrike" dirty="0">
-                        <a:solidFill>
-                          <a:srgbClr val="000000"/>
-                        </a:solidFill>
-                        <a:effectLst/>
-                        <a:latin typeface="Calibri" panose="020F0502020204030204" pitchFamily="34" charset="0"/>
-                      </a:endParaRPr>
-                    </a:p>
-                  </a:txBody>
-                  <a:tcPr marL="9525" marR="9525" marT="9525" marB="0" anchor="b"/>
-                </a:tc>
-                <a:tc>
-                  <a:txBody>
-                    <a:bodyPr/>
-                    <a:lstStyle/>
-                    <a:p>
-                      <a:pPr algn="r" fontAlgn="b"/>
-                      <a:r>
-                        <a:rPr lang="en-CA" sz="1200" u="none" strike="noStrike" dirty="0">
-                          <a:effectLst/>
-                        </a:rPr>
-                        <a:t>0.0231</a:t>
-                      </a:r>
-                      <a:endParaRPr lang="en-CA" sz="1200" b="0" i="0" u="none" strike="noStrike" dirty="0">
-                        <a:solidFill>
-                          <a:srgbClr val="000000"/>
-                        </a:solidFill>
-                        <a:effectLst/>
-                        <a:latin typeface="Calibri" panose="020F0502020204030204" pitchFamily="34" charset="0"/>
+                        <a:latin typeface="+mn-lt"/>
                       </a:endParaRPr>
                     </a:p>
                   </a:txBody>
@@ -12942,6 +16050,82 @@
           </a:graphicData>
         </a:graphic>
       </p:graphicFrame>
+      <p:pic>
+        <p:nvPicPr>
+          <p:cNvPr id="20" name="Content Placeholder 19">
+            <a:extLst>
+              <a:ext uri="{FF2B5EF4-FFF2-40B4-BE49-F238E27FC236}">
+                <a16:creationId xmlns:a16="http://schemas.microsoft.com/office/drawing/2014/main" id="{147D8E54-E529-6BD7-8981-2E469753F9F2}"/>
+              </a:ext>
+            </a:extLst>
+          </p:cNvPr>
+          <p:cNvPicPr>
+            <a:picLocks noGrp="1" noChangeAspect="1"/>
+          </p:cNvPicPr>
+          <p:nvPr>
+            <p:ph sz="half" idx="2"/>
+          </p:nvPr>
+        </p:nvPicPr>
+        <p:blipFill>
+          <a:blip r:embed="rId2"/>
+          <a:stretch>
+            <a:fillRect/>
+          </a:stretch>
+        </p:blipFill>
+        <p:spPr>
+          <a:xfrm>
+            <a:off x="6345238" y="2686115"/>
+            <a:ext cx="4938712" cy="3278058"/>
+          </a:xfrm>
+        </p:spPr>
+      </p:pic>
+      <p:sp>
+        <p:nvSpPr>
+          <p:cNvPr id="21" name="TextBox 20">
+            <a:extLst>
+              <a:ext uri="{FF2B5EF4-FFF2-40B4-BE49-F238E27FC236}">
+                <a16:creationId xmlns:a16="http://schemas.microsoft.com/office/drawing/2014/main" id="{813E0B3E-AACB-D2D6-90B6-AED82C3326A4}"/>
+              </a:ext>
+            </a:extLst>
+          </p:cNvPr>
+          <p:cNvSpPr txBox="1"/>
+          <p:nvPr/>
+        </p:nvSpPr>
+        <p:spPr>
+          <a:xfrm>
+            <a:off x="8419481" y="2383097"/>
+            <a:ext cx="1951625" cy="307777"/>
+          </a:xfrm>
+          <a:prstGeom prst="rect">
+            <a:avLst/>
+          </a:prstGeom>
+          <a:noFill/>
+        </p:spPr>
+        <p:txBody>
+          <a:bodyPr wrap="none" rtlCol="0">
+            <a:spAutoFit/>
+          </a:bodyPr>
+          <a:lstStyle/>
+          <a:p>
+            <a:r>
+              <a:rPr lang="en-US" sz="1400" b="1" dirty="0" err="1">
+                <a:solidFill>
+                  <a:srgbClr val="0070C0"/>
+                </a:solidFill>
+              </a:rPr>
+              <a:t>XGboost</a:t>
+            </a:r>
+            <a:r>
+              <a:rPr lang="en-US" sz="1400" b="1" dirty="0">
+                <a:solidFill>
+                  <a:srgbClr val="0070C0"/>
+                </a:solidFill>
+              </a:rPr>
+              <a:t> Regression</a:t>
+            </a:r>
+          </a:p>
+        </p:txBody>
+      </p:sp>
     </p:spTree>
     <p:extLst>
       <p:ext uri="{BB962C8B-B14F-4D97-AF65-F5344CB8AC3E}">
@@ -12955,7 +16139,280 @@
 </p:sld>
 </file>
 
-<file path=ppt/slides/slide13.xml><?xml version="1.0" encoding="utf-8"?>
+<file path=ppt/slides/slide11.xml><?xml version="1.0" encoding="utf-8"?>
+<p:sld xmlns:a="http://schemas.openxmlformats.org/drawingml/2006/main" xmlns:r="http://schemas.openxmlformats.org/officeDocument/2006/relationships" xmlns:p="http://schemas.openxmlformats.org/presentationml/2006/main">
+  <p:cSld>
+    <p:spTree>
+      <p:nvGrpSpPr>
+        <p:cNvPr id="1" name=""/>
+        <p:cNvGrpSpPr/>
+        <p:nvPr/>
+      </p:nvGrpSpPr>
+      <p:grpSpPr>
+        <a:xfrm>
+          <a:off x="0" y="0"/>
+          <a:ext cx="0" cy="0"/>
+          <a:chOff x="0" y="0"/>
+          <a:chExt cx="0" cy="0"/>
+        </a:xfrm>
+      </p:grpSpPr>
+      <p:sp>
+        <p:nvSpPr>
+          <p:cNvPr id="2" name="Title 1">
+            <a:extLst>
+              <a:ext uri="{FF2B5EF4-FFF2-40B4-BE49-F238E27FC236}">
+                <a16:creationId xmlns:a16="http://schemas.microsoft.com/office/drawing/2014/main" id="{B40E3042-C55D-55CE-FD1D-2FAB100D1806}"/>
+              </a:ext>
+            </a:extLst>
+          </p:cNvPr>
+          <p:cNvSpPr>
+            <a:spLocks noGrp="1"/>
+          </p:cNvSpPr>
+          <p:nvPr>
+            <p:ph type="title"/>
+          </p:nvPr>
+        </p:nvSpPr>
+        <p:spPr/>
+        <p:txBody>
+          <a:bodyPr/>
+          <a:lstStyle/>
+          <a:p>
+            <a:r>
+              <a:rPr lang="en-US" dirty="0"/>
+              <a:t>Models Results with Jan 2020 Data</a:t>
+            </a:r>
+          </a:p>
+        </p:txBody>
+      </p:sp>
+      <p:sp>
+        <p:nvSpPr>
+          <p:cNvPr id="9" name="TextBox 8">
+            <a:extLst>
+              <a:ext uri="{FF2B5EF4-FFF2-40B4-BE49-F238E27FC236}">
+                <a16:creationId xmlns:a16="http://schemas.microsoft.com/office/drawing/2014/main" id="{DA4AD159-39A4-29E8-29D0-1632736770EA}"/>
+              </a:ext>
+            </a:extLst>
+          </p:cNvPr>
+          <p:cNvSpPr txBox="1"/>
+          <p:nvPr/>
+        </p:nvSpPr>
+        <p:spPr>
+          <a:xfrm>
+            <a:off x="4623081" y="3275111"/>
+            <a:ext cx="1729897" cy="307777"/>
+          </a:xfrm>
+          <a:prstGeom prst="rect">
+            <a:avLst/>
+          </a:prstGeom>
+          <a:noFill/>
+        </p:spPr>
+        <p:txBody>
+          <a:bodyPr wrap="none" rtlCol="0">
+            <a:spAutoFit/>
+          </a:bodyPr>
+          <a:lstStyle/>
+          <a:p>
+            <a:r>
+              <a:rPr lang="en-US" sz="1400" b="1" dirty="0">
+                <a:solidFill>
+                  <a:srgbClr val="0070C0"/>
+                </a:solidFill>
+              </a:rPr>
+              <a:t>Linear Regression</a:t>
+            </a:r>
+          </a:p>
+        </p:txBody>
+      </p:sp>
+      <p:sp>
+        <p:nvSpPr>
+          <p:cNvPr id="11" name="TextBox 10">
+            <a:extLst>
+              <a:ext uri="{FF2B5EF4-FFF2-40B4-BE49-F238E27FC236}">
+                <a16:creationId xmlns:a16="http://schemas.microsoft.com/office/drawing/2014/main" id="{614BF7B4-8C92-B0DA-BC30-B4D12E3D2E1B}"/>
+              </a:ext>
+            </a:extLst>
+          </p:cNvPr>
+          <p:cNvSpPr txBox="1"/>
+          <p:nvPr/>
+        </p:nvSpPr>
+        <p:spPr>
+          <a:xfrm>
+            <a:off x="8359330" y="3275111"/>
+            <a:ext cx="1951625" cy="307777"/>
+          </a:xfrm>
+          <a:prstGeom prst="rect">
+            <a:avLst/>
+          </a:prstGeom>
+          <a:noFill/>
+        </p:spPr>
+        <p:txBody>
+          <a:bodyPr wrap="none" rtlCol="0">
+            <a:spAutoFit/>
+          </a:bodyPr>
+          <a:lstStyle/>
+          <a:p>
+            <a:r>
+              <a:rPr lang="en-US" sz="1400" b="1" dirty="0" err="1">
+                <a:solidFill>
+                  <a:srgbClr val="0070C0"/>
+                </a:solidFill>
+              </a:rPr>
+              <a:t>XGboost</a:t>
+            </a:r>
+            <a:r>
+              <a:rPr lang="en-US" sz="1400" b="1" dirty="0">
+                <a:solidFill>
+                  <a:srgbClr val="0070C0"/>
+                </a:solidFill>
+              </a:rPr>
+              <a:t> Regression</a:t>
+            </a:r>
+          </a:p>
+        </p:txBody>
+      </p:sp>
+      <p:pic>
+        <p:nvPicPr>
+          <p:cNvPr id="8" name="Picture 7">
+            <a:extLst>
+              <a:ext uri="{FF2B5EF4-FFF2-40B4-BE49-F238E27FC236}">
+                <a16:creationId xmlns:a16="http://schemas.microsoft.com/office/drawing/2014/main" id="{5D6B70C1-0E8C-CC74-E393-CBEA82BAA5AB}"/>
+              </a:ext>
+            </a:extLst>
+          </p:cNvPr>
+          <p:cNvPicPr>
+            <a:picLocks noChangeAspect="1"/>
+          </p:cNvPicPr>
+          <p:nvPr/>
+        </p:nvPicPr>
+        <p:blipFill>
+          <a:blip r:embed="rId2"/>
+          <a:stretch>
+            <a:fillRect/>
+          </a:stretch>
+        </p:blipFill>
+        <p:spPr>
+          <a:xfrm>
+            <a:off x="4595491" y="3725999"/>
+            <a:ext cx="2255715" cy="1524132"/>
+          </a:xfrm>
+          <a:prstGeom prst="rect">
+            <a:avLst/>
+          </a:prstGeom>
+        </p:spPr>
+      </p:pic>
+      <p:sp>
+        <p:nvSpPr>
+          <p:cNvPr id="10" name="TextBox 9">
+            <a:extLst>
+              <a:ext uri="{FF2B5EF4-FFF2-40B4-BE49-F238E27FC236}">
+                <a16:creationId xmlns:a16="http://schemas.microsoft.com/office/drawing/2014/main" id="{94022BB4-F753-17B6-17C2-D2AA3C30311D}"/>
+              </a:ext>
+            </a:extLst>
+          </p:cNvPr>
+          <p:cNvSpPr txBox="1"/>
+          <p:nvPr/>
+        </p:nvSpPr>
+        <p:spPr>
+          <a:xfrm>
+            <a:off x="718256" y="3315359"/>
+            <a:ext cx="2660344" cy="307777"/>
+          </a:xfrm>
+          <a:prstGeom prst="rect">
+            <a:avLst/>
+          </a:prstGeom>
+          <a:noFill/>
+        </p:spPr>
+        <p:txBody>
+          <a:bodyPr wrap="none" rtlCol="0">
+            <a:spAutoFit/>
+          </a:bodyPr>
+          <a:lstStyle/>
+          <a:p>
+            <a:r>
+              <a:rPr lang="en-US" sz="1400" b="1" dirty="0">
+                <a:solidFill>
+                  <a:srgbClr val="0070C0"/>
+                </a:solidFill>
+              </a:rPr>
+              <a:t>Model Training Arrival Delay</a:t>
+            </a:r>
+          </a:p>
+        </p:txBody>
+      </p:sp>
+      <p:pic>
+        <p:nvPicPr>
+          <p:cNvPr id="23" name="Picture 22">
+            <a:extLst>
+              <a:ext uri="{FF2B5EF4-FFF2-40B4-BE49-F238E27FC236}">
+                <a16:creationId xmlns:a16="http://schemas.microsoft.com/office/drawing/2014/main" id="{B139E8F1-AC23-8506-8FD9-E19E4E44907F}"/>
+              </a:ext>
+            </a:extLst>
+          </p:cNvPr>
+          <p:cNvPicPr>
+            <a:picLocks noChangeAspect="1"/>
+          </p:cNvPicPr>
+          <p:nvPr/>
+        </p:nvPicPr>
+        <p:blipFill>
+          <a:blip r:embed="rId3"/>
+          <a:stretch>
+            <a:fillRect/>
+          </a:stretch>
+        </p:blipFill>
+        <p:spPr>
+          <a:xfrm>
+            <a:off x="1016195" y="3741240"/>
+            <a:ext cx="2362405" cy="1508891"/>
+          </a:xfrm>
+          <a:prstGeom prst="rect">
+            <a:avLst/>
+          </a:prstGeom>
+        </p:spPr>
+      </p:pic>
+      <p:pic>
+        <p:nvPicPr>
+          <p:cNvPr id="25" name="Picture 24">
+            <a:extLst>
+              <a:ext uri="{FF2B5EF4-FFF2-40B4-BE49-F238E27FC236}">
+                <a16:creationId xmlns:a16="http://schemas.microsoft.com/office/drawing/2014/main" id="{779D5ECA-F9CA-1241-8136-318F2DAABEA0}"/>
+              </a:ext>
+            </a:extLst>
+          </p:cNvPr>
+          <p:cNvPicPr>
+            <a:picLocks noChangeAspect="1"/>
+          </p:cNvPicPr>
+          <p:nvPr/>
+        </p:nvPicPr>
+        <p:blipFill>
+          <a:blip r:embed="rId4"/>
+          <a:stretch>
+            <a:fillRect/>
+          </a:stretch>
+        </p:blipFill>
+        <p:spPr>
+          <a:xfrm>
+            <a:off x="8404607" y="3725999"/>
+            <a:ext cx="2251905" cy="1577477"/>
+          </a:xfrm>
+          <a:prstGeom prst="rect">
+            <a:avLst/>
+          </a:prstGeom>
+        </p:spPr>
+      </p:pic>
+    </p:spTree>
+    <p:extLst>
+      <p:ext uri="{BB962C8B-B14F-4D97-AF65-F5344CB8AC3E}">
+        <p14:creationId xmlns:p14="http://schemas.microsoft.com/office/powerpoint/2010/main" val="2568439162"/>
+      </p:ext>
+    </p:extLst>
+  </p:cSld>
+  <p:clrMapOvr>
+    <a:masterClrMapping/>
+  </p:clrMapOvr>
+</p:sld>
+</file>
+
+<file path=ppt/slides/slide12.xml><?xml version="1.0" encoding="utf-8"?>
 <p:sld xmlns:a="http://schemas.openxmlformats.org/drawingml/2006/main" xmlns:r="http://schemas.openxmlformats.org/officeDocument/2006/relationships" xmlns:p="http://schemas.openxmlformats.org/presentationml/2006/main">
   <p:cSld>
     <p:bg>
@@ -13835,7 +17292,7 @@
             </a:pPr>
             <a:r>
               <a:rPr lang="en-US" dirty="0"/>
-              <a:t>Create a machine learning model based on US domestic flights data (2019 – 2020 ) to predict delays in January 2020</a:t>
+              <a:t>Create a machine learning model based on US domestic flights data (2019 – 2020 ) to predict arrival delays in January 2020</a:t>
             </a:r>
           </a:p>
         </p:txBody>
@@ -13893,7 +17350,7 @@
           <a:p>
             <a:r>
               <a:rPr lang="en-US" dirty="0"/>
-              <a:t>Average Flight Delay 2018-2019</a:t>
+              <a:t>Flight Delays 2018-2019</a:t>
             </a:r>
           </a:p>
         </p:txBody>
@@ -13919,8 +17376,38 @@
         </p:blipFill>
         <p:spPr>
           <a:xfrm>
-            <a:off x="3092822" y="2144454"/>
+            <a:off x="565190" y="2253565"/>
             <a:ext cx="5364101" cy="4021567"/>
+          </a:xfrm>
+          <a:prstGeom prst="rect">
+            <a:avLst/>
+          </a:prstGeom>
+        </p:spPr>
+      </p:pic>
+      <p:pic>
+        <p:nvPicPr>
+          <p:cNvPr id="4" name="Picture 3">
+            <a:extLst>
+              <a:ext uri="{FF2B5EF4-FFF2-40B4-BE49-F238E27FC236}">
+                <a16:creationId xmlns:a16="http://schemas.microsoft.com/office/drawing/2014/main" id="{55AE42B5-9295-8178-6FB6-71D795F980D8}"/>
+              </a:ext>
+            </a:extLst>
+          </p:cNvPr>
+          <p:cNvPicPr>
+            <a:picLocks noChangeAspect="1"/>
+          </p:cNvPicPr>
+          <p:nvPr/>
+        </p:nvPicPr>
+        <p:blipFill>
+          <a:blip r:embed="rId3"/>
+          <a:stretch>
+            <a:fillRect/>
+          </a:stretch>
+        </p:blipFill>
+        <p:spPr>
+          <a:xfrm>
+            <a:off x="6444578" y="2415496"/>
+            <a:ext cx="5182232" cy="3360388"/>
           </a:xfrm>
           <a:prstGeom prst="rect">
             <a:avLst/>
@@ -14136,7 +17623,7 @@
             </a:pPr>
             <a:r>
               <a:rPr lang="en-US" dirty="0"/>
-              <a:t>We used </a:t>
+              <a:t>We used the </a:t>
             </a:r>
             <a:r>
               <a:rPr lang="en-US" dirty="0" err="1"/>
@@ -14463,7 +17950,7 @@
           <p:cNvPr id="2" name="Title 1">
             <a:extLst>
               <a:ext uri="{FF2B5EF4-FFF2-40B4-BE49-F238E27FC236}">
-                <a16:creationId xmlns:a16="http://schemas.microsoft.com/office/drawing/2014/main" id="{8668BC95-6813-3131-1352-B4217A016F6E}"/>
+                <a16:creationId xmlns:a16="http://schemas.microsoft.com/office/drawing/2014/main" id="{6786CED0-E805-6A19-D371-B192239574EA}"/>
               </a:ext>
             </a:extLst>
           </p:cNvPr>
@@ -14474,81 +17961,60 @@
             <p:ph type="title"/>
           </p:nvPr>
         </p:nvSpPr>
-        <p:spPr/>
+        <p:spPr>
+          <a:xfrm>
+            <a:off x="868680" y="1719072"/>
+            <a:ext cx="3103427" cy="3520440"/>
+          </a:xfrm>
+        </p:spPr>
         <p:txBody>
-          <a:bodyPr/>
+          <a:bodyPr anchor="t">
+            <a:normAutofit/>
+          </a:bodyPr>
           <a:lstStyle/>
           <a:p>
             <a:r>
-              <a:rPr lang="en-US" dirty="0"/>
-              <a:t>Departure Time Short Haul vs Long Haul</a:t>
+              <a:rPr lang="en-US" sz="3600" dirty="0"/>
+              <a:t>Feature Selection Workflow</a:t>
             </a:r>
           </a:p>
         </p:txBody>
       </p:sp>
-      <p:pic>
-        <p:nvPicPr>
-          <p:cNvPr id="12" name="Picture 11">
+      <p:graphicFrame>
+        <p:nvGraphicFramePr>
+          <p:cNvPr id="5" name="Content Placeholder 2">
             <a:extLst>
               <a:ext uri="{FF2B5EF4-FFF2-40B4-BE49-F238E27FC236}">
-                <a16:creationId xmlns:a16="http://schemas.microsoft.com/office/drawing/2014/main" id="{6FAA26B2-0603-FFB7-DB50-4842AA21453F}"/>
+                <a16:creationId xmlns:a16="http://schemas.microsoft.com/office/drawing/2014/main" id="{06A6CACB-633C-82C1-A882-7C4C61FD4928}"/>
               </a:ext>
             </a:extLst>
           </p:cNvPr>
-          <p:cNvPicPr>
-            <a:picLocks noChangeAspect="1"/>
-          </p:cNvPicPr>
-          <p:nvPr/>
-        </p:nvPicPr>
-        <p:blipFill>
-          <a:blip r:embed="rId2"/>
-          <a:stretch>
-            <a:fillRect/>
-          </a:stretch>
-        </p:blipFill>
-        <p:spPr>
-          <a:xfrm>
-            <a:off x="482600" y="2090158"/>
-            <a:ext cx="6509327" cy="2167806"/>
-          </a:xfrm>
-          <a:prstGeom prst="rect">
-            <a:avLst/>
-          </a:prstGeom>
-        </p:spPr>
-      </p:pic>
-      <p:pic>
-        <p:nvPicPr>
-          <p:cNvPr id="13" name="Picture 12">
-            <a:extLst>
-              <a:ext uri="{FF2B5EF4-FFF2-40B4-BE49-F238E27FC236}">
-                <a16:creationId xmlns:a16="http://schemas.microsoft.com/office/drawing/2014/main" id="{58D227FE-6464-0C37-3102-BB5C35E33C54}"/>
-              </a:ext>
-            </a:extLst>
-          </p:cNvPr>
-          <p:cNvPicPr>
-            <a:picLocks noChangeAspect="1"/>
-          </p:cNvPicPr>
-          <p:nvPr/>
-        </p:nvPicPr>
-        <p:blipFill rotWithShape="1">
-          <a:blip r:embed="rId3"/>
-          <a:srcRect t="3694"/>
-          <a:stretch/>
-        </p:blipFill>
-        <p:spPr>
-          <a:xfrm>
-            <a:off x="4456268" y="4257964"/>
-            <a:ext cx="7567168" cy="2426626"/>
-          </a:xfrm>
-          <a:prstGeom prst="rect">
-            <a:avLst/>
-          </a:prstGeom>
-        </p:spPr>
-      </p:pic>
+          <p:cNvGraphicFramePr>
+            <a:graphicFrameLocks noGrp="1"/>
+          </p:cNvGraphicFramePr>
+          <p:nvPr>
+            <p:ph idx="1"/>
+            <p:extLst>
+              <p:ext uri="{D42A27DB-BD31-4B8C-83A1-F6EECF244321}">
+                <p14:modId xmlns:p14="http://schemas.microsoft.com/office/powerpoint/2010/main" val="3662998616"/>
+              </p:ext>
+            </p:extLst>
+          </p:nvPr>
+        </p:nvGraphicFramePr>
+        <p:xfrm>
+          <a:off x="4727448" y="640080"/>
+          <a:ext cx="6967728" cy="5577840"/>
+        </p:xfrm>
+        <a:graphic>
+          <a:graphicData uri="http://schemas.openxmlformats.org/drawingml/2006/diagram">
+            <dgm:relIds xmlns:dgm="http://schemas.openxmlformats.org/drawingml/2006/diagram" xmlns:r="http://schemas.openxmlformats.org/officeDocument/2006/relationships" r:dm="rId2" r:lo="rId3" r:qs="rId4" r:cs="rId5"/>
+          </a:graphicData>
+        </a:graphic>
+      </p:graphicFrame>
     </p:spTree>
     <p:extLst>
       <p:ext uri="{BB962C8B-B14F-4D97-AF65-F5344CB8AC3E}">
-        <p14:creationId xmlns:p14="http://schemas.microsoft.com/office/powerpoint/2010/main" val="1050357805"/>
+        <p14:creationId xmlns:p14="http://schemas.microsoft.com/office/powerpoint/2010/main" val="3015983327"/>
       </p:ext>
     </p:extLst>
   </p:cSld>
@@ -14580,7 +18046,7 @@
           <p:cNvPr id="2" name="Title 1">
             <a:extLst>
               <a:ext uri="{FF2B5EF4-FFF2-40B4-BE49-F238E27FC236}">
-                <a16:creationId xmlns:a16="http://schemas.microsoft.com/office/drawing/2014/main" id="{8668BC95-6813-3131-1352-B4217A016F6E}"/>
+                <a16:creationId xmlns:a16="http://schemas.microsoft.com/office/drawing/2014/main" id="{6BFB177E-629C-D5C0-80FC-FDA5B640DE3B}"/>
               </a:ext>
             </a:extLst>
           </p:cNvPr>
@@ -14598,75 +18064,89 @@
           <a:p>
             <a:r>
               <a:rPr lang="en-US" dirty="0"/>
-              <a:t>PCA</a:t>
+              <a:t>Modeling</a:t>
             </a:r>
           </a:p>
         </p:txBody>
       </p:sp>
-      <p:pic>
-        <p:nvPicPr>
-          <p:cNvPr id="4" name="Picture 3">
+      <p:sp>
+        <p:nvSpPr>
+          <p:cNvPr id="3" name="Content Placeholder 2">
             <a:extLst>
               <a:ext uri="{FF2B5EF4-FFF2-40B4-BE49-F238E27FC236}">
-                <a16:creationId xmlns:a16="http://schemas.microsoft.com/office/drawing/2014/main" id="{03879BEF-D3CD-E23B-D3D5-B3BCBC925ACA}"/>
+                <a16:creationId xmlns:a16="http://schemas.microsoft.com/office/drawing/2014/main" id="{36A9321C-1E6D-A631-D399-E67D3E392753}"/>
               </a:ext>
             </a:extLst>
           </p:cNvPr>
-          <p:cNvPicPr>
-            <a:picLocks noChangeAspect="1"/>
-          </p:cNvPicPr>
-          <p:nvPr/>
-        </p:nvPicPr>
-        <p:blipFill>
-          <a:blip r:embed="rId2"/>
-          <a:stretch>
-            <a:fillRect/>
-          </a:stretch>
-        </p:blipFill>
-        <p:spPr>
-          <a:xfrm>
-            <a:off x="628072" y="2137572"/>
-            <a:ext cx="5467928" cy="4186818"/>
-          </a:xfrm>
-          <a:prstGeom prst="rect">
-            <a:avLst/>
-          </a:prstGeom>
-        </p:spPr>
-      </p:pic>
-      <p:pic>
-        <p:nvPicPr>
-          <p:cNvPr id="5" name="Picture 4">
-            <a:extLst>
-              <a:ext uri="{FF2B5EF4-FFF2-40B4-BE49-F238E27FC236}">
-                <a16:creationId xmlns:a16="http://schemas.microsoft.com/office/drawing/2014/main" id="{C571D6ED-78EA-02C3-89FA-C26815E676C0}"/>
-              </a:ext>
-            </a:extLst>
-          </p:cNvPr>
-          <p:cNvPicPr>
-            <a:picLocks noChangeAspect="1"/>
-          </p:cNvPicPr>
-          <p:nvPr/>
-        </p:nvPicPr>
-        <p:blipFill>
-          <a:blip r:embed="rId3"/>
-          <a:stretch>
-            <a:fillRect/>
-          </a:stretch>
-        </p:blipFill>
-        <p:spPr>
-          <a:xfrm>
-            <a:off x="6096000" y="2137572"/>
-            <a:ext cx="5423352" cy="4129878"/>
-          </a:xfrm>
-          <a:prstGeom prst="rect">
-            <a:avLst/>
-          </a:prstGeom>
-        </p:spPr>
-      </p:pic>
+          <p:cNvSpPr>
+            <a:spLocks noGrp="1"/>
+          </p:cNvSpPr>
+          <p:nvPr>
+            <p:ph idx="1"/>
+          </p:nvPr>
+        </p:nvSpPr>
+        <p:spPr/>
+        <p:txBody>
+          <a:bodyPr>
+            <a:normAutofit/>
+          </a:bodyPr>
+          <a:lstStyle/>
+          <a:p>
+            <a:r>
+              <a:rPr lang="en-US" dirty="0"/>
+              <a:t>Model Input: US domestic flight and weather data</a:t>
+            </a:r>
+          </a:p>
+          <a:p>
+            <a:r>
+              <a:rPr lang="en-US" dirty="0"/>
+              <a:t>Model Output: Arrival Delays</a:t>
+            </a:r>
+          </a:p>
+          <a:p>
+            <a:r>
+              <a:rPr lang="en-US" dirty="0"/>
+              <a:t>Tried multiple algorithms:</a:t>
+            </a:r>
+          </a:p>
+          <a:p>
+            <a:pPr lvl="1"/>
+            <a:r>
+              <a:rPr lang="en-US" dirty="0"/>
+              <a:t>Linear Regression (including Ridge and Lasso)</a:t>
+            </a:r>
+          </a:p>
+          <a:p>
+            <a:pPr lvl="1"/>
+            <a:r>
+              <a:rPr lang="en-US" dirty="0"/>
+              <a:t>Random Forest Classifier, SVM &amp; Naïve Bayes</a:t>
+            </a:r>
+          </a:p>
+          <a:p>
+            <a:pPr lvl="1"/>
+            <a:r>
+              <a:rPr lang="en-US" dirty="0" err="1"/>
+              <a:t>XGBoost</a:t>
+            </a:r>
+            <a:endParaRPr lang="en-US" dirty="0"/>
+          </a:p>
+          <a:p>
+            <a:pPr lvl="1"/>
+            <a:endParaRPr lang="en-US" dirty="0"/>
+          </a:p>
+          <a:p>
+            <a:pPr marL="457200" lvl="1" indent="0">
+              <a:buNone/>
+            </a:pPr>
+            <a:endParaRPr lang="en-US" dirty="0"/>
+          </a:p>
+        </p:txBody>
+      </p:sp>
     </p:spTree>
     <p:extLst>
       <p:ext uri="{BB962C8B-B14F-4D97-AF65-F5344CB8AC3E}">
-        <p14:creationId xmlns:p14="http://schemas.microsoft.com/office/powerpoint/2010/main" val="3890426640"/>
+        <p14:creationId xmlns:p14="http://schemas.microsoft.com/office/powerpoint/2010/main" val="2075841855"/>
       </p:ext>
     </p:extLst>
   </p:cSld>
